--- a/lectures/lec11/lec11.pptx
+++ b/lectures/lec11/lec11.pptx
@@ -7,10 +7,10 @@
   <p:sldIdLst>
     <p:sldId id="264" r:id="rId2"/>
     <p:sldId id="265" r:id="rId3"/>
-    <p:sldId id="266" r:id="rId4"/>
-    <p:sldId id="267" r:id="rId5"/>
-    <p:sldId id="268" r:id="rId6"/>
-    <p:sldId id="269" r:id="rId7"/>
+    <p:sldId id="267" r:id="rId4"/>
+    <p:sldId id="268" r:id="rId5"/>
+    <p:sldId id="269" r:id="rId6"/>
+    <p:sldId id="296" r:id="rId7"/>
     <p:sldId id="270" r:id="rId8"/>
     <p:sldId id="271" r:id="rId9"/>
     <p:sldId id="273" r:id="rId10"/>
@@ -20,25 +20,24 @@
     <p:sldId id="276" r:id="rId14"/>
     <p:sldId id="277" r:id="rId15"/>
     <p:sldId id="279" r:id="rId16"/>
-    <p:sldId id="280" r:id="rId17"/>
-    <p:sldId id="281" r:id="rId18"/>
+    <p:sldId id="299" r:id="rId17"/>
+    <p:sldId id="280" r:id="rId18"/>
     <p:sldId id="282" r:id="rId19"/>
-    <p:sldId id="283" r:id="rId20"/>
-    <p:sldId id="284" r:id="rId21"/>
-    <p:sldId id="285" r:id="rId22"/>
-    <p:sldId id="286" r:id="rId23"/>
-    <p:sldId id="287" r:id="rId24"/>
-    <p:sldId id="288" r:id="rId25"/>
-    <p:sldId id="289" r:id="rId26"/>
-    <p:sldId id="290" r:id="rId27"/>
-    <p:sldId id="291" r:id="rId28"/>
-    <p:sldId id="292" r:id="rId29"/>
-    <p:sldId id="293" r:id="rId30"/>
-    <p:sldId id="294" r:id="rId31"/>
-    <p:sldId id="295" r:id="rId32"/>
-    <p:sldId id="263" r:id="rId33"/>
-    <p:sldId id="262" r:id="rId34"/>
-    <p:sldId id="261" r:id="rId35"/>
+    <p:sldId id="297" r:id="rId20"/>
+    <p:sldId id="298" r:id="rId21"/>
+    <p:sldId id="283" r:id="rId22"/>
+    <p:sldId id="284" r:id="rId23"/>
+    <p:sldId id="286" r:id="rId24"/>
+    <p:sldId id="287" r:id="rId25"/>
+    <p:sldId id="288" r:id="rId26"/>
+    <p:sldId id="289" r:id="rId27"/>
+    <p:sldId id="290" r:id="rId28"/>
+    <p:sldId id="291" r:id="rId29"/>
+    <p:sldId id="292" r:id="rId30"/>
+    <p:sldId id="293" r:id="rId31"/>
+    <p:sldId id="294" r:id="rId32"/>
+    <p:sldId id="295" r:id="rId33"/>
+    <p:sldId id="300" r:id="rId34"/>
   </p:sldIdLst>
   <p:sldSz cx="9144000" cy="6858000" type="screen4x3"/>
   <p:notesSz cx="6858000" cy="9144000"/>
@@ -144,10 +143,10 @@
           <p14:sldIdLst>
             <p14:sldId id="264"/>
             <p14:sldId id="265"/>
-            <p14:sldId id="266"/>
             <p14:sldId id="267"/>
             <p14:sldId id="268"/>
             <p14:sldId id="269"/>
+            <p14:sldId id="296"/>
             <p14:sldId id="270"/>
             <p14:sldId id="271"/>
             <p14:sldId id="273"/>
@@ -157,12 +156,13 @@
             <p14:sldId id="276"/>
             <p14:sldId id="277"/>
             <p14:sldId id="279"/>
+            <p14:sldId id="299"/>
             <p14:sldId id="280"/>
-            <p14:sldId id="281"/>
             <p14:sldId id="282"/>
+            <p14:sldId id="297"/>
+            <p14:sldId id="298"/>
             <p14:sldId id="283"/>
             <p14:sldId id="284"/>
-            <p14:sldId id="285"/>
             <p14:sldId id="286"/>
             <p14:sldId id="287"/>
             <p14:sldId id="288"/>
@@ -177,9 +177,7 @@
         </p14:section>
         <p14:section name="Untitled Section" id="{448F6AA1-7E66-BC44-9E32-295021B39B4B}">
           <p14:sldIdLst>
-            <p14:sldId id="263"/>
-            <p14:sldId id="262"/>
-            <p14:sldId id="261"/>
+            <p14:sldId id="300"/>
           </p14:sldIdLst>
         </p14:section>
       </p14:sectionLst>
@@ -383,7 +381,7 @@
           <a:p>
             <a:fld id="{5ECE4D60-05A1-A640-A7CD-C0D17F809990}" type="datetimeFigureOut">
               <a:rPr lang="en-US" smtClean="0"/>
-              <a:t>10/22/2017</a:t>
+              <a:t>10/27/2017</a:t>
             </a:fld>
             <a:endParaRPr lang="en-US"/>
           </a:p>
@@ -553,7 +551,7 @@
           <a:p>
             <a:fld id="{5ECE4D60-05A1-A640-A7CD-C0D17F809990}" type="datetimeFigureOut">
               <a:rPr lang="en-US" smtClean="0"/>
-              <a:t>10/22/2017</a:t>
+              <a:t>10/27/2017</a:t>
             </a:fld>
             <a:endParaRPr lang="en-US"/>
           </a:p>
@@ -733,7 +731,7 @@
           <a:p>
             <a:fld id="{5ECE4D60-05A1-A640-A7CD-C0D17F809990}" type="datetimeFigureOut">
               <a:rPr lang="en-US" smtClean="0"/>
-              <a:t>10/22/2017</a:t>
+              <a:t>10/27/2017</a:t>
             </a:fld>
             <a:endParaRPr lang="en-US"/>
           </a:p>
@@ -903,7 +901,7 @@
           <a:p>
             <a:fld id="{5ECE4D60-05A1-A640-A7CD-C0D17F809990}" type="datetimeFigureOut">
               <a:rPr lang="en-US" smtClean="0"/>
-              <a:t>10/22/2017</a:t>
+              <a:t>10/27/2017</a:t>
             </a:fld>
             <a:endParaRPr lang="en-US"/>
           </a:p>
@@ -1149,7 +1147,7 @@
           <a:p>
             <a:fld id="{5ECE4D60-05A1-A640-A7CD-C0D17F809990}" type="datetimeFigureOut">
               <a:rPr lang="en-US" smtClean="0"/>
-              <a:t>10/22/2017</a:t>
+              <a:t>10/27/2017</a:t>
             </a:fld>
             <a:endParaRPr lang="en-US"/>
           </a:p>
@@ -1437,7 +1435,7 @@
           <a:p>
             <a:fld id="{5ECE4D60-05A1-A640-A7CD-C0D17F809990}" type="datetimeFigureOut">
               <a:rPr lang="en-US" smtClean="0"/>
-              <a:t>10/22/2017</a:t>
+              <a:t>10/27/2017</a:t>
             </a:fld>
             <a:endParaRPr lang="en-US"/>
           </a:p>
@@ -1864,7 +1862,7 @@
           <a:p>
             <a:fld id="{5ECE4D60-05A1-A640-A7CD-C0D17F809990}" type="datetimeFigureOut">
               <a:rPr lang="en-US" smtClean="0"/>
-              <a:t>10/22/2017</a:t>
+              <a:t>10/27/2017</a:t>
             </a:fld>
             <a:endParaRPr lang="en-US"/>
           </a:p>
@@ -1982,7 +1980,7 @@
           <a:p>
             <a:fld id="{5ECE4D60-05A1-A640-A7CD-C0D17F809990}" type="datetimeFigureOut">
               <a:rPr lang="en-US" smtClean="0"/>
-              <a:t>10/22/2017</a:t>
+              <a:t>10/27/2017</a:t>
             </a:fld>
             <a:endParaRPr lang="en-US"/>
           </a:p>
@@ -2077,7 +2075,7 @@
           <a:p>
             <a:fld id="{5ECE4D60-05A1-A640-A7CD-C0D17F809990}" type="datetimeFigureOut">
               <a:rPr lang="en-US" smtClean="0"/>
-              <a:t>10/22/2017</a:t>
+              <a:t>10/27/2017</a:t>
             </a:fld>
             <a:endParaRPr lang="en-US"/>
           </a:p>
@@ -2354,7 +2352,7 @@
           <a:p>
             <a:fld id="{5ECE4D60-05A1-A640-A7CD-C0D17F809990}" type="datetimeFigureOut">
               <a:rPr lang="en-US" smtClean="0"/>
-              <a:t>10/22/2017</a:t>
+              <a:t>10/27/2017</a:t>
             </a:fld>
             <a:endParaRPr lang="en-US"/>
           </a:p>
@@ -2607,7 +2605,7 @@
           <a:p>
             <a:fld id="{5ECE4D60-05A1-A640-A7CD-C0D17F809990}" type="datetimeFigureOut">
               <a:rPr lang="en-US" smtClean="0"/>
-              <a:t>10/22/2017</a:t>
+              <a:t>10/27/2017</a:t>
             </a:fld>
             <a:endParaRPr lang="en-US"/>
           </a:p>
@@ -2820,7 +2818,7 @@
           <a:p>
             <a:fld id="{5ECE4D60-05A1-A640-A7CD-C0D17F809990}" type="datetimeFigureOut">
               <a:rPr lang="en-US" smtClean="0"/>
-              <a:t>10/22/2017</a:t>
+              <a:t>10/27/2017</a:t>
             </a:fld>
             <a:endParaRPr lang="en-US"/>
           </a:p>
@@ -3236,7 +3234,7 @@
           <a:lstStyle/>
           <a:p>
             <a:pPr algn="ctr"/>
-            <a:endParaRPr lang="en-US"/>
+            <a:endParaRPr lang="en-US" dirty="0"/>
           </a:p>
         </p:txBody>
       </p:sp>
@@ -3301,11 +3299,6 @@
               </a:rPr>
               <a:t>dictionary, mutable arguments</a:t>
             </a:r>
-            <a:endParaRPr lang="en-US" sz="2000" dirty="0" smtClean="0">
-              <a:solidFill>
-                <a:srgbClr val="118EB0"/>
-              </a:solidFill>
-            </a:endParaRPr>
           </a:p>
           <a:p>
             <a:pPr algn="r"/>
@@ -3322,15 +3315,7 @@
                   <a:srgbClr val="000000"/>
                 </a:solidFill>
               </a:rPr>
-              <a:t>CS101 Lecture </a:t>
-            </a:r>
-            <a:r>
-              <a:rPr lang="en-US" sz="3600" dirty="0" smtClean="0">
-                <a:solidFill>
-                  <a:srgbClr val="000000"/>
-                </a:solidFill>
-              </a:rPr>
-              <a:t>#11</a:t>
+              <a:t>CS101 Lecture #11</a:t>
             </a:r>
             <a:endParaRPr lang="en-US" sz="4800" dirty="0">
               <a:solidFill>
@@ -3625,7 +3610,23 @@
           <a:p>
             <a:r>
               <a:rPr lang="en-US" sz="2800" dirty="0" smtClean="0"/>
-              <a:t>Analogy of a real dictionary, but can use data types besides string</a:t>
+              <a:t>Analogy of a real </a:t>
+            </a:r>
+            <a:r>
+              <a:rPr lang="en-US" sz="2800" dirty="0" smtClean="0"/>
+              <a:t>dictionary </a:t>
+            </a:r>
+            <a:r>
+              <a:rPr lang="en-US" sz="2000" dirty="0" smtClean="0"/>
+              <a:t>(word: explanation)</a:t>
+            </a:r>
+            <a:r>
+              <a:rPr lang="en-US" sz="2800" dirty="0" smtClean="0"/>
+              <a:t>, </a:t>
+            </a:r>
+            <a:r>
+              <a:rPr lang="en-US" sz="2800" dirty="0" smtClean="0"/>
+              <a:t>but can use data types besides string</a:t>
             </a:r>
           </a:p>
           <a:p>
@@ -3645,7 +3646,21 @@
               <a:rPr lang="en-US" sz="2800" i="1" dirty="0" smtClean="0"/>
               <a:t>value</a:t>
             </a:r>
-            <a:endParaRPr lang="en-US" sz="2400" i="1" dirty="0"/>
+          </a:p>
+          <a:p>
+            <a:r>
+              <a:rPr lang="en-US" sz="2800" dirty="0" smtClean="0"/>
+              <a:t>It is a </a:t>
+            </a:r>
+            <a:r>
+              <a:rPr lang="en-US" sz="2800" i="1" dirty="0" smtClean="0"/>
+              <a:t>many-to-one </a:t>
+            </a:r>
+            <a:r>
+              <a:rPr lang="en-US" sz="2800" dirty="0" smtClean="0"/>
+              <a:t>mapping</a:t>
+            </a:r>
+            <a:endParaRPr lang="en-US" sz="2400" dirty="0"/>
           </a:p>
         </p:txBody>
       </p:sp>
@@ -3665,7 +3680,7 @@
         </p:blipFill>
         <p:spPr>
           <a:xfrm>
-            <a:off x="1671003" y="3740801"/>
+            <a:off x="1671003" y="4359053"/>
             <a:ext cx="5677705" cy="2072768"/>
           </a:xfrm>
           <a:prstGeom prst="rect">
@@ -4134,7 +4149,9 @@
           </a:xfrm>
         </p:spPr>
         <p:txBody>
-          <a:bodyPr/>
+          <a:bodyPr>
+            <a:normAutofit/>
+          </a:bodyPr>
           <a:lstStyle/>
           <a:p>
             <a:r>
@@ -4167,10 +4184,33 @@
             <a:pPr lvl="1"/>
             <a:r>
               <a:rPr lang="en-US" dirty="0" smtClean="0"/>
-              <a:t>Closing brace }</a:t>
-            </a:r>
-          </a:p>
-          <a:p>
+              <a:t>Closing brace </a:t>
+            </a:r>
+            <a:r>
+              <a:rPr lang="en-US" dirty="0" smtClean="0"/>
+              <a:t>}</a:t>
+            </a:r>
+          </a:p>
+          <a:p>
+            <a:pPr lvl="1"/>
+            <a:endParaRPr lang="en-US" dirty="0"/>
+          </a:p>
+          <a:p>
+            <a:pPr lvl="1"/>
+            <a:endParaRPr lang="en-US" dirty="0" smtClean="0"/>
+          </a:p>
+          <a:p>
+            <a:pPr lvl="1"/>
+            <a:endParaRPr lang="en-US" dirty="0"/>
+          </a:p>
+          <a:p>
+            <a:pPr lvl="1"/>
+            <a:endParaRPr lang="en-US" dirty="0" smtClean="0"/>
+          </a:p>
+          <a:p>
+            <a:pPr marL="0" indent="0">
+              <a:buNone/>
+            </a:pPr>
             <a:endParaRPr lang="en-US" dirty="0"/>
           </a:p>
         </p:txBody>
@@ -4183,7 +4223,7 @@
         </p:nvSpPr>
         <p:spPr>
           <a:xfrm>
-            <a:off x="975520" y="4030462"/>
+            <a:off x="895621" y="4079446"/>
             <a:ext cx="3265638" cy="1754326"/>
           </a:xfrm>
           <a:prstGeom prst="rect">
@@ -4507,7 +4547,7 @@
         <p:spPr>
           <a:xfrm>
             <a:off x="709190" y="1615736"/>
-            <a:ext cx="6401111" cy="3139321"/>
+            <a:ext cx="7758949" cy="3416320"/>
           </a:xfrm>
           <a:prstGeom prst="rect">
             <a:avLst/>
@@ -4515,7 +4555,7 @@
           <a:noFill/>
         </p:spPr>
         <p:txBody>
-          <a:bodyPr wrap="none" rtlCol="0">
+          <a:bodyPr wrap="square" rtlCol="0">
             <a:spAutoFit/>
           </a:bodyPr>
           <a:lstStyle/>
@@ -4543,16 +4583,109 @@
                 <a:latin typeface="Courier New" panose="02070309020205020404" pitchFamily="49" charset="0"/>
                 <a:cs typeface="Courier New" panose="02070309020205020404" pitchFamily="49" charset="0"/>
               </a:rPr>
-              <a:t>d[‘four’] = 4			#add a new key-value pair</a:t>
-            </a:r>
-          </a:p>
-          <a:p>
-            <a:r>
-              <a:rPr lang="en-US" altLang="zh-CN" dirty="0" smtClean="0">
-                <a:latin typeface="Courier New" panose="02070309020205020404" pitchFamily="49" charset="0"/>
-                <a:cs typeface="Courier New" panose="02070309020205020404" pitchFamily="49" charset="0"/>
-              </a:rPr>
-              <a:t>d[‘three’] = 3.0		#modify an existing pair</a:t>
+              <a:t>d[‘four’] = 4			</a:t>
+            </a:r>
+            <a:r>
+              <a:rPr lang="en-US" altLang="zh-CN" dirty="0" smtClean="0">
+                <a:solidFill>
+                  <a:srgbClr val="00B0F0"/>
+                </a:solidFill>
+                <a:latin typeface="Courier New" panose="02070309020205020404" pitchFamily="49" charset="0"/>
+                <a:cs typeface="Courier New" panose="02070309020205020404" pitchFamily="49" charset="0"/>
+              </a:rPr>
+              <a:t># add </a:t>
+            </a:r>
+            <a:r>
+              <a:rPr lang="en-US" altLang="zh-CN" dirty="0" smtClean="0">
+                <a:solidFill>
+                  <a:srgbClr val="00B0F0"/>
+                </a:solidFill>
+                <a:latin typeface="Courier New" panose="02070309020205020404" pitchFamily="49" charset="0"/>
+                <a:cs typeface="Courier New" panose="02070309020205020404" pitchFamily="49" charset="0"/>
+              </a:rPr>
+              <a:t>a new key-value </a:t>
+            </a:r>
+            <a:r>
+              <a:rPr lang="en-US" altLang="zh-CN" dirty="0" smtClean="0">
+                <a:solidFill>
+                  <a:srgbClr val="00B0F0"/>
+                </a:solidFill>
+                <a:latin typeface="Courier New" panose="02070309020205020404" pitchFamily="49" charset="0"/>
+                <a:cs typeface="Courier New" panose="02070309020205020404" pitchFamily="49" charset="0"/>
+              </a:rPr>
+              <a:t>pair if key </a:t>
+            </a:r>
+          </a:p>
+          <a:p>
+            <a:r>
+              <a:rPr lang="en-US" altLang="zh-CN" dirty="0">
+                <a:latin typeface="Courier New" panose="02070309020205020404" pitchFamily="49" charset="0"/>
+                <a:cs typeface="Courier New" panose="02070309020205020404" pitchFamily="49" charset="0"/>
+              </a:rPr>
+              <a:t>	</a:t>
+            </a:r>
+            <a:r>
+              <a:rPr lang="en-US" altLang="zh-CN" dirty="0" smtClean="0">
+                <a:latin typeface="Courier New" panose="02070309020205020404" pitchFamily="49" charset="0"/>
+                <a:cs typeface="Courier New" panose="02070309020205020404" pitchFamily="49" charset="0"/>
+              </a:rPr>
+              <a:t>					</a:t>
+            </a:r>
+            <a:r>
+              <a:rPr lang="en-US" altLang="zh-CN" dirty="0" smtClean="0">
+                <a:solidFill>
+                  <a:srgbClr val="00B0F0"/>
+                </a:solidFill>
+                <a:latin typeface="Courier New" panose="02070309020205020404" pitchFamily="49" charset="0"/>
+                <a:cs typeface="Courier New" panose="02070309020205020404" pitchFamily="49" charset="0"/>
+              </a:rPr>
+              <a:t># </a:t>
+            </a:r>
+            <a:r>
+              <a:rPr lang="en-US" altLang="zh-CN" dirty="0" smtClean="0">
+                <a:solidFill>
+                  <a:srgbClr val="00B0F0"/>
+                </a:solidFill>
+                <a:latin typeface="Courier New" panose="02070309020205020404" pitchFamily="49" charset="0"/>
+                <a:cs typeface="Courier New" panose="02070309020205020404" pitchFamily="49" charset="0"/>
+              </a:rPr>
+              <a:t>doesn’t exist</a:t>
+            </a:r>
+            <a:endParaRPr lang="en-US" altLang="zh-CN" dirty="0" smtClean="0">
+              <a:solidFill>
+                <a:srgbClr val="00B0F0"/>
+              </a:solidFill>
+              <a:latin typeface="Courier New" panose="02070309020205020404" pitchFamily="49" charset="0"/>
+              <a:cs typeface="Courier New" panose="02070309020205020404" pitchFamily="49" charset="0"/>
+            </a:endParaRPr>
+          </a:p>
+          <a:p>
+            <a:r>
+              <a:rPr lang="en-US" altLang="zh-CN" dirty="0" smtClean="0">
+                <a:latin typeface="Courier New" panose="02070309020205020404" pitchFamily="49" charset="0"/>
+                <a:cs typeface="Courier New" panose="02070309020205020404" pitchFamily="49" charset="0"/>
+              </a:rPr>
+              <a:t>d[‘three’] = 3.0		</a:t>
+            </a:r>
+            <a:r>
+              <a:rPr lang="en-US" altLang="zh-CN" dirty="0" smtClean="0">
+                <a:solidFill>
+                  <a:srgbClr val="00B0F0"/>
+                </a:solidFill>
+                <a:latin typeface="Courier New" panose="02070309020205020404" pitchFamily="49" charset="0"/>
+                <a:cs typeface="Courier New" panose="02070309020205020404" pitchFamily="49" charset="0"/>
+              </a:rPr>
+              <a:t># modify </a:t>
+            </a:r>
+            <a:r>
+              <a:rPr lang="en-US" altLang="zh-CN" dirty="0" smtClean="0">
+                <a:solidFill>
+                  <a:srgbClr val="00B0F0"/>
+                </a:solidFill>
+                <a:latin typeface="Courier New" panose="02070309020205020404" pitchFamily="49" charset="0"/>
+                <a:cs typeface="Courier New" panose="02070309020205020404" pitchFamily="49" charset="0"/>
+              </a:rPr>
+              <a:t>an existing pair</a:t>
             </a:r>
           </a:p>
           <a:p>
@@ -4579,7 +4712,27 @@
                 <a:latin typeface="Courier New" panose="02070309020205020404" pitchFamily="49" charset="0"/>
                 <a:cs typeface="Courier New" panose="02070309020205020404" pitchFamily="49" charset="0"/>
               </a:rPr>
-              <a:t>for key in d:			#no guarantee on order</a:t>
+              <a:t>for key in d:			</a:t>
+            </a:r>
+            <a:r>
+              <a:rPr lang="en-US" altLang="zh-CN" dirty="0" smtClean="0">
+                <a:solidFill>
+                  <a:srgbClr val="00B0F0"/>
+                </a:solidFill>
+                <a:latin typeface="Courier New" panose="02070309020205020404" pitchFamily="49" charset="0"/>
+                <a:cs typeface="Courier New" panose="02070309020205020404" pitchFamily="49" charset="0"/>
+              </a:rPr>
+              <a:t># no </a:t>
+            </a:r>
+            <a:r>
+              <a:rPr lang="en-US" altLang="zh-CN" dirty="0" smtClean="0">
+                <a:solidFill>
+                  <a:srgbClr val="00B0F0"/>
+                </a:solidFill>
+                <a:latin typeface="Courier New" panose="02070309020205020404" pitchFamily="49" charset="0"/>
+                <a:cs typeface="Courier New" panose="02070309020205020404" pitchFamily="49" charset="0"/>
+              </a:rPr>
+              <a:t>guarantee on order</a:t>
             </a:r>
           </a:p>
           <a:p>
@@ -5293,8 +5446,11 @@
               <a:rPr lang="en-US" altLang="zh-CN" dirty="0" smtClean="0">
                 <a:cs typeface="Courier New" panose="02070309020205020404" pitchFamily="49" charset="0"/>
               </a:rPr>
-              <a:t>What is the value of d?</a:t>
-            </a:r>
+              <a:t>What is stored in d?</a:t>
+            </a:r>
+            <a:endParaRPr lang="en-US" altLang="zh-CN" dirty="0" smtClean="0">
+              <a:cs typeface="Courier New" panose="02070309020205020404" pitchFamily="49" charset="0"/>
+            </a:endParaRPr>
           </a:p>
         </p:txBody>
       </p:sp>
@@ -5522,8 +5678,8 @@
         </p:nvSpPr>
         <p:spPr>
           <a:xfrm>
-            <a:off x="860110" y="2570520"/>
-            <a:ext cx="4596130" cy="2585323"/>
+            <a:off x="886741" y="2579397"/>
+            <a:ext cx="6996629" cy="3416320"/>
           </a:xfrm>
           <a:prstGeom prst="rect">
             <a:avLst/>
@@ -5531,26 +5687,157 @@
           <a:noFill/>
         </p:spPr>
         <p:txBody>
-          <a:bodyPr wrap="none" rtlCol="0">
+          <a:bodyPr wrap="square" rtlCol="0">
             <a:spAutoFit/>
           </a:bodyPr>
           <a:lstStyle/>
           <a:p>
             <a:r>
-              <a:rPr lang="en-US" altLang="zh-CN" dirty="0" smtClean="0">
-                <a:latin typeface="Courier New" panose="02070309020205020404" pitchFamily="49" charset="0"/>
-                <a:cs typeface="Courier New" panose="02070309020205020404" pitchFamily="49" charset="0"/>
-              </a:rPr>
-              <a:t>x = ‘ABCDEFGHIJKLMNOPQRSTUVWXYZ’</a:t>
-            </a:r>
-          </a:p>
-          <a:p>
-            <a:r>
-              <a:rPr lang="en-US" altLang="zh-CN" dirty="0" smtClean="0">
-                <a:latin typeface="Courier New" panose="02070309020205020404" pitchFamily="49" charset="0"/>
-                <a:cs typeface="Courier New" panose="02070309020205020404" pitchFamily="49" charset="0"/>
-              </a:rPr>
-              <a:t>y = ‘BCDEFGHIJKLMNOPQRSTUVWXYZA’</a:t>
+              <a:rPr lang="en-US" altLang="zh-CN" dirty="0" err="1" smtClean="0">
+                <a:latin typeface="Courier New" panose="02070309020205020404" pitchFamily="49" charset="0"/>
+                <a:cs typeface="Courier New" panose="02070309020205020404" pitchFamily="49" charset="0"/>
+              </a:rPr>
+              <a:t>zipcode</a:t>
+            </a:r>
+            <a:r>
+              <a:rPr lang="en-US" altLang="zh-CN" dirty="0" smtClean="0">
+                <a:latin typeface="Courier New" panose="02070309020205020404" pitchFamily="49" charset="0"/>
+                <a:cs typeface="Courier New" panose="02070309020205020404" pitchFamily="49" charset="0"/>
+              </a:rPr>
+              <a:t> = 	{‘Bill’: 60644,</a:t>
+            </a:r>
+          </a:p>
+          <a:p>
+            <a:r>
+              <a:rPr lang="en-US" altLang="zh-CN" dirty="0">
+                <a:latin typeface="Courier New" panose="02070309020205020404" pitchFamily="49" charset="0"/>
+                <a:cs typeface="Courier New" panose="02070309020205020404" pitchFamily="49" charset="0"/>
+              </a:rPr>
+              <a:t>	</a:t>
+            </a:r>
+            <a:r>
+              <a:rPr lang="en-US" altLang="zh-CN" dirty="0" smtClean="0">
+                <a:latin typeface="Courier New" panose="02070309020205020404" pitchFamily="49" charset="0"/>
+                <a:cs typeface="Courier New" panose="02070309020205020404" pitchFamily="49" charset="0"/>
+              </a:rPr>
+              <a:t>		 ‘Jill’: 41073,</a:t>
+            </a:r>
+          </a:p>
+          <a:p>
+            <a:r>
+              <a:rPr lang="en-US" altLang="zh-CN" dirty="0">
+                <a:latin typeface="Courier New" panose="02070309020205020404" pitchFamily="49" charset="0"/>
+                <a:cs typeface="Courier New" panose="02070309020205020404" pitchFamily="49" charset="0"/>
+              </a:rPr>
+              <a:t>	</a:t>
+            </a:r>
+            <a:r>
+              <a:rPr lang="en-US" altLang="zh-CN" dirty="0" smtClean="0">
+                <a:latin typeface="Courier New" panose="02070309020205020404" pitchFamily="49" charset="0"/>
+                <a:cs typeface="Courier New" panose="02070309020205020404" pitchFamily="49" charset="0"/>
+              </a:rPr>
+              <a:t>		 ‘Jack’: 61820,</a:t>
+            </a:r>
+          </a:p>
+          <a:p>
+            <a:r>
+              <a:rPr lang="en-US" altLang="zh-CN" dirty="0">
+                <a:latin typeface="Courier New" panose="02070309020205020404" pitchFamily="49" charset="0"/>
+                <a:cs typeface="Courier New" panose="02070309020205020404" pitchFamily="49" charset="0"/>
+              </a:rPr>
+              <a:t>	</a:t>
+            </a:r>
+            <a:r>
+              <a:rPr lang="en-US" altLang="zh-CN" dirty="0" smtClean="0">
+                <a:latin typeface="Courier New" panose="02070309020205020404" pitchFamily="49" charset="0"/>
+                <a:cs typeface="Courier New" panose="02070309020205020404" pitchFamily="49" charset="0"/>
+              </a:rPr>
+              <a:t>		 </a:t>
+            </a:r>
+            <a:r>
+              <a:rPr lang="en-US" altLang="zh-CN" dirty="0">
+                <a:latin typeface="Courier New" panose="02070309020205020404" pitchFamily="49" charset="0"/>
+                <a:cs typeface="Courier New" panose="02070309020205020404" pitchFamily="49" charset="0"/>
+              </a:rPr>
+              <a:t>‘Tony’: </a:t>
+            </a:r>
+            <a:r>
+              <a:rPr lang="en-US" altLang="zh-CN" dirty="0" smtClean="0">
+                <a:latin typeface="Courier New" panose="02070309020205020404" pitchFamily="49" charset="0"/>
+                <a:cs typeface="Courier New" panose="02070309020205020404" pitchFamily="49" charset="0"/>
+              </a:rPr>
+              <a:t>60801}</a:t>
+            </a:r>
+          </a:p>
+          <a:p>
+            <a:r>
+              <a:rPr lang="en-US" altLang="zh-CN" dirty="0" smtClean="0">
+                <a:latin typeface="Courier New" panose="02070309020205020404" pitchFamily="49" charset="0"/>
+                <a:cs typeface="Courier New" panose="02070309020205020404" pitchFamily="49" charset="0"/>
+              </a:rPr>
+              <a:t>zip2city = {41073: ‘Cincinnati’,</a:t>
+            </a:r>
+          </a:p>
+          <a:p>
+            <a:r>
+              <a:rPr lang="en-US" altLang="zh-CN" dirty="0">
+                <a:latin typeface="Courier New" panose="02070309020205020404" pitchFamily="49" charset="0"/>
+                <a:cs typeface="Courier New" panose="02070309020205020404" pitchFamily="49" charset="0"/>
+              </a:rPr>
+              <a:t>	</a:t>
+            </a:r>
+            <a:r>
+              <a:rPr lang="en-US" altLang="zh-CN" dirty="0" smtClean="0">
+                <a:latin typeface="Courier New" panose="02070309020205020404" pitchFamily="49" charset="0"/>
+                <a:cs typeface="Courier New" panose="02070309020205020404" pitchFamily="49" charset="0"/>
+              </a:rPr>
+              <a:t>		  60644: </a:t>
+            </a:r>
+            <a:r>
+              <a:rPr lang="en-US" altLang="zh-CN" dirty="0">
+                <a:latin typeface="Courier New" panose="02070309020205020404" pitchFamily="49" charset="0"/>
+                <a:cs typeface="Courier New" panose="02070309020205020404" pitchFamily="49" charset="0"/>
+              </a:rPr>
+              <a:t>‘Chicago</a:t>
+            </a:r>
+            <a:r>
+              <a:rPr lang="en-US" altLang="zh-CN" dirty="0" smtClean="0">
+                <a:latin typeface="Courier New" panose="02070309020205020404" pitchFamily="49" charset="0"/>
+                <a:cs typeface="Courier New" panose="02070309020205020404" pitchFamily="49" charset="0"/>
+              </a:rPr>
+              <a:t>’,</a:t>
+            </a:r>
+          </a:p>
+          <a:p>
+            <a:r>
+              <a:rPr lang="en-US" altLang="zh-CN" dirty="0">
+                <a:latin typeface="Courier New" panose="02070309020205020404" pitchFamily="49" charset="0"/>
+                <a:cs typeface="Courier New" panose="02070309020205020404" pitchFamily="49" charset="0"/>
+              </a:rPr>
+              <a:t>	</a:t>
+            </a:r>
+            <a:r>
+              <a:rPr lang="en-US" altLang="zh-CN" dirty="0" smtClean="0">
+                <a:latin typeface="Courier New" panose="02070309020205020404" pitchFamily="49" charset="0"/>
+                <a:cs typeface="Courier New" panose="02070309020205020404" pitchFamily="49" charset="0"/>
+              </a:rPr>
+              <a:t>		  61801: ‘Urbana’,</a:t>
+            </a:r>
+          </a:p>
+          <a:p>
+            <a:r>
+              <a:rPr lang="en-US" altLang="zh-CN" dirty="0">
+                <a:latin typeface="Courier New" panose="02070309020205020404" pitchFamily="49" charset="0"/>
+                <a:cs typeface="Courier New" panose="02070309020205020404" pitchFamily="49" charset="0"/>
+              </a:rPr>
+              <a:t>	</a:t>
+            </a:r>
+            <a:r>
+              <a:rPr lang="en-US" altLang="zh-CN" dirty="0" smtClean="0">
+                <a:latin typeface="Courier New" panose="02070309020205020404" pitchFamily="49" charset="0"/>
+                <a:cs typeface="Courier New" panose="02070309020205020404" pitchFamily="49" charset="0"/>
+              </a:rPr>
+              <a:t>		  61820: ‘Champaign’}</a:t>
             </a:r>
           </a:p>
           <a:p>
@@ -5565,128 +5852,59 @@
                 <a:latin typeface="Courier New" panose="02070309020205020404" pitchFamily="49" charset="0"/>
                 <a:cs typeface="Courier New" panose="02070309020205020404" pitchFamily="49" charset="0"/>
               </a:rPr>
-              <a:t>e = {}</a:t>
-            </a:r>
-            <a:br>
-              <a:rPr lang="en-US" altLang="zh-CN" dirty="0" smtClean="0">
-                <a:latin typeface="Courier New" panose="02070309020205020404" pitchFamily="49" charset="0"/>
-                <a:cs typeface="Courier New" panose="02070309020205020404" pitchFamily="49" charset="0"/>
-              </a:rPr>
-            </a:br>
-            <a:r>
-              <a:rPr lang="en-US" altLang="zh-CN" dirty="0" smtClean="0">
-                <a:latin typeface="Courier New" panose="02070309020205020404" pitchFamily="49" charset="0"/>
-                <a:cs typeface="Courier New" panose="02070309020205020404" pitchFamily="49" charset="0"/>
-              </a:rPr>
-              <a:t>for </a:t>
+              <a:t>for name in </a:t>
             </a:r>
             <a:r>
               <a:rPr lang="en-US" altLang="zh-CN" dirty="0" err="1" smtClean="0">
                 <a:latin typeface="Courier New" panose="02070309020205020404" pitchFamily="49" charset="0"/>
                 <a:cs typeface="Courier New" panose="02070309020205020404" pitchFamily="49" charset="0"/>
               </a:rPr>
-              <a:t>i</a:t>
-            </a:r>
-            <a:r>
-              <a:rPr lang="en-US" altLang="zh-CN" dirty="0" smtClean="0">
-                <a:latin typeface="Courier New" panose="02070309020205020404" pitchFamily="49" charset="0"/>
-                <a:cs typeface="Courier New" panose="02070309020205020404" pitchFamily="49" charset="0"/>
-              </a:rPr>
-              <a:t> in range(</a:t>
+              <a:t>zipcode</a:t>
+            </a:r>
+            <a:r>
+              <a:rPr lang="en-US" altLang="zh-CN" dirty="0" smtClean="0">
+                <a:latin typeface="Courier New" panose="02070309020205020404" pitchFamily="49" charset="0"/>
+                <a:cs typeface="Courier New" panose="02070309020205020404" pitchFamily="49" charset="0"/>
+              </a:rPr>
+              <a:t>:</a:t>
+            </a:r>
+          </a:p>
+          <a:p>
+            <a:r>
+              <a:rPr lang="en-US" altLang="zh-CN" dirty="0">
+                <a:latin typeface="Courier New" panose="02070309020205020404" pitchFamily="49" charset="0"/>
+                <a:cs typeface="Courier New" panose="02070309020205020404" pitchFamily="49" charset="0"/>
+              </a:rPr>
+              <a:t>	</a:t>
+            </a:r>
+            <a:r>
+              <a:rPr lang="en-US" altLang="zh-CN" dirty="0" smtClean="0">
+                <a:latin typeface="Courier New" panose="02070309020205020404" pitchFamily="49" charset="0"/>
+                <a:cs typeface="Courier New" panose="02070309020205020404" pitchFamily="49" charset="0"/>
+              </a:rPr>
+              <a:t>print(name, zip2city[ </a:t>
             </a:r>
             <a:r>
               <a:rPr lang="en-US" altLang="zh-CN" dirty="0" err="1" smtClean="0">
                 <a:latin typeface="Courier New" panose="02070309020205020404" pitchFamily="49" charset="0"/>
                 <a:cs typeface="Courier New" panose="02070309020205020404" pitchFamily="49" charset="0"/>
               </a:rPr>
-              <a:t>len</a:t>
-            </a:r>
-            <a:r>
-              <a:rPr lang="en-US" altLang="zh-CN" dirty="0" smtClean="0">
-                <a:latin typeface="Courier New" panose="02070309020205020404" pitchFamily="49" charset="0"/>
-                <a:cs typeface="Courier New" panose="02070309020205020404" pitchFamily="49" charset="0"/>
-              </a:rPr>
-              <a:t>(x)):</a:t>
-            </a:r>
-          </a:p>
-          <a:p>
-            <a:r>
-              <a:rPr lang="en-US" altLang="zh-CN" dirty="0">
-                <a:latin typeface="Courier New" panose="02070309020205020404" pitchFamily="49" charset="0"/>
-                <a:cs typeface="Courier New" panose="02070309020205020404" pitchFamily="49" charset="0"/>
-              </a:rPr>
-              <a:t>	</a:t>
-            </a:r>
-            <a:r>
-              <a:rPr lang="en-US" altLang="zh-CN" dirty="0" smtClean="0">
-                <a:latin typeface="Courier New" panose="02070309020205020404" pitchFamily="49" charset="0"/>
-                <a:cs typeface="Courier New" panose="02070309020205020404" pitchFamily="49" charset="0"/>
-              </a:rPr>
-              <a:t>e[x[</a:t>
-            </a:r>
-            <a:r>
-              <a:rPr lang="en-US" altLang="zh-CN" dirty="0" err="1" smtClean="0">
-                <a:latin typeface="Courier New" panose="02070309020205020404" pitchFamily="49" charset="0"/>
-                <a:cs typeface="Courier New" panose="02070309020205020404" pitchFamily="49" charset="0"/>
-              </a:rPr>
-              <a:t>i</a:t>
-            </a:r>
-            <a:r>
-              <a:rPr lang="en-US" altLang="zh-CN" dirty="0" smtClean="0">
-                <a:latin typeface="Courier New" panose="02070309020205020404" pitchFamily="49" charset="0"/>
-                <a:cs typeface="Courier New" panose="02070309020205020404" pitchFamily="49" charset="0"/>
-              </a:rPr>
-              <a:t>]] = y[</a:t>
-            </a:r>
-            <a:r>
-              <a:rPr lang="en-US" altLang="zh-CN" dirty="0" err="1" smtClean="0">
-                <a:latin typeface="Courier New" panose="02070309020205020404" pitchFamily="49" charset="0"/>
-                <a:cs typeface="Courier New" panose="02070309020205020404" pitchFamily="49" charset="0"/>
-              </a:rPr>
-              <a:t>i</a:t>
-            </a:r>
-            <a:r>
-              <a:rPr lang="en-US" altLang="zh-CN" dirty="0" smtClean="0">
-                <a:latin typeface="Courier New" panose="02070309020205020404" pitchFamily="49" charset="0"/>
-                <a:cs typeface="Courier New" panose="02070309020205020404" pitchFamily="49" charset="0"/>
-              </a:rPr>
-              <a:t>]</a:t>
-            </a:r>
-          </a:p>
-          <a:p>
-            <a:r>
-              <a:rPr lang="en-US" altLang="zh-CN" dirty="0" smtClean="0">
-                <a:latin typeface="Courier New" panose="02070309020205020404" pitchFamily="49" charset="0"/>
-                <a:cs typeface="Courier New" panose="02070309020205020404" pitchFamily="49" charset="0"/>
-              </a:rPr>
-              <a:t>encoded = ‘’</a:t>
-            </a:r>
-          </a:p>
-          <a:p>
-            <a:r>
-              <a:rPr lang="en-US" altLang="zh-CN" dirty="0" smtClean="0">
-                <a:latin typeface="Courier New" panose="02070309020205020404" pitchFamily="49" charset="0"/>
-                <a:cs typeface="Courier New" panose="02070309020205020404" pitchFamily="49" charset="0"/>
-              </a:rPr>
-              <a:t>for c in ‘HELLO’:</a:t>
-            </a:r>
-          </a:p>
-          <a:p>
-            <a:r>
-              <a:rPr lang="en-US" altLang="zh-CN" dirty="0">
-                <a:latin typeface="Courier New" panose="02070309020205020404" pitchFamily="49" charset="0"/>
-                <a:cs typeface="Courier New" panose="02070309020205020404" pitchFamily="49" charset="0"/>
-              </a:rPr>
-              <a:t>	</a:t>
-            </a:r>
-            <a:r>
-              <a:rPr lang="en-US" altLang="zh-CN" dirty="0" smtClean="0">
-                <a:latin typeface="Courier New" panose="02070309020205020404" pitchFamily="49" charset="0"/>
-                <a:cs typeface="Courier New" panose="02070309020205020404" pitchFamily="49" charset="0"/>
-              </a:rPr>
-              <a:t>encoded += e[c]</a:t>
+              <a:t>zipcode</a:t>
+            </a:r>
+            <a:r>
+              <a:rPr lang="en-US" altLang="zh-CN" dirty="0" smtClean="0">
+                <a:latin typeface="Courier New" panose="02070309020205020404" pitchFamily="49" charset="0"/>
+                <a:cs typeface="Courier New" panose="02070309020205020404" pitchFamily="49" charset="0"/>
+              </a:rPr>
+              <a:t>[name] ])</a:t>
             </a:r>
             <a:endParaRPr lang="en-US" altLang="zh-CN" dirty="0">
+              <a:latin typeface="Courier New" panose="02070309020205020404" pitchFamily="49" charset="0"/>
+              <a:cs typeface="Courier New" panose="02070309020205020404" pitchFamily="49" charset="0"/>
+            </a:endParaRPr>
+          </a:p>
+          <a:p>
+            <a:endParaRPr lang="en-US" altLang="zh-CN" dirty="0" smtClean="0">
               <a:latin typeface="Courier New" panose="02070309020205020404" pitchFamily="49" charset="0"/>
               <a:cs typeface="Courier New" panose="02070309020205020404" pitchFamily="49" charset="0"/>
             </a:endParaRPr>
@@ -5706,50 +5924,32 @@
         <p:spPr>
           <a:xfrm>
             <a:off x="457200" y="1600201"/>
-            <a:ext cx="8229600" cy="4525963"/>
+            <a:ext cx="8229600" cy="814525"/>
           </a:xfrm>
         </p:spPr>
         <p:txBody>
           <a:bodyPr>
-            <a:normAutofit lnSpcReduction="10000"/>
+            <a:normAutofit/>
           </a:bodyPr>
           <a:lstStyle/>
           <a:p>
             <a:r>
               <a:rPr lang="en-US" sz="2800" dirty="0" smtClean="0"/>
-              <a:t>Dictionaries can encode/decode data, or translate data from one representation to another</a:t>
-            </a:r>
-          </a:p>
-          <a:p>
+              <a:t>Link data based on a common field</a:t>
+            </a:r>
+          </a:p>
+          <a:p>
+            <a:pPr marL="0" indent="0">
+              <a:buNone/>
+            </a:pPr>
             <a:endParaRPr lang="en-US" sz="2800" dirty="0"/>
-          </a:p>
-          <a:p>
-            <a:endParaRPr lang="en-US" sz="2800" dirty="0" smtClean="0"/>
-          </a:p>
-          <a:p>
-            <a:endParaRPr lang="en-US" sz="2800" dirty="0"/>
-          </a:p>
-          <a:p>
-            <a:endParaRPr lang="en-US" sz="2800" dirty="0" smtClean="0"/>
-          </a:p>
-          <a:p>
-            <a:endParaRPr lang="en-US" sz="2800" dirty="0"/>
-          </a:p>
-          <a:p>
-            <a:endParaRPr lang="en-US" sz="2800" dirty="0" smtClean="0"/>
-          </a:p>
-          <a:p>
-            <a:r>
-              <a:rPr lang="en-US" sz="2800" dirty="0" smtClean="0"/>
-              <a:t>How would you reverse (decode) this?</a:t>
-            </a:r>
           </a:p>
         </p:txBody>
       </p:sp>
     </p:spTree>
     <p:extLst>
       <p:ext uri="{BB962C8B-B14F-4D97-AF65-F5344CB8AC3E}">
-        <p14:creationId xmlns:p14="http://schemas.microsoft.com/office/powerpoint/2010/main" val="2338822551"/>
+        <p14:creationId xmlns:p14="http://schemas.microsoft.com/office/powerpoint/2010/main" val="4167744739"/>
       </p:ext>
     </p:extLst>
   </p:cSld>
@@ -5970,8 +6170,8 @@
         </p:nvSpPr>
         <p:spPr>
           <a:xfrm>
-            <a:off x="860110" y="1771530"/>
-            <a:ext cx="4596130" cy="2031325"/>
+            <a:off x="860110" y="2570520"/>
+            <a:ext cx="4596130" cy="2585323"/>
           </a:xfrm>
           <a:prstGeom prst="rect">
             <a:avLst/>
@@ -6013,49 +6213,223 @@
                 <a:latin typeface="Courier New" panose="02070309020205020404" pitchFamily="49" charset="0"/>
                 <a:cs typeface="Courier New" panose="02070309020205020404" pitchFamily="49" charset="0"/>
               </a:rPr>
-              <a:t>#encoded is given</a:t>
-            </a:r>
-          </a:p>
-          <a:p>
-            <a:r>
-              <a:rPr lang="en-US" altLang="zh-CN" dirty="0" smtClean="0">
-                <a:latin typeface="Courier New" panose="02070309020205020404" pitchFamily="49" charset="0"/>
-                <a:cs typeface="Courier New" panose="02070309020205020404" pitchFamily="49" charset="0"/>
-              </a:rPr>
-              <a:t>decoded = ‘’</a:t>
-            </a:r>
-          </a:p>
-          <a:p>
-            <a:r>
-              <a:rPr lang="en-US" altLang="zh-CN" dirty="0" smtClean="0">
-                <a:latin typeface="Courier New" panose="02070309020205020404" pitchFamily="49" charset="0"/>
-                <a:cs typeface="Courier New" panose="02070309020205020404" pitchFamily="49" charset="0"/>
-              </a:rPr>
-              <a:t>…</a:t>
+              <a:t>e = {}</a:t>
+            </a:r>
+            <a:br>
+              <a:rPr lang="en-US" altLang="zh-CN" dirty="0" smtClean="0">
+                <a:latin typeface="Courier New" panose="02070309020205020404" pitchFamily="49" charset="0"/>
+                <a:cs typeface="Courier New" panose="02070309020205020404" pitchFamily="49" charset="0"/>
+              </a:rPr>
+            </a:br>
+            <a:r>
+              <a:rPr lang="en-US" altLang="zh-CN" dirty="0" smtClean="0">
+                <a:latin typeface="Courier New" panose="02070309020205020404" pitchFamily="49" charset="0"/>
+                <a:cs typeface="Courier New" panose="02070309020205020404" pitchFamily="49" charset="0"/>
+              </a:rPr>
+              <a:t>for </a:t>
+            </a:r>
+            <a:r>
+              <a:rPr lang="en-US" altLang="zh-CN" dirty="0" err="1" smtClean="0">
+                <a:latin typeface="Courier New" panose="02070309020205020404" pitchFamily="49" charset="0"/>
+                <a:cs typeface="Courier New" panose="02070309020205020404" pitchFamily="49" charset="0"/>
+              </a:rPr>
+              <a:t>i</a:t>
+            </a:r>
+            <a:r>
+              <a:rPr lang="en-US" altLang="zh-CN" dirty="0" smtClean="0">
+                <a:latin typeface="Courier New" panose="02070309020205020404" pitchFamily="49" charset="0"/>
+                <a:cs typeface="Courier New" panose="02070309020205020404" pitchFamily="49" charset="0"/>
+              </a:rPr>
+              <a:t> </a:t>
+            </a:r>
+            <a:r>
+              <a:rPr lang="en-US" altLang="zh-CN" dirty="0" smtClean="0">
+                <a:latin typeface="Courier New" panose="02070309020205020404" pitchFamily="49" charset="0"/>
+                <a:cs typeface="Courier New" panose="02070309020205020404" pitchFamily="49" charset="0"/>
+              </a:rPr>
+              <a:t>in </a:t>
+            </a:r>
+            <a:r>
+              <a:rPr lang="en-US" altLang="zh-CN" dirty="0" smtClean="0">
+                <a:latin typeface="Courier New" panose="02070309020205020404" pitchFamily="49" charset="0"/>
+                <a:cs typeface="Courier New" panose="02070309020205020404" pitchFamily="49" charset="0"/>
+              </a:rPr>
+              <a:t>range(</a:t>
+            </a:r>
+            <a:r>
+              <a:rPr lang="en-US" altLang="zh-CN" dirty="0" err="1" smtClean="0">
+                <a:latin typeface="Courier New" panose="02070309020205020404" pitchFamily="49" charset="0"/>
+                <a:cs typeface="Courier New" panose="02070309020205020404" pitchFamily="49" charset="0"/>
+              </a:rPr>
+              <a:t>len</a:t>
+            </a:r>
+            <a:r>
+              <a:rPr lang="en-US" altLang="zh-CN" dirty="0" smtClean="0">
+                <a:latin typeface="Courier New" panose="02070309020205020404" pitchFamily="49" charset="0"/>
+                <a:cs typeface="Courier New" panose="02070309020205020404" pitchFamily="49" charset="0"/>
+              </a:rPr>
+              <a:t>(x)):</a:t>
+            </a:r>
+            <a:endParaRPr lang="en-US" altLang="zh-CN" dirty="0" smtClean="0">
+              <a:latin typeface="Courier New" panose="02070309020205020404" pitchFamily="49" charset="0"/>
+              <a:cs typeface="Courier New" panose="02070309020205020404" pitchFamily="49" charset="0"/>
+            </a:endParaRPr>
+          </a:p>
+          <a:p>
+            <a:r>
+              <a:rPr lang="en-US" altLang="zh-CN" dirty="0">
+                <a:latin typeface="Courier New" panose="02070309020205020404" pitchFamily="49" charset="0"/>
+                <a:cs typeface="Courier New" panose="02070309020205020404" pitchFamily="49" charset="0"/>
+              </a:rPr>
+              <a:t>	</a:t>
+            </a:r>
+            <a:r>
+              <a:rPr lang="en-US" altLang="zh-CN" dirty="0" smtClean="0">
+                <a:latin typeface="Courier New" panose="02070309020205020404" pitchFamily="49" charset="0"/>
+                <a:cs typeface="Courier New" panose="02070309020205020404" pitchFamily="49" charset="0"/>
+              </a:rPr>
+              <a:t>e[x[</a:t>
+            </a:r>
+            <a:r>
+              <a:rPr lang="en-US" altLang="zh-CN" dirty="0" err="1" smtClean="0">
+                <a:latin typeface="Courier New" panose="02070309020205020404" pitchFamily="49" charset="0"/>
+                <a:cs typeface="Courier New" panose="02070309020205020404" pitchFamily="49" charset="0"/>
+              </a:rPr>
+              <a:t>i</a:t>
+            </a:r>
+            <a:r>
+              <a:rPr lang="en-US" altLang="zh-CN" dirty="0" smtClean="0">
+                <a:latin typeface="Courier New" panose="02070309020205020404" pitchFamily="49" charset="0"/>
+                <a:cs typeface="Courier New" panose="02070309020205020404" pitchFamily="49" charset="0"/>
+              </a:rPr>
+              <a:t>]] </a:t>
+            </a:r>
+            <a:r>
+              <a:rPr lang="en-US" altLang="zh-CN" dirty="0" smtClean="0">
+                <a:latin typeface="Courier New" panose="02070309020205020404" pitchFamily="49" charset="0"/>
+                <a:cs typeface="Courier New" panose="02070309020205020404" pitchFamily="49" charset="0"/>
+              </a:rPr>
+              <a:t>= y[</a:t>
+            </a:r>
+            <a:r>
+              <a:rPr lang="en-US" altLang="zh-CN" dirty="0" err="1" smtClean="0">
+                <a:latin typeface="Courier New" panose="02070309020205020404" pitchFamily="49" charset="0"/>
+                <a:cs typeface="Courier New" panose="02070309020205020404" pitchFamily="49" charset="0"/>
+              </a:rPr>
+              <a:t>i</a:t>
+            </a:r>
+            <a:r>
+              <a:rPr lang="en-US" altLang="zh-CN" dirty="0" smtClean="0">
+                <a:latin typeface="Courier New" panose="02070309020205020404" pitchFamily="49" charset="0"/>
+                <a:cs typeface="Courier New" panose="02070309020205020404" pitchFamily="49" charset="0"/>
+              </a:rPr>
+              <a:t>]</a:t>
+            </a:r>
+          </a:p>
+          <a:p>
+            <a:r>
+              <a:rPr lang="en-US" altLang="zh-CN" dirty="0" smtClean="0">
+                <a:latin typeface="Courier New" panose="02070309020205020404" pitchFamily="49" charset="0"/>
+                <a:cs typeface="Courier New" panose="02070309020205020404" pitchFamily="49" charset="0"/>
+              </a:rPr>
+              <a:t>encoded = ‘’</a:t>
+            </a:r>
+          </a:p>
+          <a:p>
+            <a:r>
+              <a:rPr lang="en-US" altLang="zh-CN" dirty="0" smtClean="0">
+                <a:latin typeface="Courier New" panose="02070309020205020404" pitchFamily="49" charset="0"/>
+                <a:cs typeface="Courier New" panose="02070309020205020404" pitchFamily="49" charset="0"/>
+              </a:rPr>
+              <a:t>for c in ‘HELLO’:</a:t>
+            </a:r>
+          </a:p>
+          <a:p>
+            <a:r>
+              <a:rPr lang="en-US" altLang="zh-CN" dirty="0">
+                <a:latin typeface="Courier New" panose="02070309020205020404" pitchFamily="49" charset="0"/>
+                <a:cs typeface="Courier New" panose="02070309020205020404" pitchFamily="49" charset="0"/>
+              </a:rPr>
+              <a:t>	</a:t>
+            </a:r>
+            <a:r>
+              <a:rPr lang="en-US" altLang="zh-CN" dirty="0" smtClean="0">
+                <a:latin typeface="Courier New" panose="02070309020205020404" pitchFamily="49" charset="0"/>
+                <a:cs typeface="Courier New" panose="02070309020205020404" pitchFamily="49" charset="0"/>
+              </a:rPr>
+              <a:t>encoded += e[c]</a:t>
             </a:r>
             <a:endParaRPr lang="en-US" altLang="zh-CN" dirty="0">
               <a:latin typeface="Courier New" panose="02070309020205020404" pitchFamily="49" charset="0"/>
               <a:cs typeface="Courier New" panose="02070309020205020404" pitchFamily="49" charset="0"/>
             </a:endParaRPr>
           </a:p>
-          <a:p>
-            <a:endParaRPr lang="en-US" altLang="zh-CN" dirty="0" smtClean="0">
-              <a:latin typeface="Courier New" panose="02070309020205020404" pitchFamily="49" charset="0"/>
-              <a:cs typeface="Courier New" panose="02070309020205020404" pitchFamily="49" charset="0"/>
-            </a:endParaRPr>
+        </p:txBody>
+      </p:sp>
+      <p:sp>
+        <p:nvSpPr>
+          <p:cNvPr id="8" name="Content Placeholder 2"/>
+          <p:cNvSpPr>
+            <a:spLocks noGrp="1"/>
+          </p:cNvSpPr>
+          <p:nvPr>
+            <p:ph idx="1"/>
+          </p:nvPr>
+        </p:nvSpPr>
+        <p:spPr>
+          <a:xfrm>
+            <a:off x="457200" y="1600201"/>
+            <a:ext cx="8229600" cy="4525963"/>
+          </a:xfrm>
+        </p:spPr>
+        <p:txBody>
+          <a:bodyPr>
+            <a:normAutofit/>
+          </a:bodyPr>
+          <a:lstStyle/>
+          <a:p>
+            <a:r>
+              <a:rPr lang="en-US" sz="2800" dirty="0" smtClean="0"/>
+              <a:t>Dictionaries can encode/decode data, or translate data from one representation to another</a:t>
+            </a:r>
+          </a:p>
+          <a:p>
+            <a:endParaRPr lang="en-US" sz="2800" dirty="0"/>
+          </a:p>
+          <a:p>
+            <a:endParaRPr lang="en-US" sz="2800" dirty="0" smtClean="0"/>
+          </a:p>
+          <a:p>
+            <a:endParaRPr lang="en-US" sz="2800" dirty="0"/>
+          </a:p>
+          <a:p>
+            <a:endParaRPr lang="en-US" sz="2800" dirty="0" smtClean="0"/>
+          </a:p>
+          <a:p>
+            <a:endParaRPr lang="en-US" sz="2800" dirty="0"/>
+          </a:p>
+          <a:p>
+            <a:endParaRPr lang="en-US" sz="2800" dirty="0" smtClean="0"/>
           </a:p>
         </p:txBody>
       </p:sp>
     </p:spTree>
     <p:extLst>
       <p:ext uri="{BB962C8B-B14F-4D97-AF65-F5344CB8AC3E}">
-        <p14:creationId xmlns:p14="http://schemas.microsoft.com/office/powerpoint/2010/main" val="4016367287"/>
+        <p14:creationId xmlns:p14="http://schemas.microsoft.com/office/powerpoint/2010/main" val="2338822551"/>
       </p:ext>
     </p:extLst>
   </p:cSld>
   <p:clrMapOvr>
     <a:masterClrMapping/>
   </p:clrMapOvr>
+  <p:timing>
+    <p:tnLst>
+      <p:par>
+        <p:cTn id="1" dur="indefinite" restart="never" nodeType="tmRoot"/>
+      </p:par>
+    </p:tnLst>
+  </p:timing>
 </p:sld>
 </file>
 
@@ -6171,7 +6545,7 @@
           <a:lstStyle/>
           <a:p>
             <a:pPr algn="ctr"/>
-            <a:endParaRPr lang="en-US"/>
+            <a:endParaRPr lang="en-US" dirty="0"/>
           </a:p>
         </p:txBody>
       </p:sp>
@@ -6275,14 +6649,13 @@
           <a:p>
             <a:r>
               <a:rPr lang="en-US" sz="2800" dirty="0" smtClean="0"/>
-              <a:t>Encoder words in a file using a Caesar cipher</a:t>
-            </a:r>
-          </a:p>
-          <a:p>
+              <a:t>Encoder words in a file using a Caesar </a:t>
+            </a:r>
             <a:r>
               <a:rPr lang="en-US" sz="2800" dirty="0" smtClean="0"/>
-              <a:t>Decode all of the words in a file</a:t>
-            </a:r>
+              <a:t>cipher</a:t>
+            </a:r>
+            <a:endParaRPr lang="en-US" sz="2800" dirty="0" smtClean="0"/>
           </a:p>
         </p:txBody>
       </p:sp>
@@ -6309,7 +6682,7 @@
         </p:blipFill>
         <p:spPr bwMode="auto">
           <a:xfrm>
-            <a:off x="1763109" y="3009328"/>
+            <a:off x="1712031" y="2342104"/>
             <a:ext cx="5062620" cy="2135054"/>
           </a:xfrm>
           <a:prstGeom prst="rect">
@@ -6335,7 +6708,7 @@
         </p:nvSpPr>
         <p:spPr>
           <a:xfrm>
-            <a:off x="2118438" y="5450607"/>
+            <a:off x="1764457" y="6021129"/>
             <a:ext cx="4351961" cy="369332"/>
           </a:xfrm>
           <a:prstGeom prst="rect">
@@ -6364,6 +6737,166 @@
           </a:p>
         </p:txBody>
       </p:sp>
+      <mc:AlternateContent xmlns:mc="http://schemas.openxmlformats.org/markup-compatibility/2006">
+        <mc:Choice xmlns:a14="http://schemas.microsoft.com/office/drawing/2010/main" Requires="a14">
+          <p:sp>
+            <p:nvSpPr>
+              <p:cNvPr id="2" name="TextBox 1"/>
+              <p:cNvSpPr txBox="1"/>
+              <p:nvPr/>
+            </p:nvSpPr>
+            <p:spPr>
+              <a:xfrm>
+                <a:off x="2877423" y="4954545"/>
+                <a:ext cx="2126031" cy="276999"/>
+              </a:xfrm>
+              <a:prstGeom prst="rect">
+                <a:avLst/>
+              </a:prstGeom>
+              <a:noFill/>
+            </p:spPr>
+            <p:txBody>
+              <a:bodyPr wrap="none" lIns="0" tIns="0" rIns="0" bIns="0" rtlCol="0">
+                <a:spAutoFit/>
+              </a:bodyPr>
+              <a:lstStyle/>
+              <a:p>
+                <a14:m>
+                  <m:oMathPara xmlns:m="http://schemas.openxmlformats.org/officeDocument/2006/math">
+                    <m:oMathParaPr>
+                      <m:jc m:val="centerGroup"/>
+                    </m:oMathParaPr>
+                    <m:oMath xmlns:m="http://schemas.openxmlformats.org/officeDocument/2006/math">
+                      <m:sSub>
+                        <m:sSubPr>
+                          <m:ctrlPr>
+                            <a:rPr lang="en-US" altLang="zh-CN" b="0" i="1" smtClean="0">
+                              <a:latin typeface="Cambria Math" panose="02040503050406030204" pitchFamily="18" charset="0"/>
+                            </a:rPr>
+                          </m:ctrlPr>
+                        </m:sSubPr>
+                        <m:e>
+                          <m:r>
+                            <a:rPr lang="en-US" altLang="zh-CN" b="0" i="1" smtClean="0">
+                              <a:latin typeface="Cambria Math" panose="02040503050406030204" pitchFamily="18" charset="0"/>
+                            </a:rPr>
+                            <m:t>𝐸</m:t>
+                          </m:r>
+                        </m:e>
+                        <m:sub>
+                          <m:r>
+                            <a:rPr lang="en-US" altLang="zh-CN" b="0" i="1" smtClean="0">
+                              <a:latin typeface="Cambria Math" panose="02040503050406030204" pitchFamily="18" charset="0"/>
+                            </a:rPr>
+                            <m:t>𝑛</m:t>
+                          </m:r>
+                        </m:sub>
+                      </m:sSub>
+                      <m:d>
+                        <m:dPr>
+                          <m:ctrlPr>
+                            <a:rPr lang="en-US" altLang="zh-CN" b="0" i="1" smtClean="0">
+                              <a:latin typeface="Cambria Math" panose="02040503050406030204" pitchFamily="18" charset="0"/>
+                            </a:rPr>
+                          </m:ctrlPr>
+                        </m:dPr>
+                        <m:e>
+                          <m:r>
+                            <a:rPr lang="en-US" altLang="zh-CN" b="0" i="1" smtClean="0">
+                              <a:latin typeface="Cambria Math" panose="02040503050406030204" pitchFamily="18" charset="0"/>
+                            </a:rPr>
+                            <m:t>𝑥</m:t>
+                          </m:r>
+                        </m:e>
+                      </m:d>
+                      <m:r>
+                        <a:rPr lang="en-US" altLang="zh-CN" b="0" i="1" smtClean="0">
+                          <a:latin typeface="Cambria Math" panose="02040503050406030204" pitchFamily="18" charset="0"/>
+                        </a:rPr>
+                        <m:t>=</m:t>
+                      </m:r>
+                      <m:d>
+                        <m:dPr>
+                          <m:ctrlPr>
+                            <a:rPr lang="en-US" altLang="zh-CN" b="0" i="1" smtClean="0">
+                              <a:latin typeface="Cambria Math" panose="02040503050406030204" pitchFamily="18" charset="0"/>
+                            </a:rPr>
+                          </m:ctrlPr>
+                        </m:dPr>
+                        <m:e>
+                          <m:r>
+                            <a:rPr lang="en-US" altLang="zh-CN" b="0" i="1" smtClean="0">
+                              <a:latin typeface="Cambria Math" panose="02040503050406030204" pitchFamily="18" charset="0"/>
+                            </a:rPr>
+                            <m:t>𝑥</m:t>
+                          </m:r>
+                          <m:r>
+                            <a:rPr lang="en-US" altLang="zh-CN" b="0" i="1" smtClean="0">
+                              <a:latin typeface="Cambria Math" panose="02040503050406030204" pitchFamily="18" charset="0"/>
+                            </a:rPr>
+                            <m:t>+</m:t>
+                          </m:r>
+                          <m:r>
+                            <a:rPr lang="en-US" altLang="zh-CN" b="0" i="1" smtClean="0">
+                              <a:latin typeface="Cambria Math" panose="02040503050406030204" pitchFamily="18" charset="0"/>
+                            </a:rPr>
+                            <m:t>𝑛</m:t>
+                          </m:r>
+                        </m:e>
+                      </m:d>
+                      <m:r>
+                        <a:rPr lang="en-US" altLang="zh-CN" b="0" i="1" smtClean="0">
+                          <a:latin typeface="Cambria Math" panose="02040503050406030204" pitchFamily="18" charset="0"/>
+                        </a:rPr>
+                        <m:t>%26</m:t>
+                      </m:r>
+                    </m:oMath>
+                  </m:oMathPara>
+                </a14:m>
+                <a:endParaRPr lang="zh-CN" altLang="en-US" dirty="0"/>
+              </a:p>
+            </p:txBody>
+          </p:sp>
+        </mc:Choice>
+        <mc:Fallback>
+          <p:sp>
+            <p:nvSpPr>
+              <p:cNvPr id="2" name="TextBox 1"/>
+              <p:cNvSpPr txBox="1">
+                <a:spLocks noRot="1" noChangeAspect="1" noMove="1" noResize="1" noEditPoints="1" noAdjustHandles="1" noChangeArrowheads="1" noChangeShapeType="1" noTextEdit="1"/>
+              </p:cNvSpPr>
+              <p:nvPr/>
+            </p:nvSpPr>
+            <p:spPr>
+              <a:xfrm>
+                <a:off x="2877423" y="4954545"/>
+                <a:ext cx="2126031" cy="276999"/>
+              </a:xfrm>
+              <a:prstGeom prst="rect">
+                <a:avLst/>
+              </a:prstGeom>
+              <a:blipFill rotWithShape="0">
+                <a:blip r:embed="rId4"/>
+                <a:stretch>
+                  <a:fillRect l="-2006" r="-2865" b="-13333"/>
+                </a:stretch>
+              </a:blipFill>
+            </p:spPr>
+            <p:txBody>
+              <a:bodyPr/>
+              <a:lstStyle/>
+              <a:p>
+                <a:r>
+                  <a:rPr lang="zh-CN" altLang="en-US">
+                    <a:noFill/>
+                  </a:rPr>
+                  <a:t> </a:t>
+                </a:r>
+              </a:p>
+            </p:txBody>
+          </p:sp>
+        </mc:Fallback>
+      </mc:AlternateContent>
     </p:spTree>
     <p:extLst>
       <p:ext uri="{BB962C8B-B14F-4D97-AF65-F5344CB8AC3E}">
@@ -6374,6 +6907,13 @@
   <p:clrMapOvr>
     <a:masterClrMapping/>
   </p:clrMapOvr>
+  <p:timing>
+    <p:tnLst>
+      <p:par>
+        <p:cTn id="1" dur="indefinite" restart="never" nodeType="tmRoot"/>
+      </p:par>
+    </p:tnLst>
+  </p:timing>
 </p:sld>
 </file>
 
@@ -6439,21 +6979,10 @@
               <a:t>	</a:t>
             </a:r>
             <a:r>
-              <a:rPr lang="en-US" sz="4000" i="1" dirty="0" err="1" smtClean="0">
-                <a:latin typeface="Courier New" panose="02070309020205020404" pitchFamily="49" charset="0"/>
-                <a:cs typeface="Courier New" panose="02070309020205020404" pitchFamily="49" charset="0"/>
-              </a:rPr>
-              <a:t>dict</a:t>
-            </a:r>
-            <a:r>
-              <a:rPr lang="en-US" sz="4000" i="1" dirty="0" smtClean="0"/>
-              <a:t> </a:t>
-            </a:r>
-            <a:r>
               <a:rPr lang="en-US" sz="4000" i="1" dirty="0" smtClean="0">
                 <a:cs typeface="Courier New" panose="02070309020205020404" pitchFamily="49" charset="0"/>
               </a:rPr>
-              <a:t>Applications</a:t>
+              <a:t>Exercise</a:t>
             </a:r>
             <a:endParaRPr lang="en-US" sz="4000" i="1" dirty="0"/>
           </a:p>
@@ -6500,7 +7029,7 @@
           <a:lstStyle/>
           <a:p>
             <a:pPr algn="ctr"/>
-            <a:endParaRPr lang="en-US"/>
+            <a:endParaRPr lang="en-US" dirty="0"/>
           </a:p>
         </p:txBody>
       </p:sp>
@@ -6582,14 +7111,14 @@
       </p:sp>
       <p:sp>
         <p:nvSpPr>
-          <p:cNvPr id="2" name="TextBox 1"/>
+          <p:cNvPr id="10" name="TextBox 9"/>
           <p:cNvSpPr txBox="1"/>
           <p:nvPr/>
         </p:nvSpPr>
         <p:spPr>
           <a:xfrm>
-            <a:off x="886742" y="2579397"/>
-            <a:ext cx="2576346" cy="2308324"/>
+            <a:off x="591662" y="1435854"/>
+            <a:ext cx="6987810" cy="3970318"/>
           </a:xfrm>
           <a:prstGeom prst="rect">
             <a:avLst/>
@@ -6603,23 +7132,86 @@
           <a:lstStyle/>
           <a:p>
             <a:r>
-              <a:rPr lang="en-US" altLang="zh-CN" dirty="0" smtClean="0">
-                <a:latin typeface="Courier New" panose="02070309020205020404" pitchFamily="49" charset="0"/>
-                <a:cs typeface="Courier New" panose="02070309020205020404" pitchFamily="49" charset="0"/>
-              </a:rPr>
-              <a:t>x = ‘ABBACABD’</a:t>
-            </a:r>
-          </a:p>
-          <a:p>
-            <a:r>
-              <a:rPr lang="en-US" altLang="zh-CN" dirty="0" smtClean="0">
-                <a:latin typeface="Courier New" panose="02070309020205020404" pitchFamily="49" charset="0"/>
-                <a:cs typeface="Courier New" panose="02070309020205020404" pitchFamily="49" charset="0"/>
-              </a:rPr>
-              <a:t>d = {}</a:t>
-            </a:r>
-          </a:p>
-          <a:p>
+              <a:rPr lang="en-US" altLang="zh-CN" dirty="0" err="1" smtClean="0">
+                <a:latin typeface="Courier New" panose="02070309020205020404" pitchFamily="49" charset="0"/>
+                <a:cs typeface="Courier New" panose="02070309020205020404" pitchFamily="49" charset="0"/>
+              </a:rPr>
+              <a:t>def</a:t>
+            </a:r>
+            <a:r>
+              <a:rPr lang="en-US" altLang="zh-CN" dirty="0" smtClean="0">
+                <a:latin typeface="Courier New" panose="02070309020205020404" pitchFamily="49" charset="0"/>
+                <a:cs typeface="Courier New" panose="02070309020205020404" pitchFamily="49" charset="0"/>
+              </a:rPr>
+              <a:t> </a:t>
+            </a:r>
+            <a:r>
+              <a:rPr lang="en-US" altLang="zh-CN" dirty="0" err="1" smtClean="0">
+                <a:latin typeface="Courier New" panose="02070309020205020404" pitchFamily="49" charset="0"/>
+                <a:cs typeface="Courier New" panose="02070309020205020404" pitchFamily="49" charset="0"/>
+              </a:rPr>
+              <a:t>encode_caesar</a:t>
+            </a:r>
+            <a:r>
+              <a:rPr lang="en-US" altLang="zh-CN" dirty="0" smtClean="0">
+                <a:latin typeface="Courier New" panose="02070309020205020404" pitchFamily="49" charset="0"/>
+                <a:cs typeface="Courier New" panose="02070309020205020404" pitchFamily="49" charset="0"/>
+              </a:rPr>
+              <a:t>(message, n):</a:t>
+            </a:r>
+          </a:p>
+          <a:p>
+            <a:r>
+              <a:rPr lang="en-US" altLang="zh-CN" dirty="0" smtClean="0">
+                <a:latin typeface="Courier New" panose="02070309020205020404" pitchFamily="49" charset="0"/>
+                <a:cs typeface="Courier New" panose="02070309020205020404" pitchFamily="49" charset="0"/>
+              </a:rPr>
+              <a:t>	from string import </a:t>
+            </a:r>
+            <a:r>
+              <a:rPr lang="en-US" altLang="zh-CN" dirty="0" err="1" smtClean="0">
+                <a:latin typeface="Courier New" panose="02070309020205020404" pitchFamily="49" charset="0"/>
+                <a:cs typeface="Courier New" panose="02070309020205020404" pitchFamily="49" charset="0"/>
+              </a:rPr>
+              <a:t>ascii_uppercase</a:t>
+            </a:r>
+            <a:r>
+              <a:rPr lang="en-US" altLang="zh-CN" dirty="0" smtClean="0">
+                <a:latin typeface="Courier New" panose="02070309020205020404" pitchFamily="49" charset="0"/>
+                <a:cs typeface="Courier New" panose="02070309020205020404" pitchFamily="49" charset="0"/>
+              </a:rPr>
+              <a:t> as alphabet</a:t>
+            </a:r>
+          </a:p>
+          <a:p>
+            <a:r>
+              <a:rPr lang="en-US" altLang="zh-CN" dirty="0">
+                <a:latin typeface="Courier New" panose="02070309020205020404" pitchFamily="49" charset="0"/>
+                <a:cs typeface="Courier New" panose="02070309020205020404" pitchFamily="49" charset="0"/>
+              </a:rPr>
+              <a:t>	</a:t>
+            </a:r>
+            <a:r>
+              <a:rPr lang="en-US" altLang="zh-CN" dirty="0" smtClean="0">
+                <a:latin typeface="Courier New" panose="02070309020205020404" pitchFamily="49" charset="0"/>
+                <a:cs typeface="Courier New" panose="02070309020205020404" pitchFamily="49" charset="0"/>
+              </a:rPr>
+              <a:t>x </a:t>
+            </a:r>
+            <a:r>
+              <a:rPr lang="en-US" altLang="zh-CN" dirty="0" smtClean="0">
+                <a:latin typeface="Courier New" panose="02070309020205020404" pitchFamily="49" charset="0"/>
+                <a:cs typeface="Courier New" panose="02070309020205020404" pitchFamily="49" charset="0"/>
+              </a:rPr>
+              <a:t>= </a:t>
+            </a:r>
+            <a:r>
+              <a:rPr lang="en-US" altLang="zh-CN" dirty="0" smtClean="0">
+                <a:latin typeface="Courier New" panose="02070309020205020404" pitchFamily="49" charset="0"/>
+                <a:cs typeface="Courier New" panose="02070309020205020404" pitchFamily="49" charset="0"/>
+              </a:rPr>
+              <a:t>alphabet</a:t>
+            </a:r>
             <a:endParaRPr lang="en-US" altLang="zh-CN" dirty="0" smtClean="0">
               <a:latin typeface="Courier New" panose="02070309020205020404" pitchFamily="49" charset="0"/>
               <a:cs typeface="Courier New" panose="02070309020205020404" pitchFamily="49" charset="0"/>
@@ -6627,129 +7219,117 @@
           </a:p>
           <a:p>
             <a:r>
-              <a:rPr lang="en-US" altLang="zh-CN" dirty="0">
-                <a:latin typeface="Courier New" panose="02070309020205020404" pitchFamily="49" charset="0"/>
-                <a:cs typeface="Courier New" panose="02070309020205020404" pitchFamily="49" charset="0"/>
-              </a:rPr>
-              <a:t>f</a:t>
-            </a:r>
-            <a:r>
-              <a:rPr lang="en-US" altLang="zh-CN" dirty="0" smtClean="0">
-                <a:latin typeface="Courier New" panose="02070309020205020404" pitchFamily="49" charset="0"/>
-                <a:cs typeface="Courier New" panose="02070309020205020404" pitchFamily="49" charset="0"/>
-              </a:rPr>
-              <a:t>or c in x:</a:t>
-            </a:r>
-          </a:p>
-          <a:p>
-            <a:r>
-              <a:rPr lang="en-US" altLang="zh-CN" dirty="0">
-                <a:latin typeface="Courier New" panose="02070309020205020404" pitchFamily="49" charset="0"/>
-                <a:cs typeface="Courier New" panose="02070309020205020404" pitchFamily="49" charset="0"/>
-              </a:rPr>
-              <a:t>	</a:t>
-            </a:r>
-            <a:r>
-              <a:rPr lang="en-US" altLang="zh-CN" dirty="0" smtClean="0">
-                <a:latin typeface="Courier New" panose="02070309020205020404" pitchFamily="49" charset="0"/>
-                <a:cs typeface="Courier New" panose="02070309020205020404" pitchFamily="49" charset="0"/>
-              </a:rPr>
-              <a:t>if c not in d:</a:t>
-            </a:r>
-          </a:p>
-          <a:p>
-            <a:r>
-              <a:rPr lang="en-US" altLang="zh-CN" dirty="0">
-                <a:latin typeface="Courier New" panose="02070309020205020404" pitchFamily="49" charset="0"/>
-                <a:cs typeface="Courier New" panose="02070309020205020404" pitchFamily="49" charset="0"/>
-              </a:rPr>
-              <a:t>	</a:t>
-            </a:r>
-            <a:r>
-              <a:rPr lang="en-US" altLang="zh-CN" dirty="0" smtClean="0">
-                <a:latin typeface="Courier New" panose="02070309020205020404" pitchFamily="49" charset="0"/>
-                <a:cs typeface="Courier New" panose="02070309020205020404" pitchFamily="49" charset="0"/>
-              </a:rPr>
-              <a:t>	d[c] = 0</a:t>
-            </a:r>
-          </a:p>
-          <a:p>
-            <a:r>
-              <a:rPr lang="en-US" altLang="zh-CN" dirty="0">
-                <a:latin typeface="Courier New" panose="02070309020205020404" pitchFamily="49" charset="0"/>
-                <a:cs typeface="Courier New" panose="02070309020205020404" pitchFamily="49" charset="0"/>
-              </a:rPr>
-              <a:t>	</a:t>
-            </a:r>
-            <a:r>
-              <a:rPr lang="en-US" altLang="zh-CN" dirty="0" smtClean="0">
-                <a:latin typeface="Courier New" panose="02070309020205020404" pitchFamily="49" charset="0"/>
-                <a:cs typeface="Courier New" panose="02070309020205020404" pitchFamily="49" charset="0"/>
-              </a:rPr>
-              <a:t>d[c] += 1</a:t>
-            </a:r>
+              <a:rPr lang="en-US" altLang="zh-CN" dirty="0" smtClean="0">
+                <a:latin typeface="Courier New" panose="02070309020205020404" pitchFamily="49" charset="0"/>
+                <a:cs typeface="Courier New" panose="02070309020205020404" pitchFamily="49" charset="0"/>
+              </a:rPr>
+              <a:t>	e = {}</a:t>
+            </a:r>
+          </a:p>
+          <a:p>
+            <a:r>
+              <a:rPr lang="en-US" altLang="zh-CN" dirty="0" smtClean="0">
+                <a:latin typeface="Courier New" panose="02070309020205020404" pitchFamily="49" charset="0"/>
+                <a:cs typeface="Courier New" panose="02070309020205020404" pitchFamily="49" charset="0"/>
+              </a:rPr>
+              <a:t>	# initialize e (encoder)</a:t>
+            </a:r>
+          </a:p>
+          <a:p>
+            <a:r>
+              <a:rPr lang="en-US" altLang="zh-CN" dirty="0" smtClean="0">
+                <a:latin typeface="Courier New" panose="02070309020205020404" pitchFamily="49" charset="0"/>
+                <a:cs typeface="Courier New" panose="02070309020205020404" pitchFamily="49" charset="0"/>
+              </a:rPr>
+              <a:t>	…</a:t>
+            </a:r>
+          </a:p>
+          <a:p>
+            <a:endParaRPr lang="en-US" altLang="zh-CN" dirty="0" smtClean="0">
+              <a:latin typeface="Courier New" panose="02070309020205020404" pitchFamily="49" charset="0"/>
+              <a:cs typeface="Courier New" panose="02070309020205020404" pitchFamily="49" charset="0"/>
+            </a:endParaRPr>
+          </a:p>
+          <a:p>
+            <a:r>
+              <a:rPr lang="en-US" altLang="zh-CN" dirty="0" smtClean="0">
+                <a:latin typeface="Courier New" panose="02070309020205020404" pitchFamily="49" charset="0"/>
+                <a:cs typeface="Courier New" panose="02070309020205020404" pitchFamily="49" charset="0"/>
+              </a:rPr>
+              <a:t>	message = </a:t>
+            </a:r>
+            <a:r>
+              <a:rPr lang="en-US" altLang="zh-CN" dirty="0" err="1" smtClean="0">
+                <a:latin typeface="Courier New" panose="02070309020205020404" pitchFamily="49" charset="0"/>
+                <a:cs typeface="Courier New" panose="02070309020205020404" pitchFamily="49" charset="0"/>
+              </a:rPr>
+              <a:t>message.upper</a:t>
+            </a:r>
+            <a:r>
+              <a:rPr lang="en-US" altLang="zh-CN" dirty="0" smtClean="0">
+                <a:latin typeface="Courier New" panose="02070309020205020404" pitchFamily="49" charset="0"/>
+                <a:cs typeface="Courier New" panose="02070309020205020404" pitchFamily="49" charset="0"/>
+              </a:rPr>
+              <a:t>()</a:t>
+            </a:r>
+          </a:p>
+          <a:p>
             <a:endParaRPr lang="en-US" altLang="zh-CN" dirty="0">
               <a:latin typeface="Courier New" panose="02070309020205020404" pitchFamily="49" charset="0"/>
               <a:cs typeface="Courier New" panose="02070309020205020404" pitchFamily="49" charset="0"/>
             </a:endParaRPr>
           </a:p>
           <a:p>
+            <a:r>
+              <a:rPr lang="en-US" altLang="zh-CN" dirty="0" smtClean="0">
+                <a:latin typeface="Courier New" panose="02070309020205020404" pitchFamily="49" charset="0"/>
+                <a:cs typeface="Courier New" panose="02070309020205020404" pitchFamily="49" charset="0"/>
+              </a:rPr>
+              <a:t>	encoded = ‘’</a:t>
+            </a:r>
+          </a:p>
+          <a:p>
+            <a:r>
+              <a:rPr lang="en-US" altLang="zh-CN" dirty="0">
+                <a:latin typeface="Courier New" panose="02070309020205020404" pitchFamily="49" charset="0"/>
+                <a:cs typeface="Courier New" panose="02070309020205020404" pitchFamily="49" charset="0"/>
+              </a:rPr>
+              <a:t>	</a:t>
+            </a:r>
+            <a:r>
+              <a:rPr lang="en-US" altLang="zh-CN" dirty="0" smtClean="0">
+                <a:latin typeface="Courier New" panose="02070309020205020404" pitchFamily="49" charset="0"/>
+                <a:cs typeface="Courier New" panose="02070309020205020404" pitchFamily="49" charset="0"/>
+              </a:rPr>
+              <a:t># encode the message</a:t>
+            </a:r>
             <a:endParaRPr lang="en-US" altLang="zh-CN" dirty="0" smtClean="0">
               <a:latin typeface="Courier New" panose="02070309020205020404" pitchFamily="49" charset="0"/>
               <a:cs typeface="Courier New" panose="02070309020205020404" pitchFamily="49" charset="0"/>
             </a:endParaRPr>
           </a:p>
-        </p:txBody>
-      </p:sp>
-      <p:sp>
-        <p:nvSpPr>
-          <p:cNvPr id="8" name="Content Placeholder 2"/>
-          <p:cNvSpPr>
-            <a:spLocks noGrp="1"/>
-          </p:cNvSpPr>
-          <p:nvPr>
-            <p:ph idx="1"/>
-          </p:nvPr>
-        </p:nvSpPr>
-        <p:spPr>
-          <a:xfrm>
-            <a:off x="457200" y="1600201"/>
-            <a:ext cx="8229600" cy="4525963"/>
-          </a:xfrm>
-        </p:spPr>
-        <p:txBody>
-          <a:bodyPr>
-            <a:normAutofit/>
-          </a:bodyPr>
-          <a:lstStyle/>
-          <a:p>
-            <a:r>
-              <a:rPr lang="en-US" sz="2800" dirty="0" smtClean="0"/>
-              <a:t>Dictionary can also be used as accumulators</a:t>
-            </a:r>
-          </a:p>
-          <a:p>
-            <a:endParaRPr lang="en-US" sz="2800" dirty="0"/>
-          </a:p>
-          <a:p>
-            <a:endParaRPr lang="en-US" sz="2800" dirty="0" smtClean="0"/>
-          </a:p>
-          <a:p>
-            <a:endParaRPr lang="en-US" sz="2800" dirty="0"/>
-          </a:p>
-          <a:p>
-            <a:endParaRPr lang="en-US" sz="2800" dirty="0" smtClean="0"/>
-          </a:p>
-          <a:p>
-            <a:endParaRPr lang="en-US" sz="2800" dirty="0"/>
-          </a:p>
-          <a:p>
-            <a:endParaRPr lang="en-US" sz="2800" dirty="0" smtClean="0"/>
-          </a:p>
-          <a:p>
-            <a:r>
-              <a:rPr lang="en-US" sz="2800" dirty="0" smtClean="0"/>
-              <a:t>What is the output of d by the above code?</a:t>
+          <a:p>
+            <a:r>
+              <a:rPr lang="en-US" altLang="zh-CN" dirty="0" smtClean="0">
+                <a:latin typeface="Courier New" panose="02070309020205020404" pitchFamily="49" charset="0"/>
+                <a:cs typeface="Courier New" panose="02070309020205020404" pitchFamily="49" charset="0"/>
+              </a:rPr>
+              <a:t>	…</a:t>
+            </a:r>
+          </a:p>
+          <a:p>
+            <a:endParaRPr lang="en-US" altLang="zh-CN" dirty="0">
+              <a:latin typeface="Courier New" panose="02070309020205020404" pitchFamily="49" charset="0"/>
+              <a:cs typeface="Courier New" panose="02070309020205020404" pitchFamily="49" charset="0"/>
+            </a:endParaRPr>
+          </a:p>
+          <a:p>
+            <a:r>
+              <a:rPr lang="en-US" altLang="zh-CN" dirty="0" smtClean="0">
+                <a:latin typeface="Courier New" panose="02070309020205020404" pitchFamily="49" charset="0"/>
+                <a:cs typeface="Courier New" panose="02070309020205020404" pitchFamily="49" charset="0"/>
+              </a:rPr>
+              <a:t>	return encoded</a:t>
             </a:r>
           </a:p>
         </p:txBody>
@@ -6757,13 +7337,20 @@
     </p:spTree>
     <p:extLst>
       <p:ext uri="{BB962C8B-B14F-4D97-AF65-F5344CB8AC3E}">
-        <p14:creationId xmlns:p14="http://schemas.microsoft.com/office/powerpoint/2010/main" val="2405352586"/>
+        <p14:creationId xmlns:p14="http://schemas.microsoft.com/office/powerpoint/2010/main" val="1651758150"/>
       </p:ext>
     </p:extLst>
   </p:cSld>
   <p:clrMapOvr>
     <a:masterClrMapping/>
   </p:clrMapOvr>
+  <p:timing>
+    <p:tnLst>
+      <p:par>
+        <p:cTn id="1" dur="indefinite" restart="never" nodeType="tmRoot"/>
+      </p:par>
+    </p:tnLst>
+  </p:timing>
 </p:sld>
 </file>
 
@@ -6874,7 +7461,7 @@
           <a:lstStyle/>
           <a:p>
             <a:pPr algn="ctr"/>
-            <a:endParaRPr lang="en-US"/>
+            <a:endParaRPr lang="en-US" dirty="0"/>
           </a:p>
         </p:txBody>
       </p:sp>
@@ -7168,60 +7755,14 @@
       </p:sp>
       <p:sp>
         <p:nvSpPr>
-          <p:cNvPr id="8" name="Content Placeholder 2"/>
-          <p:cNvSpPr>
-            <a:spLocks noGrp="1"/>
-          </p:cNvSpPr>
-          <p:nvPr>
-            <p:ph idx="1"/>
-          </p:nvPr>
-        </p:nvSpPr>
-        <p:spPr>
-          <a:xfrm>
-            <a:off x="457199" y="1600201"/>
-            <a:ext cx="8500369" cy="4525963"/>
-          </a:xfrm>
-        </p:spPr>
-        <p:txBody>
-          <a:bodyPr>
-            <a:normAutofit/>
-          </a:bodyPr>
-          <a:lstStyle/>
-          <a:p>
-            <a:r>
-              <a:rPr lang="en-US" sz="2800" dirty="0" smtClean="0"/>
-              <a:t>Count the category frequencies in </a:t>
-            </a:r>
-            <a:r>
-              <a:rPr lang="en-US" sz="2800" dirty="0" smtClean="0">
-                <a:hlinkClick r:id="rId2"/>
-              </a:rPr>
-              <a:t>Jeopardy questions</a:t>
-            </a:r>
-            <a:endParaRPr lang="en-US" sz="2800" dirty="0" smtClean="0"/>
-          </a:p>
-          <a:p>
-            <a:r>
-              <a:rPr lang="en-US" sz="2800" dirty="0" smtClean="0"/>
-              <a:t>Find the category name with the highest frequency</a:t>
-            </a:r>
-            <a:endParaRPr lang="en-US" sz="2800" dirty="0" smtClean="0"/>
-          </a:p>
-          <a:p>
-            <a:endParaRPr lang="en-US" sz="2800" dirty="0" smtClean="0"/>
-          </a:p>
-        </p:txBody>
-      </p:sp>
-      <p:sp>
-        <p:nvSpPr>
-          <p:cNvPr id="9" name="TextBox 8"/>
+          <p:cNvPr id="10" name="TextBox 9"/>
           <p:cNvSpPr txBox="1"/>
           <p:nvPr/>
         </p:nvSpPr>
         <p:spPr>
           <a:xfrm>
-            <a:off x="860110" y="2947575"/>
-            <a:ext cx="4596130" cy="2308324"/>
+            <a:off x="591662" y="1435854"/>
+            <a:ext cx="8180445" cy="923330"/>
           </a:xfrm>
           <a:prstGeom prst="rect">
             <a:avLst/>
@@ -7235,103 +7776,192 @@
           <a:lstStyle/>
           <a:p>
             <a:r>
+              <a:rPr lang="en-US" altLang="zh-CN" dirty="0" smtClean="0">
+                <a:latin typeface="Courier New" panose="02070309020205020404" pitchFamily="49" charset="0"/>
+                <a:cs typeface="Courier New" panose="02070309020205020404" pitchFamily="49" charset="0"/>
+              </a:rPr>
+              <a:t>&gt;&gt;&gt; message = ‘the quick brown fox jump over the lazy dog’</a:t>
+            </a:r>
+          </a:p>
+          <a:p>
+            <a:r>
+              <a:rPr lang="en-US" altLang="zh-CN" dirty="0" smtClean="0">
+                <a:latin typeface="Courier New" panose="02070309020205020404" pitchFamily="49" charset="0"/>
+                <a:cs typeface="Courier New" panose="02070309020205020404" pitchFamily="49" charset="0"/>
+              </a:rPr>
+              <a:t>&gt;&gt;&gt; </a:t>
+            </a:r>
+            <a:r>
               <a:rPr lang="en-US" altLang="zh-CN" dirty="0" err="1" smtClean="0">
                 <a:latin typeface="Courier New" panose="02070309020205020404" pitchFamily="49" charset="0"/>
                 <a:cs typeface="Courier New" panose="02070309020205020404" pitchFamily="49" charset="0"/>
               </a:rPr>
-              <a:t>myfile</a:t>
-            </a:r>
-            <a:r>
-              <a:rPr lang="en-US" altLang="zh-CN" dirty="0" smtClean="0">
-                <a:latin typeface="Courier New" panose="02070309020205020404" pitchFamily="49" charset="0"/>
-                <a:cs typeface="Courier New" panose="02070309020205020404" pitchFamily="49" charset="0"/>
-              </a:rPr>
-              <a:t> = open(‘jeopardy.csv’)</a:t>
-            </a:r>
-          </a:p>
-          <a:p>
-            <a:r>
-              <a:rPr lang="en-US" altLang="zh-CN" dirty="0" smtClean="0">
-                <a:latin typeface="Courier New" panose="02070309020205020404" pitchFamily="49" charset="0"/>
-                <a:cs typeface="Courier New" panose="02070309020205020404" pitchFamily="49" charset="0"/>
-              </a:rPr>
-              <a:t>lines = </a:t>
-            </a:r>
-            <a:r>
-              <a:rPr lang="en-US" altLang="zh-CN" dirty="0" err="1" smtClean="0">
-                <a:latin typeface="Courier New" panose="02070309020205020404" pitchFamily="49" charset="0"/>
-                <a:cs typeface="Courier New" panose="02070309020205020404" pitchFamily="49" charset="0"/>
-              </a:rPr>
-              <a:t>myfile.readlines</a:t>
-            </a:r>
-            <a:r>
-              <a:rPr lang="en-US" altLang="zh-CN" dirty="0" smtClean="0">
-                <a:latin typeface="Courier New" panose="02070309020205020404" pitchFamily="49" charset="0"/>
-                <a:cs typeface="Courier New" panose="02070309020205020404" pitchFamily="49" charset="0"/>
-              </a:rPr>
-              <a:t>()</a:t>
-            </a:r>
-          </a:p>
-          <a:p>
+              <a:t>cipher.encode_caesar</a:t>
+            </a:r>
+            <a:r>
+              <a:rPr lang="en-US" altLang="zh-CN" dirty="0" smtClean="0">
+                <a:latin typeface="Courier New" panose="02070309020205020404" pitchFamily="49" charset="0"/>
+                <a:cs typeface="Courier New" panose="02070309020205020404" pitchFamily="49" charset="0"/>
+              </a:rPr>
+              <a:t>(message, 7)</a:t>
+            </a:r>
+          </a:p>
+          <a:p>
+            <a:r>
+              <a:rPr lang="en-US" altLang="zh-CN" dirty="0">
+                <a:latin typeface="Courier New" panose="02070309020205020404" pitchFamily="49" charset="0"/>
+                <a:cs typeface="Courier New" panose="02070309020205020404" pitchFamily="49" charset="0"/>
+              </a:rPr>
+              <a:t>“AOL XBPJR IYVDU MVE QBTWZ VCLY AOL SHGF KVF”</a:t>
+            </a:r>
             <a:endParaRPr lang="en-US" altLang="zh-CN" dirty="0" smtClean="0">
               <a:latin typeface="Courier New" panose="02070309020205020404" pitchFamily="49" charset="0"/>
               <a:cs typeface="Courier New" panose="02070309020205020404" pitchFamily="49" charset="0"/>
             </a:endParaRPr>
           </a:p>
-          <a:p>
-            <a:r>
-              <a:rPr lang="en-US" altLang="zh-CN" dirty="0" smtClean="0">
-                <a:latin typeface="Courier New" panose="02070309020205020404" pitchFamily="49" charset="0"/>
-                <a:cs typeface="Courier New" panose="02070309020205020404" pitchFamily="49" charset="0"/>
-              </a:rPr>
-              <a:t># get category frequencies</a:t>
-            </a:r>
-          </a:p>
-          <a:p>
-            <a:r>
-              <a:rPr lang="en-US" altLang="zh-CN" dirty="0" smtClean="0">
-                <a:latin typeface="Courier New" panose="02070309020205020404" pitchFamily="49" charset="0"/>
-                <a:cs typeface="Courier New" panose="02070309020205020404" pitchFamily="49" charset="0"/>
-              </a:rPr>
-              <a:t>…</a:t>
-            </a:r>
-          </a:p>
-          <a:p>
-            <a:endParaRPr lang="en-US" altLang="zh-CN" dirty="0">
-              <a:latin typeface="Courier New" panose="02070309020205020404" pitchFamily="49" charset="0"/>
-              <a:cs typeface="Courier New" panose="02070309020205020404" pitchFamily="49" charset="0"/>
-            </a:endParaRPr>
-          </a:p>
-          <a:p>
-            <a:r>
-              <a:rPr lang="en-US" altLang="zh-CN" dirty="0" smtClean="0">
-                <a:latin typeface="Courier New" panose="02070309020205020404" pitchFamily="49" charset="0"/>
-                <a:cs typeface="Courier New" panose="02070309020205020404" pitchFamily="49" charset="0"/>
-              </a:rPr>
-              <a:t># get most popular category name</a:t>
-            </a:r>
-          </a:p>
-          <a:p>
-            <a:r>
-              <a:rPr lang="en-US" altLang="zh-CN" dirty="0" smtClean="0">
-                <a:latin typeface="Courier New" panose="02070309020205020404" pitchFamily="49" charset="0"/>
-                <a:cs typeface="Courier New" panose="02070309020205020404" pitchFamily="49" charset="0"/>
-              </a:rPr>
-              <a:t>…</a:t>
-            </a:r>
+        </p:txBody>
+      </p:sp>
+      <p:sp>
+        <p:nvSpPr>
+          <p:cNvPr id="2" name="Rectangle 1"/>
+          <p:cNvSpPr/>
+          <p:nvPr/>
+        </p:nvSpPr>
+        <p:spPr>
+          <a:xfrm>
+            <a:off x="591662" y="4636907"/>
+            <a:ext cx="4370877" cy="369332"/>
+          </a:xfrm>
+          <a:prstGeom prst="rect">
+            <a:avLst/>
+          </a:prstGeom>
+        </p:spPr>
+        <p:txBody>
+          <a:bodyPr wrap="none">
+            <a:spAutoFit/>
+          </a:bodyPr>
+          <a:lstStyle/>
+          <a:p>
+            <a:pPr marL="285750" indent="-285750">
+              <a:buFont typeface="Arial" panose="020B0604020202020204" pitchFamily="34" charset="0"/>
+              <a:buChar char="•"/>
+            </a:pPr>
+            <a:r>
+              <a:rPr lang="en-US" altLang="zh-CN" dirty="0"/>
+              <a:t>How </a:t>
+            </a:r>
+            <a:r>
+              <a:rPr lang="en-US" altLang="zh-CN" dirty="0" smtClean="0"/>
+              <a:t>would you write a </a:t>
+            </a:r>
+            <a:r>
+              <a:rPr lang="en-US" altLang="zh-CN" dirty="0" err="1" smtClean="0"/>
+              <a:t>caesar</a:t>
+            </a:r>
+            <a:r>
+              <a:rPr lang="en-US" altLang="zh-CN" dirty="0" smtClean="0"/>
+              <a:t> decoder?</a:t>
+            </a:r>
+            <a:endParaRPr lang="zh-CN" altLang="en-US" dirty="0"/>
           </a:p>
         </p:txBody>
       </p:sp>
     </p:spTree>
     <p:extLst>
       <p:ext uri="{BB962C8B-B14F-4D97-AF65-F5344CB8AC3E}">
-        <p14:creationId xmlns:p14="http://schemas.microsoft.com/office/powerpoint/2010/main" val="1186527509"/>
+        <p14:creationId xmlns:p14="http://schemas.microsoft.com/office/powerpoint/2010/main" val="3326976066"/>
       </p:ext>
     </p:extLst>
   </p:cSld>
   <p:clrMapOvr>
     <a:masterClrMapping/>
   </p:clrMapOvr>
+  <p:timing>
+    <p:tnLst>
+      <p:par>
+        <p:cTn id="1" dur="indefinite" restart="never" nodeType="tmRoot">
+          <p:childTnLst>
+            <p:seq concurrent="1" nextAc="seek">
+              <p:cTn id="2" dur="indefinite" nodeType="mainSeq">
+                <p:childTnLst>
+                  <p:par>
+                    <p:cTn id="3" fill="hold">
+                      <p:stCondLst>
+                        <p:cond delay="indefinite"/>
+                      </p:stCondLst>
+                      <p:childTnLst>
+                        <p:par>
+                          <p:cTn id="4" fill="hold">
+                            <p:stCondLst>
+                              <p:cond delay="0"/>
+                            </p:stCondLst>
+                            <p:childTnLst>
+                              <p:par>
+                                <p:cTn id="5" presetID="10" presetClass="entr" presetSubtype="0" fill="hold" grpId="0" nodeType="clickEffect">
+                                  <p:stCondLst>
+                                    <p:cond delay="0"/>
+                                  </p:stCondLst>
+                                  <p:childTnLst>
+                                    <p:set>
+                                      <p:cBhvr>
+                                        <p:cTn id="6" dur="1" fill="hold">
+                                          <p:stCondLst>
+                                            <p:cond delay="0"/>
+                                          </p:stCondLst>
+                                        </p:cTn>
+                                        <p:tgtEl>
+                                          <p:spTgt spid="2"/>
+                                        </p:tgtEl>
+                                        <p:attrNameLst>
+                                          <p:attrName>style.visibility</p:attrName>
+                                        </p:attrNameLst>
+                                      </p:cBhvr>
+                                      <p:to>
+                                        <p:strVal val="visible"/>
+                                      </p:to>
+                                    </p:set>
+                                    <p:animEffect transition="in" filter="fade">
+                                      <p:cBhvr>
+                                        <p:cTn id="7" dur="500"/>
+                                        <p:tgtEl>
+                                          <p:spTgt spid="2"/>
+                                        </p:tgtEl>
+                                      </p:cBhvr>
+                                    </p:animEffect>
+                                  </p:childTnLst>
+                                </p:cTn>
+                              </p:par>
+                            </p:childTnLst>
+                          </p:cTn>
+                        </p:par>
+                      </p:childTnLst>
+                    </p:cTn>
+                  </p:par>
+                </p:childTnLst>
+              </p:cTn>
+              <p:prevCondLst>
+                <p:cond evt="onPrev" delay="0">
+                  <p:tgtEl>
+                    <p:sldTgt/>
+                  </p:tgtEl>
+                </p:cond>
+              </p:prevCondLst>
+              <p:nextCondLst>
+                <p:cond evt="onNext" delay="0">
+                  <p:tgtEl>
+                    <p:sldTgt/>
+                  </p:tgtEl>
+                </p:cond>
+              </p:nextCondLst>
+            </p:seq>
+          </p:childTnLst>
+        </p:cTn>
+      </p:par>
+    </p:tnLst>
+    <p:bldLst>
+      <p:bldP spid="2" grpId="0"/>
+    </p:bldLst>
+  </p:timing>
 </p:sld>
 </file>
 
@@ -7546,8 +8176,8 @@
         </p:nvSpPr>
         <p:spPr>
           <a:xfrm>
-            <a:off x="886741" y="2579397"/>
-            <a:ext cx="6996629" cy="3416320"/>
+            <a:off x="886742" y="2579397"/>
+            <a:ext cx="2576346" cy="2585323"/>
           </a:xfrm>
           <a:prstGeom prst="rect">
             <a:avLst/>
@@ -7555,157 +8185,26 @@
           <a:noFill/>
         </p:spPr>
         <p:txBody>
-          <a:bodyPr wrap="square" rtlCol="0">
+          <a:bodyPr wrap="none" rtlCol="0">
             <a:spAutoFit/>
           </a:bodyPr>
           <a:lstStyle/>
           <a:p>
             <a:r>
-              <a:rPr lang="en-US" altLang="zh-CN" dirty="0" err="1" smtClean="0">
-                <a:latin typeface="Courier New" panose="02070309020205020404" pitchFamily="49" charset="0"/>
-                <a:cs typeface="Courier New" panose="02070309020205020404" pitchFamily="49" charset="0"/>
-              </a:rPr>
-              <a:t>zipcode</a:t>
-            </a:r>
-            <a:r>
-              <a:rPr lang="en-US" altLang="zh-CN" dirty="0" smtClean="0">
-                <a:latin typeface="Courier New" panose="02070309020205020404" pitchFamily="49" charset="0"/>
-                <a:cs typeface="Courier New" panose="02070309020205020404" pitchFamily="49" charset="0"/>
-              </a:rPr>
-              <a:t> = 	{‘Bill’: 60644,</a:t>
-            </a:r>
-          </a:p>
-          <a:p>
-            <a:r>
-              <a:rPr lang="en-US" altLang="zh-CN" dirty="0">
-                <a:latin typeface="Courier New" panose="02070309020205020404" pitchFamily="49" charset="0"/>
-                <a:cs typeface="Courier New" panose="02070309020205020404" pitchFamily="49" charset="0"/>
-              </a:rPr>
-              <a:t>	</a:t>
-            </a:r>
-            <a:r>
-              <a:rPr lang="en-US" altLang="zh-CN" dirty="0" smtClean="0">
-                <a:latin typeface="Courier New" panose="02070309020205020404" pitchFamily="49" charset="0"/>
-                <a:cs typeface="Courier New" panose="02070309020205020404" pitchFamily="49" charset="0"/>
-              </a:rPr>
-              <a:t>		 ‘Jill’: 41073,</a:t>
-            </a:r>
-          </a:p>
-          <a:p>
-            <a:r>
-              <a:rPr lang="en-US" altLang="zh-CN" dirty="0">
-                <a:latin typeface="Courier New" panose="02070309020205020404" pitchFamily="49" charset="0"/>
-                <a:cs typeface="Courier New" panose="02070309020205020404" pitchFamily="49" charset="0"/>
-              </a:rPr>
-              <a:t>	</a:t>
-            </a:r>
-            <a:r>
-              <a:rPr lang="en-US" altLang="zh-CN" dirty="0" smtClean="0">
-                <a:latin typeface="Courier New" panose="02070309020205020404" pitchFamily="49" charset="0"/>
-                <a:cs typeface="Courier New" panose="02070309020205020404" pitchFamily="49" charset="0"/>
-              </a:rPr>
-              <a:t>		 ‘Jack’: 61820,</a:t>
-            </a:r>
-          </a:p>
-          <a:p>
-            <a:r>
-              <a:rPr lang="en-US" altLang="zh-CN" dirty="0">
-                <a:latin typeface="Courier New" panose="02070309020205020404" pitchFamily="49" charset="0"/>
-                <a:cs typeface="Courier New" panose="02070309020205020404" pitchFamily="49" charset="0"/>
-              </a:rPr>
-              <a:t>	</a:t>
-            </a:r>
-            <a:r>
-              <a:rPr lang="en-US" altLang="zh-CN" dirty="0" smtClean="0">
-                <a:latin typeface="Courier New" panose="02070309020205020404" pitchFamily="49" charset="0"/>
-                <a:cs typeface="Courier New" panose="02070309020205020404" pitchFamily="49" charset="0"/>
-              </a:rPr>
-              <a:t>		 </a:t>
-            </a:r>
-            <a:r>
-              <a:rPr lang="en-US" altLang="zh-CN" dirty="0">
-                <a:latin typeface="Courier New" panose="02070309020205020404" pitchFamily="49" charset="0"/>
-                <a:cs typeface="Courier New" panose="02070309020205020404" pitchFamily="49" charset="0"/>
-              </a:rPr>
-              <a:t>‘Tony’: </a:t>
-            </a:r>
-            <a:r>
-              <a:rPr lang="en-US" altLang="zh-CN" dirty="0" smtClean="0">
-                <a:latin typeface="Courier New" panose="02070309020205020404" pitchFamily="49" charset="0"/>
-                <a:cs typeface="Courier New" panose="02070309020205020404" pitchFamily="49" charset="0"/>
-              </a:rPr>
-              <a:t>60801}</a:t>
-            </a:r>
-          </a:p>
-          <a:p>
-            <a:r>
-              <a:rPr lang="en-US" altLang="zh-CN" dirty="0" smtClean="0">
-                <a:latin typeface="Courier New" panose="02070309020205020404" pitchFamily="49" charset="0"/>
-                <a:cs typeface="Courier New" panose="02070309020205020404" pitchFamily="49" charset="0"/>
-              </a:rPr>
-              <a:t>zip2city = {41073: ‘Cincinnati’,</a:t>
-            </a:r>
-          </a:p>
-          <a:p>
-            <a:r>
-              <a:rPr lang="en-US" altLang="zh-CN" dirty="0">
-                <a:latin typeface="Courier New" panose="02070309020205020404" pitchFamily="49" charset="0"/>
-                <a:cs typeface="Courier New" panose="02070309020205020404" pitchFamily="49" charset="0"/>
-              </a:rPr>
-              <a:t>	</a:t>
-            </a:r>
-            <a:r>
-              <a:rPr lang="en-US" altLang="zh-CN" dirty="0" smtClean="0">
-                <a:latin typeface="Courier New" panose="02070309020205020404" pitchFamily="49" charset="0"/>
-                <a:cs typeface="Courier New" panose="02070309020205020404" pitchFamily="49" charset="0"/>
-              </a:rPr>
-              <a:t>		  60644: </a:t>
-            </a:r>
-            <a:r>
-              <a:rPr lang="en-US" altLang="zh-CN" dirty="0">
-                <a:latin typeface="Courier New" panose="02070309020205020404" pitchFamily="49" charset="0"/>
-                <a:cs typeface="Courier New" panose="02070309020205020404" pitchFamily="49" charset="0"/>
-              </a:rPr>
-              <a:t>‘Chicago</a:t>
-            </a:r>
-            <a:r>
-              <a:rPr lang="en-US" altLang="zh-CN" dirty="0" smtClean="0">
-                <a:latin typeface="Courier New" panose="02070309020205020404" pitchFamily="49" charset="0"/>
-                <a:cs typeface="Courier New" panose="02070309020205020404" pitchFamily="49" charset="0"/>
-              </a:rPr>
-              <a:t>’,</a:t>
-            </a:r>
-          </a:p>
-          <a:p>
-            <a:r>
-              <a:rPr lang="en-US" altLang="zh-CN" dirty="0">
-                <a:latin typeface="Courier New" panose="02070309020205020404" pitchFamily="49" charset="0"/>
-                <a:cs typeface="Courier New" panose="02070309020205020404" pitchFamily="49" charset="0"/>
-              </a:rPr>
-              <a:t>	</a:t>
-            </a:r>
-            <a:r>
-              <a:rPr lang="en-US" altLang="zh-CN" dirty="0" smtClean="0">
-                <a:latin typeface="Courier New" panose="02070309020205020404" pitchFamily="49" charset="0"/>
-                <a:cs typeface="Courier New" panose="02070309020205020404" pitchFamily="49" charset="0"/>
-              </a:rPr>
-              <a:t>		  61801: ‘Urbana’,</a:t>
-            </a:r>
-          </a:p>
-          <a:p>
-            <a:r>
-              <a:rPr lang="en-US" altLang="zh-CN" dirty="0">
-                <a:latin typeface="Courier New" panose="02070309020205020404" pitchFamily="49" charset="0"/>
-                <a:cs typeface="Courier New" panose="02070309020205020404" pitchFamily="49" charset="0"/>
-              </a:rPr>
-              <a:t>	</a:t>
-            </a:r>
-            <a:r>
-              <a:rPr lang="en-US" altLang="zh-CN" dirty="0" smtClean="0">
-                <a:latin typeface="Courier New" panose="02070309020205020404" pitchFamily="49" charset="0"/>
-                <a:cs typeface="Courier New" panose="02070309020205020404" pitchFamily="49" charset="0"/>
-              </a:rPr>
-              <a:t>		  61820: ‘Champaign’}</a:t>
+              <a:rPr lang="en-US" altLang="zh-CN" dirty="0" smtClean="0">
+                <a:latin typeface="Courier New" panose="02070309020205020404" pitchFamily="49" charset="0"/>
+                <a:cs typeface="Courier New" panose="02070309020205020404" pitchFamily="49" charset="0"/>
+              </a:rPr>
+              <a:t>x = ‘ABBACABD’</a:t>
+            </a:r>
+          </a:p>
+          <a:p>
+            <a:r>
+              <a:rPr lang="en-US" altLang="zh-CN" dirty="0" smtClean="0">
+                <a:latin typeface="Courier New" panose="02070309020205020404" pitchFamily="49" charset="0"/>
+                <a:cs typeface="Courier New" panose="02070309020205020404" pitchFamily="49" charset="0"/>
+              </a:rPr>
+              <a:t>d = {}</a:t>
             </a:r>
           </a:p>
           <a:p>
@@ -7716,33 +8215,26 @@
           </a:p>
           <a:p>
             <a:r>
-              <a:rPr lang="en-US" altLang="zh-CN" dirty="0" smtClean="0">
-                <a:latin typeface="Courier New" panose="02070309020205020404" pitchFamily="49" charset="0"/>
-                <a:cs typeface="Courier New" panose="02070309020205020404" pitchFamily="49" charset="0"/>
-              </a:rPr>
-              <a:t>for name in </a:t>
-            </a:r>
-            <a:r>
-              <a:rPr lang="en-US" altLang="zh-CN" dirty="0" err="1" smtClean="0">
-                <a:latin typeface="Courier New" panose="02070309020205020404" pitchFamily="49" charset="0"/>
-                <a:cs typeface="Courier New" panose="02070309020205020404" pitchFamily="49" charset="0"/>
-              </a:rPr>
-              <a:t>zipcode</a:t>
-            </a:r>
-            <a:r>
-              <a:rPr lang="en-US" altLang="zh-CN" dirty="0" smtClean="0">
-                <a:latin typeface="Courier New" panose="02070309020205020404" pitchFamily="49" charset="0"/>
-                <a:cs typeface="Courier New" panose="02070309020205020404" pitchFamily="49" charset="0"/>
-              </a:rPr>
-              <a:t>:</a:t>
-            </a:r>
-          </a:p>
-          <a:p>
-            <a:r>
               <a:rPr lang="en-US" altLang="zh-CN" dirty="0">
                 <a:latin typeface="Courier New" panose="02070309020205020404" pitchFamily="49" charset="0"/>
                 <a:cs typeface="Courier New" panose="02070309020205020404" pitchFamily="49" charset="0"/>
               </a:rPr>
+              <a:t>f</a:t>
+            </a:r>
+            <a:r>
+              <a:rPr lang="en-US" altLang="zh-CN" dirty="0" smtClean="0">
+                <a:latin typeface="Courier New" panose="02070309020205020404" pitchFamily="49" charset="0"/>
+                <a:cs typeface="Courier New" panose="02070309020205020404" pitchFamily="49" charset="0"/>
+              </a:rPr>
+              <a:t>or c in x:</a:t>
+            </a:r>
+          </a:p>
+          <a:p>
+            <a:r>
+              <a:rPr lang="en-US" altLang="zh-CN" dirty="0">
+                <a:latin typeface="Courier New" panose="02070309020205020404" pitchFamily="49" charset="0"/>
+                <a:cs typeface="Courier New" panose="02070309020205020404" pitchFamily="49" charset="0"/>
+              </a:rPr>
               <a:t>	</a:t>
             </a:r>
             <a:r>
@@ -7750,21 +8242,80 @@
                 <a:latin typeface="Courier New" panose="02070309020205020404" pitchFamily="49" charset="0"/>
                 <a:cs typeface="Courier New" panose="02070309020205020404" pitchFamily="49" charset="0"/>
               </a:rPr>
-              <a:t>print(name, zip2city[ </a:t>
-            </a:r>
-            <a:r>
-              <a:rPr lang="en-US" altLang="zh-CN" dirty="0" err="1" smtClean="0">
-                <a:latin typeface="Courier New" panose="02070309020205020404" pitchFamily="49" charset="0"/>
-                <a:cs typeface="Courier New" panose="02070309020205020404" pitchFamily="49" charset="0"/>
-              </a:rPr>
-              <a:t>zipcode</a:t>
-            </a:r>
-            <a:r>
-              <a:rPr lang="en-US" altLang="zh-CN" dirty="0" smtClean="0">
-                <a:latin typeface="Courier New" panose="02070309020205020404" pitchFamily="49" charset="0"/>
-                <a:cs typeface="Courier New" panose="02070309020205020404" pitchFamily="49" charset="0"/>
-              </a:rPr>
-              <a:t>[name] ])</a:t>
+              <a:t>if c not in d:</a:t>
+            </a:r>
+          </a:p>
+          <a:p>
+            <a:r>
+              <a:rPr lang="en-US" altLang="zh-CN" dirty="0">
+                <a:latin typeface="Courier New" panose="02070309020205020404" pitchFamily="49" charset="0"/>
+                <a:cs typeface="Courier New" panose="02070309020205020404" pitchFamily="49" charset="0"/>
+              </a:rPr>
+              <a:t>	</a:t>
+            </a:r>
+            <a:r>
+              <a:rPr lang="en-US" altLang="zh-CN" dirty="0" smtClean="0">
+                <a:latin typeface="Courier New" panose="02070309020205020404" pitchFamily="49" charset="0"/>
+                <a:cs typeface="Courier New" panose="02070309020205020404" pitchFamily="49" charset="0"/>
+              </a:rPr>
+              <a:t>	d[c] = </a:t>
+            </a:r>
+            <a:r>
+              <a:rPr lang="en-US" altLang="zh-CN" dirty="0" smtClean="0">
+                <a:latin typeface="Courier New" panose="02070309020205020404" pitchFamily="49" charset="0"/>
+                <a:cs typeface="Courier New" panose="02070309020205020404" pitchFamily="49" charset="0"/>
+              </a:rPr>
+              <a:t>1</a:t>
+            </a:r>
+            <a:endParaRPr lang="en-US" altLang="zh-CN" dirty="0" smtClean="0">
+              <a:latin typeface="Courier New" panose="02070309020205020404" pitchFamily="49" charset="0"/>
+              <a:cs typeface="Courier New" panose="02070309020205020404" pitchFamily="49" charset="0"/>
+            </a:endParaRPr>
+          </a:p>
+          <a:p>
+            <a:r>
+              <a:rPr lang="en-US" altLang="zh-CN" dirty="0">
+                <a:latin typeface="Courier New" panose="02070309020205020404" pitchFamily="49" charset="0"/>
+                <a:cs typeface="Courier New" panose="02070309020205020404" pitchFamily="49" charset="0"/>
+              </a:rPr>
+              <a:t>	</a:t>
+            </a:r>
+            <a:r>
+              <a:rPr lang="en-US" altLang="zh-CN" dirty="0" smtClean="0">
+                <a:latin typeface="Courier New" panose="02070309020205020404" pitchFamily="49" charset="0"/>
+                <a:cs typeface="Courier New" panose="02070309020205020404" pitchFamily="49" charset="0"/>
+              </a:rPr>
+              <a:t>else:</a:t>
+            </a:r>
+          </a:p>
+          <a:p>
+            <a:r>
+              <a:rPr lang="en-US" altLang="zh-CN" dirty="0">
+                <a:latin typeface="Courier New" panose="02070309020205020404" pitchFamily="49" charset="0"/>
+                <a:cs typeface="Courier New" panose="02070309020205020404" pitchFamily="49" charset="0"/>
+              </a:rPr>
+              <a:t>	</a:t>
+            </a:r>
+            <a:r>
+              <a:rPr lang="en-US" altLang="zh-CN" dirty="0" smtClean="0">
+                <a:latin typeface="Courier New" panose="02070309020205020404" pitchFamily="49" charset="0"/>
+                <a:cs typeface="Courier New" panose="02070309020205020404" pitchFamily="49" charset="0"/>
+              </a:rPr>
+              <a:t>	</a:t>
+            </a:r>
+            <a:r>
+              <a:rPr lang="en-US" altLang="zh-CN" dirty="0" smtClean="0">
+                <a:latin typeface="Courier New" panose="02070309020205020404" pitchFamily="49" charset="0"/>
+                <a:cs typeface="Courier New" panose="02070309020205020404" pitchFamily="49" charset="0"/>
+              </a:rPr>
+              <a:t>d[c</a:t>
+            </a:r>
+            <a:r>
+              <a:rPr lang="en-US" altLang="zh-CN" dirty="0" smtClean="0">
+                <a:latin typeface="Courier New" panose="02070309020205020404" pitchFamily="49" charset="0"/>
+                <a:cs typeface="Courier New" panose="02070309020205020404" pitchFamily="49" charset="0"/>
+              </a:rPr>
+              <a:t>] += 1</a:t>
             </a:r>
             <a:endParaRPr lang="en-US" altLang="zh-CN" dirty="0">
               <a:latin typeface="Courier New" panose="02070309020205020404" pitchFamily="49" charset="0"/>
@@ -7791,8 +8342,8 @@
         </p:nvSpPr>
         <p:spPr>
           <a:xfrm>
-            <a:off x="457200" y="1600201"/>
-            <a:ext cx="8229600" cy="814525"/>
+            <a:off x="518832" y="1600201"/>
+            <a:ext cx="8229600" cy="4525963"/>
           </a:xfrm>
         </p:spPr>
         <p:txBody>
@@ -7803,27 +8354,52 @@
           <a:p>
             <a:r>
               <a:rPr lang="en-US" sz="2800" dirty="0" smtClean="0"/>
-              <a:t>Link data based on a common field</a:t>
-            </a:r>
-          </a:p>
-          <a:p>
-            <a:pPr marL="0" indent="0">
-              <a:buNone/>
-            </a:pPr>
+              <a:t>Dictionary can also be used as accumulators</a:t>
+            </a:r>
+          </a:p>
+          <a:p>
             <a:endParaRPr lang="en-US" sz="2800" dirty="0"/>
+          </a:p>
+          <a:p>
+            <a:endParaRPr lang="en-US" sz="2800" dirty="0" smtClean="0"/>
+          </a:p>
+          <a:p>
+            <a:endParaRPr lang="en-US" sz="2800" dirty="0"/>
+          </a:p>
+          <a:p>
+            <a:endParaRPr lang="en-US" sz="2800" dirty="0" smtClean="0"/>
+          </a:p>
+          <a:p>
+            <a:endParaRPr lang="en-US" sz="2800" dirty="0"/>
+          </a:p>
+          <a:p>
+            <a:endParaRPr lang="en-US" sz="2800" dirty="0" smtClean="0"/>
+          </a:p>
+          <a:p>
+            <a:r>
+              <a:rPr lang="en-US" sz="2800" dirty="0" smtClean="0"/>
+              <a:t>What is the output of d by the above code?</a:t>
+            </a:r>
           </a:p>
         </p:txBody>
       </p:sp>
     </p:spTree>
     <p:extLst>
       <p:ext uri="{BB962C8B-B14F-4D97-AF65-F5344CB8AC3E}">
-        <p14:creationId xmlns:p14="http://schemas.microsoft.com/office/powerpoint/2010/main" val="2402880481"/>
+        <p14:creationId xmlns:p14="http://schemas.microsoft.com/office/powerpoint/2010/main" val="2405352586"/>
       </p:ext>
     </p:extLst>
   </p:cSld>
   <p:clrMapOvr>
     <a:masterClrMapping/>
   </p:clrMapOvr>
+  <p:timing>
+    <p:tnLst>
+      <p:par>
+        <p:cTn id="1" dur="indefinite" restart="never" nodeType="tmRoot"/>
+      </p:par>
+    </p:tnLst>
+  </p:timing>
 </p:sld>
 </file>
 
@@ -7852,7 +8428,7 @@
         </p:nvSpPr>
         <p:spPr>
           <a:xfrm>
-            <a:off x="0" y="2586816"/>
+            <a:off x="0" y="-7550"/>
             <a:ext cx="9144000" cy="1228835"/>
           </a:xfrm>
           <a:prstGeom prst="rect">
@@ -7884,12 +8460,17 @@
           <a:bodyPr rtlCol="0" anchor="ctr"/>
           <a:lstStyle/>
           <a:p>
-            <a:pPr algn="ctr"/>
-            <a:r>
-              <a:rPr lang="en-US" sz="4800" b="1" dirty="0" smtClean="0"/>
-              <a:t>Mutable Arguments</a:t>
-            </a:r>
-            <a:endParaRPr lang="en-US" sz="4800" b="1" dirty="0"/>
+            <a:r>
+              <a:rPr lang="en-US" sz="4000" i="1" dirty="0" smtClean="0"/>
+              <a:t>	</a:t>
+            </a:r>
+            <a:r>
+              <a:rPr lang="en-US" sz="4000" i="1" dirty="0" smtClean="0">
+                <a:cs typeface="Courier New" panose="02070309020205020404" pitchFamily="49" charset="0"/>
+              </a:rPr>
+              <a:t>Exercise</a:t>
+            </a:r>
+            <a:endParaRPr lang="en-US" sz="4000" i="1" dirty="0"/>
           </a:p>
         </p:txBody>
       </p:sp>
@@ -8014,10 +8595,165 @@
           </a:p>
         </p:txBody>
       </p:sp>
+      <p:sp>
+        <p:nvSpPr>
+          <p:cNvPr id="8" name="Content Placeholder 2"/>
+          <p:cNvSpPr>
+            <a:spLocks noGrp="1"/>
+          </p:cNvSpPr>
+          <p:nvPr>
+            <p:ph idx="1"/>
+          </p:nvPr>
+        </p:nvSpPr>
+        <p:spPr>
+          <a:xfrm>
+            <a:off x="457199" y="1600201"/>
+            <a:ext cx="8500369" cy="4525963"/>
+          </a:xfrm>
+        </p:spPr>
+        <p:txBody>
+          <a:bodyPr>
+            <a:normAutofit/>
+          </a:bodyPr>
+          <a:lstStyle/>
+          <a:p>
+            <a:r>
+              <a:rPr lang="en-US" sz="2800" dirty="0" smtClean="0"/>
+              <a:t>Count the category frequencies in </a:t>
+            </a:r>
+            <a:r>
+              <a:rPr lang="en-US" sz="2800" dirty="0" smtClean="0">
+                <a:hlinkClick r:id="rId2"/>
+              </a:rPr>
+              <a:t>Jeopardy questions</a:t>
+            </a:r>
+            <a:endParaRPr lang="en-US" sz="2800" dirty="0" smtClean="0"/>
+          </a:p>
+          <a:p>
+            <a:r>
+              <a:rPr lang="en-US" sz="2800" dirty="0" smtClean="0"/>
+              <a:t>Find the category name with the highest frequency</a:t>
+            </a:r>
+          </a:p>
+          <a:p>
+            <a:endParaRPr lang="en-US" sz="2800" dirty="0" smtClean="0"/>
+          </a:p>
+        </p:txBody>
+      </p:sp>
+      <p:sp>
+        <p:nvSpPr>
+          <p:cNvPr id="9" name="TextBox 8"/>
+          <p:cNvSpPr txBox="1"/>
+          <p:nvPr/>
+        </p:nvSpPr>
+        <p:spPr>
+          <a:xfrm>
+            <a:off x="860110" y="2947575"/>
+            <a:ext cx="4596130" cy="2308324"/>
+          </a:xfrm>
+          <a:prstGeom prst="rect">
+            <a:avLst/>
+          </a:prstGeom>
+          <a:noFill/>
+        </p:spPr>
+        <p:txBody>
+          <a:bodyPr wrap="none" rtlCol="0">
+            <a:spAutoFit/>
+          </a:bodyPr>
+          <a:lstStyle/>
+          <a:p>
+            <a:r>
+              <a:rPr lang="en-US" altLang="zh-CN" dirty="0" err="1" smtClean="0">
+                <a:latin typeface="Courier New" panose="02070309020205020404" pitchFamily="49" charset="0"/>
+                <a:cs typeface="Courier New" panose="02070309020205020404" pitchFamily="49" charset="0"/>
+              </a:rPr>
+              <a:t>myfile</a:t>
+            </a:r>
+            <a:r>
+              <a:rPr lang="en-US" altLang="zh-CN" dirty="0" smtClean="0">
+                <a:latin typeface="Courier New" panose="02070309020205020404" pitchFamily="49" charset="0"/>
+                <a:cs typeface="Courier New" panose="02070309020205020404" pitchFamily="49" charset="0"/>
+              </a:rPr>
+              <a:t> = open(‘jeopardy.csv’)</a:t>
+            </a:r>
+          </a:p>
+          <a:p>
+            <a:r>
+              <a:rPr lang="en-US" altLang="zh-CN" dirty="0" smtClean="0">
+                <a:latin typeface="Courier New" panose="02070309020205020404" pitchFamily="49" charset="0"/>
+                <a:cs typeface="Courier New" panose="02070309020205020404" pitchFamily="49" charset="0"/>
+              </a:rPr>
+              <a:t>lines = </a:t>
+            </a:r>
+            <a:r>
+              <a:rPr lang="en-US" altLang="zh-CN" dirty="0" err="1" smtClean="0">
+                <a:latin typeface="Courier New" panose="02070309020205020404" pitchFamily="49" charset="0"/>
+                <a:cs typeface="Courier New" panose="02070309020205020404" pitchFamily="49" charset="0"/>
+              </a:rPr>
+              <a:t>myfile.readlines</a:t>
+            </a:r>
+            <a:r>
+              <a:rPr lang="en-US" altLang="zh-CN" dirty="0" smtClean="0">
+                <a:latin typeface="Courier New" panose="02070309020205020404" pitchFamily="49" charset="0"/>
+                <a:cs typeface="Courier New" panose="02070309020205020404" pitchFamily="49" charset="0"/>
+              </a:rPr>
+              <a:t>()</a:t>
+            </a:r>
+          </a:p>
+          <a:p>
+            <a:endParaRPr lang="en-US" altLang="zh-CN" dirty="0" smtClean="0">
+              <a:latin typeface="Courier New" panose="02070309020205020404" pitchFamily="49" charset="0"/>
+              <a:cs typeface="Courier New" panose="02070309020205020404" pitchFamily="49" charset="0"/>
+            </a:endParaRPr>
+          </a:p>
+          <a:p>
+            <a:r>
+              <a:rPr lang="en-US" altLang="zh-CN" dirty="0" smtClean="0">
+                <a:latin typeface="Courier New" panose="02070309020205020404" pitchFamily="49" charset="0"/>
+                <a:cs typeface="Courier New" panose="02070309020205020404" pitchFamily="49" charset="0"/>
+              </a:rPr>
+              <a:t># get category frequencies</a:t>
+            </a:r>
+          </a:p>
+          <a:p>
+            <a:r>
+              <a:rPr lang="en-US" altLang="zh-CN" dirty="0" smtClean="0">
+                <a:latin typeface="Courier New" panose="02070309020205020404" pitchFamily="49" charset="0"/>
+                <a:cs typeface="Courier New" panose="02070309020205020404" pitchFamily="49" charset="0"/>
+              </a:rPr>
+              <a:t>…</a:t>
+            </a:r>
+          </a:p>
+          <a:p>
+            <a:endParaRPr lang="en-US" altLang="zh-CN" dirty="0">
+              <a:latin typeface="Courier New" panose="02070309020205020404" pitchFamily="49" charset="0"/>
+              <a:cs typeface="Courier New" panose="02070309020205020404" pitchFamily="49" charset="0"/>
+            </a:endParaRPr>
+          </a:p>
+          <a:p>
+            <a:r>
+              <a:rPr lang="en-US" altLang="zh-CN" dirty="0" smtClean="0">
+                <a:latin typeface="Courier New" panose="02070309020205020404" pitchFamily="49" charset="0"/>
+                <a:cs typeface="Courier New" panose="02070309020205020404" pitchFamily="49" charset="0"/>
+              </a:rPr>
+              <a:t># get most popular category name</a:t>
+            </a:r>
+          </a:p>
+          <a:p>
+            <a:r>
+              <a:rPr lang="en-US" altLang="zh-CN" dirty="0" smtClean="0">
+                <a:latin typeface="Courier New" panose="02070309020205020404" pitchFamily="49" charset="0"/>
+                <a:cs typeface="Courier New" panose="02070309020205020404" pitchFamily="49" charset="0"/>
+              </a:rPr>
+              <a:t>…</a:t>
+            </a:r>
+          </a:p>
+        </p:txBody>
+      </p:sp>
     </p:spTree>
     <p:extLst>
       <p:ext uri="{BB962C8B-B14F-4D97-AF65-F5344CB8AC3E}">
-        <p14:creationId xmlns:p14="http://schemas.microsoft.com/office/powerpoint/2010/main" val="509107322"/>
+        <p14:creationId xmlns:p14="http://schemas.microsoft.com/office/powerpoint/2010/main" val="1186527509"/>
       </p:ext>
     </p:extLst>
   </p:cSld>
@@ -8059,7 +8795,7 @@
         </p:nvSpPr>
         <p:spPr>
           <a:xfrm>
-            <a:off x="0" y="-7550"/>
+            <a:off x="0" y="2586816"/>
             <a:ext cx="9144000" cy="1228835"/>
           </a:xfrm>
           <a:prstGeom prst="rect">
@@ -8091,17 +8827,12 @@
           <a:bodyPr rtlCol="0" anchor="ctr"/>
           <a:lstStyle/>
           <a:p>
-            <a:r>
-              <a:rPr lang="en-US" sz="4000" i="1" dirty="0" smtClean="0"/>
-              <a:t>	</a:t>
-            </a:r>
-            <a:r>
-              <a:rPr lang="en-US" sz="4000" i="1" dirty="0" smtClean="0">
-                <a:cs typeface="Courier New" panose="02070309020205020404" pitchFamily="49" charset="0"/>
-              </a:rPr>
-              <a:t>Exercise: mutability</a:t>
-            </a:r>
-            <a:endParaRPr lang="en-US" sz="4000" i="1" dirty="0"/>
+            <a:pPr algn="ctr"/>
+            <a:r>
+              <a:rPr lang="en-US" sz="4800" b="1" dirty="0" smtClean="0"/>
+              <a:t>Mutable Arguments</a:t>
+            </a:r>
+            <a:endParaRPr lang="en-US" sz="4800" b="1" dirty="0"/>
           </a:p>
         </p:txBody>
       </p:sp>
@@ -8226,114 +8957,23 @@
           </a:p>
         </p:txBody>
       </p:sp>
-      <p:sp>
-        <p:nvSpPr>
-          <p:cNvPr id="2" name="TextBox 1"/>
-          <p:cNvSpPr txBox="1"/>
-          <p:nvPr/>
-        </p:nvSpPr>
-        <p:spPr>
-          <a:xfrm>
-            <a:off x="709190" y="1615736"/>
-            <a:ext cx="4173528" cy="1754326"/>
-          </a:xfrm>
-          <a:prstGeom prst="rect">
-            <a:avLst/>
-          </a:prstGeom>
-          <a:noFill/>
-        </p:spPr>
-        <p:txBody>
-          <a:bodyPr wrap="square" rtlCol="0">
-            <a:spAutoFit/>
-          </a:bodyPr>
-          <a:lstStyle/>
-          <a:p>
-            <a:r>
-              <a:rPr lang="en-US" altLang="zh-CN" dirty="0" smtClean="0">
-                <a:latin typeface="Courier New" panose="02070309020205020404" pitchFamily="49" charset="0"/>
-                <a:cs typeface="Courier New" panose="02070309020205020404" pitchFamily="49" charset="0"/>
-              </a:rPr>
-              <a:t>x = [3,2,1]</a:t>
-            </a:r>
-          </a:p>
-          <a:p>
-            <a:r>
-              <a:rPr lang="en-US" altLang="zh-CN" dirty="0" smtClean="0">
-                <a:latin typeface="Courier New" panose="02070309020205020404" pitchFamily="49" charset="0"/>
-                <a:cs typeface="Courier New" panose="02070309020205020404" pitchFamily="49" charset="0"/>
-              </a:rPr>
-              <a:t>y = x</a:t>
-            </a:r>
-          </a:p>
-          <a:p>
-            <a:r>
-              <a:rPr lang="en-US" altLang="zh-CN" dirty="0" err="1" smtClean="0">
-                <a:latin typeface="Courier New" panose="02070309020205020404" pitchFamily="49" charset="0"/>
-                <a:cs typeface="Courier New" panose="02070309020205020404" pitchFamily="49" charset="0"/>
-              </a:rPr>
-              <a:t>y.sort</a:t>
-            </a:r>
-            <a:r>
-              <a:rPr lang="en-US" altLang="zh-CN" dirty="0" smtClean="0">
-                <a:latin typeface="Courier New" panose="02070309020205020404" pitchFamily="49" charset="0"/>
-                <a:cs typeface="Courier New" panose="02070309020205020404" pitchFamily="49" charset="0"/>
-              </a:rPr>
-              <a:t>()</a:t>
-            </a:r>
-          </a:p>
-          <a:p>
-            <a:r>
-              <a:rPr lang="en-US" altLang="zh-CN" dirty="0" err="1" smtClean="0">
-                <a:latin typeface="Courier New" panose="02070309020205020404" pitchFamily="49" charset="0"/>
-                <a:cs typeface="Courier New" panose="02070309020205020404" pitchFamily="49" charset="0"/>
-              </a:rPr>
-              <a:t>x.append</a:t>
-            </a:r>
-            <a:r>
-              <a:rPr lang="en-US" altLang="zh-CN" dirty="0" smtClean="0">
-                <a:latin typeface="Courier New" panose="02070309020205020404" pitchFamily="49" charset="0"/>
-                <a:cs typeface="Courier New" panose="02070309020205020404" pitchFamily="49" charset="0"/>
-              </a:rPr>
-              <a:t>(0)</a:t>
-            </a:r>
-            <a:endParaRPr lang="en-US" altLang="zh-CN" dirty="0">
-              <a:latin typeface="Courier New" panose="02070309020205020404" pitchFamily="49" charset="0"/>
-              <a:cs typeface="Courier New" panose="02070309020205020404" pitchFamily="49" charset="0"/>
-            </a:endParaRPr>
-          </a:p>
-          <a:p>
-            <a:r>
-              <a:rPr lang="en-US" altLang="zh-CN" dirty="0" smtClean="0">
-                <a:latin typeface="Courier New" panose="02070309020205020404" pitchFamily="49" charset="0"/>
-                <a:cs typeface="Courier New" panose="02070309020205020404" pitchFamily="49" charset="0"/>
-              </a:rPr>
-              <a:t/>
-            </a:r>
-            <a:br>
-              <a:rPr lang="en-US" altLang="zh-CN" dirty="0" smtClean="0">
-                <a:latin typeface="Courier New" panose="02070309020205020404" pitchFamily="49" charset="0"/>
-                <a:cs typeface="Courier New" panose="02070309020205020404" pitchFamily="49" charset="0"/>
-              </a:rPr>
-            </a:br>
-            <a:r>
-              <a:rPr lang="en-US" altLang="zh-CN" dirty="0" smtClean="0">
-                <a:cs typeface="Courier New" panose="02070309020205020404" pitchFamily="49" charset="0"/>
-              </a:rPr>
-              <a:t>What is the value of y?</a:t>
-            </a:r>
-          </a:p>
-        </p:txBody>
-      </p:sp>
     </p:spTree>
     <p:extLst>
       <p:ext uri="{BB962C8B-B14F-4D97-AF65-F5344CB8AC3E}">
-        <p14:creationId xmlns:p14="http://schemas.microsoft.com/office/powerpoint/2010/main" val="3716523320"/>
+        <p14:creationId xmlns:p14="http://schemas.microsoft.com/office/powerpoint/2010/main" val="509107322"/>
       </p:ext>
     </p:extLst>
   </p:cSld>
   <p:clrMapOvr>
     <a:masterClrMapping/>
   </p:clrMapOvr>
+  <p:timing>
+    <p:tnLst>
+      <p:par>
+        <p:cTn id="1" dur="indefinite" restart="never" nodeType="tmRoot"/>
+      </p:par>
+    </p:tnLst>
+  </p:timing>
 </p:sld>
 </file>
 
@@ -8396,13 +9036,13 @@
           <a:p>
             <a:r>
               <a:rPr lang="en-US" sz="4000" i="1" dirty="0" smtClean="0"/>
-              <a:t>	M</a:t>
+              <a:t>	</a:t>
             </a:r>
             <a:r>
               <a:rPr lang="en-US" sz="4000" i="1" dirty="0" smtClean="0">
                 <a:cs typeface="Courier New" panose="02070309020205020404" pitchFamily="49" charset="0"/>
               </a:rPr>
-              <a:t>utable arguments</a:t>
+              <a:t>Example</a:t>
             </a:r>
             <a:endParaRPr lang="en-US" sz="4000" i="1" dirty="0"/>
           </a:p>
@@ -8531,62 +9171,14 @@
       </p:sp>
       <p:sp>
         <p:nvSpPr>
-          <p:cNvPr id="8" name="Content Placeholder 2"/>
-          <p:cNvSpPr>
-            <a:spLocks noGrp="1"/>
-          </p:cNvSpPr>
-          <p:nvPr>
-            <p:ph idx="1"/>
-          </p:nvPr>
-        </p:nvSpPr>
-        <p:spPr>
-          <a:xfrm>
-            <a:off x="457200" y="1529180"/>
-            <a:ext cx="8229600" cy="2030766"/>
-          </a:xfrm>
-        </p:spPr>
-        <p:txBody>
-          <a:bodyPr>
-            <a:normAutofit/>
-          </a:bodyPr>
-          <a:lstStyle/>
-          <a:p>
-            <a:r>
-              <a:rPr lang="en-US" sz="2800" dirty="0" smtClean="0"/>
-              <a:t>Mutability causes lists to work differently when passed to a function</a:t>
-            </a:r>
-          </a:p>
-          <a:p>
-            <a:r>
-              <a:rPr lang="en-US" sz="2800" dirty="0" smtClean="0"/>
-              <a:t>Can be changed within a function</a:t>
-            </a:r>
-          </a:p>
-          <a:p>
-            <a:r>
-              <a:rPr lang="en-US" sz="2800" dirty="0" smtClean="0"/>
-              <a:t>Very useful</a:t>
-            </a:r>
-            <a:endParaRPr lang="en-US" sz="2800" dirty="0" smtClean="0"/>
-          </a:p>
-          <a:p>
-            <a:pPr marL="0" indent="0">
-              <a:buNone/>
-            </a:pPr>
-            <a:endParaRPr lang="en-US" sz="2800" dirty="0"/>
-          </a:p>
-        </p:txBody>
-      </p:sp>
-      <p:sp>
-        <p:nvSpPr>
-          <p:cNvPr id="9" name="TextBox 8"/>
+          <p:cNvPr id="2" name="TextBox 1"/>
           <p:cNvSpPr txBox="1"/>
           <p:nvPr/>
         </p:nvSpPr>
         <p:spPr>
           <a:xfrm>
-            <a:off x="867966" y="3549607"/>
-            <a:ext cx="4173528" cy="2031325"/>
+            <a:off x="709190" y="1615736"/>
+            <a:ext cx="4173528" cy="2308324"/>
           </a:xfrm>
           <a:prstGeom prst="rect">
             <a:avLst/>
@@ -8611,21 +9203,7 @@
                 <a:latin typeface="Courier New" panose="02070309020205020404" pitchFamily="49" charset="0"/>
                 <a:cs typeface="Courier New" panose="02070309020205020404" pitchFamily="49" charset="0"/>
               </a:rPr>
-              <a:t> fun(</a:t>
-            </a:r>
-            <a:r>
-              <a:rPr lang="en-US" altLang="zh-CN" dirty="0" err="1" smtClean="0">
-                <a:latin typeface="Courier New" panose="02070309020205020404" pitchFamily="49" charset="0"/>
-                <a:cs typeface="Courier New" panose="02070309020205020404" pitchFamily="49" charset="0"/>
-              </a:rPr>
-              <a:t>q,i</a:t>
-            </a:r>
-            <a:r>
-              <a:rPr lang="en-US" altLang="zh-CN" dirty="0" smtClean="0">
-                <a:latin typeface="Courier New" panose="02070309020205020404" pitchFamily="49" charset="0"/>
-                <a:cs typeface="Courier New" panose="02070309020205020404" pitchFamily="49" charset="0"/>
-              </a:rPr>
-              <a:t>):</a:t>
+              <a:t> fun(x):</a:t>
             </a:r>
           </a:p>
           <a:p>
@@ -8637,32 +9215,20 @@
               <a:t>	</a:t>
             </a:r>
             <a:r>
-              <a:rPr lang="en-US" altLang="zh-CN" dirty="0" err="1" smtClean="0">
-                <a:latin typeface="Courier New" panose="02070309020205020404" pitchFamily="49" charset="0"/>
-                <a:cs typeface="Courier New" panose="02070309020205020404" pitchFamily="49" charset="0"/>
-              </a:rPr>
-              <a:t>q.append</a:t>
-            </a:r>
-            <a:r>
-              <a:rPr lang="en-US" altLang="zh-CN" dirty="0" smtClean="0">
-                <a:latin typeface="Courier New" panose="02070309020205020404" pitchFamily="49" charset="0"/>
-                <a:cs typeface="Courier New" panose="02070309020205020404" pitchFamily="49" charset="0"/>
-              </a:rPr>
-              <a:t>(</a:t>
-            </a:r>
-            <a:r>
-              <a:rPr lang="en-US" altLang="zh-CN" dirty="0" err="1" smtClean="0">
-                <a:latin typeface="Courier New" panose="02070309020205020404" pitchFamily="49" charset="0"/>
-                <a:cs typeface="Courier New" panose="02070309020205020404" pitchFamily="49" charset="0"/>
-              </a:rPr>
-              <a:t>i</a:t>
-            </a:r>
-            <a:r>
-              <a:rPr lang="en-US" altLang="zh-CN" dirty="0" smtClean="0">
-                <a:latin typeface="Courier New" panose="02070309020205020404" pitchFamily="49" charset="0"/>
-                <a:cs typeface="Courier New" panose="02070309020205020404" pitchFamily="49" charset="0"/>
-              </a:rPr>
-              <a:t>)</a:t>
+              <a:rPr lang="en-US" altLang="zh-CN" dirty="0" smtClean="0">
+                <a:latin typeface="Courier New" panose="02070309020205020404" pitchFamily="49" charset="0"/>
+                <a:cs typeface="Courier New" panose="02070309020205020404" pitchFamily="49" charset="0"/>
+              </a:rPr>
+              <a:t>x = x + 1</a:t>
+            </a:r>
+          </a:p>
+          <a:p>
+            <a:r>
+              <a:rPr lang="en-US" altLang="zh-CN" dirty="0" smtClean="0">
+                <a:latin typeface="Courier New" panose="02070309020205020404" pitchFamily="49" charset="0"/>
+                <a:cs typeface="Courier New" panose="02070309020205020404" pitchFamily="49" charset="0"/>
+              </a:rPr>
+              <a:t>	return x</a:t>
             </a:r>
           </a:p>
           <a:p>
@@ -8677,76 +9243,43 @@
                 <a:latin typeface="Courier New" panose="02070309020205020404" pitchFamily="49" charset="0"/>
                 <a:cs typeface="Courier New" panose="02070309020205020404" pitchFamily="49" charset="0"/>
               </a:rPr>
-              <a:t>a = []</a:t>
-            </a:r>
-          </a:p>
-          <a:p>
-            <a:r>
-              <a:rPr lang="en-US" altLang="zh-CN" dirty="0" smtClean="0">
-                <a:latin typeface="Courier New" panose="02070309020205020404" pitchFamily="49" charset="0"/>
-                <a:cs typeface="Courier New" panose="02070309020205020404" pitchFamily="49" charset="0"/>
-              </a:rPr>
-              <a:t>for </a:t>
-            </a:r>
-            <a:r>
-              <a:rPr lang="en-US" altLang="zh-CN" dirty="0" err="1" smtClean="0">
-                <a:latin typeface="Courier New" panose="02070309020205020404" pitchFamily="49" charset="0"/>
-                <a:cs typeface="Courier New" panose="02070309020205020404" pitchFamily="49" charset="0"/>
-              </a:rPr>
-              <a:t>i</a:t>
-            </a:r>
-            <a:r>
-              <a:rPr lang="en-US" altLang="zh-CN" dirty="0" smtClean="0">
-                <a:latin typeface="Courier New" panose="02070309020205020404" pitchFamily="49" charset="0"/>
-                <a:cs typeface="Courier New" panose="02070309020205020404" pitchFamily="49" charset="0"/>
-              </a:rPr>
-              <a:t> in range(10)</a:t>
-            </a:r>
-          </a:p>
-          <a:p>
-            <a:r>
-              <a:rPr lang="en-US" altLang="zh-CN" dirty="0">
-                <a:latin typeface="Courier New" panose="02070309020205020404" pitchFamily="49" charset="0"/>
-                <a:cs typeface="Courier New" panose="02070309020205020404" pitchFamily="49" charset="0"/>
-              </a:rPr>
-              <a:t>	</a:t>
-            </a:r>
-            <a:r>
-              <a:rPr lang="en-US" altLang="zh-CN" dirty="0" smtClean="0">
-                <a:latin typeface="Courier New" panose="02070309020205020404" pitchFamily="49" charset="0"/>
-                <a:cs typeface="Courier New" panose="02070309020205020404" pitchFamily="49" charset="0"/>
-              </a:rPr>
-              <a:t>fun(</a:t>
-            </a:r>
-            <a:r>
-              <a:rPr lang="en-US" altLang="zh-CN" dirty="0" err="1" smtClean="0">
-                <a:latin typeface="Courier New" panose="02070309020205020404" pitchFamily="49" charset="0"/>
-                <a:cs typeface="Courier New" panose="02070309020205020404" pitchFamily="49" charset="0"/>
-              </a:rPr>
-              <a:t>a,i</a:t>
-            </a:r>
-            <a:r>
-              <a:rPr lang="en-US" altLang="zh-CN" dirty="0" smtClean="0">
-                <a:latin typeface="Courier New" panose="02070309020205020404" pitchFamily="49" charset="0"/>
-                <a:cs typeface="Courier New" panose="02070309020205020404" pitchFamily="49" charset="0"/>
-              </a:rPr>
-              <a:t>)</a:t>
-            </a:r>
-          </a:p>
-          <a:p>
-            <a:r>
-              <a:rPr lang="en-US" altLang="zh-CN" dirty="0">
-                <a:latin typeface="Courier New" panose="02070309020205020404" pitchFamily="49" charset="0"/>
-                <a:cs typeface="Courier New" panose="02070309020205020404" pitchFamily="49" charset="0"/>
-              </a:rPr>
-              <a:t>p</a:t>
-            </a:r>
-            <a:r>
-              <a:rPr lang="en-US" altLang="zh-CN" dirty="0" smtClean="0">
-                <a:latin typeface="Courier New" panose="02070309020205020404" pitchFamily="49" charset="0"/>
-                <a:cs typeface="Courier New" panose="02070309020205020404" pitchFamily="49" charset="0"/>
-              </a:rPr>
-              <a:t>rint(a)</a:t>
+              <a:t>x = 5</a:t>
+            </a:r>
+          </a:p>
+          <a:p>
+            <a:r>
+              <a:rPr lang="en-US" altLang="zh-CN" dirty="0" smtClean="0">
+                <a:latin typeface="Courier New" panose="02070309020205020404" pitchFamily="49" charset="0"/>
+                <a:cs typeface="Courier New" panose="02070309020205020404" pitchFamily="49" charset="0"/>
+              </a:rPr>
+              <a:t>fun(x)</a:t>
+            </a:r>
+          </a:p>
+          <a:p>
+            <a:r>
+              <a:rPr lang="en-US" altLang="zh-CN" dirty="0" smtClean="0">
+                <a:latin typeface="Courier New" panose="02070309020205020404" pitchFamily="49" charset="0"/>
+                <a:cs typeface="Courier New" panose="02070309020205020404" pitchFamily="49" charset="0"/>
+              </a:rPr>
+              <a:t/>
+            </a:r>
+            <a:br>
+              <a:rPr lang="en-US" altLang="zh-CN" dirty="0" smtClean="0">
+                <a:latin typeface="Courier New" panose="02070309020205020404" pitchFamily="49" charset="0"/>
+                <a:cs typeface="Courier New" panose="02070309020205020404" pitchFamily="49" charset="0"/>
+              </a:rPr>
+            </a:br>
+            <a:r>
+              <a:rPr lang="en-US" altLang="zh-CN" dirty="0" smtClean="0">
+                <a:cs typeface="Courier New" panose="02070309020205020404" pitchFamily="49" charset="0"/>
+              </a:rPr>
+              <a:t>What is the value of </a:t>
+            </a:r>
+            <a:r>
+              <a:rPr lang="en-US" altLang="zh-CN" dirty="0" smtClean="0">
+                <a:cs typeface="Courier New" panose="02070309020205020404" pitchFamily="49" charset="0"/>
+              </a:rPr>
+              <a:t>x in the end?</a:t>
             </a:r>
             <a:endParaRPr lang="en-US" altLang="zh-CN" dirty="0" smtClean="0">
               <a:cs typeface="Courier New" panose="02070309020205020404" pitchFamily="49" charset="0"/>
@@ -8757,13 +9290,20 @@
     </p:spTree>
     <p:extLst>
       <p:ext uri="{BB962C8B-B14F-4D97-AF65-F5344CB8AC3E}">
-        <p14:creationId xmlns:p14="http://schemas.microsoft.com/office/powerpoint/2010/main" val="1083675477"/>
+        <p14:creationId xmlns:p14="http://schemas.microsoft.com/office/powerpoint/2010/main" val="3716523320"/>
       </p:ext>
     </p:extLst>
   </p:cSld>
   <p:clrMapOvr>
     <a:masterClrMapping/>
   </p:clrMapOvr>
+  <p:timing>
+    <p:tnLst>
+      <p:par>
+        <p:cTn id="1" dur="indefinite" restart="never" nodeType="tmRoot"/>
+      </p:par>
+    </p:tnLst>
+  </p:timing>
 </p:sld>
 </file>
 
@@ -8961,14 +9501,61 @@
       </p:sp>
       <p:sp>
         <p:nvSpPr>
+          <p:cNvPr id="8" name="Content Placeholder 2"/>
+          <p:cNvSpPr>
+            <a:spLocks noGrp="1"/>
+          </p:cNvSpPr>
+          <p:nvPr>
+            <p:ph idx="1"/>
+          </p:nvPr>
+        </p:nvSpPr>
+        <p:spPr>
+          <a:xfrm>
+            <a:off x="457200" y="1529180"/>
+            <a:ext cx="8229600" cy="2030766"/>
+          </a:xfrm>
+        </p:spPr>
+        <p:txBody>
+          <a:bodyPr>
+            <a:normAutofit/>
+          </a:bodyPr>
+          <a:lstStyle/>
+          <a:p>
+            <a:r>
+              <a:rPr lang="en-US" sz="2800" dirty="0" smtClean="0"/>
+              <a:t>Mutability causes lists to work differently when passed to a function</a:t>
+            </a:r>
+          </a:p>
+          <a:p>
+            <a:r>
+              <a:rPr lang="en-US" sz="2800" dirty="0" smtClean="0"/>
+              <a:t>Can be changed within a function</a:t>
+            </a:r>
+          </a:p>
+          <a:p>
+            <a:r>
+              <a:rPr lang="en-US" sz="2800" dirty="0" smtClean="0"/>
+              <a:t>Very useful</a:t>
+            </a:r>
+          </a:p>
+          <a:p>
+            <a:pPr marL="0" indent="0">
+              <a:buNone/>
+            </a:pPr>
+            <a:endParaRPr lang="en-US" sz="2800" dirty="0"/>
+          </a:p>
+        </p:txBody>
+      </p:sp>
+      <p:sp>
+        <p:nvSpPr>
           <p:cNvPr id="9" name="TextBox 8"/>
           <p:cNvSpPr txBox="1"/>
           <p:nvPr/>
         </p:nvSpPr>
         <p:spPr>
           <a:xfrm>
-            <a:off x="646025" y="1662316"/>
-            <a:ext cx="5674876" cy="2308324"/>
+            <a:off x="867966" y="3549607"/>
+            <a:ext cx="4173528" cy="2031325"/>
           </a:xfrm>
           <a:prstGeom prst="rect">
             <a:avLst/>
@@ -8993,21 +9580,21 @@
                 <a:latin typeface="Courier New" panose="02070309020205020404" pitchFamily="49" charset="0"/>
                 <a:cs typeface="Courier New" panose="02070309020205020404" pitchFamily="49" charset="0"/>
               </a:rPr>
-              <a:t> </a:t>
+              <a:t> fun(</a:t>
             </a:r>
             <a:r>
               <a:rPr lang="en-US" altLang="zh-CN" dirty="0" err="1" smtClean="0">
                 <a:latin typeface="Courier New" panose="02070309020205020404" pitchFamily="49" charset="0"/>
                 <a:cs typeface="Courier New" panose="02070309020205020404" pitchFamily="49" charset="0"/>
               </a:rPr>
-              <a:t>readfile</a:t>
-            </a:r>
-            <a:r>
-              <a:rPr lang="en-US" altLang="zh-CN" dirty="0" smtClean="0">
-                <a:latin typeface="Courier New" panose="02070309020205020404" pitchFamily="49" charset="0"/>
-                <a:cs typeface="Courier New" panose="02070309020205020404" pitchFamily="49" charset="0"/>
-              </a:rPr>
-              <a:t>(filename, a)</a:t>
+              <a:t>q,i</a:t>
+            </a:r>
+            <a:r>
+              <a:rPr lang="en-US" altLang="zh-CN" dirty="0" smtClean="0">
+                <a:latin typeface="Courier New" panose="02070309020205020404" pitchFamily="49" charset="0"/>
+                <a:cs typeface="Courier New" panose="02070309020205020404" pitchFamily="49" charset="0"/>
+              </a:rPr>
+              <a:t>):</a:t>
             </a:r>
           </a:p>
           <a:p>
@@ -9019,41 +9606,32 @@
               <a:t>	</a:t>
             </a:r>
             <a:r>
-              <a:rPr lang="en-US" altLang="zh-CN" dirty="0" smtClean="0">
-                <a:latin typeface="Courier New" panose="02070309020205020404" pitchFamily="49" charset="0"/>
-                <a:cs typeface="Courier New" panose="02070309020205020404" pitchFamily="49" charset="0"/>
-              </a:rPr>
-              <a:t>for line in open(filename):</a:t>
-            </a:r>
-          </a:p>
-          <a:p>
-            <a:r>
-              <a:rPr lang="en-US" altLang="zh-CN" dirty="0">
-                <a:latin typeface="Courier New" panose="02070309020205020404" pitchFamily="49" charset="0"/>
-                <a:cs typeface="Courier New" panose="02070309020205020404" pitchFamily="49" charset="0"/>
-              </a:rPr>
-              <a:t>	</a:t>
-            </a:r>
-            <a:r>
-              <a:rPr lang="en-US" altLang="zh-CN" dirty="0" smtClean="0">
-                <a:latin typeface="Courier New" panose="02070309020205020404" pitchFamily="49" charset="0"/>
-                <a:cs typeface="Courier New" panose="02070309020205020404" pitchFamily="49" charset="0"/>
-              </a:rPr>
-              <a:t>	</a:t>
-            </a:r>
-            <a:r>
               <a:rPr lang="en-US" altLang="zh-CN" dirty="0" err="1" smtClean="0">
                 <a:latin typeface="Courier New" panose="02070309020205020404" pitchFamily="49" charset="0"/>
                 <a:cs typeface="Courier New" panose="02070309020205020404" pitchFamily="49" charset="0"/>
               </a:rPr>
-              <a:t>a.append</a:t>
-            </a:r>
-            <a:r>
-              <a:rPr lang="en-US" altLang="zh-CN" dirty="0" smtClean="0">
-                <a:latin typeface="Courier New" panose="02070309020205020404" pitchFamily="49" charset="0"/>
-                <a:cs typeface="Courier New" panose="02070309020205020404" pitchFamily="49" charset="0"/>
-              </a:rPr>
-              <a:t>(line)</a:t>
+              <a:t>q.append</a:t>
+            </a:r>
+            <a:r>
+              <a:rPr lang="en-US" altLang="zh-CN" dirty="0" smtClean="0">
+                <a:latin typeface="Courier New" panose="02070309020205020404" pitchFamily="49" charset="0"/>
+                <a:cs typeface="Courier New" panose="02070309020205020404" pitchFamily="49" charset="0"/>
+              </a:rPr>
+              <a:t>(</a:t>
+            </a:r>
+            <a:r>
+              <a:rPr lang="en-US" altLang="zh-CN" dirty="0" err="1" smtClean="0">
+                <a:latin typeface="Courier New" panose="02070309020205020404" pitchFamily="49" charset="0"/>
+                <a:cs typeface="Courier New" panose="02070309020205020404" pitchFamily="49" charset="0"/>
+              </a:rPr>
+              <a:t>i</a:t>
+            </a:r>
+            <a:r>
+              <a:rPr lang="en-US" altLang="zh-CN" dirty="0" smtClean="0">
+                <a:latin typeface="Courier New" panose="02070309020205020404" pitchFamily="49" charset="0"/>
+                <a:cs typeface="Courier New" panose="02070309020205020404" pitchFamily="49" charset="0"/>
+              </a:rPr>
+              <a:t>)</a:t>
             </a:r>
           </a:p>
           <a:p>
@@ -9064,41 +9642,57 @@
           </a:p>
           <a:p>
             <a:r>
+              <a:rPr lang="en-US" altLang="zh-CN" dirty="0" smtClean="0">
+                <a:latin typeface="Courier New" panose="02070309020205020404" pitchFamily="49" charset="0"/>
+                <a:cs typeface="Courier New" panose="02070309020205020404" pitchFamily="49" charset="0"/>
+              </a:rPr>
+              <a:t>a = []</a:t>
+            </a:r>
+          </a:p>
+          <a:p>
+            <a:r>
+              <a:rPr lang="en-US" altLang="zh-CN" dirty="0" smtClean="0">
+                <a:latin typeface="Courier New" panose="02070309020205020404" pitchFamily="49" charset="0"/>
+                <a:cs typeface="Courier New" panose="02070309020205020404" pitchFamily="49" charset="0"/>
+              </a:rPr>
+              <a:t>for </a:t>
+            </a:r>
+            <a:r>
               <a:rPr lang="en-US" altLang="zh-CN" dirty="0" err="1" smtClean="0">
                 <a:latin typeface="Courier New" panose="02070309020205020404" pitchFamily="49" charset="0"/>
                 <a:cs typeface="Courier New" panose="02070309020205020404" pitchFamily="49" charset="0"/>
               </a:rPr>
-              <a:t>all_lines</a:t>
-            </a:r>
-            <a:r>
-              <a:rPr lang="en-US" altLang="zh-CN" dirty="0" smtClean="0">
-                <a:latin typeface="Courier New" panose="02070309020205020404" pitchFamily="49" charset="0"/>
-                <a:cs typeface="Courier New" panose="02070309020205020404" pitchFamily="49" charset="0"/>
-              </a:rPr>
-              <a:t> = []</a:t>
-            </a:r>
-          </a:p>
-          <a:p>
+              <a:t>i</a:t>
+            </a:r>
+            <a:r>
+              <a:rPr lang="en-US" altLang="zh-CN" dirty="0" smtClean="0">
+                <a:latin typeface="Courier New" panose="02070309020205020404" pitchFamily="49" charset="0"/>
+                <a:cs typeface="Courier New" panose="02070309020205020404" pitchFamily="49" charset="0"/>
+              </a:rPr>
+              <a:t> in range(10)</a:t>
+            </a:r>
+          </a:p>
+          <a:p>
+            <a:r>
+              <a:rPr lang="en-US" altLang="zh-CN" dirty="0">
+                <a:latin typeface="Courier New" panose="02070309020205020404" pitchFamily="49" charset="0"/>
+                <a:cs typeface="Courier New" panose="02070309020205020404" pitchFamily="49" charset="0"/>
+              </a:rPr>
+              <a:t>	</a:t>
+            </a:r>
+            <a:r>
+              <a:rPr lang="en-US" altLang="zh-CN" dirty="0" smtClean="0">
+                <a:latin typeface="Courier New" panose="02070309020205020404" pitchFamily="49" charset="0"/>
+                <a:cs typeface="Courier New" panose="02070309020205020404" pitchFamily="49" charset="0"/>
+              </a:rPr>
+              <a:t>fun(</a:t>
+            </a:r>
             <a:r>
               <a:rPr lang="en-US" altLang="zh-CN" dirty="0" err="1" smtClean="0">
                 <a:latin typeface="Courier New" panose="02070309020205020404" pitchFamily="49" charset="0"/>
                 <a:cs typeface="Courier New" panose="02070309020205020404" pitchFamily="49" charset="0"/>
               </a:rPr>
-              <a:t>readfile</a:t>
-            </a:r>
-            <a:r>
-              <a:rPr lang="en-US" altLang="zh-CN" dirty="0" smtClean="0">
-                <a:latin typeface="Courier New" panose="02070309020205020404" pitchFamily="49" charset="0"/>
-                <a:cs typeface="Courier New" panose="02070309020205020404" pitchFamily="49" charset="0"/>
-              </a:rPr>
-              <a:t>(‘file1.txt’, </a:t>
-            </a:r>
-            <a:r>
-              <a:rPr lang="en-US" altLang="zh-CN" dirty="0" err="1" smtClean="0">
-                <a:latin typeface="Courier New" panose="02070309020205020404" pitchFamily="49" charset="0"/>
-                <a:cs typeface="Courier New" panose="02070309020205020404" pitchFamily="49" charset="0"/>
-              </a:rPr>
-              <a:t>all_lines</a:t>
+              <a:t>a,i</a:t>
             </a:r>
             <a:r>
               <a:rPr lang="en-US" altLang="zh-CN" dirty="0" smtClean="0">
@@ -9110,58 +9704,20 @@
           </a:p>
           <a:p>
             <a:r>
-              <a:rPr lang="en-US" altLang="zh-CN" dirty="0" err="1">
-                <a:latin typeface="Courier New" panose="02070309020205020404" pitchFamily="49" charset="0"/>
-                <a:cs typeface="Courier New" panose="02070309020205020404" pitchFamily="49" charset="0"/>
-              </a:rPr>
-              <a:t>readfile</a:t>
-            </a:r>
-            <a:r>
               <a:rPr lang="en-US" altLang="zh-CN" dirty="0">
                 <a:latin typeface="Courier New" panose="02070309020205020404" pitchFamily="49" charset="0"/>
                 <a:cs typeface="Courier New" panose="02070309020205020404" pitchFamily="49" charset="0"/>
               </a:rPr>
-              <a:t>(‘</a:t>
-            </a:r>
-            <a:r>
-              <a:rPr lang="en-US" altLang="zh-CN" dirty="0" smtClean="0">
-                <a:latin typeface="Courier New" panose="02070309020205020404" pitchFamily="49" charset="0"/>
-                <a:cs typeface="Courier New" panose="02070309020205020404" pitchFamily="49" charset="0"/>
-              </a:rPr>
-              <a:t>file2.txt</a:t>
-            </a:r>
-            <a:r>
-              <a:rPr lang="en-US" altLang="zh-CN" dirty="0">
-                <a:latin typeface="Courier New" panose="02070309020205020404" pitchFamily="49" charset="0"/>
-                <a:cs typeface="Courier New" panose="02070309020205020404" pitchFamily="49" charset="0"/>
-              </a:rPr>
-              <a:t>’, </a:t>
-            </a:r>
-            <a:r>
-              <a:rPr lang="en-US" altLang="zh-CN" dirty="0" err="1">
-                <a:latin typeface="Courier New" panose="02070309020205020404" pitchFamily="49" charset="0"/>
-                <a:cs typeface="Courier New" panose="02070309020205020404" pitchFamily="49" charset="0"/>
-              </a:rPr>
-              <a:t>all_lines</a:t>
-            </a:r>
-            <a:r>
-              <a:rPr lang="en-US" altLang="zh-CN" dirty="0" smtClean="0">
-                <a:latin typeface="Courier New" panose="02070309020205020404" pitchFamily="49" charset="0"/>
-                <a:cs typeface="Courier New" panose="02070309020205020404" pitchFamily="49" charset="0"/>
-              </a:rPr>
-              <a:t>)</a:t>
-            </a:r>
-          </a:p>
-          <a:p>
-            <a:r>
-              <a:rPr lang="en-US" altLang="zh-CN" dirty="0" smtClean="0">
-                <a:latin typeface="Courier New" panose="02070309020205020404" pitchFamily="49" charset="0"/>
-                <a:cs typeface="Courier New" panose="02070309020205020404" pitchFamily="49" charset="0"/>
-              </a:rPr>
-              <a:t>…</a:t>
-            </a:r>
-            <a:endParaRPr lang="en-US" altLang="zh-CN" dirty="0">
-              <a:latin typeface="Courier New" panose="02070309020205020404" pitchFamily="49" charset="0"/>
+              <a:t>p</a:t>
+            </a:r>
+            <a:r>
+              <a:rPr lang="en-US" altLang="zh-CN" dirty="0" smtClean="0">
+                <a:latin typeface="Courier New" panose="02070309020205020404" pitchFamily="49" charset="0"/>
+                <a:cs typeface="Courier New" panose="02070309020205020404" pitchFamily="49" charset="0"/>
+              </a:rPr>
+              <a:t>rint(a)</a:t>
+            </a:r>
+            <a:endParaRPr lang="en-US" altLang="zh-CN" dirty="0" smtClean="0">
               <a:cs typeface="Courier New" panose="02070309020205020404" pitchFamily="49" charset="0"/>
             </a:endParaRPr>
           </a:p>
@@ -9170,13 +9726,20 @@
     </p:spTree>
     <p:extLst>
       <p:ext uri="{BB962C8B-B14F-4D97-AF65-F5344CB8AC3E}">
-        <p14:creationId xmlns:p14="http://schemas.microsoft.com/office/powerpoint/2010/main" val="2457959854"/>
+        <p14:creationId xmlns:p14="http://schemas.microsoft.com/office/powerpoint/2010/main" val="1083675477"/>
       </p:ext>
     </p:extLst>
   </p:cSld>
   <p:clrMapOvr>
     <a:masterClrMapping/>
   </p:clrMapOvr>
+  <p:timing>
+    <p:tnLst>
+      <p:par>
+        <p:cTn id="1" dur="indefinite" restart="never" nodeType="tmRoot"/>
+      </p:par>
+    </p:tnLst>
+  </p:timing>
 </p:sld>
 </file>
 
@@ -9381,7 +9944,7 @@
         <p:spPr>
           <a:xfrm>
             <a:off x="646025" y="1662316"/>
-            <a:ext cx="5674876" cy="2031325"/>
+            <a:ext cx="5674876" cy="2308324"/>
           </a:xfrm>
           <a:prstGeom prst="rect">
             <a:avLst/>
@@ -9466,8 +10029,26 @@
                 <a:latin typeface="Courier New" panose="02070309020205020404" pitchFamily="49" charset="0"/>
                 <a:cs typeface="Courier New" panose="02070309020205020404" pitchFamily="49" charset="0"/>
               </a:rPr>
-              <a:t>(line)</a:t>
-            </a:r>
+              <a:t>(</a:t>
+            </a:r>
+            <a:r>
+              <a:rPr lang="en-US" altLang="zh-CN" dirty="0" err="1" smtClean="0">
+                <a:latin typeface="Courier New" panose="02070309020205020404" pitchFamily="49" charset="0"/>
+                <a:cs typeface="Courier New" panose="02070309020205020404" pitchFamily="49" charset="0"/>
+              </a:rPr>
+              <a:t>line.strip</a:t>
+            </a:r>
+            <a:r>
+              <a:rPr lang="en-US" altLang="zh-CN" dirty="0" smtClean="0">
+                <a:latin typeface="Courier New" panose="02070309020205020404" pitchFamily="49" charset="0"/>
+                <a:cs typeface="Courier New" panose="02070309020205020404" pitchFamily="49" charset="0"/>
+              </a:rPr>
+              <a:t>())</a:t>
+            </a:r>
+            <a:endParaRPr lang="en-US" altLang="zh-CN" dirty="0" smtClean="0">
+              <a:latin typeface="Courier New" panose="02070309020205020404" pitchFamily="49" charset="0"/>
+              <a:cs typeface="Courier New" panose="02070309020205020404" pitchFamily="49" charset="0"/>
+            </a:endParaRPr>
           </a:p>
           <a:p>
             <a:endParaRPr lang="en-US" altLang="zh-CN" dirty="0">
@@ -9493,22 +10074,6 @@
           </a:p>
           <a:p>
             <a:r>
-              <a:rPr lang="en-US" altLang="zh-CN" dirty="0" smtClean="0">
-                <a:latin typeface="Courier New" panose="02070309020205020404" pitchFamily="49" charset="0"/>
-                <a:cs typeface="Courier New" panose="02070309020205020404" pitchFamily="49" charset="0"/>
-              </a:rPr>
-              <a:t>for f in open(‘filenames.txt’):</a:t>
-            </a:r>
-          </a:p>
-          <a:p>
-            <a:r>
-              <a:rPr lang="en-US" altLang="zh-CN" dirty="0">
-                <a:latin typeface="Courier New" panose="02070309020205020404" pitchFamily="49" charset="0"/>
-                <a:cs typeface="Courier New" panose="02070309020205020404" pitchFamily="49" charset="0"/>
-              </a:rPr>
-              <a:t>	</a:t>
-            </a:r>
-            <a:r>
               <a:rPr lang="en-US" altLang="zh-CN" dirty="0" err="1" smtClean="0">
                 <a:latin typeface="Courier New" panose="02070309020205020404" pitchFamily="49" charset="0"/>
                 <a:cs typeface="Courier New" panose="02070309020205020404" pitchFamily="49" charset="0"/>
@@ -9520,7 +10085,7 @@
                 <a:latin typeface="Courier New" panose="02070309020205020404" pitchFamily="49" charset="0"/>
                 <a:cs typeface="Courier New" panose="02070309020205020404" pitchFamily="49" charset="0"/>
               </a:rPr>
-              <a:t>(f, </a:t>
+              <a:t>(‘cipher.py’, </a:t>
             </a:r>
             <a:r>
               <a:rPr lang="en-US" altLang="zh-CN" dirty="0" err="1" smtClean="0">
@@ -9535,6 +10100,45 @@
                 <a:cs typeface="Courier New" panose="02070309020205020404" pitchFamily="49" charset="0"/>
               </a:rPr>
               <a:t>)</a:t>
+            </a:r>
+          </a:p>
+          <a:p>
+            <a:r>
+              <a:rPr lang="en-US" altLang="zh-CN" dirty="0" err="1">
+                <a:latin typeface="Courier New" panose="02070309020205020404" pitchFamily="49" charset="0"/>
+                <a:cs typeface="Courier New" panose="02070309020205020404" pitchFamily="49" charset="0"/>
+              </a:rPr>
+              <a:t>readfile</a:t>
+            </a:r>
+            <a:r>
+              <a:rPr lang="en-US" altLang="zh-CN" dirty="0" smtClean="0">
+                <a:latin typeface="Courier New" panose="02070309020205020404" pitchFamily="49" charset="0"/>
+                <a:cs typeface="Courier New" panose="02070309020205020404" pitchFamily="49" charset="0"/>
+              </a:rPr>
+              <a:t>(‘jeopardy.py’, </a:t>
+            </a:r>
+            <a:r>
+              <a:rPr lang="en-US" altLang="zh-CN" dirty="0" err="1">
+                <a:latin typeface="Courier New" panose="02070309020205020404" pitchFamily="49" charset="0"/>
+                <a:cs typeface="Courier New" panose="02070309020205020404" pitchFamily="49" charset="0"/>
+              </a:rPr>
+              <a:t>all_lines</a:t>
+            </a:r>
+            <a:r>
+              <a:rPr lang="en-US" altLang="zh-CN" dirty="0" smtClean="0">
+                <a:latin typeface="Courier New" panose="02070309020205020404" pitchFamily="49" charset="0"/>
+                <a:cs typeface="Courier New" panose="02070309020205020404" pitchFamily="49" charset="0"/>
+              </a:rPr>
+              <a:t>)</a:t>
+            </a:r>
+          </a:p>
+          <a:p>
+            <a:r>
+              <a:rPr lang="en-US" altLang="zh-CN" dirty="0" smtClean="0">
+                <a:latin typeface="Courier New" panose="02070309020205020404" pitchFamily="49" charset="0"/>
+                <a:cs typeface="Courier New" panose="02070309020205020404" pitchFamily="49" charset="0"/>
+              </a:rPr>
+              <a:t>…</a:t>
             </a:r>
             <a:endParaRPr lang="en-US" altLang="zh-CN" dirty="0">
               <a:latin typeface="Courier New" panose="02070309020205020404" pitchFamily="49" charset="0"/>
@@ -9546,13 +10150,20 @@
     </p:spTree>
     <p:extLst>
       <p:ext uri="{BB962C8B-B14F-4D97-AF65-F5344CB8AC3E}">
-        <p14:creationId xmlns:p14="http://schemas.microsoft.com/office/powerpoint/2010/main" val="1122356974"/>
+        <p14:creationId xmlns:p14="http://schemas.microsoft.com/office/powerpoint/2010/main" val="2457959854"/>
       </p:ext>
     </p:extLst>
   </p:cSld>
   <p:clrMapOvr>
     <a:masterClrMapping/>
   </p:clrMapOvr>
+  <p:timing>
+    <p:tnLst>
+      <p:par>
+        <p:cTn id="1" dur="indefinite" restart="never" nodeType="tmRoot"/>
+      </p:par>
+    </p:tnLst>
+  </p:timing>
 </p:sld>
 </file>
 
@@ -9615,7 +10226,13 @@
           <a:p>
             <a:r>
               <a:rPr lang="en-US" sz="4000" i="1" dirty="0" smtClean="0"/>
-              <a:t>	Copy mutable type by value</a:t>
+              <a:t>	M</a:t>
+            </a:r>
+            <a:r>
+              <a:rPr lang="en-US" sz="4000" i="1" dirty="0" smtClean="0">
+                <a:cs typeface="Courier New" panose="02070309020205020404" pitchFamily="49" charset="0"/>
+              </a:rPr>
+              <a:t>utable arguments</a:t>
             </a:r>
             <a:endParaRPr lang="en-US" sz="4000" i="1" dirty="0"/>
           </a:p>
@@ -9750,8 +10367,8 @@
         </p:nvSpPr>
         <p:spPr>
           <a:xfrm>
-            <a:off x="807390" y="2892435"/>
-            <a:ext cx="5674876" cy="1200329"/>
+            <a:off x="646025" y="1662316"/>
+            <a:ext cx="5674876" cy="2031325"/>
           </a:xfrm>
           <a:prstGeom prst="rect">
             <a:avLst/>
@@ -9765,99 +10382,203 @@
           <a:lstStyle/>
           <a:p>
             <a:r>
-              <a:rPr lang="en-US" altLang="zh-CN" dirty="0" smtClean="0">
-                <a:latin typeface="Courier New" panose="02070309020205020404" pitchFamily="49" charset="0"/>
-                <a:cs typeface="Courier New" panose="02070309020205020404" pitchFamily="49" charset="0"/>
-              </a:rPr>
-              <a:t>x = [3,2,1]</a:t>
-            </a:r>
-          </a:p>
-          <a:p>
-            <a:r>
-              <a:rPr lang="en-US" altLang="zh-CN" dirty="0" smtClean="0">
-                <a:latin typeface="Courier New" panose="02070309020205020404" pitchFamily="49" charset="0"/>
-                <a:cs typeface="Courier New" panose="02070309020205020404" pitchFamily="49" charset="0"/>
-              </a:rPr>
-              <a:t>y = x[:]		#slice everything</a:t>
-            </a:r>
-          </a:p>
-          <a:p>
-            <a:r>
               <a:rPr lang="en-US" altLang="zh-CN" dirty="0" err="1" smtClean="0">
                 <a:latin typeface="Courier New" panose="02070309020205020404" pitchFamily="49" charset="0"/>
                 <a:cs typeface="Courier New" panose="02070309020205020404" pitchFamily="49" charset="0"/>
               </a:rPr>
-              <a:t>y.sort</a:t>
-            </a:r>
-            <a:r>
-              <a:rPr lang="en-US" altLang="zh-CN" dirty="0" smtClean="0">
-                <a:latin typeface="Courier New" panose="02070309020205020404" pitchFamily="49" charset="0"/>
-                <a:cs typeface="Courier New" panose="02070309020205020404" pitchFamily="49" charset="0"/>
-              </a:rPr>
-              <a:t>()</a:t>
-            </a:r>
-          </a:p>
-          <a:p>
-            <a:r>
-              <a:rPr lang="en-US" altLang="zh-CN" dirty="0" smtClean="0">
-                <a:latin typeface="Courier New" panose="02070309020205020404" pitchFamily="49" charset="0"/>
-                <a:cs typeface="Courier New" panose="02070309020205020404" pitchFamily="49" charset="0"/>
-              </a:rPr>
-              <a:t>print(x)</a:t>
-            </a:r>
+              <a:t>def</a:t>
+            </a:r>
+            <a:r>
+              <a:rPr lang="en-US" altLang="zh-CN" dirty="0" smtClean="0">
+                <a:latin typeface="Courier New" panose="02070309020205020404" pitchFamily="49" charset="0"/>
+                <a:cs typeface="Courier New" panose="02070309020205020404" pitchFamily="49" charset="0"/>
+              </a:rPr>
+              <a:t> </a:t>
+            </a:r>
+            <a:r>
+              <a:rPr lang="en-US" altLang="zh-CN" dirty="0" err="1" smtClean="0">
+                <a:latin typeface="Courier New" panose="02070309020205020404" pitchFamily="49" charset="0"/>
+                <a:cs typeface="Courier New" panose="02070309020205020404" pitchFamily="49" charset="0"/>
+              </a:rPr>
+              <a:t>readfile</a:t>
+            </a:r>
+            <a:r>
+              <a:rPr lang="en-US" altLang="zh-CN" dirty="0" smtClean="0">
+                <a:latin typeface="Courier New" panose="02070309020205020404" pitchFamily="49" charset="0"/>
+                <a:cs typeface="Courier New" panose="02070309020205020404" pitchFamily="49" charset="0"/>
+              </a:rPr>
+              <a:t>(filename, a)</a:t>
+            </a:r>
+          </a:p>
+          <a:p>
+            <a:r>
+              <a:rPr lang="en-US" altLang="zh-CN" dirty="0">
+                <a:latin typeface="Courier New" panose="02070309020205020404" pitchFamily="49" charset="0"/>
+                <a:cs typeface="Courier New" panose="02070309020205020404" pitchFamily="49" charset="0"/>
+              </a:rPr>
+              <a:t>	</a:t>
+            </a:r>
+            <a:r>
+              <a:rPr lang="en-US" altLang="zh-CN" dirty="0" smtClean="0">
+                <a:latin typeface="Courier New" panose="02070309020205020404" pitchFamily="49" charset="0"/>
+                <a:cs typeface="Courier New" panose="02070309020205020404" pitchFamily="49" charset="0"/>
+              </a:rPr>
+              <a:t>for line in open(filename):</a:t>
+            </a:r>
+          </a:p>
+          <a:p>
+            <a:r>
+              <a:rPr lang="en-US" altLang="zh-CN" dirty="0">
+                <a:latin typeface="Courier New" panose="02070309020205020404" pitchFamily="49" charset="0"/>
+                <a:cs typeface="Courier New" panose="02070309020205020404" pitchFamily="49" charset="0"/>
+              </a:rPr>
+              <a:t>	</a:t>
+            </a:r>
+            <a:r>
+              <a:rPr lang="en-US" altLang="zh-CN" dirty="0" smtClean="0">
+                <a:latin typeface="Courier New" panose="02070309020205020404" pitchFamily="49" charset="0"/>
+                <a:cs typeface="Courier New" panose="02070309020205020404" pitchFamily="49" charset="0"/>
+              </a:rPr>
+              <a:t>	</a:t>
+            </a:r>
+            <a:r>
+              <a:rPr lang="en-US" altLang="zh-CN" dirty="0" err="1">
+                <a:latin typeface="Courier New" panose="02070309020205020404" pitchFamily="49" charset="0"/>
+                <a:cs typeface="Courier New" panose="02070309020205020404" pitchFamily="49" charset="0"/>
+              </a:rPr>
+              <a:t>a.append</a:t>
+            </a:r>
+            <a:r>
+              <a:rPr lang="en-US" altLang="zh-CN" dirty="0">
+                <a:latin typeface="Courier New" panose="02070309020205020404" pitchFamily="49" charset="0"/>
+                <a:cs typeface="Courier New" panose="02070309020205020404" pitchFamily="49" charset="0"/>
+              </a:rPr>
+              <a:t>(</a:t>
+            </a:r>
+            <a:r>
+              <a:rPr lang="en-US" altLang="zh-CN" dirty="0" err="1">
+                <a:latin typeface="Courier New" panose="02070309020205020404" pitchFamily="49" charset="0"/>
+                <a:cs typeface="Courier New" panose="02070309020205020404" pitchFamily="49" charset="0"/>
+              </a:rPr>
+              <a:t>line.strip</a:t>
+            </a:r>
+            <a:r>
+              <a:rPr lang="en-US" altLang="zh-CN" dirty="0">
+                <a:latin typeface="Courier New" panose="02070309020205020404" pitchFamily="49" charset="0"/>
+                <a:cs typeface="Courier New" panose="02070309020205020404" pitchFamily="49" charset="0"/>
+              </a:rPr>
+              <a:t>())</a:t>
+            </a:r>
+            <a:endParaRPr lang="en-US" altLang="zh-CN" dirty="0" smtClean="0">
+              <a:latin typeface="Courier New" panose="02070309020205020404" pitchFamily="49" charset="0"/>
+              <a:cs typeface="Courier New" panose="02070309020205020404" pitchFamily="49" charset="0"/>
+            </a:endParaRPr>
+          </a:p>
+          <a:p>
             <a:endParaRPr lang="en-US" altLang="zh-CN" dirty="0">
               <a:latin typeface="Courier New" panose="02070309020205020404" pitchFamily="49" charset="0"/>
               <a:cs typeface="Courier New" panose="02070309020205020404" pitchFamily="49" charset="0"/>
             </a:endParaRPr>
           </a:p>
-        </p:txBody>
-      </p:sp>
-      <p:sp>
-        <p:nvSpPr>
-          <p:cNvPr id="8" name="Content Placeholder 2"/>
-          <p:cNvSpPr>
-            <a:spLocks noGrp="1"/>
-          </p:cNvSpPr>
-          <p:nvPr>
-            <p:ph idx="1"/>
-          </p:nvPr>
-        </p:nvSpPr>
-        <p:spPr>
-          <a:xfrm>
-            <a:off x="457200" y="1529180"/>
-            <a:ext cx="8229600" cy="2030766"/>
-          </a:xfrm>
-        </p:spPr>
-        <p:txBody>
-          <a:bodyPr>
-            <a:normAutofit/>
-          </a:bodyPr>
-          <a:lstStyle/>
-          <a:p>
-            <a:r>
-              <a:rPr lang="en-US" sz="2800" dirty="0" smtClean="0"/>
-              <a:t>Have a copy of a list, not as an alias</a:t>
-            </a:r>
-          </a:p>
-          <a:p>
-            <a:r>
-              <a:rPr lang="en-US" sz="2800" dirty="0" smtClean="0"/>
-              <a:t>Use the slice operator</a:t>
-            </a:r>
-            <a:endParaRPr lang="en-US" sz="2800" dirty="0"/>
+          <a:p>
+            <a:r>
+              <a:rPr lang="en-US" altLang="zh-CN" dirty="0" err="1" smtClean="0">
+                <a:latin typeface="Courier New" panose="02070309020205020404" pitchFamily="49" charset="0"/>
+                <a:cs typeface="Courier New" panose="02070309020205020404" pitchFamily="49" charset="0"/>
+              </a:rPr>
+              <a:t>all_lines</a:t>
+            </a:r>
+            <a:r>
+              <a:rPr lang="en-US" altLang="zh-CN" dirty="0" smtClean="0">
+                <a:latin typeface="Courier New" panose="02070309020205020404" pitchFamily="49" charset="0"/>
+                <a:cs typeface="Courier New" panose="02070309020205020404" pitchFamily="49" charset="0"/>
+              </a:rPr>
+              <a:t> = []</a:t>
+            </a:r>
+          </a:p>
+          <a:p>
+            <a:r>
+              <a:rPr lang="en-US" altLang="zh-CN" dirty="0" smtClean="0">
+                <a:latin typeface="Courier New" panose="02070309020205020404" pitchFamily="49" charset="0"/>
+                <a:cs typeface="Courier New" panose="02070309020205020404" pitchFamily="49" charset="0"/>
+              </a:rPr>
+              <a:t>for f in open(‘filenames.txt’):</a:t>
+            </a:r>
+          </a:p>
+          <a:p>
+            <a:r>
+              <a:rPr lang="en-US" altLang="zh-CN" dirty="0">
+                <a:latin typeface="Courier New" panose="02070309020205020404" pitchFamily="49" charset="0"/>
+                <a:cs typeface="Courier New" panose="02070309020205020404" pitchFamily="49" charset="0"/>
+              </a:rPr>
+              <a:t>	</a:t>
+            </a:r>
+            <a:r>
+              <a:rPr lang="en-US" altLang="zh-CN" dirty="0" err="1" smtClean="0">
+                <a:latin typeface="Courier New" panose="02070309020205020404" pitchFamily="49" charset="0"/>
+                <a:cs typeface="Courier New" panose="02070309020205020404" pitchFamily="49" charset="0"/>
+              </a:rPr>
+              <a:t>readfile</a:t>
+            </a:r>
+            <a:r>
+              <a:rPr lang="en-US" altLang="zh-CN" dirty="0" smtClean="0">
+                <a:latin typeface="Courier New" panose="02070309020205020404" pitchFamily="49" charset="0"/>
+                <a:cs typeface="Courier New" panose="02070309020205020404" pitchFamily="49" charset="0"/>
+              </a:rPr>
+              <a:t>(</a:t>
+            </a:r>
+            <a:r>
+              <a:rPr lang="en-US" altLang="zh-CN" dirty="0" err="1" smtClean="0">
+                <a:latin typeface="Courier New" panose="02070309020205020404" pitchFamily="49" charset="0"/>
+                <a:cs typeface="Courier New" panose="02070309020205020404" pitchFamily="49" charset="0"/>
+              </a:rPr>
+              <a:t>f.strip</a:t>
+            </a:r>
+            <a:r>
+              <a:rPr lang="en-US" altLang="zh-CN" dirty="0" smtClean="0">
+                <a:latin typeface="Courier New" panose="02070309020205020404" pitchFamily="49" charset="0"/>
+                <a:cs typeface="Courier New" panose="02070309020205020404" pitchFamily="49" charset="0"/>
+              </a:rPr>
+              <a:t>(), </a:t>
+            </a:r>
+            <a:r>
+              <a:rPr lang="en-US" altLang="zh-CN" dirty="0" err="1" smtClean="0">
+                <a:latin typeface="Courier New" panose="02070309020205020404" pitchFamily="49" charset="0"/>
+                <a:cs typeface="Courier New" panose="02070309020205020404" pitchFamily="49" charset="0"/>
+              </a:rPr>
+              <a:t>all_lines</a:t>
+            </a:r>
+            <a:r>
+              <a:rPr lang="en-US" altLang="zh-CN" dirty="0" smtClean="0">
+                <a:latin typeface="Courier New" panose="02070309020205020404" pitchFamily="49" charset="0"/>
+                <a:cs typeface="Courier New" panose="02070309020205020404" pitchFamily="49" charset="0"/>
+              </a:rPr>
+              <a:t>)</a:t>
+            </a:r>
+            <a:endParaRPr lang="en-US" altLang="zh-CN" dirty="0">
+              <a:latin typeface="Courier New" panose="02070309020205020404" pitchFamily="49" charset="0"/>
+              <a:cs typeface="Courier New" panose="02070309020205020404" pitchFamily="49" charset="0"/>
+            </a:endParaRPr>
           </a:p>
         </p:txBody>
       </p:sp>
     </p:spTree>
     <p:extLst>
       <p:ext uri="{BB962C8B-B14F-4D97-AF65-F5344CB8AC3E}">
-        <p14:creationId xmlns:p14="http://schemas.microsoft.com/office/powerpoint/2010/main" val="3527581365"/>
+        <p14:creationId xmlns:p14="http://schemas.microsoft.com/office/powerpoint/2010/main" val="1122356974"/>
       </p:ext>
     </p:extLst>
   </p:cSld>
   <p:clrMapOvr>
     <a:masterClrMapping/>
   </p:clrMapOvr>
+  <p:timing>
+    <p:tnLst>
+      <p:par>
+        <p:cTn id="1" dur="indefinite" restart="never" nodeType="tmRoot"/>
+      </p:par>
+    </p:tnLst>
+  </p:timing>
 </p:sld>
 </file>
 
@@ -10092,23 +10813,23 @@
                 <a:latin typeface="Courier New" panose="02070309020205020404" pitchFamily="49" charset="0"/>
                 <a:cs typeface="Courier New" panose="02070309020205020404" pitchFamily="49" charset="0"/>
               </a:rPr>
-              <a:t>y.append</a:t>
-            </a:r>
-            <a:r>
-              <a:rPr lang="en-US" altLang="zh-CN" dirty="0" smtClean="0">
-                <a:latin typeface="Courier New" panose="02070309020205020404" pitchFamily="49" charset="0"/>
-                <a:cs typeface="Courier New" panose="02070309020205020404" pitchFamily="49" charset="0"/>
-              </a:rPr>
-              <a:t>(4)</a:t>
-            </a:r>
-          </a:p>
-          <a:p>
-            <a:r>
-              <a:rPr lang="en-US" altLang="zh-CN" dirty="0" smtClean="0">
-                <a:latin typeface="Courier New" panose="02070309020205020404" pitchFamily="49" charset="0"/>
-                <a:cs typeface="Courier New" panose="02070309020205020404" pitchFamily="49" charset="0"/>
-              </a:rPr>
-              <a:t>print(x == y)</a:t>
+              <a:t>y.sort</a:t>
+            </a:r>
+            <a:r>
+              <a:rPr lang="en-US" altLang="zh-CN" dirty="0" smtClean="0">
+                <a:latin typeface="Courier New" panose="02070309020205020404" pitchFamily="49" charset="0"/>
+                <a:cs typeface="Courier New" panose="02070309020205020404" pitchFamily="49" charset="0"/>
+              </a:rPr>
+              <a:t>()</a:t>
+            </a:r>
+          </a:p>
+          <a:p>
+            <a:r>
+              <a:rPr lang="en-US" altLang="zh-CN" dirty="0" smtClean="0">
+                <a:latin typeface="Courier New" panose="02070309020205020404" pitchFamily="49" charset="0"/>
+                <a:cs typeface="Courier New" panose="02070309020205020404" pitchFamily="49" charset="0"/>
+              </a:rPr>
+              <a:t>print(x)</a:t>
             </a:r>
             <a:endParaRPr lang="en-US" altLang="zh-CN" dirty="0">
               <a:latin typeface="Courier New" panose="02070309020205020404" pitchFamily="49" charset="0"/>
@@ -10117,16 +10838,59 @@
           </a:p>
         </p:txBody>
       </p:sp>
+      <p:sp>
+        <p:nvSpPr>
+          <p:cNvPr id="8" name="Content Placeholder 2"/>
+          <p:cNvSpPr>
+            <a:spLocks noGrp="1"/>
+          </p:cNvSpPr>
+          <p:nvPr>
+            <p:ph idx="1"/>
+          </p:nvPr>
+        </p:nvSpPr>
+        <p:spPr>
+          <a:xfrm>
+            <a:off x="457200" y="1529180"/>
+            <a:ext cx="8229600" cy="2030766"/>
+          </a:xfrm>
+        </p:spPr>
+        <p:txBody>
+          <a:bodyPr>
+            <a:normAutofit/>
+          </a:bodyPr>
+          <a:lstStyle/>
+          <a:p>
+            <a:r>
+              <a:rPr lang="en-US" sz="2800" dirty="0" smtClean="0"/>
+              <a:t>Have a copy of a list, not as an alias</a:t>
+            </a:r>
+          </a:p>
+          <a:p>
+            <a:r>
+              <a:rPr lang="en-US" sz="2800" dirty="0" smtClean="0"/>
+              <a:t>Use the slice operator</a:t>
+            </a:r>
+            <a:endParaRPr lang="en-US" sz="2800" dirty="0"/>
+          </a:p>
+        </p:txBody>
+      </p:sp>
     </p:spTree>
     <p:extLst>
       <p:ext uri="{BB962C8B-B14F-4D97-AF65-F5344CB8AC3E}">
-        <p14:creationId xmlns:p14="http://schemas.microsoft.com/office/powerpoint/2010/main" val="367388453"/>
+        <p14:creationId xmlns:p14="http://schemas.microsoft.com/office/powerpoint/2010/main" val="3527581365"/>
       </p:ext>
     </p:extLst>
   </p:cSld>
   <p:clrMapOvr>
     <a:masterClrMapping/>
   </p:clrMapOvr>
+  <p:timing>
+    <p:tnLst>
+      <p:par>
+        <p:cTn id="1" dur="indefinite" restart="never" nodeType="tmRoot"/>
+      </p:par>
+    </p:tnLst>
+  </p:timing>
 </p:sld>
 </file>
 
@@ -10189,19 +10953,9 @@
           <a:p>
             <a:r>
               <a:rPr lang="en-US" sz="4000" i="1" dirty="0" smtClean="0"/>
-              <a:t>	test identity: </a:t>
-            </a:r>
-            <a:r>
-              <a:rPr lang="en-US" sz="4000" i="1" dirty="0" smtClean="0">
-                <a:latin typeface="Courier New" panose="02070309020205020404" pitchFamily="49" charset="0"/>
-                <a:cs typeface="Courier New" panose="02070309020205020404" pitchFamily="49" charset="0"/>
-              </a:rPr>
-              <a:t>is</a:t>
-            </a:r>
-            <a:endParaRPr lang="en-US" sz="4000" i="1" dirty="0">
-              <a:latin typeface="Courier New" panose="02070309020205020404" pitchFamily="49" charset="0"/>
-              <a:cs typeface="Courier New" panose="02070309020205020404" pitchFamily="49" charset="0"/>
-            </a:endParaRPr>
+              <a:t>	Copy mutable type by value</a:t>
+            </a:r>
+            <a:endParaRPr lang="en-US" sz="4000" i="1" dirty="0"/>
           </a:p>
         </p:txBody>
       </p:sp>
@@ -10334,7 +11088,7 @@
         </p:nvSpPr>
         <p:spPr>
           <a:xfrm>
-            <a:off x="807390" y="1893148"/>
+            <a:off x="807390" y="2892435"/>
             <a:ext cx="5674876" cy="1754326"/>
           </a:xfrm>
           <a:prstGeom prst="rect">
@@ -10349,78 +11103,153 @@
           <a:lstStyle/>
           <a:p>
             <a:r>
+              <a:rPr lang="en-US" altLang="zh-CN" dirty="0" smtClean="0">
+                <a:latin typeface="Courier New" panose="02070309020205020404" pitchFamily="49" charset="0"/>
+                <a:cs typeface="Courier New" panose="02070309020205020404" pitchFamily="49" charset="0"/>
+              </a:rPr>
+              <a:t>x = [3,2,1]</a:t>
+            </a:r>
+          </a:p>
+          <a:p>
+            <a:r>
+              <a:rPr lang="en-US" altLang="zh-CN" dirty="0" smtClean="0">
+                <a:latin typeface="Courier New" panose="02070309020205020404" pitchFamily="49" charset="0"/>
+                <a:cs typeface="Courier New" panose="02070309020205020404" pitchFamily="49" charset="0"/>
+              </a:rPr>
+              <a:t>y = x[:]		</a:t>
+            </a:r>
+            <a:r>
+              <a:rPr lang="en-US" altLang="zh-CN" dirty="0" smtClean="0">
+                <a:latin typeface="Courier New" panose="02070309020205020404" pitchFamily="49" charset="0"/>
+                <a:cs typeface="Courier New" panose="02070309020205020404" pitchFamily="49" charset="0"/>
+              </a:rPr>
+              <a:t>	#</a:t>
+            </a:r>
+            <a:r>
+              <a:rPr lang="en-US" altLang="zh-CN" dirty="0" smtClean="0">
+                <a:latin typeface="Courier New" panose="02070309020205020404" pitchFamily="49" charset="0"/>
+                <a:cs typeface="Courier New" panose="02070309020205020404" pitchFamily="49" charset="0"/>
+              </a:rPr>
+              <a:t>slice everything</a:t>
+            </a:r>
+          </a:p>
+          <a:p>
+            <a:r>
               <a:rPr lang="en-US" altLang="zh-CN" dirty="0">
                 <a:latin typeface="Courier New" panose="02070309020205020404" pitchFamily="49" charset="0"/>
                 <a:cs typeface="Courier New" panose="02070309020205020404" pitchFamily="49" charset="0"/>
               </a:rPr>
-              <a:t>a</a:t>
-            </a:r>
-            <a:r>
-              <a:rPr lang="en-US" altLang="zh-CN" dirty="0" smtClean="0">
-                <a:latin typeface="Courier New" panose="02070309020205020404" pitchFamily="49" charset="0"/>
-                <a:cs typeface="Courier New" panose="02070309020205020404" pitchFamily="49" charset="0"/>
-              </a:rPr>
-              <a:t> = [1,2,3]</a:t>
-            </a:r>
-          </a:p>
-          <a:p>
-            <a:r>
-              <a:rPr lang="en-US" altLang="zh-CN" dirty="0" smtClean="0">
-                <a:latin typeface="Courier New" panose="02070309020205020404" pitchFamily="49" charset="0"/>
-                <a:cs typeface="Courier New" panose="02070309020205020404" pitchFamily="49" charset="0"/>
-              </a:rPr>
-              <a:t>b = a</a:t>
-            </a:r>
-          </a:p>
-          <a:p>
-            <a:r>
-              <a:rPr lang="en-US" altLang="zh-CN" dirty="0" smtClean="0">
-                <a:latin typeface="Courier New" panose="02070309020205020404" pitchFamily="49" charset="0"/>
-                <a:cs typeface="Courier New" panose="02070309020205020404" pitchFamily="49" charset="0"/>
-              </a:rPr>
-              <a:t>c = a[:]</a:t>
-            </a:r>
-          </a:p>
-          <a:p>
+              <a:t>z</a:t>
+            </a:r>
+            <a:r>
+              <a:rPr lang="en-US" altLang="zh-CN" dirty="0" smtClean="0">
+                <a:latin typeface="Courier New" panose="02070309020205020404" pitchFamily="49" charset="0"/>
+                <a:cs typeface="Courier New" panose="02070309020205020404" pitchFamily="49" charset="0"/>
+              </a:rPr>
+              <a:t> = x</a:t>
+            </a:r>
+            <a:endParaRPr lang="en-US" altLang="zh-CN" dirty="0" smtClean="0">
+              <a:latin typeface="Courier New" panose="02070309020205020404" pitchFamily="49" charset="0"/>
+              <a:cs typeface="Courier New" panose="02070309020205020404" pitchFamily="49" charset="0"/>
+            </a:endParaRPr>
+          </a:p>
+          <a:p>
+            <a:endParaRPr lang="en-US" altLang="zh-CN" dirty="0" smtClean="0">
+              <a:latin typeface="Courier New" panose="02070309020205020404" pitchFamily="49" charset="0"/>
+              <a:cs typeface="Courier New" panose="02070309020205020404" pitchFamily="49" charset="0"/>
+            </a:endParaRPr>
+          </a:p>
+          <a:p>
+            <a:r>
+              <a:rPr lang="en-US" altLang="zh-CN" dirty="0" smtClean="0">
+                <a:latin typeface="Courier New" panose="02070309020205020404" pitchFamily="49" charset="0"/>
+                <a:cs typeface="Courier New" panose="02070309020205020404" pitchFamily="49" charset="0"/>
+              </a:rPr>
+              <a:t>y </a:t>
+            </a:r>
+            <a:r>
+              <a:rPr lang="en-US" altLang="zh-CN" dirty="0" smtClean="0">
+                <a:latin typeface="Courier New" panose="02070309020205020404" pitchFamily="49" charset="0"/>
+                <a:cs typeface="Courier New" panose="02070309020205020404" pitchFamily="49" charset="0"/>
+              </a:rPr>
+              <a:t>== </a:t>
+            </a:r>
+            <a:r>
+              <a:rPr lang="en-US" altLang="zh-CN" dirty="0" smtClean="0">
+                <a:latin typeface="Courier New" panose="02070309020205020404" pitchFamily="49" charset="0"/>
+                <a:cs typeface="Courier New" panose="02070309020205020404" pitchFamily="49" charset="0"/>
+              </a:rPr>
+              <a:t>x				#True</a:t>
+            </a:r>
+          </a:p>
+          <a:p>
+            <a:r>
+              <a:rPr lang="en-US" altLang="zh-CN" dirty="0" smtClean="0">
+                <a:latin typeface="Courier New" panose="02070309020205020404" pitchFamily="49" charset="0"/>
+                <a:cs typeface="Courier New" panose="02070309020205020404" pitchFamily="49" charset="0"/>
+              </a:rPr>
+              <a:t>z == x				#True</a:t>
+            </a:r>
             <a:endParaRPr lang="en-US" altLang="zh-CN" dirty="0">
               <a:latin typeface="Courier New" panose="02070309020205020404" pitchFamily="49" charset="0"/>
               <a:cs typeface="Courier New" panose="02070309020205020404" pitchFamily="49" charset="0"/>
             </a:endParaRPr>
           </a:p>
-          <a:p>
-            <a:r>
-              <a:rPr lang="en-US" altLang="zh-CN" dirty="0" smtClean="0">
-                <a:latin typeface="Courier New" panose="02070309020205020404" pitchFamily="49" charset="0"/>
-                <a:cs typeface="Courier New" panose="02070309020205020404" pitchFamily="49" charset="0"/>
-              </a:rPr>
-              <a:t>b is a		#True</a:t>
-            </a:r>
-          </a:p>
-          <a:p>
-            <a:r>
-              <a:rPr lang="en-US" altLang="zh-CN" dirty="0" smtClean="0">
-                <a:latin typeface="Courier New" panose="02070309020205020404" pitchFamily="49" charset="0"/>
-                <a:cs typeface="Courier New" panose="02070309020205020404" pitchFamily="49" charset="0"/>
-              </a:rPr>
-              <a:t>c is a		#False</a:t>
-            </a:r>
-            <a:endParaRPr lang="en-US" altLang="zh-CN" dirty="0">
-              <a:latin typeface="Courier New" panose="02070309020205020404" pitchFamily="49" charset="0"/>
-              <a:cs typeface="Courier New" panose="02070309020205020404" pitchFamily="49" charset="0"/>
-            </a:endParaRPr>
+        </p:txBody>
+      </p:sp>
+      <p:sp>
+        <p:nvSpPr>
+          <p:cNvPr id="8" name="Content Placeholder 2"/>
+          <p:cNvSpPr>
+            <a:spLocks noGrp="1"/>
+          </p:cNvSpPr>
+          <p:nvPr>
+            <p:ph idx="1"/>
+          </p:nvPr>
+        </p:nvSpPr>
+        <p:spPr>
+          <a:xfrm>
+            <a:off x="457200" y="1529180"/>
+            <a:ext cx="8229600" cy="2030766"/>
+          </a:xfrm>
+        </p:spPr>
+        <p:txBody>
+          <a:bodyPr>
+            <a:normAutofit/>
+          </a:bodyPr>
+          <a:lstStyle/>
+          <a:p>
+            <a:r>
+              <a:rPr lang="en-US" sz="2800" dirty="0" smtClean="0"/>
+              <a:t>Have a copy of a list, not as an alias</a:t>
+            </a:r>
+          </a:p>
+          <a:p>
+            <a:r>
+              <a:rPr lang="en-US" sz="2800" dirty="0" smtClean="0"/>
+              <a:t>Use the slice operator</a:t>
+            </a:r>
+            <a:endParaRPr lang="en-US" sz="2800" dirty="0"/>
           </a:p>
         </p:txBody>
       </p:sp>
     </p:spTree>
     <p:extLst>
       <p:ext uri="{BB962C8B-B14F-4D97-AF65-F5344CB8AC3E}">
-        <p14:creationId xmlns:p14="http://schemas.microsoft.com/office/powerpoint/2010/main" val="3703271147"/>
+        <p14:creationId xmlns:p14="http://schemas.microsoft.com/office/powerpoint/2010/main" val="367388453"/>
       </p:ext>
     </p:extLst>
   </p:cSld>
   <p:clrMapOvr>
     <a:masterClrMapping/>
   </p:clrMapOvr>
+  <p:timing>
+    <p:tnLst>
+      <p:par>
+        <p:cTn id="1" dur="indefinite" restart="never" nodeType="tmRoot"/>
+      </p:par>
+    </p:tnLst>
+  </p:timing>
 </p:sld>
 </file>
 
@@ -10453,10 +11282,20 @@
         </p:nvSpPr>
         <p:spPr/>
         <p:txBody>
-          <a:bodyPr/>
-          <a:lstStyle/>
-          <a:p>
-            <a:endParaRPr lang="en-US"/>
+          <a:bodyPr>
+            <a:normAutofit/>
+          </a:bodyPr>
+          <a:lstStyle/>
+          <a:p>
+            <a:r>
+              <a:rPr lang="en-US" sz="2800" u="sng" dirty="0" smtClean="0"/>
+              <a:t>Practice midterm</a:t>
+            </a:r>
+            <a:r>
+              <a:rPr lang="en-US" sz="2800" dirty="0" smtClean="0"/>
+              <a:t> on blackboard.</a:t>
+            </a:r>
+            <a:endParaRPr lang="en-US" sz="2800" dirty="0"/>
           </a:p>
         </p:txBody>
       </p:sp>
@@ -10506,7 +11345,11 @@
             </a:r>
             <a:r>
               <a:rPr lang="en-US" sz="4000" i="1" dirty="0" smtClean="0"/>
-              <a:t>Administrivia</a:t>
+              <a:t>Midterm </a:t>
+            </a:r>
+            <a:r>
+              <a:rPr lang="en-US" sz="4000" i="1" dirty="0" smtClean="0"/>
+              <a:t>instructions +</a:t>
             </a:r>
             <a:endParaRPr lang="en-US" sz="4000" i="1" dirty="0"/>
           </a:p>
@@ -10553,7 +11396,7 @@
           <a:lstStyle/>
           <a:p>
             <a:pPr algn="ctr"/>
-            <a:endParaRPr lang="en-US"/>
+            <a:endParaRPr lang="en-US" dirty="0"/>
           </a:p>
         </p:txBody>
       </p:sp>
@@ -10636,7 +11479,7 @@
     </p:spTree>
     <p:extLst>
       <p:ext uri="{BB962C8B-B14F-4D97-AF65-F5344CB8AC3E}">
-        <p14:creationId xmlns:p14="http://schemas.microsoft.com/office/powerpoint/2010/main" val="840645346"/>
+        <p14:creationId xmlns:p14="http://schemas.microsoft.com/office/powerpoint/2010/main" val="2689654680"/>
       </p:ext>
     </p:extLst>
   </p:cSld>
@@ -10671,7 +11514,7 @@
         </p:nvSpPr>
         <p:spPr>
           <a:xfrm>
-            <a:off x="0" y="2586816"/>
+            <a:off x="0" y="-7550"/>
             <a:ext cx="9144000" cy="1228835"/>
           </a:xfrm>
           <a:prstGeom prst="rect">
@@ -10703,12 +11546,21 @@
           <a:bodyPr rtlCol="0" anchor="ctr"/>
           <a:lstStyle/>
           <a:p>
-            <a:pPr algn="ctr"/>
-            <a:r>
-              <a:rPr lang="en-US" sz="4800" b="1" dirty="0" smtClean="0"/>
-              <a:t>Reminders</a:t>
-            </a:r>
-            <a:endParaRPr lang="en-US" sz="4800" b="1" dirty="0"/>
+            <a:r>
+              <a:rPr lang="en-US" sz="4000" i="1" dirty="0" smtClean="0"/>
+              <a:t>	test identity: </a:t>
+            </a:r>
+            <a:r>
+              <a:rPr lang="en-US" sz="4000" i="1" dirty="0" smtClean="0">
+                <a:latin typeface="Courier New" panose="02070309020205020404" pitchFamily="49" charset="0"/>
+                <a:cs typeface="Courier New" panose="02070309020205020404" pitchFamily="49" charset="0"/>
+              </a:rPr>
+              <a:t>is</a:t>
+            </a:r>
+            <a:endParaRPr lang="en-US" sz="4000" i="1" dirty="0">
+              <a:latin typeface="Courier New" panose="02070309020205020404" pitchFamily="49" charset="0"/>
+              <a:cs typeface="Courier New" panose="02070309020205020404" pitchFamily="49" charset="0"/>
+            </a:endParaRPr>
           </a:p>
         </p:txBody>
       </p:sp>
@@ -10833,10 +11685,183 @@
           </a:p>
         </p:txBody>
       </p:sp>
+      <p:sp>
+        <p:nvSpPr>
+          <p:cNvPr id="8" name="TextBox 7"/>
+          <p:cNvSpPr txBox="1"/>
+          <p:nvPr/>
+        </p:nvSpPr>
+        <p:spPr>
+          <a:xfrm>
+            <a:off x="807390" y="2892435"/>
+            <a:ext cx="5674876" cy="1754326"/>
+          </a:xfrm>
+          <a:prstGeom prst="rect">
+            <a:avLst/>
+          </a:prstGeom>
+          <a:noFill/>
+        </p:spPr>
+        <p:txBody>
+          <a:bodyPr wrap="square" rtlCol="0">
+            <a:spAutoFit/>
+          </a:bodyPr>
+          <a:lstStyle/>
+          <a:p>
+            <a:r>
+              <a:rPr lang="en-US" altLang="zh-CN" dirty="0" smtClean="0">
+                <a:latin typeface="Courier New" panose="02070309020205020404" pitchFamily="49" charset="0"/>
+                <a:cs typeface="Courier New" panose="02070309020205020404" pitchFamily="49" charset="0"/>
+              </a:rPr>
+              <a:t>x = [3,2,1]</a:t>
+            </a:r>
+          </a:p>
+          <a:p>
+            <a:r>
+              <a:rPr lang="en-US" altLang="zh-CN" dirty="0" smtClean="0">
+                <a:latin typeface="Courier New" panose="02070309020205020404" pitchFamily="49" charset="0"/>
+                <a:cs typeface="Courier New" panose="02070309020205020404" pitchFamily="49" charset="0"/>
+              </a:rPr>
+              <a:t>y = x[:]		</a:t>
+            </a:r>
+            <a:r>
+              <a:rPr lang="en-US" altLang="zh-CN" dirty="0" smtClean="0">
+                <a:latin typeface="Courier New" panose="02070309020205020404" pitchFamily="49" charset="0"/>
+                <a:cs typeface="Courier New" panose="02070309020205020404" pitchFamily="49" charset="0"/>
+              </a:rPr>
+              <a:t>	#</a:t>
+            </a:r>
+            <a:r>
+              <a:rPr lang="en-US" altLang="zh-CN" dirty="0" smtClean="0">
+                <a:latin typeface="Courier New" panose="02070309020205020404" pitchFamily="49" charset="0"/>
+                <a:cs typeface="Courier New" panose="02070309020205020404" pitchFamily="49" charset="0"/>
+              </a:rPr>
+              <a:t>slice </a:t>
+            </a:r>
+            <a:r>
+              <a:rPr lang="en-US" altLang="zh-CN" dirty="0" smtClean="0">
+                <a:latin typeface="Courier New" panose="02070309020205020404" pitchFamily="49" charset="0"/>
+                <a:cs typeface="Courier New" panose="02070309020205020404" pitchFamily="49" charset="0"/>
+              </a:rPr>
+              <a:t>everything</a:t>
+            </a:r>
+          </a:p>
+          <a:p>
+            <a:r>
+              <a:rPr lang="en-US" altLang="zh-CN" dirty="0" smtClean="0">
+                <a:latin typeface="Courier New" panose="02070309020205020404" pitchFamily="49" charset="0"/>
+                <a:cs typeface="Courier New" panose="02070309020205020404" pitchFamily="49" charset="0"/>
+              </a:rPr>
+              <a:t>z = x</a:t>
+            </a:r>
+            <a:endParaRPr lang="en-US" altLang="zh-CN" dirty="0" smtClean="0">
+              <a:latin typeface="Courier New" panose="02070309020205020404" pitchFamily="49" charset="0"/>
+              <a:cs typeface="Courier New" panose="02070309020205020404" pitchFamily="49" charset="0"/>
+            </a:endParaRPr>
+          </a:p>
+          <a:p>
+            <a:endParaRPr lang="en-US" altLang="zh-CN" dirty="0" smtClean="0">
+              <a:latin typeface="Courier New" panose="02070309020205020404" pitchFamily="49" charset="0"/>
+              <a:cs typeface="Courier New" panose="02070309020205020404" pitchFamily="49" charset="0"/>
+            </a:endParaRPr>
+          </a:p>
+          <a:p>
+            <a:r>
+              <a:rPr lang="en-US" altLang="zh-CN" dirty="0" smtClean="0">
+                <a:latin typeface="Courier New" panose="02070309020205020404" pitchFamily="49" charset="0"/>
+                <a:cs typeface="Courier New" panose="02070309020205020404" pitchFamily="49" charset="0"/>
+              </a:rPr>
+              <a:t>y </a:t>
+            </a:r>
+            <a:r>
+              <a:rPr lang="en-US" altLang="zh-CN" dirty="0" smtClean="0">
+                <a:solidFill>
+                  <a:srgbClr val="00B0F0"/>
+                </a:solidFill>
+                <a:latin typeface="Courier New" panose="02070309020205020404" pitchFamily="49" charset="0"/>
+                <a:cs typeface="Courier New" panose="02070309020205020404" pitchFamily="49" charset="0"/>
+              </a:rPr>
+              <a:t>is</a:t>
+            </a:r>
+            <a:r>
+              <a:rPr lang="en-US" altLang="zh-CN" dirty="0" smtClean="0">
+                <a:latin typeface="Courier New" panose="02070309020205020404" pitchFamily="49" charset="0"/>
+                <a:cs typeface="Courier New" panose="02070309020205020404" pitchFamily="49" charset="0"/>
+              </a:rPr>
+              <a:t> x				#False</a:t>
+            </a:r>
+          </a:p>
+          <a:p>
+            <a:r>
+              <a:rPr lang="en-US" altLang="zh-CN" dirty="0" smtClean="0">
+                <a:latin typeface="Courier New" panose="02070309020205020404" pitchFamily="49" charset="0"/>
+                <a:cs typeface="Courier New" panose="02070309020205020404" pitchFamily="49" charset="0"/>
+              </a:rPr>
+              <a:t>z </a:t>
+            </a:r>
+            <a:r>
+              <a:rPr lang="en-US" altLang="zh-CN" dirty="0" smtClean="0">
+                <a:solidFill>
+                  <a:srgbClr val="00B0F0"/>
+                </a:solidFill>
+                <a:latin typeface="Courier New" panose="02070309020205020404" pitchFamily="49" charset="0"/>
+                <a:cs typeface="Courier New" panose="02070309020205020404" pitchFamily="49" charset="0"/>
+              </a:rPr>
+              <a:t>is</a:t>
+            </a:r>
+            <a:r>
+              <a:rPr lang="en-US" altLang="zh-CN" dirty="0" smtClean="0">
+                <a:latin typeface="Courier New" panose="02070309020205020404" pitchFamily="49" charset="0"/>
+                <a:cs typeface="Courier New" panose="02070309020205020404" pitchFamily="49" charset="0"/>
+              </a:rPr>
+              <a:t> x				#True</a:t>
+            </a:r>
+          </a:p>
+        </p:txBody>
+      </p:sp>
+      <p:sp>
+        <p:nvSpPr>
+          <p:cNvPr id="10" name="Content Placeholder 2"/>
+          <p:cNvSpPr>
+            <a:spLocks noGrp="1"/>
+          </p:cNvSpPr>
+          <p:nvPr>
+            <p:ph idx="1"/>
+          </p:nvPr>
+        </p:nvSpPr>
+        <p:spPr>
+          <a:xfrm>
+            <a:off x="457200" y="1529180"/>
+            <a:ext cx="8229600" cy="2030766"/>
+          </a:xfrm>
+        </p:spPr>
+        <p:txBody>
+          <a:bodyPr>
+            <a:normAutofit/>
+          </a:bodyPr>
+          <a:lstStyle/>
+          <a:p>
+            <a:r>
+              <a:rPr lang="en-US" sz="2800" dirty="0" smtClean="0"/>
+              <a:t>Have a copy of a list, not as an alias</a:t>
+            </a:r>
+          </a:p>
+          <a:p>
+            <a:r>
+              <a:rPr lang="en-US" sz="2800" dirty="0" smtClean="0"/>
+              <a:t>Use the slice </a:t>
+            </a:r>
+            <a:r>
+              <a:rPr lang="en-US" sz="2800" dirty="0" smtClean="0"/>
+              <a:t>operator</a:t>
+            </a:r>
+            <a:endParaRPr lang="en-US" sz="2800" dirty="0"/>
+          </a:p>
+        </p:txBody>
+      </p:sp>
     </p:spTree>
     <p:extLst>
       <p:ext uri="{BB962C8B-B14F-4D97-AF65-F5344CB8AC3E}">
-        <p14:creationId xmlns:p14="http://schemas.microsoft.com/office/powerpoint/2010/main" val="1158511822"/>
+        <p14:creationId xmlns:p14="http://schemas.microsoft.com/office/powerpoint/2010/main" val="3703271147"/>
       </p:ext>
     </p:extLst>
   </p:cSld>
@@ -10872,32 +11897,13 @@
       </p:grpSpPr>
       <p:sp>
         <p:nvSpPr>
-          <p:cNvPr id="3" name="Content Placeholder 2"/>
-          <p:cNvSpPr>
-            <a:spLocks noGrp="1"/>
-          </p:cNvSpPr>
-          <p:nvPr>
-            <p:ph idx="1"/>
-          </p:nvPr>
-        </p:nvSpPr>
-        <p:spPr/>
-        <p:txBody>
-          <a:bodyPr/>
-          <a:lstStyle/>
-          <a:p>
-            <a:endParaRPr lang="en-US"/>
-          </a:p>
-        </p:txBody>
-      </p:sp>
-      <p:sp>
-        <p:nvSpPr>
           <p:cNvPr id="4" name="Rectangle 3"/>
           <p:cNvSpPr/>
           <p:nvPr/>
         </p:nvSpPr>
         <p:spPr>
           <a:xfrm>
-            <a:off x="0" y="-7550"/>
+            <a:off x="0" y="2586816"/>
             <a:ext cx="9144000" cy="1228835"/>
           </a:xfrm>
           <a:prstGeom prst="rect">
@@ -10929,15 +11935,12 @@
           <a:bodyPr rtlCol="0" anchor="ctr"/>
           <a:lstStyle/>
           <a:p>
-            <a:r>
-              <a:rPr lang="en-US" sz="4000" b="1" dirty="0" smtClean="0"/>
-              <a:t>   </a:t>
-            </a:r>
-            <a:r>
-              <a:rPr lang="en-US" sz="4000" i="1" dirty="0" smtClean="0"/>
+            <a:pPr algn="ctr"/>
+            <a:r>
+              <a:rPr lang="en-US" sz="4800" b="1" dirty="0" smtClean="0"/>
               <a:t>Reminders</a:t>
             </a:r>
-            <a:endParaRPr lang="en-US" sz="4000" i="1" dirty="0"/>
+            <a:endParaRPr lang="en-US" sz="4800" b="1" dirty="0"/>
           </a:p>
         </p:txBody>
       </p:sp>
@@ -11065,13 +12068,20 @@
     </p:spTree>
     <p:extLst>
       <p:ext uri="{BB962C8B-B14F-4D97-AF65-F5344CB8AC3E}">
-        <p14:creationId xmlns:p14="http://schemas.microsoft.com/office/powerpoint/2010/main" val="130868914"/>
+        <p14:creationId xmlns:p14="http://schemas.microsoft.com/office/powerpoint/2010/main" val="1158511822"/>
       </p:ext>
     </p:extLst>
   </p:cSld>
   <p:clrMapOvr>
     <a:masterClrMapping/>
   </p:clrMapOvr>
+  <p:timing>
+    <p:tnLst>
+      <p:par>
+        <p:cTn id="1" dur="indefinite" restart="never" nodeType="tmRoot"/>
+      </p:par>
+    </p:tnLst>
+  </p:timing>
 </p:sld>
 </file>
 
@@ -11094,20 +12104,39 @@
       </p:grpSpPr>
       <p:sp>
         <p:nvSpPr>
+          <p:cNvPr id="3" name="Content Placeholder 2"/>
+          <p:cNvSpPr>
+            <a:spLocks noGrp="1"/>
+          </p:cNvSpPr>
+          <p:nvPr>
+            <p:ph idx="1"/>
+          </p:nvPr>
+        </p:nvSpPr>
+        <p:spPr/>
+        <p:txBody>
+          <a:bodyPr/>
+          <a:lstStyle/>
+          <a:p>
+            <a:endParaRPr lang="en-US"/>
+          </a:p>
+        </p:txBody>
+      </p:sp>
+      <p:sp>
+        <p:nvSpPr>
           <p:cNvPr id="4" name="Rectangle 3"/>
           <p:cNvSpPr/>
           <p:nvPr/>
         </p:nvSpPr>
         <p:spPr>
           <a:xfrm>
-            <a:off x="0" y="0"/>
-            <a:ext cx="9144000" cy="3886200"/>
+            <a:off x="0" y="-7550"/>
+            <a:ext cx="9144000" cy="1228835"/>
           </a:xfrm>
           <a:prstGeom prst="rect">
             <a:avLst/>
           </a:prstGeom>
           <a:solidFill>
-            <a:srgbClr val="1ACFFF"/>
+            <a:srgbClr val="3DBFDB"/>
           </a:solidFill>
           <a:ln>
             <a:noFill/>
@@ -11132,6 +12161,58 @@
           <a:bodyPr rtlCol="0" anchor="ctr"/>
           <a:lstStyle/>
           <a:p>
+            <a:r>
+              <a:rPr lang="en-US" sz="4000" b="1" dirty="0" smtClean="0"/>
+              <a:t>   </a:t>
+            </a:r>
+            <a:r>
+              <a:rPr lang="en-US" sz="4000" i="1" dirty="0" smtClean="0"/>
+              <a:t>Reminders</a:t>
+            </a:r>
+            <a:endParaRPr lang="en-US" sz="4000" i="1" dirty="0"/>
+          </a:p>
+        </p:txBody>
+      </p:sp>
+      <p:sp>
+        <p:nvSpPr>
+          <p:cNvPr id="5" name="Rectangle 4"/>
+          <p:cNvSpPr/>
+          <p:nvPr/>
+        </p:nvSpPr>
+        <p:spPr>
+          <a:xfrm>
+            <a:off x="0" y="6737478"/>
+            <a:ext cx="9144000" cy="120522"/>
+          </a:xfrm>
+          <a:prstGeom prst="rect">
+            <a:avLst/>
+          </a:prstGeom>
+          <a:solidFill>
+            <a:srgbClr val="3DBFDB"/>
+          </a:solidFill>
+          <a:ln>
+            <a:noFill/>
+          </a:ln>
+          <a:effectLst/>
+        </p:spPr>
+        <p:style>
+          <a:lnRef idx="1">
+            <a:schemeClr val="accent1"/>
+          </a:lnRef>
+          <a:fillRef idx="3">
+            <a:schemeClr val="accent1"/>
+          </a:fillRef>
+          <a:effectRef idx="2">
+            <a:schemeClr val="accent1"/>
+          </a:effectRef>
+          <a:fontRef idx="minor">
+            <a:schemeClr val="lt1"/>
+          </a:fontRef>
+        </p:style>
+        <p:txBody>
+          <a:bodyPr rtlCol="0" anchor="ctr"/>
+          <a:lstStyle/>
+          <a:p>
             <a:pPr algn="ctr"/>
             <a:endParaRPr lang="en-US"/>
           </a:p>
@@ -11139,102 +12220,39 @@
       </p:sp>
       <p:sp>
         <p:nvSpPr>
-          <p:cNvPr id="2" name="Title 1"/>
-          <p:cNvSpPr>
-            <a:spLocks noGrp="1"/>
-          </p:cNvSpPr>
-          <p:nvPr>
-            <p:ph type="ctrTitle"/>
-          </p:nvPr>
-        </p:nvSpPr>
-        <p:spPr/>
-        <p:txBody>
-          <a:bodyPr/>
-          <a:lstStyle/>
-          <a:p>
-            <a:pPr algn="l"/>
-            <a:r>
-              <a:rPr lang="en-US" dirty="0" smtClean="0">
-                <a:solidFill>
-                  <a:schemeClr val="bg1"/>
-                </a:solidFill>
-              </a:rPr>
-              <a:t>Python Basics</a:t>
-            </a:r>
-            <a:endParaRPr lang="en-US" dirty="0">
-              <a:solidFill>
-                <a:schemeClr val="bg1"/>
-              </a:solidFill>
-            </a:endParaRPr>
-          </a:p>
-        </p:txBody>
-      </p:sp>
-      <p:sp>
-        <p:nvSpPr>
-          <p:cNvPr id="3" name="Subtitle 2"/>
-          <p:cNvSpPr>
-            <a:spLocks noGrp="1"/>
-          </p:cNvSpPr>
-          <p:nvPr>
-            <p:ph type="subTitle" idx="1"/>
-          </p:nvPr>
-        </p:nvSpPr>
-        <p:spPr>
-          <a:xfrm>
-            <a:off x="0" y="3886200"/>
-            <a:ext cx="9144000" cy="1752600"/>
-          </a:xfrm>
-        </p:spPr>
-        <p:txBody>
-          <a:bodyPr/>
-          <a:lstStyle/>
-          <a:p>
-            <a:pPr algn="r"/>
-            <a:r>
-              <a:rPr lang="en-US" sz="2000" dirty="0" smtClean="0">
+          <p:cNvPr id="6" name="Rectangle 5"/>
+          <p:cNvSpPr/>
+          <p:nvPr/>
+        </p:nvSpPr>
+        <p:spPr>
+          <a:xfrm>
+            <a:off x="0" y="6451738"/>
+            <a:ext cx="1037664" cy="276999"/>
+          </a:xfrm>
+          <a:prstGeom prst="rect">
+            <a:avLst/>
+          </a:prstGeom>
+        </p:spPr>
+        <p:txBody>
+          <a:bodyPr wrap="none">
+            <a:spAutoFit/>
+          </a:bodyPr>
+          <a:lstStyle/>
+          <a:p>
+            <a:r>
+              <a:rPr lang="en-US" sz="1200" dirty="0" smtClean="0">
                 <a:solidFill>
                   <a:srgbClr val="118EB0"/>
                 </a:solidFill>
               </a:rPr>
-              <a:t>dictionary, mutable arguments</a:t>
-            </a:r>
-            <a:endParaRPr lang="en-US" sz="2000" dirty="0" smtClean="0">
+              <a:t>Administrivia</a:t>
+            </a:r>
+            <a:endParaRPr lang="en-US" sz="1200" dirty="0">
               <a:solidFill>
                 <a:srgbClr val="118EB0"/>
               </a:solidFill>
             </a:endParaRPr>
           </a:p>
-          <a:p>
-            <a:pPr algn="r"/>
-            <a:endParaRPr lang="en-US" sz="2000" dirty="0">
-              <a:solidFill>
-                <a:srgbClr val="1ACFFF"/>
-              </a:solidFill>
-            </a:endParaRPr>
-          </a:p>
-          <a:p>
-            <a:r>
-              <a:rPr lang="en-US" sz="3600" dirty="0" smtClean="0">
-                <a:solidFill>
-                  <a:srgbClr val="000000"/>
-                </a:solidFill>
-              </a:rPr>
-              <a:t>CS101 Lecture </a:t>
-            </a:r>
-            <a:r>
-              <a:rPr lang="en-US" sz="3600" dirty="0" smtClean="0">
-                <a:solidFill>
-                  <a:srgbClr val="000000"/>
-                </a:solidFill>
-              </a:rPr>
-              <a:t>#11</a:t>
-            </a:r>
-            <a:endParaRPr lang="en-US" sz="4800" dirty="0">
-              <a:solidFill>
-                <a:srgbClr val="000000"/>
-              </a:solidFill>
-            </a:endParaRPr>
-          </a:p>
         </p:txBody>
       </p:sp>
       <p:sp>
@@ -11245,8 +12263,8 @@
         </p:nvSpPr>
         <p:spPr>
           <a:xfrm>
-            <a:off x="8001740" y="6488668"/>
-            <a:ext cx="1143262" cy="338554"/>
+            <a:off x="8869998" y="6453063"/>
+            <a:ext cx="262662" cy="276999"/>
           </a:xfrm>
           <a:prstGeom prst="rect">
             <a:avLst/>
@@ -11259,15 +12277,16 @@
           </a:bodyPr>
           <a:lstStyle/>
           <a:p>
-            <a:r>
-              <a:rPr lang="en-US" sz="1600" dirty="0" smtClean="0">
+            <a:pPr algn="r"/>
+            <a:r>
+              <a:rPr lang="en-US" sz="1200" dirty="0" smtClean="0">
                 <a:solidFill>
                   <a:srgbClr val="118EB0"/>
                 </a:solidFill>
               </a:rPr>
-              <a:t>2016-10-31</a:t>
-            </a:r>
-            <a:endParaRPr lang="en-US" sz="1600" dirty="0">
+              <a:t>1</a:t>
+            </a:r>
+            <a:endParaRPr lang="en-US" sz="1200" dirty="0">
               <a:solidFill>
                 <a:srgbClr val="118EB0"/>
               </a:solidFill>
@@ -11278,20 +12297,13 @@
     </p:spTree>
     <p:extLst>
       <p:ext uri="{BB962C8B-B14F-4D97-AF65-F5344CB8AC3E}">
-        <p14:creationId xmlns:p14="http://schemas.microsoft.com/office/powerpoint/2010/main" val="1589804547"/>
+        <p14:creationId xmlns:p14="http://schemas.microsoft.com/office/powerpoint/2010/main" val="130868914"/>
       </p:ext>
     </p:extLst>
   </p:cSld>
   <p:clrMapOvr>
     <a:masterClrMapping/>
   </p:clrMapOvr>
-  <p:timing>
-    <p:tnLst>
-      <p:par>
-        <p:cTn id="1" dur="indefinite" restart="never" nodeType="tmRoot"/>
-      </p:par>
-    </p:tnLst>
-  </p:timing>
 </p:sld>
 </file>
 
@@ -11320,7 +12332,7 @@
         </p:nvSpPr>
         <p:spPr>
           <a:xfrm>
-            <a:off x="0" y="2586816"/>
+            <a:off x="0" y="-7550"/>
             <a:ext cx="9144000" cy="1228835"/>
           </a:xfrm>
           <a:prstGeom prst="rect">
@@ -11352,12 +12364,28 @@
           <a:bodyPr rtlCol="0" anchor="ctr"/>
           <a:lstStyle/>
           <a:p>
-            <a:pPr algn="ctr"/>
-            <a:r>
-              <a:rPr lang="en-US" sz="4800" b="1" dirty="0" smtClean="0"/>
-              <a:t>Administrivia</a:t>
-            </a:r>
-            <a:endParaRPr lang="en-US" sz="4800" b="1" dirty="0"/>
+            <a:r>
+              <a:rPr lang="en-US" sz="4000" i="1" dirty="0" smtClean="0"/>
+              <a:t>	</a:t>
+            </a:r>
+            <a:r>
+              <a:rPr lang="en-US" sz="4000" i="1" dirty="0" err="1" smtClean="0">
+                <a:latin typeface="Courier New" panose="02070309020205020404" pitchFamily="49" charset="0"/>
+                <a:cs typeface="Courier New" panose="02070309020205020404" pitchFamily="49" charset="0"/>
+              </a:rPr>
+              <a:t>dict</a:t>
+            </a:r>
+            <a:r>
+              <a:rPr lang="en-US" sz="4000" i="1" dirty="0" smtClean="0"/>
+              <a:t> </a:t>
+            </a:r>
+            <a:r>
+              <a:rPr lang="en-US" sz="4000" i="1" dirty="0" smtClean="0">
+                <a:cs typeface="Courier New" panose="02070309020205020404" pitchFamily="49" charset="0"/>
+              </a:rPr>
+              <a:t>Applications</a:t>
+            </a:r>
+            <a:endParaRPr lang="en-US" sz="4000" i="1" dirty="0"/>
           </a:p>
         </p:txBody>
       </p:sp>
@@ -11482,239 +12510,94 @@
           </a:p>
         </p:txBody>
       </p:sp>
+      <p:sp>
+        <p:nvSpPr>
+          <p:cNvPr id="2" name="TextBox 1"/>
+          <p:cNvSpPr txBox="1"/>
+          <p:nvPr/>
+        </p:nvSpPr>
+        <p:spPr>
+          <a:xfrm>
+            <a:off x="860110" y="1771530"/>
+            <a:ext cx="4596130" cy="2031325"/>
+          </a:xfrm>
+          <a:prstGeom prst="rect">
+            <a:avLst/>
+          </a:prstGeom>
+          <a:noFill/>
+        </p:spPr>
+        <p:txBody>
+          <a:bodyPr wrap="none" rtlCol="0">
+            <a:spAutoFit/>
+          </a:bodyPr>
+          <a:lstStyle/>
+          <a:p>
+            <a:r>
+              <a:rPr lang="en-US" altLang="zh-CN" dirty="0" smtClean="0">
+                <a:latin typeface="Courier New" panose="02070309020205020404" pitchFamily="49" charset="0"/>
+                <a:cs typeface="Courier New" panose="02070309020205020404" pitchFamily="49" charset="0"/>
+              </a:rPr>
+              <a:t>x = ‘ABCDEFGHIJKLMNOPQRSTUVWXYZ’</a:t>
+            </a:r>
+          </a:p>
+          <a:p>
+            <a:r>
+              <a:rPr lang="en-US" altLang="zh-CN" dirty="0" smtClean="0">
+                <a:latin typeface="Courier New" panose="02070309020205020404" pitchFamily="49" charset="0"/>
+                <a:cs typeface="Courier New" panose="02070309020205020404" pitchFamily="49" charset="0"/>
+              </a:rPr>
+              <a:t>y = ‘BCDEFGHIJKLMNOPQRSTUVWXYZA’</a:t>
+            </a:r>
+          </a:p>
+          <a:p>
+            <a:endParaRPr lang="en-US" altLang="zh-CN" dirty="0" smtClean="0">
+              <a:latin typeface="Courier New" panose="02070309020205020404" pitchFamily="49" charset="0"/>
+              <a:cs typeface="Courier New" panose="02070309020205020404" pitchFamily="49" charset="0"/>
+            </a:endParaRPr>
+          </a:p>
+          <a:p>
+            <a:r>
+              <a:rPr lang="en-US" altLang="zh-CN" dirty="0" smtClean="0">
+                <a:latin typeface="Courier New" panose="02070309020205020404" pitchFamily="49" charset="0"/>
+                <a:cs typeface="Courier New" panose="02070309020205020404" pitchFamily="49" charset="0"/>
+              </a:rPr>
+              <a:t>#encoded is given</a:t>
+            </a:r>
+          </a:p>
+          <a:p>
+            <a:r>
+              <a:rPr lang="en-US" altLang="zh-CN" dirty="0" smtClean="0">
+                <a:latin typeface="Courier New" panose="02070309020205020404" pitchFamily="49" charset="0"/>
+                <a:cs typeface="Courier New" panose="02070309020205020404" pitchFamily="49" charset="0"/>
+              </a:rPr>
+              <a:t>decoded = ‘’</a:t>
+            </a:r>
+          </a:p>
+          <a:p>
+            <a:r>
+              <a:rPr lang="en-US" altLang="zh-CN" dirty="0" smtClean="0">
+                <a:latin typeface="Courier New" panose="02070309020205020404" pitchFamily="49" charset="0"/>
+                <a:cs typeface="Courier New" panose="02070309020205020404" pitchFamily="49" charset="0"/>
+              </a:rPr>
+              <a:t>…</a:t>
+            </a:r>
+            <a:endParaRPr lang="en-US" altLang="zh-CN" dirty="0">
+              <a:latin typeface="Courier New" panose="02070309020205020404" pitchFamily="49" charset="0"/>
+              <a:cs typeface="Courier New" panose="02070309020205020404" pitchFamily="49" charset="0"/>
+            </a:endParaRPr>
+          </a:p>
+          <a:p>
+            <a:endParaRPr lang="en-US" altLang="zh-CN" dirty="0" smtClean="0">
+              <a:latin typeface="Courier New" panose="02070309020205020404" pitchFamily="49" charset="0"/>
+              <a:cs typeface="Courier New" panose="02070309020205020404" pitchFamily="49" charset="0"/>
+            </a:endParaRPr>
+          </a:p>
+        </p:txBody>
+      </p:sp>
     </p:spTree>
     <p:extLst>
       <p:ext uri="{BB962C8B-B14F-4D97-AF65-F5344CB8AC3E}">
-        <p14:creationId xmlns:p14="http://schemas.microsoft.com/office/powerpoint/2010/main" val="1221384915"/>
-      </p:ext>
-    </p:extLst>
-  </p:cSld>
-  <p:clrMapOvr>
-    <a:masterClrMapping/>
-  </p:clrMapOvr>
-  <p:timing>
-    <p:tnLst>
-      <p:par>
-        <p:cTn id="1" dur="indefinite" restart="never" nodeType="tmRoot"/>
-      </p:par>
-    </p:tnLst>
-  </p:timing>
-</p:sld>
-</file>
-
-<file path=ppt/slides/slide34.xml><?xml version="1.0" encoding="utf-8"?>
-<p:sld xmlns:a="http://schemas.openxmlformats.org/drawingml/2006/main" xmlns:r="http://schemas.openxmlformats.org/officeDocument/2006/relationships" xmlns:p="http://schemas.openxmlformats.org/presentationml/2006/main">
-  <p:cSld>
-    <p:spTree>
-      <p:nvGrpSpPr>
-        <p:cNvPr id="1" name=""/>
-        <p:cNvGrpSpPr/>
-        <p:nvPr/>
-      </p:nvGrpSpPr>
-      <p:grpSpPr>
-        <a:xfrm>
-          <a:off x="0" y="0"/>
-          <a:ext cx="0" cy="0"/>
-          <a:chOff x="0" y="0"/>
-          <a:chExt cx="0" cy="0"/>
-        </a:xfrm>
-      </p:grpSpPr>
-      <p:sp>
-        <p:nvSpPr>
-          <p:cNvPr id="3" name="Content Placeholder 2"/>
-          <p:cNvSpPr>
-            <a:spLocks noGrp="1"/>
-          </p:cNvSpPr>
-          <p:nvPr>
-            <p:ph idx="1"/>
-          </p:nvPr>
-        </p:nvSpPr>
-        <p:spPr/>
-        <p:txBody>
-          <a:bodyPr/>
-          <a:lstStyle/>
-          <a:p>
-            <a:endParaRPr lang="en-US"/>
-          </a:p>
-        </p:txBody>
-      </p:sp>
-      <p:sp>
-        <p:nvSpPr>
-          <p:cNvPr id="4" name="Rectangle 3"/>
-          <p:cNvSpPr/>
-          <p:nvPr/>
-        </p:nvSpPr>
-        <p:spPr>
-          <a:xfrm>
-            <a:off x="0" y="-7550"/>
-            <a:ext cx="9144000" cy="1228835"/>
-          </a:xfrm>
-          <a:prstGeom prst="rect">
-            <a:avLst/>
-          </a:prstGeom>
-          <a:solidFill>
-            <a:srgbClr val="3DBFDB"/>
-          </a:solidFill>
-          <a:ln>
-            <a:noFill/>
-          </a:ln>
-          <a:effectLst/>
-        </p:spPr>
-        <p:style>
-          <a:lnRef idx="1">
-            <a:schemeClr val="accent1"/>
-          </a:lnRef>
-          <a:fillRef idx="3">
-            <a:schemeClr val="accent1"/>
-          </a:fillRef>
-          <a:effectRef idx="2">
-            <a:schemeClr val="accent1"/>
-          </a:effectRef>
-          <a:fontRef idx="minor">
-            <a:schemeClr val="lt1"/>
-          </a:fontRef>
-        </p:style>
-        <p:txBody>
-          <a:bodyPr rtlCol="0" anchor="ctr"/>
-          <a:lstStyle/>
-          <a:p>
-            <a:r>
-              <a:rPr lang="en-US" sz="4000" b="1" dirty="0" smtClean="0"/>
-              <a:t>   </a:t>
-            </a:r>
-            <a:r>
-              <a:rPr lang="en-US" sz="4000" i="1" dirty="0" smtClean="0"/>
-              <a:t>Administrivia</a:t>
-            </a:r>
-            <a:endParaRPr lang="en-US" sz="4000" i="1" dirty="0"/>
-          </a:p>
-        </p:txBody>
-      </p:sp>
-      <p:sp>
-        <p:nvSpPr>
-          <p:cNvPr id="5" name="Rectangle 4"/>
-          <p:cNvSpPr/>
-          <p:nvPr/>
-        </p:nvSpPr>
-        <p:spPr>
-          <a:xfrm>
-            <a:off x="0" y="6737478"/>
-            <a:ext cx="9144000" cy="120522"/>
-          </a:xfrm>
-          <a:prstGeom prst="rect">
-            <a:avLst/>
-          </a:prstGeom>
-          <a:solidFill>
-            <a:srgbClr val="3DBFDB"/>
-          </a:solidFill>
-          <a:ln>
-            <a:noFill/>
-          </a:ln>
-          <a:effectLst/>
-        </p:spPr>
-        <p:style>
-          <a:lnRef idx="1">
-            <a:schemeClr val="accent1"/>
-          </a:lnRef>
-          <a:fillRef idx="3">
-            <a:schemeClr val="accent1"/>
-          </a:fillRef>
-          <a:effectRef idx="2">
-            <a:schemeClr val="accent1"/>
-          </a:effectRef>
-          <a:fontRef idx="minor">
-            <a:schemeClr val="lt1"/>
-          </a:fontRef>
-        </p:style>
-        <p:txBody>
-          <a:bodyPr rtlCol="0" anchor="ctr"/>
-          <a:lstStyle/>
-          <a:p>
-            <a:pPr algn="ctr"/>
-            <a:endParaRPr lang="en-US"/>
-          </a:p>
-        </p:txBody>
-      </p:sp>
-      <p:sp>
-        <p:nvSpPr>
-          <p:cNvPr id="6" name="Rectangle 5"/>
-          <p:cNvSpPr/>
-          <p:nvPr/>
-        </p:nvSpPr>
-        <p:spPr>
-          <a:xfrm>
-            <a:off x="0" y="6451738"/>
-            <a:ext cx="1037664" cy="276999"/>
-          </a:xfrm>
-          <a:prstGeom prst="rect">
-            <a:avLst/>
-          </a:prstGeom>
-        </p:spPr>
-        <p:txBody>
-          <a:bodyPr wrap="none">
-            <a:spAutoFit/>
-          </a:bodyPr>
-          <a:lstStyle/>
-          <a:p>
-            <a:r>
-              <a:rPr lang="en-US" sz="1200" dirty="0" smtClean="0">
-                <a:solidFill>
-                  <a:srgbClr val="118EB0"/>
-                </a:solidFill>
-              </a:rPr>
-              <a:t>Administrivia</a:t>
-            </a:r>
-            <a:endParaRPr lang="en-US" sz="1200" dirty="0">
-              <a:solidFill>
-                <a:srgbClr val="118EB0"/>
-              </a:solidFill>
-            </a:endParaRPr>
-          </a:p>
-        </p:txBody>
-      </p:sp>
-      <p:sp>
-        <p:nvSpPr>
-          <p:cNvPr id="7" name="TextBox 6"/>
-          <p:cNvSpPr txBox="1"/>
-          <p:nvPr/>
-        </p:nvSpPr>
-        <p:spPr>
-          <a:xfrm>
-            <a:off x="8869998" y="6453063"/>
-            <a:ext cx="262662" cy="276999"/>
-          </a:xfrm>
-          <a:prstGeom prst="rect">
-            <a:avLst/>
-          </a:prstGeom>
-          <a:noFill/>
-        </p:spPr>
-        <p:txBody>
-          <a:bodyPr wrap="none" rtlCol="0">
-            <a:spAutoFit/>
-          </a:bodyPr>
-          <a:lstStyle/>
-          <a:p>
-            <a:pPr algn="r"/>
-            <a:r>
-              <a:rPr lang="en-US" sz="1200" dirty="0" smtClean="0">
-                <a:solidFill>
-                  <a:srgbClr val="118EB0"/>
-                </a:solidFill>
-              </a:rPr>
-              <a:t>1</a:t>
-            </a:r>
-            <a:endParaRPr lang="en-US" sz="1200" dirty="0">
-              <a:solidFill>
-                <a:srgbClr val="118EB0"/>
-              </a:solidFill>
-            </a:endParaRPr>
-          </a:p>
-        </p:txBody>
-      </p:sp>
-    </p:spTree>
-    <p:extLst>
-      <p:ext uri="{BB962C8B-B14F-4D97-AF65-F5344CB8AC3E}">
-        <p14:creationId xmlns:p14="http://schemas.microsoft.com/office/powerpoint/2010/main" val="2501662931"/>
+        <p14:creationId xmlns:p14="http://schemas.microsoft.com/office/powerpoint/2010/main" val="3354192356"/>
       </p:ext>
     </p:extLst>
   </p:cSld>
@@ -11743,62 +12626,13 @@
       </p:grpSpPr>
       <p:sp>
         <p:nvSpPr>
-          <p:cNvPr id="3" name="Content Placeholder 2"/>
-          <p:cNvSpPr>
-            <a:spLocks noGrp="1"/>
-          </p:cNvSpPr>
-          <p:nvPr>
-            <p:ph idx="1"/>
-          </p:nvPr>
-        </p:nvSpPr>
-        <p:spPr/>
-        <p:txBody>
-          <a:bodyPr>
-            <a:normAutofit/>
-          </a:bodyPr>
-          <a:lstStyle/>
-          <a:p>
-            <a:r>
-              <a:rPr lang="en-US" sz="2800" dirty="0" smtClean="0"/>
-              <a:t>30 multi-choice question</a:t>
-            </a:r>
-          </a:p>
-          <a:p>
-            <a:r>
-              <a:rPr lang="en-US" sz="2800" dirty="0" smtClean="0"/>
-              <a:t>50 mins (next lecture)</a:t>
-            </a:r>
-          </a:p>
-          <a:p>
-            <a:r>
-              <a:rPr lang="en-US" sz="2800" dirty="0" smtClean="0"/>
-              <a:t>Electronic devices (Cellphones, computers, etc.) not allowed</a:t>
-            </a:r>
-          </a:p>
-          <a:p>
-            <a:r>
-              <a:rPr lang="en-US" sz="2800" dirty="0" smtClean="0"/>
-              <a:t>Will cover all material except dictionaries and file operations.</a:t>
-            </a:r>
-          </a:p>
-          <a:p>
-            <a:r>
-              <a:rPr lang="en-US" sz="2800" dirty="0" smtClean="0"/>
-              <a:t>Practice midterm is a good guide</a:t>
-            </a:r>
-            <a:endParaRPr lang="en-US" sz="2800" dirty="0"/>
-          </a:p>
-        </p:txBody>
-      </p:sp>
-      <p:sp>
-        <p:nvSpPr>
           <p:cNvPr id="4" name="Rectangle 3"/>
           <p:cNvSpPr/>
           <p:nvPr/>
         </p:nvSpPr>
         <p:spPr>
           <a:xfrm>
-            <a:off x="0" y="-7550"/>
+            <a:off x="0" y="2586816"/>
             <a:ext cx="9144000" cy="1228835"/>
           </a:xfrm>
           <a:prstGeom prst="rect">
@@ -11830,15 +12664,12 @@
           <a:bodyPr rtlCol="0" anchor="ctr"/>
           <a:lstStyle/>
           <a:p>
-            <a:r>
-              <a:rPr lang="en-US" sz="4000" b="1" dirty="0" smtClean="0"/>
-              <a:t>   </a:t>
-            </a:r>
-            <a:r>
-              <a:rPr lang="en-US" sz="4000" i="1" dirty="0" smtClean="0"/>
-              <a:t>Midterm instructions</a:t>
-            </a:r>
-            <a:endParaRPr lang="en-US" sz="4000" i="1" dirty="0"/>
+            <a:pPr algn="ctr"/>
+            <a:r>
+              <a:rPr lang="en-US" sz="4800" b="1" dirty="0" smtClean="0"/>
+              <a:t>Library Functions</a:t>
+            </a:r>
+            <a:endParaRPr lang="en-US" sz="4800" b="1" dirty="0"/>
           </a:p>
         </p:txBody>
       </p:sp>
@@ -11883,7 +12714,7 @@
           <a:lstStyle/>
           <a:p>
             <a:pPr algn="ctr"/>
-            <a:endParaRPr lang="en-US"/>
+            <a:endParaRPr lang="en-US" dirty="0"/>
           </a:p>
         </p:txBody>
       </p:sp>
@@ -11966,13 +12797,20 @@
     </p:spTree>
     <p:extLst>
       <p:ext uri="{BB962C8B-B14F-4D97-AF65-F5344CB8AC3E}">
-        <p14:creationId xmlns:p14="http://schemas.microsoft.com/office/powerpoint/2010/main" val="2689654680"/>
+        <p14:creationId xmlns:p14="http://schemas.microsoft.com/office/powerpoint/2010/main" val="3859885710"/>
       </p:ext>
     </p:extLst>
   </p:cSld>
   <p:clrMapOvr>
     <a:masterClrMapping/>
   </p:clrMapOvr>
+  <p:timing>
+    <p:tnLst>
+      <p:par>
+        <p:cTn id="1" dur="indefinite" restart="never" nodeType="tmRoot"/>
+      </p:par>
+    </p:tnLst>
+  </p:timing>
 </p:sld>
 </file>
 
@@ -11995,13 +12833,87 @@
       </p:grpSpPr>
       <p:sp>
         <p:nvSpPr>
+          <p:cNvPr id="3" name="Content Placeholder 2"/>
+          <p:cNvSpPr>
+            <a:spLocks noGrp="1"/>
+          </p:cNvSpPr>
+          <p:nvPr>
+            <p:ph idx="1"/>
+          </p:nvPr>
+        </p:nvSpPr>
+        <p:spPr/>
+        <p:txBody>
+          <a:bodyPr>
+            <a:normAutofit/>
+          </a:bodyPr>
+          <a:lstStyle/>
+          <a:p>
+            <a:r>
+              <a:rPr lang="en-US" sz="2800" dirty="0" smtClean="0"/>
+              <a:t>Python has built-in functions</a:t>
+            </a:r>
+          </a:p>
+          <a:p>
+            <a:pPr lvl="1"/>
+            <a:r>
+              <a:rPr lang="en-US" sz="2400" dirty="0" smtClean="0"/>
+              <a:t>abs, type, </a:t>
+            </a:r>
+            <a:r>
+              <a:rPr lang="en-US" sz="2400" dirty="0" err="1" smtClean="0"/>
+              <a:t>len</a:t>
+            </a:r>
+            <a:endParaRPr lang="en-US" sz="2400" dirty="0"/>
+          </a:p>
+          <a:p>
+            <a:r>
+              <a:rPr lang="en-US" sz="2800" dirty="0" smtClean="0"/>
+              <a:t>There are also specialized libraries</a:t>
+            </a:r>
+          </a:p>
+          <a:p>
+            <a:pPr lvl="1"/>
+            <a:r>
+              <a:rPr lang="en-US" sz="2400" dirty="0"/>
+              <a:t>m</a:t>
+            </a:r>
+            <a:r>
+              <a:rPr lang="en-US" sz="2400" dirty="0" smtClean="0"/>
+              <a:t>ath, </a:t>
+            </a:r>
+            <a:r>
+              <a:rPr lang="en-US" sz="2400" dirty="0" err="1" smtClean="0"/>
+              <a:t>numpy</a:t>
+            </a:r>
+            <a:r>
+              <a:rPr lang="en-US" sz="2400" dirty="0" smtClean="0"/>
+              <a:t>, </a:t>
+            </a:r>
+            <a:r>
+              <a:rPr lang="en-US" sz="2400" dirty="0" err="1" smtClean="0"/>
+              <a:t>scipy</a:t>
+            </a:r>
+            <a:r>
+              <a:rPr lang="en-US" sz="2400" dirty="0" smtClean="0"/>
+              <a:t>, </a:t>
+            </a:r>
+            <a:r>
+              <a:rPr lang="en-US" sz="2400" dirty="0" err="1" smtClean="0"/>
+              <a:t>matplotlib</a:t>
+            </a:r>
+            <a:endParaRPr lang="en-US" sz="2400" dirty="0"/>
+          </a:p>
+        </p:txBody>
+      </p:sp>
+      <p:sp>
+        <p:nvSpPr>
           <p:cNvPr id="4" name="Rectangle 3"/>
           <p:cNvSpPr/>
           <p:nvPr/>
         </p:nvSpPr>
         <p:spPr>
           <a:xfrm>
-            <a:off x="0" y="2586816"/>
+            <a:off x="0" y="-7550"/>
             <a:ext cx="9144000" cy="1228835"/>
           </a:xfrm>
           <a:prstGeom prst="rect">
@@ -12033,12 +12945,21 @@
           <a:bodyPr rtlCol="0" anchor="ctr"/>
           <a:lstStyle/>
           <a:p>
-            <a:pPr algn="ctr"/>
-            <a:r>
-              <a:rPr lang="en-US" sz="4800" b="1" dirty="0" smtClean="0"/>
-              <a:t>Library Functions</a:t>
-            </a:r>
-            <a:endParaRPr lang="en-US" sz="4800" b="1" dirty="0"/>
+            <a:r>
+              <a:rPr lang="en-US" sz="4000" b="1" dirty="0" smtClean="0"/>
+              <a:t>   </a:t>
+            </a:r>
+            <a:r>
+              <a:rPr lang="en-US" sz="4000" i="1" dirty="0" smtClean="0">
+                <a:latin typeface="Courier New" panose="02070309020205020404" pitchFamily="49" charset="0"/>
+                <a:cs typeface="Courier New" panose="02070309020205020404" pitchFamily="49" charset="0"/>
+              </a:rPr>
+              <a:t>import</a:t>
+            </a:r>
+            <a:endParaRPr lang="en-US" sz="4000" i="1" dirty="0">
+              <a:latin typeface="Courier New" panose="02070309020205020404" pitchFamily="49" charset="0"/>
+              <a:cs typeface="Courier New" panose="02070309020205020404" pitchFamily="49" charset="0"/>
+            </a:endParaRPr>
           </a:p>
         </p:txBody>
       </p:sp>
@@ -12163,23 +13084,120 @@
           </a:p>
         </p:txBody>
       </p:sp>
+      <p:sp>
+        <p:nvSpPr>
+          <p:cNvPr id="2" name="TextBox 1"/>
+          <p:cNvSpPr txBox="1"/>
+          <p:nvPr/>
+        </p:nvSpPr>
+        <p:spPr>
+          <a:xfrm>
+            <a:off x="861134" y="4092606"/>
+            <a:ext cx="3493264" cy="1477328"/>
+          </a:xfrm>
+          <a:prstGeom prst="rect">
+            <a:avLst/>
+          </a:prstGeom>
+          <a:noFill/>
+        </p:spPr>
+        <p:txBody>
+          <a:bodyPr wrap="none" rtlCol="0">
+            <a:spAutoFit/>
+          </a:bodyPr>
+          <a:lstStyle/>
+          <a:p>
+            <a:r>
+              <a:rPr lang="en-US" altLang="zh-CN" dirty="0" smtClean="0">
+                <a:latin typeface="Courier New" panose="02070309020205020404" pitchFamily="49" charset="0"/>
+                <a:cs typeface="Courier New" panose="02070309020205020404" pitchFamily="49" charset="0"/>
+              </a:rPr>
+              <a:t>import math</a:t>
+            </a:r>
+          </a:p>
+          <a:p>
+            <a:r>
+              <a:rPr lang="en-US" altLang="zh-CN" dirty="0" err="1" smtClean="0">
+                <a:latin typeface="Courier New" panose="02070309020205020404" pitchFamily="49" charset="0"/>
+                <a:cs typeface="Courier New" panose="02070309020205020404" pitchFamily="49" charset="0"/>
+              </a:rPr>
+              <a:t>math.sin</a:t>
+            </a:r>
+            <a:r>
+              <a:rPr lang="en-US" altLang="zh-CN" dirty="0" smtClean="0">
+                <a:latin typeface="Courier New" panose="02070309020205020404" pitchFamily="49" charset="0"/>
+                <a:cs typeface="Courier New" panose="02070309020205020404" pitchFamily="49" charset="0"/>
+              </a:rPr>
+              <a:t>(2*</a:t>
+            </a:r>
+            <a:r>
+              <a:rPr lang="en-US" altLang="zh-CN" dirty="0" err="1" smtClean="0">
+                <a:latin typeface="Courier New" panose="02070309020205020404" pitchFamily="49" charset="0"/>
+                <a:cs typeface="Courier New" panose="02070309020205020404" pitchFamily="49" charset="0"/>
+              </a:rPr>
+              <a:t>math.pi</a:t>
+            </a:r>
+            <a:r>
+              <a:rPr lang="en-US" altLang="zh-CN" dirty="0" smtClean="0">
+                <a:latin typeface="Courier New" panose="02070309020205020404" pitchFamily="49" charset="0"/>
+                <a:cs typeface="Courier New" panose="02070309020205020404" pitchFamily="49" charset="0"/>
+              </a:rPr>
+              <a:t>)</a:t>
+            </a:r>
+          </a:p>
+          <a:p>
+            <a:endParaRPr lang="en-US" altLang="zh-CN" dirty="0">
+              <a:latin typeface="Courier New" panose="02070309020205020404" pitchFamily="49" charset="0"/>
+              <a:cs typeface="Courier New" panose="02070309020205020404" pitchFamily="49" charset="0"/>
+            </a:endParaRPr>
+          </a:p>
+          <a:p>
+            <a:r>
+              <a:rPr lang="en-US" altLang="zh-CN" dirty="0" smtClean="0">
+                <a:latin typeface="Courier New" panose="02070309020205020404" pitchFamily="49" charset="0"/>
+                <a:cs typeface="Courier New" panose="02070309020205020404" pitchFamily="49" charset="0"/>
+              </a:rPr>
+              <a:t>from math import sin, pi</a:t>
+            </a:r>
+          </a:p>
+          <a:p>
+            <a:r>
+              <a:rPr lang="en-US" altLang="zh-CN" dirty="0">
+                <a:latin typeface="Courier New" panose="02070309020205020404" pitchFamily="49" charset="0"/>
+                <a:cs typeface="Courier New" panose="02070309020205020404" pitchFamily="49" charset="0"/>
+              </a:rPr>
+              <a:t>s</a:t>
+            </a:r>
+            <a:r>
+              <a:rPr lang="en-US" altLang="zh-CN" dirty="0" smtClean="0">
+                <a:latin typeface="Courier New" panose="02070309020205020404" pitchFamily="49" charset="0"/>
+                <a:cs typeface="Courier New" panose="02070309020205020404" pitchFamily="49" charset="0"/>
+              </a:rPr>
+              <a:t>in(2*pi</a:t>
+            </a:r>
+            <a:r>
+              <a:rPr lang="en-US" altLang="zh-CN" dirty="0" smtClean="0">
+                <a:latin typeface="Courier New" panose="02070309020205020404" pitchFamily="49" charset="0"/>
+                <a:cs typeface="Courier New" panose="02070309020205020404" pitchFamily="49" charset="0"/>
+              </a:rPr>
+              <a:t>)</a:t>
+            </a:r>
+            <a:endParaRPr lang="zh-CN" altLang="en-US" dirty="0">
+              <a:latin typeface="Courier New" panose="02070309020205020404" pitchFamily="49" charset="0"/>
+              <a:cs typeface="Courier New" panose="02070309020205020404" pitchFamily="49" charset="0"/>
+            </a:endParaRPr>
+          </a:p>
+        </p:txBody>
+      </p:sp>
     </p:spTree>
     <p:extLst>
       <p:ext uri="{BB962C8B-B14F-4D97-AF65-F5344CB8AC3E}">
-        <p14:creationId xmlns:p14="http://schemas.microsoft.com/office/powerpoint/2010/main" val="3859885710"/>
+        <p14:creationId xmlns:p14="http://schemas.microsoft.com/office/powerpoint/2010/main" val="2636830743"/>
       </p:ext>
     </p:extLst>
   </p:cSld>
   <p:clrMapOvr>
     <a:masterClrMapping/>
   </p:clrMapOvr>
-  <p:timing>
-    <p:tnLst>
-      <p:par>
-        <p:cTn id="1" dur="indefinite" restart="never" nodeType="tmRoot"/>
-      </p:par>
-    </p:tnLst>
-  </p:timing>
 </p:sld>
 </file>
 
@@ -12243,12 +13261,32 @@
           <a:p>
             <a:pPr lvl="1"/>
             <a:r>
+              <a:rPr lang="en-US" sz="2400" dirty="0"/>
+              <a:t>m</a:t>
+            </a:r>
+            <a:r>
               <a:rPr lang="en-US" sz="2400" dirty="0" smtClean="0"/>
-              <a:t>Math, string, </a:t>
+              <a:t>ath, </a:t>
             </a:r>
             <a:r>
               <a:rPr lang="en-US" sz="2400" dirty="0" err="1" smtClean="0"/>
               <a:t>numpy</a:t>
+            </a:r>
+            <a:r>
+              <a:rPr lang="en-US" sz="2400" dirty="0" smtClean="0"/>
+              <a:t>, </a:t>
+            </a:r>
+            <a:r>
+              <a:rPr lang="en-US" sz="2400" dirty="0" err="1" smtClean="0"/>
+              <a:t>scipy</a:t>
+            </a:r>
+            <a:r>
+              <a:rPr lang="en-US" sz="2400" dirty="0" smtClean="0"/>
+              <a:t>, </a:t>
+            </a:r>
+            <a:r>
+              <a:rPr lang="en-US" sz="2400" dirty="0" err="1" smtClean="0"/>
+              <a:t>matplotlib</a:t>
             </a:r>
             <a:endParaRPr lang="en-US" sz="2400" dirty="0"/>
           </a:p>
@@ -12441,8 +13479,8 @@
         </p:nvSpPr>
         <p:spPr>
           <a:xfrm>
-            <a:off x="861134" y="4092606"/>
-            <a:ext cx="3493264" cy="1477328"/>
+            <a:off x="861134" y="4182359"/>
+            <a:ext cx="3355406" cy="923330"/>
           </a:xfrm>
           <a:prstGeom prst="rect">
             <a:avLst/>
@@ -12460,61 +13498,53 @@
                 <a:latin typeface="Courier New" panose="02070309020205020404" pitchFamily="49" charset="0"/>
                 <a:cs typeface="Courier New" panose="02070309020205020404" pitchFamily="49" charset="0"/>
               </a:rPr>
-              <a:t>import math</a:t>
-            </a:r>
-          </a:p>
-          <a:p>
+              <a:t>import </a:t>
+            </a:r>
             <a:r>
               <a:rPr lang="en-US" altLang="zh-CN" dirty="0" err="1" smtClean="0">
                 <a:latin typeface="Courier New" panose="02070309020205020404" pitchFamily="49" charset="0"/>
                 <a:cs typeface="Courier New" panose="02070309020205020404" pitchFamily="49" charset="0"/>
               </a:rPr>
-              <a:t>math.sin</a:t>
-            </a:r>
-            <a:r>
-              <a:rPr lang="en-US" altLang="zh-CN" dirty="0" smtClean="0">
-                <a:latin typeface="Courier New" panose="02070309020205020404" pitchFamily="49" charset="0"/>
-                <a:cs typeface="Courier New" panose="02070309020205020404" pitchFamily="49" charset="0"/>
-              </a:rPr>
-              <a:t>(2*</a:t>
-            </a:r>
+              <a:t>numpy</a:t>
+            </a:r>
+            <a:r>
+              <a:rPr lang="en-US" altLang="zh-CN" dirty="0" smtClean="0">
+                <a:latin typeface="Courier New" panose="02070309020205020404" pitchFamily="49" charset="0"/>
+                <a:cs typeface="Courier New" panose="02070309020205020404" pitchFamily="49" charset="0"/>
+              </a:rPr>
+              <a:t> as np</a:t>
+            </a:r>
+          </a:p>
+          <a:p>
             <a:r>
               <a:rPr lang="en-US" altLang="zh-CN" dirty="0" err="1" smtClean="0">
                 <a:latin typeface="Courier New" panose="02070309020205020404" pitchFamily="49" charset="0"/>
                 <a:cs typeface="Courier New" panose="02070309020205020404" pitchFamily="49" charset="0"/>
               </a:rPr>
-              <a:t>math.pi</a:t>
-            </a:r>
-            <a:r>
-              <a:rPr lang="en-US" altLang="zh-CN" dirty="0" smtClean="0">
-                <a:latin typeface="Courier New" panose="02070309020205020404" pitchFamily="49" charset="0"/>
-                <a:cs typeface="Courier New" panose="02070309020205020404" pitchFamily="49" charset="0"/>
-              </a:rPr>
-              <a:t>)</a:t>
-            </a:r>
-          </a:p>
-          <a:p>
-            <a:endParaRPr lang="en-US" altLang="zh-CN" dirty="0">
-              <a:latin typeface="Courier New" panose="02070309020205020404" pitchFamily="49" charset="0"/>
-              <a:cs typeface="Courier New" panose="02070309020205020404" pitchFamily="49" charset="0"/>
-            </a:endParaRPr>
-          </a:p>
-          <a:p>
-            <a:r>
-              <a:rPr lang="en-US" altLang="zh-CN" dirty="0" smtClean="0">
-                <a:latin typeface="Courier New" panose="02070309020205020404" pitchFamily="49" charset="0"/>
-                <a:cs typeface="Courier New" panose="02070309020205020404" pitchFamily="49" charset="0"/>
-              </a:rPr>
-              <a:t>from math import sin, pi</a:t>
-            </a:r>
-          </a:p>
-          <a:p>
-            <a:r>
-              <a:rPr lang="en-US" altLang="zh-CN" dirty="0" smtClean="0">
-                <a:latin typeface="Courier New" panose="02070309020205020404" pitchFamily="49" charset="0"/>
-                <a:cs typeface="Courier New" panose="02070309020205020404" pitchFamily="49" charset="0"/>
-              </a:rPr>
-              <a:t>Sin(2*pi)</a:t>
+              <a:t>np.random.rand</a:t>
+            </a:r>
+            <a:r>
+              <a:rPr lang="en-US" altLang="zh-CN" dirty="0" smtClean="0">
+                <a:latin typeface="Courier New" panose="02070309020205020404" pitchFamily="49" charset="0"/>
+                <a:cs typeface="Courier New" panose="02070309020205020404" pitchFamily="49" charset="0"/>
+              </a:rPr>
+              <a:t>(3,3)</a:t>
+            </a:r>
+          </a:p>
+          <a:p>
+            <a:r>
+              <a:rPr lang="en-US" altLang="zh-CN" dirty="0" err="1" smtClean="0">
+                <a:latin typeface="Courier New" panose="02070309020205020404" pitchFamily="49" charset="0"/>
+                <a:cs typeface="Courier New" panose="02070309020205020404" pitchFamily="49" charset="0"/>
+              </a:rPr>
+              <a:t>np.random.randint</a:t>
+            </a:r>
+            <a:r>
+              <a:rPr lang="en-US" altLang="zh-CN" dirty="0" smtClean="0">
+                <a:latin typeface="Courier New" panose="02070309020205020404" pitchFamily="49" charset="0"/>
+                <a:cs typeface="Courier New" panose="02070309020205020404" pitchFamily="49" charset="0"/>
+              </a:rPr>
+              <a:t>(0,10)</a:t>
             </a:r>
             <a:endParaRPr lang="zh-CN" altLang="en-US" dirty="0">
               <a:latin typeface="Courier New" panose="02070309020205020404" pitchFamily="49" charset="0"/>
@@ -12526,7 +13556,7 @@
     </p:spTree>
     <p:extLst>
       <p:ext uri="{BB962C8B-B14F-4D97-AF65-F5344CB8AC3E}">
-        <p14:creationId xmlns:p14="http://schemas.microsoft.com/office/powerpoint/2010/main" val="2636830743"/>
+        <p14:creationId xmlns:p14="http://schemas.microsoft.com/office/powerpoint/2010/main" val="1870911924"/>
       </p:ext>
     </p:extLst>
   </p:cSld>
@@ -13184,632 +14214,36 @@
           </a:p>
         </p:txBody>
       </p:sp>
-      <p:sp>
-        <p:nvSpPr>
-          <p:cNvPr id="8" name="Oval 7"/>
-          <p:cNvSpPr/>
-          <p:nvPr/>
-        </p:nvSpPr>
-        <p:spPr>
-          <a:xfrm>
-            <a:off x="1145219" y="1518081"/>
-            <a:ext cx="2894121" cy="4039340"/>
-          </a:xfrm>
-          <a:prstGeom prst="ellipse">
-            <a:avLst/>
-          </a:prstGeom>
-          <a:solidFill>
-            <a:srgbClr val="46D0EC">
-              <a:alpha val="80000"/>
-            </a:srgbClr>
-          </a:solidFill>
-          <a:ln>
-            <a:noFill/>
-          </a:ln>
-        </p:spPr>
-        <p:style>
-          <a:lnRef idx="1">
-            <a:schemeClr val="accent1"/>
-          </a:lnRef>
-          <a:fillRef idx="3">
-            <a:schemeClr val="accent1"/>
-          </a:fillRef>
-          <a:effectRef idx="2">
-            <a:schemeClr val="accent1"/>
-          </a:effectRef>
-          <a:fontRef idx="minor">
-            <a:schemeClr val="lt1"/>
-          </a:fontRef>
-        </p:style>
-        <p:txBody>
-          <a:bodyPr rtlCol="0" anchor="ctr"/>
-          <a:lstStyle/>
-          <a:p>
-            <a:pPr algn="ctr"/>
-            <a:endParaRPr lang="zh-CN" altLang="en-US" dirty="0"/>
-          </a:p>
-        </p:txBody>
-      </p:sp>
-      <p:sp>
-        <p:nvSpPr>
-          <p:cNvPr id="9" name="Oval 8"/>
-          <p:cNvSpPr/>
-          <p:nvPr/>
-        </p:nvSpPr>
-        <p:spPr>
-          <a:xfrm>
-            <a:off x="4937464" y="1599460"/>
-            <a:ext cx="2894121" cy="4039340"/>
-          </a:xfrm>
-          <a:prstGeom prst="ellipse">
-            <a:avLst/>
-          </a:prstGeom>
-          <a:solidFill>
-            <a:srgbClr val="8DE5E7"/>
-          </a:solidFill>
-          <a:ln>
-            <a:noFill/>
-          </a:ln>
-        </p:spPr>
-        <p:style>
-          <a:lnRef idx="1">
-            <a:schemeClr val="accent1"/>
-          </a:lnRef>
-          <a:fillRef idx="3">
-            <a:schemeClr val="accent1"/>
-          </a:fillRef>
-          <a:effectRef idx="2">
-            <a:schemeClr val="accent1"/>
-          </a:effectRef>
-          <a:fontRef idx="minor">
-            <a:schemeClr val="lt1"/>
-          </a:fontRef>
-        </p:style>
-        <p:txBody>
-          <a:bodyPr rtlCol="0" anchor="ctr"/>
-          <a:lstStyle/>
-          <a:p>
-            <a:pPr algn="ctr"/>
-            <a:endParaRPr lang="zh-CN" altLang="en-US"/>
-          </a:p>
-        </p:txBody>
-      </p:sp>
-      <p:sp>
-        <p:nvSpPr>
-          <p:cNvPr id="10" name="TextBox 9"/>
-          <p:cNvSpPr txBox="1"/>
-          <p:nvPr/>
-        </p:nvSpPr>
-        <p:spPr>
-          <a:xfrm>
-            <a:off x="2145682" y="5726474"/>
-            <a:ext cx="893193" cy="461665"/>
-          </a:xfrm>
-          <a:prstGeom prst="rect">
-            <a:avLst/>
-          </a:prstGeom>
-          <a:noFill/>
-        </p:spPr>
-        <p:txBody>
-          <a:bodyPr wrap="none" rtlCol="0">
-            <a:spAutoFit/>
-          </a:bodyPr>
-          <a:lstStyle/>
-          <a:p>
-            <a:r>
-              <a:rPr lang="en-US" altLang="zh-CN" sz="2400" dirty="0" smtClean="0"/>
-              <a:t>name</a:t>
-            </a:r>
-            <a:endParaRPr lang="zh-CN" altLang="en-US" sz="2400" dirty="0"/>
-          </a:p>
-        </p:txBody>
-      </p:sp>
-      <p:sp>
-        <p:nvSpPr>
-          <p:cNvPr id="11" name="TextBox 10"/>
-          <p:cNvSpPr txBox="1"/>
-          <p:nvPr/>
-        </p:nvSpPr>
-        <p:spPr>
-          <a:xfrm>
-            <a:off x="5937927" y="5726473"/>
-            <a:ext cx="893321" cy="461665"/>
-          </a:xfrm>
-          <a:prstGeom prst="rect">
-            <a:avLst/>
-          </a:prstGeom>
-          <a:noFill/>
-        </p:spPr>
-        <p:txBody>
-          <a:bodyPr wrap="none" rtlCol="0">
-            <a:spAutoFit/>
-          </a:bodyPr>
-          <a:lstStyle/>
-          <a:p>
-            <a:r>
-              <a:rPr lang="en-US" altLang="zh-CN" sz="2400" dirty="0" smtClean="0"/>
-              <a:t>grade</a:t>
-            </a:r>
-            <a:endParaRPr lang="zh-CN" altLang="en-US" sz="2400" dirty="0"/>
-          </a:p>
-        </p:txBody>
-      </p:sp>
-      <p:sp>
-        <p:nvSpPr>
-          <p:cNvPr id="2" name="TextBox 1"/>
-          <p:cNvSpPr txBox="1"/>
-          <p:nvPr/>
-        </p:nvSpPr>
-        <p:spPr>
-          <a:xfrm>
-            <a:off x="2281561" y="2302208"/>
-            <a:ext cx="638316" cy="523220"/>
-          </a:xfrm>
-          <a:prstGeom prst="rect">
-            <a:avLst/>
-          </a:prstGeom>
-          <a:noFill/>
-        </p:spPr>
-        <p:txBody>
-          <a:bodyPr wrap="none" rtlCol="0">
-            <a:spAutoFit/>
-          </a:bodyPr>
-          <a:lstStyle/>
-          <a:p>
-            <a:r>
-              <a:rPr lang="en-US" altLang="zh-CN" sz="2800" dirty="0" smtClean="0"/>
-              <a:t>joe</a:t>
-            </a:r>
-            <a:endParaRPr lang="zh-CN" altLang="en-US" sz="2800" dirty="0"/>
-          </a:p>
-        </p:txBody>
-      </p:sp>
-      <p:sp>
-        <p:nvSpPr>
-          <p:cNvPr id="12" name="TextBox 11"/>
-          <p:cNvSpPr txBox="1"/>
-          <p:nvPr/>
-        </p:nvSpPr>
-        <p:spPr>
-          <a:xfrm>
-            <a:off x="2115866" y="3168419"/>
-            <a:ext cx="883255" cy="523220"/>
-          </a:xfrm>
-          <a:prstGeom prst="rect">
-            <a:avLst/>
-          </a:prstGeom>
-          <a:noFill/>
-        </p:spPr>
-        <p:txBody>
-          <a:bodyPr wrap="none" rtlCol="0">
-            <a:spAutoFit/>
-          </a:bodyPr>
-          <a:lstStyle/>
-          <a:p>
-            <a:r>
-              <a:rPr lang="en-US" altLang="zh-CN" sz="2800" dirty="0" smtClean="0"/>
-              <a:t>mike</a:t>
-            </a:r>
-            <a:endParaRPr lang="zh-CN" altLang="en-US" sz="2800" dirty="0"/>
-          </a:p>
-        </p:txBody>
-      </p:sp>
-      <p:sp>
-        <p:nvSpPr>
-          <p:cNvPr id="13" name="TextBox 12"/>
-          <p:cNvSpPr txBox="1"/>
-          <p:nvPr/>
-        </p:nvSpPr>
-        <p:spPr>
-          <a:xfrm>
-            <a:off x="2902350" y="3633926"/>
-            <a:ext cx="838691" cy="523220"/>
-          </a:xfrm>
-          <a:prstGeom prst="rect">
-            <a:avLst/>
-          </a:prstGeom>
-          <a:noFill/>
-        </p:spPr>
-        <p:txBody>
-          <a:bodyPr wrap="none" rtlCol="0">
-            <a:spAutoFit/>
-          </a:bodyPr>
-          <a:lstStyle/>
-          <a:p>
-            <a:r>
-              <a:rPr lang="en-US" altLang="zh-CN" sz="2800" dirty="0" smtClean="0"/>
-              <a:t>john</a:t>
-            </a:r>
-            <a:endParaRPr lang="zh-CN" altLang="en-US" sz="2800" dirty="0"/>
-          </a:p>
-        </p:txBody>
-      </p:sp>
-      <p:sp>
-        <p:nvSpPr>
-          <p:cNvPr id="14" name="TextBox 13"/>
-          <p:cNvSpPr txBox="1"/>
-          <p:nvPr/>
-        </p:nvSpPr>
-        <p:spPr>
-          <a:xfrm>
-            <a:off x="2414829" y="4087090"/>
-            <a:ext cx="969176" cy="523220"/>
-          </a:xfrm>
-          <a:prstGeom prst="rect">
-            <a:avLst/>
-          </a:prstGeom>
-          <a:noFill/>
-        </p:spPr>
-        <p:txBody>
-          <a:bodyPr wrap="none" rtlCol="0">
-            <a:spAutoFit/>
-          </a:bodyPr>
-          <a:lstStyle/>
-          <a:p>
-            <a:r>
-              <a:rPr lang="en-US" altLang="zh-CN" sz="2800" dirty="0" smtClean="0"/>
-              <a:t>peter</a:t>
-            </a:r>
-            <a:endParaRPr lang="zh-CN" altLang="en-US" sz="2800" dirty="0"/>
-          </a:p>
-        </p:txBody>
-      </p:sp>
-      <p:sp>
-        <p:nvSpPr>
-          <p:cNvPr id="15" name="TextBox 14"/>
-          <p:cNvSpPr txBox="1"/>
-          <p:nvPr/>
-        </p:nvSpPr>
-        <p:spPr>
-          <a:xfrm>
-            <a:off x="2145682" y="4677118"/>
-            <a:ext cx="1032655" cy="523220"/>
-          </a:xfrm>
-          <a:prstGeom prst="rect">
-            <a:avLst/>
-          </a:prstGeom>
-          <a:noFill/>
-        </p:spPr>
-        <p:txBody>
-          <a:bodyPr wrap="none" rtlCol="0">
-            <a:spAutoFit/>
-          </a:bodyPr>
-          <a:lstStyle/>
-          <a:p>
-            <a:r>
-              <a:rPr lang="en-US" altLang="zh-CN" sz="2800" dirty="0" smtClean="0"/>
-              <a:t>vivian</a:t>
-            </a:r>
-            <a:endParaRPr lang="zh-CN" altLang="en-US" sz="2800" dirty="0"/>
-          </a:p>
-        </p:txBody>
-      </p:sp>
-      <p:sp>
-        <p:nvSpPr>
-          <p:cNvPr id="16" name="TextBox 15"/>
-          <p:cNvSpPr txBox="1"/>
-          <p:nvPr/>
-        </p:nvSpPr>
-        <p:spPr>
-          <a:xfrm>
-            <a:off x="6065366" y="1931388"/>
-            <a:ext cx="550151" cy="523220"/>
-          </a:xfrm>
-          <a:prstGeom prst="rect">
-            <a:avLst/>
-          </a:prstGeom>
-          <a:noFill/>
-        </p:spPr>
-        <p:txBody>
-          <a:bodyPr wrap="none" rtlCol="0">
-            <a:spAutoFit/>
-          </a:bodyPr>
-          <a:lstStyle/>
-          <a:p>
-            <a:r>
-              <a:rPr lang="en-US" altLang="zh-CN" sz="2800" dirty="0" smtClean="0"/>
-              <a:t>65</a:t>
-            </a:r>
-            <a:endParaRPr lang="zh-CN" altLang="en-US" sz="2800" dirty="0"/>
-          </a:p>
-        </p:txBody>
-      </p:sp>
-      <p:sp>
-        <p:nvSpPr>
-          <p:cNvPr id="17" name="TextBox 16"/>
-          <p:cNvSpPr txBox="1"/>
-          <p:nvPr/>
-        </p:nvSpPr>
-        <p:spPr>
-          <a:xfrm>
-            <a:off x="5790290" y="2832783"/>
-            <a:ext cx="550151" cy="523220"/>
-          </a:xfrm>
-          <a:prstGeom prst="rect">
-            <a:avLst/>
-          </a:prstGeom>
-          <a:noFill/>
-        </p:spPr>
-        <p:txBody>
-          <a:bodyPr wrap="none" rtlCol="0">
-            <a:spAutoFit/>
-          </a:bodyPr>
-          <a:lstStyle/>
-          <a:p>
-            <a:r>
-              <a:rPr lang="en-US" altLang="zh-CN" sz="2800" dirty="0" smtClean="0"/>
-              <a:t>80</a:t>
-            </a:r>
-            <a:endParaRPr lang="zh-CN" altLang="en-US" sz="2800" dirty="0"/>
-          </a:p>
-        </p:txBody>
-      </p:sp>
-      <p:sp>
-        <p:nvSpPr>
-          <p:cNvPr id="18" name="TextBox 17"/>
-          <p:cNvSpPr txBox="1"/>
-          <p:nvPr/>
-        </p:nvSpPr>
-        <p:spPr>
-          <a:xfrm>
-            <a:off x="6779461" y="3357520"/>
-            <a:ext cx="550151" cy="523220"/>
-          </a:xfrm>
-          <a:prstGeom prst="rect">
-            <a:avLst/>
-          </a:prstGeom>
-          <a:noFill/>
-        </p:spPr>
-        <p:txBody>
-          <a:bodyPr wrap="none" rtlCol="0">
-            <a:spAutoFit/>
-          </a:bodyPr>
-          <a:lstStyle/>
-          <a:p>
-            <a:r>
-              <a:rPr lang="en-US" altLang="zh-CN" sz="2800" dirty="0" smtClean="0"/>
-              <a:t>95</a:t>
-            </a:r>
-            <a:endParaRPr lang="zh-CN" altLang="en-US" sz="2800" dirty="0"/>
-          </a:p>
-        </p:txBody>
-      </p:sp>
-      <p:sp>
-        <p:nvSpPr>
-          <p:cNvPr id="19" name="TextBox 18"/>
-          <p:cNvSpPr txBox="1"/>
-          <p:nvPr/>
-        </p:nvSpPr>
-        <p:spPr>
-          <a:xfrm>
-            <a:off x="5780248" y="3837036"/>
-            <a:ext cx="550151" cy="523220"/>
-          </a:xfrm>
-          <a:prstGeom prst="rect">
-            <a:avLst/>
-          </a:prstGeom>
-          <a:noFill/>
-        </p:spPr>
-        <p:txBody>
-          <a:bodyPr wrap="none" rtlCol="0">
-            <a:spAutoFit/>
-          </a:bodyPr>
-          <a:lstStyle/>
-          <a:p>
-            <a:r>
-              <a:rPr lang="en-US" altLang="zh-CN" sz="2800" dirty="0"/>
-              <a:t>7</a:t>
-            </a:r>
-            <a:r>
-              <a:rPr lang="en-US" altLang="zh-CN" sz="2800" dirty="0" smtClean="0"/>
-              <a:t>5</a:t>
-            </a:r>
-            <a:endParaRPr lang="zh-CN" altLang="en-US" sz="2800" dirty="0"/>
-          </a:p>
-        </p:txBody>
-      </p:sp>
-      <p:sp>
-        <p:nvSpPr>
-          <p:cNvPr id="20" name="TextBox 19"/>
-          <p:cNvSpPr txBox="1"/>
-          <p:nvPr/>
-        </p:nvSpPr>
-        <p:spPr>
-          <a:xfrm>
-            <a:off x="6628566" y="4261593"/>
-            <a:ext cx="550151" cy="523220"/>
-          </a:xfrm>
-          <a:prstGeom prst="rect">
-            <a:avLst/>
-          </a:prstGeom>
-          <a:noFill/>
-        </p:spPr>
-        <p:txBody>
-          <a:bodyPr wrap="none" rtlCol="0">
-            <a:spAutoFit/>
-          </a:bodyPr>
-          <a:lstStyle/>
-          <a:p>
-            <a:r>
-              <a:rPr lang="en-US" altLang="zh-CN" sz="2800" dirty="0" smtClean="0"/>
-              <a:t>80</a:t>
-            </a:r>
-            <a:endParaRPr lang="zh-CN" altLang="en-US" sz="2800" dirty="0"/>
-          </a:p>
-        </p:txBody>
-      </p:sp>
-      <p:cxnSp>
-        <p:nvCxnSpPr>
-          <p:cNvPr id="21" name="Straight Arrow Connector 20"/>
-          <p:cNvCxnSpPr>
-            <a:stCxn id="2" idx="3"/>
-            <a:endCxn id="17" idx="1"/>
-          </p:cNvCxnSpPr>
-          <p:nvPr/>
-        </p:nvCxnSpPr>
-        <p:spPr>
-          <a:xfrm>
-            <a:off x="2919877" y="2563818"/>
-            <a:ext cx="2870413" cy="530575"/>
-          </a:xfrm>
-          <a:prstGeom prst="straightConnector1">
-            <a:avLst/>
-          </a:prstGeom>
-          <a:ln>
-            <a:tailEnd type="triangle"/>
-          </a:ln>
-        </p:spPr>
-        <p:style>
-          <a:lnRef idx="2">
-            <a:schemeClr val="accent1"/>
-          </a:lnRef>
-          <a:fillRef idx="0">
-            <a:schemeClr val="accent1"/>
-          </a:fillRef>
-          <a:effectRef idx="1">
-            <a:schemeClr val="accent1"/>
-          </a:effectRef>
-          <a:fontRef idx="minor">
-            <a:schemeClr val="tx1"/>
-          </a:fontRef>
-        </p:style>
-      </p:cxnSp>
-      <p:cxnSp>
-        <p:nvCxnSpPr>
-          <p:cNvPr id="22" name="Straight Arrow Connector 21"/>
-          <p:cNvCxnSpPr/>
-          <p:nvPr/>
-        </p:nvCxnSpPr>
-        <p:spPr>
-          <a:xfrm flipV="1">
-            <a:off x="3558193" y="2302208"/>
-            <a:ext cx="2507173" cy="1573507"/>
-          </a:xfrm>
-          <a:prstGeom prst="straightConnector1">
-            <a:avLst/>
-          </a:prstGeom>
-          <a:ln>
-            <a:tailEnd type="triangle"/>
-          </a:ln>
-        </p:spPr>
-        <p:style>
-          <a:lnRef idx="2">
-            <a:schemeClr val="accent1"/>
-          </a:lnRef>
-          <a:fillRef idx="0">
-            <a:schemeClr val="accent1"/>
-          </a:fillRef>
-          <a:effectRef idx="1">
-            <a:schemeClr val="accent1"/>
-          </a:effectRef>
-          <a:fontRef idx="minor">
-            <a:schemeClr val="tx1"/>
-          </a:fontRef>
-        </p:style>
-      </p:cxnSp>
-      <p:cxnSp>
-        <p:nvCxnSpPr>
-          <p:cNvPr id="25" name="Straight Arrow Connector 24"/>
-          <p:cNvCxnSpPr>
-            <a:stCxn id="12" idx="3"/>
-          </p:cNvCxnSpPr>
-          <p:nvPr/>
-        </p:nvCxnSpPr>
-        <p:spPr>
-          <a:xfrm>
-            <a:off x="2999121" y="3430029"/>
-            <a:ext cx="2943569" cy="590253"/>
-          </a:xfrm>
-          <a:prstGeom prst="straightConnector1">
-            <a:avLst/>
-          </a:prstGeom>
-          <a:ln>
-            <a:tailEnd type="triangle"/>
-          </a:ln>
-        </p:spPr>
-        <p:style>
-          <a:lnRef idx="2">
-            <a:schemeClr val="accent1"/>
-          </a:lnRef>
-          <a:fillRef idx="0">
-            <a:schemeClr val="accent1"/>
-          </a:fillRef>
-          <a:effectRef idx="1">
-            <a:schemeClr val="accent1"/>
-          </a:effectRef>
-          <a:fontRef idx="minor">
-            <a:schemeClr val="tx1"/>
-          </a:fontRef>
-        </p:style>
-      </p:cxnSp>
-      <p:cxnSp>
-        <p:nvCxnSpPr>
-          <p:cNvPr id="28" name="Straight Arrow Connector 27"/>
-          <p:cNvCxnSpPr/>
-          <p:nvPr/>
-        </p:nvCxnSpPr>
-        <p:spPr>
-          <a:xfrm flipV="1">
-            <a:off x="3438141" y="3763010"/>
-            <a:ext cx="3525349" cy="508156"/>
-          </a:xfrm>
-          <a:prstGeom prst="straightConnector1">
-            <a:avLst/>
-          </a:prstGeom>
-          <a:ln>
-            <a:tailEnd type="triangle"/>
-          </a:ln>
-        </p:spPr>
-        <p:style>
-          <a:lnRef idx="2">
-            <a:schemeClr val="accent1"/>
-          </a:lnRef>
-          <a:fillRef idx="0">
-            <a:schemeClr val="accent1"/>
-          </a:fillRef>
-          <a:effectRef idx="1">
-            <a:schemeClr val="accent1"/>
-          </a:effectRef>
-          <a:fontRef idx="minor">
-            <a:schemeClr val="tx1"/>
-          </a:fontRef>
-        </p:style>
-      </p:cxnSp>
-      <p:cxnSp>
-        <p:nvCxnSpPr>
-          <p:cNvPr id="31" name="Straight Arrow Connector 30"/>
-          <p:cNvCxnSpPr>
-            <a:stCxn id="15" idx="3"/>
-          </p:cNvCxnSpPr>
-          <p:nvPr/>
-        </p:nvCxnSpPr>
-        <p:spPr>
-          <a:xfrm flipV="1">
-            <a:off x="3178337" y="4562636"/>
-            <a:ext cx="3601124" cy="376092"/>
-          </a:xfrm>
-          <a:prstGeom prst="straightConnector1">
-            <a:avLst/>
-          </a:prstGeom>
-          <a:ln>
-            <a:tailEnd type="triangle"/>
-          </a:ln>
-        </p:spPr>
-        <p:style>
-          <a:lnRef idx="2">
-            <a:schemeClr val="accent1"/>
-          </a:lnRef>
-          <a:fillRef idx="0">
-            <a:schemeClr val="accent1"/>
-          </a:fillRef>
-          <a:effectRef idx="1">
-            <a:schemeClr val="accent1"/>
-          </a:effectRef>
-          <a:fontRef idx="minor">
-            <a:schemeClr val="tx1"/>
-          </a:fontRef>
-        </p:style>
-      </p:cxnSp>
+      <p:pic>
+        <p:nvPicPr>
+          <p:cNvPr id="3" name="Picture 2"/>
+          <p:cNvPicPr>
+            <a:picLocks noChangeAspect="1"/>
+          </p:cNvPicPr>
+          <p:nvPr/>
+        </p:nvPicPr>
+        <p:blipFill>
+          <a:blip r:embed="rId2">
+            <a:extLst>
+              <a:ext uri="{28A0092B-C50C-407E-A947-70E740481C1C}">
+                <a14:useLocalDpi xmlns:a14="http://schemas.microsoft.com/office/drawing/2010/main" val="0"/>
+              </a:ext>
+            </a:extLst>
+          </a:blip>
+          <a:stretch>
+            <a:fillRect/>
+          </a:stretch>
+        </p:blipFill>
+        <p:spPr>
+          <a:xfrm>
+            <a:off x="793488" y="1366038"/>
+            <a:ext cx="7557025" cy="5087025"/>
+          </a:xfrm>
+          <a:prstGeom prst="rect">
+            <a:avLst/>
+          </a:prstGeom>
+        </p:spPr>
+      </p:pic>
     </p:spTree>
     <p:extLst>
       <p:ext uri="{BB962C8B-B14F-4D97-AF65-F5344CB8AC3E}">

--- a/lectures/lec11/lec11.pptx
+++ b/lectures/lec11/lec11.pptx
@@ -15,7 +15,7 @@
     <p:sldId id="271" r:id="rId9"/>
     <p:sldId id="273" r:id="rId10"/>
     <p:sldId id="272" r:id="rId11"/>
-    <p:sldId id="274" r:id="rId12"/>
+    <p:sldId id="300" r:id="rId12"/>
     <p:sldId id="275" r:id="rId13"/>
     <p:sldId id="276" r:id="rId14"/>
     <p:sldId id="277" r:id="rId15"/>
@@ -37,7 +37,6 @@
     <p:sldId id="293" r:id="rId31"/>
     <p:sldId id="294" r:id="rId32"/>
     <p:sldId id="295" r:id="rId33"/>
-    <p:sldId id="300" r:id="rId34"/>
   </p:sldIdLst>
   <p:sldSz cx="9144000" cy="6858000" type="screen4x3"/>
   <p:notesSz cx="6858000" cy="9144000"/>
@@ -151,7 +150,7 @@
             <p14:sldId id="271"/>
             <p14:sldId id="273"/>
             <p14:sldId id="272"/>
-            <p14:sldId id="274"/>
+            <p14:sldId id="300"/>
             <p14:sldId id="275"/>
             <p14:sldId id="276"/>
             <p14:sldId id="277"/>
@@ -176,9 +175,7 @@
           </p14:sldIdLst>
         </p14:section>
         <p14:section name="Untitled Section" id="{448F6AA1-7E66-BC44-9E32-295021B39B4B}">
-          <p14:sldIdLst>
-            <p14:sldId id="300"/>
-          </p14:sldIdLst>
+          <p14:sldIdLst/>
         </p14:section>
       </p14:sectionLst>
     </p:ext>
@@ -381,7 +378,7 @@
           <a:p>
             <a:fld id="{5ECE4D60-05A1-A640-A7CD-C0D17F809990}" type="datetimeFigureOut">
               <a:rPr lang="en-US" smtClean="0"/>
-              <a:t>10/27/2017</a:t>
+              <a:t>10/27/17</a:t>
             </a:fld>
             <a:endParaRPr lang="en-US"/>
           </a:p>
@@ -551,7 +548,7 @@
           <a:p>
             <a:fld id="{5ECE4D60-05A1-A640-A7CD-C0D17F809990}" type="datetimeFigureOut">
               <a:rPr lang="en-US" smtClean="0"/>
-              <a:t>10/27/2017</a:t>
+              <a:t>10/27/17</a:t>
             </a:fld>
             <a:endParaRPr lang="en-US"/>
           </a:p>
@@ -731,7 +728,7 @@
           <a:p>
             <a:fld id="{5ECE4D60-05A1-A640-A7CD-C0D17F809990}" type="datetimeFigureOut">
               <a:rPr lang="en-US" smtClean="0"/>
-              <a:t>10/27/2017</a:t>
+              <a:t>10/27/17</a:t>
             </a:fld>
             <a:endParaRPr lang="en-US"/>
           </a:p>
@@ -901,7 +898,7 @@
           <a:p>
             <a:fld id="{5ECE4D60-05A1-A640-A7CD-C0D17F809990}" type="datetimeFigureOut">
               <a:rPr lang="en-US" smtClean="0"/>
-              <a:t>10/27/2017</a:t>
+              <a:t>10/27/17</a:t>
             </a:fld>
             <a:endParaRPr lang="en-US"/>
           </a:p>
@@ -1147,7 +1144,7 @@
           <a:p>
             <a:fld id="{5ECE4D60-05A1-A640-A7CD-C0D17F809990}" type="datetimeFigureOut">
               <a:rPr lang="en-US" smtClean="0"/>
-              <a:t>10/27/2017</a:t>
+              <a:t>10/27/17</a:t>
             </a:fld>
             <a:endParaRPr lang="en-US"/>
           </a:p>
@@ -1435,7 +1432,7 @@
           <a:p>
             <a:fld id="{5ECE4D60-05A1-A640-A7CD-C0D17F809990}" type="datetimeFigureOut">
               <a:rPr lang="en-US" smtClean="0"/>
-              <a:t>10/27/2017</a:t>
+              <a:t>10/27/17</a:t>
             </a:fld>
             <a:endParaRPr lang="en-US"/>
           </a:p>
@@ -1862,7 +1859,7 @@
           <a:p>
             <a:fld id="{5ECE4D60-05A1-A640-A7CD-C0D17F809990}" type="datetimeFigureOut">
               <a:rPr lang="en-US" smtClean="0"/>
-              <a:t>10/27/2017</a:t>
+              <a:t>10/27/17</a:t>
             </a:fld>
             <a:endParaRPr lang="en-US"/>
           </a:p>
@@ -1980,7 +1977,7 @@
           <a:p>
             <a:fld id="{5ECE4D60-05A1-A640-A7CD-C0D17F809990}" type="datetimeFigureOut">
               <a:rPr lang="en-US" smtClean="0"/>
-              <a:t>10/27/2017</a:t>
+              <a:t>10/27/17</a:t>
             </a:fld>
             <a:endParaRPr lang="en-US"/>
           </a:p>
@@ -2075,7 +2072,7 @@
           <a:p>
             <a:fld id="{5ECE4D60-05A1-A640-A7CD-C0D17F809990}" type="datetimeFigureOut">
               <a:rPr lang="en-US" smtClean="0"/>
-              <a:t>10/27/2017</a:t>
+              <a:t>10/27/17</a:t>
             </a:fld>
             <a:endParaRPr lang="en-US"/>
           </a:p>
@@ -2352,7 +2349,7 @@
           <a:p>
             <a:fld id="{5ECE4D60-05A1-A640-A7CD-C0D17F809990}" type="datetimeFigureOut">
               <a:rPr lang="en-US" smtClean="0"/>
-              <a:t>10/27/2017</a:t>
+              <a:t>10/27/17</a:t>
             </a:fld>
             <a:endParaRPr lang="en-US"/>
           </a:p>
@@ -2605,7 +2602,7 @@
           <a:p>
             <a:fld id="{5ECE4D60-05A1-A640-A7CD-C0D17F809990}" type="datetimeFigureOut">
               <a:rPr lang="en-US" smtClean="0"/>
-              <a:t>10/27/2017</a:t>
+              <a:t>10/27/17</a:t>
             </a:fld>
             <a:endParaRPr lang="en-US"/>
           </a:p>
@@ -2818,7 +2815,7 @@
           <a:p>
             <a:fld id="{5ECE4D60-05A1-A640-A7CD-C0D17F809990}" type="datetimeFigureOut">
               <a:rPr lang="en-US" smtClean="0"/>
-              <a:t>10/27/2017</a:t>
+              <a:t>10/27/17</a:t>
             </a:fld>
             <a:endParaRPr lang="en-US"/>
           </a:p>
@@ -3506,43 +3503,6 @@
       </p:sp>
       <p:sp>
         <p:nvSpPr>
-          <p:cNvPr id="6" name="Rectangle 5"/>
-          <p:cNvSpPr/>
-          <p:nvPr/>
-        </p:nvSpPr>
-        <p:spPr>
-          <a:xfrm>
-            <a:off x="0" y="6451738"/>
-            <a:ext cx="1037664" cy="276999"/>
-          </a:xfrm>
-          <a:prstGeom prst="rect">
-            <a:avLst/>
-          </a:prstGeom>
-        </p:spPr>
-        <p:txBody>
-          <a:bodyPr wrap="none">
-            <a:spAutoFit/>
-          </a:bodyPr>
-          <a:lstStyle/>
-          <a:p>
-            <a:r>
-              <a:rPr lang="en-US" sz="1200" dirty="0" smtClean="0">
-                <a:solidFill>
-                  <a:srgbClr val="118EB0"/>
-                </a:solidFill>
-              </a:rPr>
-              <a:t>Administrivia</a:t>
-            </a:r>
-            <a:endParaRPr lang="en-US" sz="1200" dirty="0">
-              <a:solidFill>
-                <a:srgbClr val="118EB0"/>
-              </a:solidFill>
-            </a:endParaRPr>
-          </a:p>
-        </p:txBody>
-      </p:sp>
-      <p:sp>
-        <p:nvSpPr>
           <p:cNvPr id="7" name="TextBox 6"/>
           <p:cNvSpPr txBox="1"/>
           <p:nvPr/>
@@ -3610,11 +3570,7 @@
           <a:p>
             <a:r>
               <a:rPr lang="en-US" sz="2800" dirty="0" smtClean="0"/>
-              <a:t>Analogy of a real </a:t>
-            </a:r>
-            <a:r>
-              <a:rPr lang="en-US" sz="2800" dirty="0" smtClean="0"/>
-              <a:t>dictionary </a:t>
+              <a:t>Analogy of a real dictionary </a:t>
             </a:r>
             <a:r>
               <a:rPr lang="en-US" sz="2000" dirty="0" smtClean="0"/>
@@ -3622,11 +3578,7 @@
             </a:r>
             <a:r>
               <a:rPr lang="en-US" sz="2800" dirty="0" smtClean="0"/>
-              <a:t>, </a:t>
-            </a:r>
-            <a:r>
-              <a:rPr lang="en-US" sz="2800" dirty="0" smtClean="0"/>
-              <a:t>but can use data types besides string</a:t>
+              <a:t>, but can use data types besides string</a:t>
             </a:r>
           </a:p>
           <a:p>
@@ -3688,6 +3640,43 @@
           </a:prstGeom>
         </p:spPr>
       </p:pic>
+      <p:sp>
+        <p:nvSpPr>
+          <p:cNvPr id="8" name="Rectangle 7"/>
+          <p:cNvSpPr/>
+          <p:nvPr/>
+        </p:nvSpPr>
+        <p:spPr>
+          <a:xfrm>
+            <a:off x="0" y="6451738"/>
+            <a:ext cx="824906" cy="276999"/>
+          </a:xfrm>
+          <a:prstGeom prst="rect">
+            <a:avLst/>
+          </a:prstGeom>
+        </p:spPr>
+        <p:txBody>
+          <a:bodyPr wrap="none">
+            <a:spAutoFit/>
+          </a:bodyPr>
+          <a:lstStyle/>
+          <a:p>
+            <a:r>
+              <a:rPr lang="en-US" sz="1200" dirty="0" smtClean="0">
+                <a:solidFill>
+                  <a:srgbClr val="118EB0"/>
+                </a:solidFill>
+              </a:rPr>
+              <a:t>Dictionary</a:t>
+            </a:r>
+            <a:endParaRPr lang="en-US" sz="1200" dirty="0">
+              <a:solidFill>
+                <a:srgbClr val="118EB0"/>
+              </a:solidFill>
+            </a:endParaRPr>
+          </a:p>
+        </p:txBody>
+      </p:sp>
     </p:spTree>
     <p:extLst>
       <p:ext uri="{BB962C8B-B14F-4D97-AF65-F5344CB8AC3E}">
@@ -3824,43 +3813,6 @@
       </p:sp>
       <p:sp>
         <p:nvSpPr>
-          <p:cNvPr id="6" name="Rectangle 5"/>
-          <p:cNvSpPr/>
-          <p:nvPr/>
-        </p:nvSpPr>
-        <p:spPr>
-          <a:xfrm>
-            <a:off x="0" y="6451738"/>
-            <a:ext cx="1037664" cy="276999"/>
-          </a:xfrm>
-          <a:prstGeom prst="rect">
-            <a:avLst/>
-          </a:prstGeom>
-        </p:spPr>
-        <p:txBody>
-          <a:bodyPr wrap="none">
-            <a:spAutoFit/>
-          </a:bodyPr>
-          <a:lstStyle/>
-          <a:p>
-            <a:r>
-              <a:rPr lang="en-US" sz="1200" dirty="0" smtClean="0">
-                <a:solidFill>
-                  <a:srgbClr val="118EB0"/>
-                </a:solidFill>
-              </a:rPr>
-              <a:t>Administrivia</a:t>
-            </a:r>
-            <a:endParaRPr lang="en-US" sz="1200" dirty="0">
-              <a:solidFill>
-                <a:srgbClr val="118EB0"/>
-              </a:solidFill>
-            </a:endParaRPr>
-          </a:p>
-        </p:txBody>
-      </p:sp>
-      <p:sp>
-        <p:nvSpPr>
           <p:cNvPr id="7" name="TextBox 6"/>
           <p:cNvSpPr txBox="1"/>
           <p:nvPr/>
@@ -3922,10 +3874,47 @@
           </a:prstGeom>
         </p:spPr>
       </p:pic>
+      <p:sp>
+        <p:nvSpPr>
+          <p:cNvPr id="8" name="Rectangle 7"/>
+          <p:cNvSpPr/>
+          <p:nvPr/>
+        </p:nvSpPr>
+        <p:spPr>
+          <a:xfrm>
+            <a:off x="0" y="6451738"/>
+            <a:ext cx="824906" cy="276999"/>
+          </a:xfrm>
+          <a:prstGeom prst="rect">
+            <a:avLst/>
+          </a:prstGeom>
+        </p:spPr>
+        <p:txBody>
+          <a:bodyPr wrap="none">
+            <a:spAutoFit/>
+          </a:bodyPr>
+          <a:lstStyle/>
+          <a:p>
+            <a:r>
+              <a:rPr lang="en-US" sz="1200" dirty="0" smtClean="0">
+                <a:solidFill>
+                  <a:srgbClr val="118EB0"/>
+                </a:solidFill>
+              </a:rPr>
+              <a:t>Dictionary</a:t>
+            </a:r>
+            <a:endParaRPr lang="en-US" sz="1200" dirty="0">
+              <a:solidFill>
+                <a:srgbClr val="118EB0"/>
+              </a:solidFill>
+            </a:endParaRPr>
+          </a:p>
+        </p:txBody>
+      </p:sp>
     </p:spTree>
     <p:extLst>
       <p:ext uri="{BB962C8B-B14F-4D97-AF65-F5344CB8AC3E}">
-        <p14:creationId xmlns:p14="http://schemas.microsoft.com/office/powerpoint/2010/main" val="444960925"/>
+        <p14:creationId xmlns:p14="http://schemas.microsoft.com/office/powerpoint/2010/main" val="694566683"/>
       </p:ext>
     </p:extLst>
   </p:cSld>
@@ -4058,43 +4047,6 @@
       </p:sp>
       <p:sp>
         <p:nvSpPr>
-          <p:cNvPr id="6" name="Rectangle 5"/>
-          <p:cNvSpPr/>
-          <p:nvPr/>
-        </p:nvSpPr>
-        <p:spPr>
-          <a:xfrm>
-            <a:off x="0" y="6451738"/>
-            <a:ext cx="1037664" cy="276999"/>
-          </a:xfrm>
-          <a:prstGeom prst="rect">
-            <a:avLst/>
-          </a:prstGeom>
-        </p:spPr>
-        <p:txBody>
-          <a:bodyPr wrap="none">
-            <a:spAutoFit/>
-          </a:bodyPr>
-          <a:lstStyle/>
-          <a:p>
-            <a:r>
-              <a:rPr lang="en-US" sz="1200" dirty="0" smtClean="0">
-                <a:solidFill>
-                  <a:srgbClr val="118EB0"/>
-                </a:solidFill>
-              </a:rPr>
-              <a:t>Administrivia</a:t>
-            </a:r>
-            <a:endParaRPr lang="en-US" sz="1200" dirty="0">
-              <a:solidFill>
-                <a:srgbClr val="118EB0"/>
-              </a:solidFill>
-            </a:endParaRPr>
-          </a:p>
-        </p:txBody>
-      </p:sp>
-      <p:sp>
-        <p:nvSpPr>
           <p:cNvPr id="7" name="TextBox 6"/>
           <p:cNvSpPr txBox="1"/>
           <p:nvPr/>
@@ -4144,7 +4096,7 @@
         </p:nvSpPr>
         <p:spPr>
           <a:xfrm>
-            <a:off x="457200" y="1600201"/>
+            <a:off x="457200" y="1430660"/>
             <a:ext cx="8229600" cy="4525963"/>
           </a:xfrm>
         </p:spPr>
@@ -4156,7 +4108,17 @@
           <a:p>
             <a:r>
               <a:rPr lang="en-US" dirty="0" smtClean="0"/>
-              <a:t>Syntax as follows:</a:t>
+              <a:t>Create multiple items at once</a:t>
+            </a:r>
+          </a:p>
+          <a:p>
+            <a:r>
+              <a:rPr lang="en-US" dirty="0" smtClean="0"/>
+              <a:t>Syntax </a:t>
+            </a:r>
+            <a:r>
+              <a:rPr lang="en-US" dirty="0" smtClean="0"/>
+              <a:t>as follows:</a:t>
             </a:r>
           </a:p>
           <a:p>
@@ -4184,11 +4146,7 @@
             <a:pPr lvl="1"/>
             <a:r>
               <a:rPr lang="en-US" dirty="0" smtClean="0"/>
-              <a:t>Closing brace </a:t>
-            </a:r>
-            <a:r>
-              <a:rPr lang="en-US" dirty="0" smtClean="0"/>
-              <a:t>}</a:t>
+              <a:t>Closing brace }</a:t>
             </a:r>
           </a:p>
           <a:p>
@@ -4223,8 +4181,8 @@
         </p:nvSpPr>
         <p:spPr>
           <a:xfrm>
-            <a:off x="895621" y="4079446"/>
-            <a:ext cx="3265638" cy="1754326"/>
+            <a:off x="945485" y="4100281"/>
+            <a:ext cx="4339650" cy="2246769"/>
           </a:xfrm>
           <a:prstGeom prst="rect">
             <a:avLst/>
@@ -4238,14 +4196,14 @@
           <a:lstStyle/>
           <a:p>
             <a:r>
-              <a:rPr lang="en-US" altLang="zh-CN" dirty="0">
+              <a:rPr lang="en-US" altLang="zh-CN" sz="2000" dirty="0">
                 <a:latin typeface="Courier New" panose="02070309020205020404" pitchFamily="49" charset="0"/>
                 <a:cs typeface="Courier New" panose="02070309020205020404" pitchFamily="49" charset="0"/>
               </a:rPr>
               <a:t>c</a:t>
             </a:r>
             <a:r>
-              <a:rPr lang="en-US" altLang="zh-CN" dirty="0" smtClean="0">
+              <a:rPr lang="en-US" altLang="zh-CN" sz="2000" dirty="0" smtClean="0">
                 <a:latin typeface="Courier New" panose="02070309020205020404" pitchFamily="49" charset="0"/>
                 <a:cs typeface="Courier New" panose="02070309020205020404" pitchFamily="49" charset="0"/>
               </a:rPr>
@@ -4254,76 +4212,147 @@
           </a:p>
           <a:p>
             <a:r>
-              <a:rPr lang="en-US" altLang="zh-CN" dirty="0" smtClean="0">
-                <a:latin typeface="Courier New" panose="02070309020205020404" pitchFamily="49" charset="0"/>
-                <a:cs typeface="Courier New" panose="02070309020205020404" pitchFamily="49" charset="0"/>
-              </a:rPr>
-              <a:t>	‘Civic’: ‘Honda’,</a:t>
-            </a:r>
-          </a:p>
-          <a:p>
-            <a:r>
-              <a:rPr lang="en-US" altLang="zh-CN" dirty="0">
+              <a:rPr lang="en-US" altLang="zh-CN" sz="2000" dirty="0" smtClean="0">
                 <a:latin typeface="Courier New" panose="02070309020205020404" pitchFamily="49" charset="0"/>
                 <a:cs typeface="Courier New" panose="02070309020205020404" pitchFamily="49" charset="0"/>
               </a:rPr>
               <a:t>	</a:t>
             </a:r>
             <a:r>
-              <a:rPr lang="en-US" altLang="zh-CN" dirty="0" smtClean="0">
-                <a:latin typeface="Courier New" panose="02070309020205020404" pitchFamily="49" charset="0"/>
-                <a:cs typeface="Courier New" panose="02070309020205020404" pitchFamily="49" charset="0"/>
-              </a:rPr>
-              <a:t>‘Mustang’: ‘Ford’,</a:t>
-            </a:r>
-          </a:p>
-          <a:p>
-            <a:r>
-              <a:rPr lang="en-US" altLang="zh-CN" dirty="0">
+              <a:rPr lang="en-US" altLang="zh-CN" sz="2000" dirty="0" smtClean="0">
+                <a:latin typeface="Courier New" panose="02070309020205020404" pitchFamily="49" charset="0"/>
+                <a:cs typeface="Courier New" panose="02070309020205020404" pitchFamily="49" charset="0"/>
+              </a:rPr>
+              <a:t>‘</a:t>
+            </a:r>
+            <a:r>
+              <a:rPr lang="en-US" altLang="zh-CN" sz="2000" dirty="0" smtClean="0">
+                <a:latin typeface="Courier New" panose="02070309020205020404" pitchFamily="49" charset="0"/>
+                <a:cs typeface="Courier New" panose="02070309020205020404" pitchFamily="49" charset="0"/>
+              </a:rPr>
+              <a:t>Mustang’: ‘Ford’,</a:t>
+            </a:r>
+          </a:p>
+          <a:p>
+            <a:r>
+              <a:rPr lang="en-US" altLang="zh-CN" sz="2000" dirty="0">
                 <a:latin typeface="Courier New" panose="02070309020205020404" pitchFamily="49" charset="0"/>
                 <a:cs typeface="Courier New" panose="02070309020205020404" pitchFamily="49" charset="0"/>
               </a:rPr>
               <a:t>	</a:t>
             </a:r>
             <a:r>
-              <a:rPr lang="en-US" altLang="zh-CN" dirty="0" smtClean="0">
-                <a:latin typeface="Courier New" panose="02070309020205020404" pitchFamily="49" charset="0"/>
-                <a:cs typeface="Courier New" panose="02070309020205020404" pitchFamily="49" charset="0"/>
-              </a:rPr>
-              <a:t>‘Model S’: ‘Tesla’,</a:t>
-            </a:r>
-          </a:p>
-          <a:p>
-            <a:r>
-              <a:rPr lang="en-US" altLang="zh-CN" dirty="0">
-                <a:latin typeface="Courier New" panose="02070309020205020404" pitchFamily="49" charset="0"/>
-                <a:cs typeface="Courier New" panose="02070309020205020404" pitchFamily="49" charset="0"/>
-              </a:rPr>
-              <a:t>	</a:t>
-            </a:r>
-            <a:r>
-              <a:rPr lang="en-US" altLang="zh-CN" dirty="0" smtClean="0">
-                <a:latin typeface="Courier New" panose="02070309020205020404" pitchFamily="49" charset="0"/>
-                <a:cs typeface="Courier New" panose="02070309020205020404" pitchFamily="49" charset="0"/>
-              </a:rPr>
-              <a:t>‘Model T’: ‘Ford’</a:t>
-            </a:r>
-            <a:endParaRPr lang="en-US" altLang="zh-CN" dirty="0">
+              <a:rPr lang="en-US" altLang="zh-CN" sz="2000" dirty="0" smtClean="0">
+                <a:latin typeface="Courier New" panose="02070309020205020404" pitchFamily="49" charset="0"/>
+                <a:cs typeface="Courier New" panose="02070309020205020404" pitchFamily="49" charset="0"/>
+              </a:rPr>
+              <a:t>‘Viper’: ‘Dodge’,</a:t>
+            </a:r>
+            <a:endParaRPr lang="en-US" altLang="zh-CN" sz="2000" dirty="0" smtClean="0">
               <a:latin typeface="Courier New" panose="02070309020205020404" pitchFamily="49" charset="0"/>
               <a:cs typeface="Courier New" panose="02070309020205020404" pitchFamily="49" charset="0"/>
             </a:endParaRPr>
           </a:p>
           <a:p>
             <a:r>
-              <a:rPr lang="en-US" altLang="zh-CN" dirty="0" smtClean="0">
-                <a:latin typeface="Courier New" panose="02070309020205020404" pitchFamily="49" charset="0"/>
-                <a:cs typeface="Courier New" panose="02070309020205020404" pitchFamily="49" charset="0"/>
-              </a:rPr>
-              <a:t>}</a:t>
-            </a:r>
-            <a:endParaRPr lang="zh-CN" altLang="en-US" dirty="0">
+              <a:rPr lang="en-US" altLang="zh-CN" sz="2000" dirty="0">
+                <a:latin typeface="Courier New" panose="02070309020205020404" pitchFamily="49" charset="0"/>
+                <a:cs typeface="Courier New" panose="02070309020205020404" pitchFamily="49" charset="0"/>
+              </a:rPr>
+              <a:t>	</a:t>
+            </a:r>
+            <a:r>
+              <a:rPr lang="en-US" altLang="zh-CN" sz="2000" dirty="0" smtClean="0">
+                <a:latin typeface="Courier New" panose="02070309020205020404" pitchFamily="49" charset="0"/>
+                <a:cs typeface="Courier New" panose="02070309020205020404" pitchFamily="49" charset="0"/>
+              </a:rPr>
+              <a:t>‘Corvette’: ‘Chevrolet’,</a:t>
+            </a:r>
+          </a:p>
+          <a:p>
+            <a:r>
+              <a:rPr lang="en-US" altLang="zh-CN" sz="2000" dirty="0">
+                <a:latin typeface="Courier New" panose="02070309020205020404" pitchFamily="49" charset="0"/>
+                <a:cs typeface="Courier New" panose="02070309020205020404" pitchFamily="49" charset="0"/>
+              </a:rPr>
+              <a:t>	</a:t>
+            </a:r>
+            <a:r>
+              <a:rPr lang="en-US" altLang="zh-CN" sz="2000" dirty="0" smtClean="0">
+                <a:latin typeface="Courier New" panose="02070309020205020404" pitchFamily="49" charset="0"/>
+                <a:cs typeface="Courier New" panose="02070309020205020404" pitchFamily="49" charset="0"/>
+              </a:rPr>
+              <a:t>‘Charger’: ‘Dodge’</a:t>
+            </a:r>
+          </a:p>
+          <a:p>
+            <a:r>
+              <a:rPr lang="en-US" altLang="zh-CN" sz="2000" dirty="0">
+                <a:latin typeface="Courier New" panose="02070309020205020404" pitchFamily="49" charset="0"/>
+                <a:cs typeface="Courier New" panose="02070309020205020404" pitchFamily="49" charset="0"/>
+              </a:rPr>
+              <a:t>	</a:t>
+            </a:r>
+            <a:r>
+              <a:rPr lang="en-US" altLang="zh-CN" sz="2000" dirty="0" smtClean="0">
+                <a:latin typeface="Courier New" panose="02070309020205020404" pitchFamily="49" charset="0"/>
+                <a:cs typeface="Courier New" panose="02070309020205020404" pitchFamily="49" charset="0"/>
+              </a:rPr>
+              <a:t>‘911’:	‘Porsche’</a:t>
+            </a:r>
+            <a:endParaRPr lang="en-US" altLang="zh-CN" sz="2000" dirty="0">
               <a:latin typeface="Courier New" panose="02070309020205020404" pitchFamily="49" charset="0"/>
               <a:cs typeface="Courier New" panose="02070309020205020404" pitchFamily="49" charset="0"/>
+            </a:endParaRPr>
+          </a:p>
+          <a:p>
+            <a:r>
+              <a:rPr lang="en-US" altLang="zh-CN" sz="2000" dirty="0" smtClean="0">
+                <a:latin typeface="Courier New" panose="02070309020205020404" pitchFamily="49" charset="0"/>
+                <a:cs typeface="Courier New" panose="02070309020205020404" pitchFamily="49" charset="0"/>
+              </a:rPr>
+              <a:t>}</a:t>
+            </a:r>
+            <a:endParaRPr lang="zh-CN" altLang="en-US" sz="2000" dirty="0">
+              <a:latin typeface="Courier New" panose="02070309020205020404" pitchFamily="49" charset="0"/>
+              <a:cs typeface="Courier New" panose="02070309020205020404" pitchFamily="49" charset="0"/>
+            </a:endParaRPr>
+          </a:p>
+        </p:txBody>
+      </p:sp>
+      <p:sp>
+        <p:nvSpPr>
+          <p:cNvPr id="9" name="Rectangle 8"/>
+          <p:cNvSpPr/>
+          <p:nvPr/>
+        </p:nvSpPr>
+        <p:spPr>
+          <a:xfrm>
+            <a:off x="0" y="6451738"/>
+            <a:ext cx="824906" cy="276999"/>
+          </a:xfrm>
+          <a:prstGeom prst="rect">
+            <a:avLst/>
+          </a:prstGeom>
+        </p:spPr>
+        <p:txBody>
+          <a:bodyPr wrap="none">
+            <a:spAutoFit/>
+          </a:bodyPr>
+          <a:lstStyle/>
+          <a:p>
+            <a:r>
+              <a:rPr lang="en-US" sz="1200" dirty="0" smtClean="0">
+                <a:solidFill>
+                  <a:srgbClr val="118EB0"/>
+                </a:solidFill>
+              </a:rPr>
+              <a:t>Dictionary</a:t>
+            </a:r>
+            <a:endParaRPr lang="en-US" sz="1200" dirty="0">
+              <a:solidFill>
+                <a:srgbClr val="118EB0"/>
+              </a:solidFill>
             </a:endParaRPr>
           </a:p>
         </p:txBody>
@@ -4464,32 +4493,34 @@
       </p:sp>
       <p:sp>
         <p:nvSpPr>
-          <p:cNvPr id="6" name="Rectangle 5"/>
-          <p:cNvSpPr/>
-          <p:nvPr/>
-        </p:nvSpPr>
-        <p:spPr>
-          <a:xfrm>
-            <a:off x="0" y="6451738"/>
-            <a:ext cx="1037664" cy="276999"/>
-          </a:xfrm>
-          <a:prstGeom prst="rect">
-            <a:avLst/>
-          </a:prstGeom>
-        </p:spPr>
-        <p:txBody>
-          <a:bodyPr wrap="none">
+          <p:cNvPr id="7" name="TextBox 6"/>
+          <p:cNvSpPr txBox="1"/>
+          <p:nvPr/>
+        </p:nvSpPr>
+        <p:spPr>
+          <a:xfrm>
+            <a:off x="8869998" y="6453063"/>
+            <a:ext cx="262662" cy="276999"/>
+          </a:xfrm>
+          <a:prstGeom prst="rect">
+            <a:avLst/>
+          </a:prstGeom>
+          <a:noFill/>
+        </p:spPr>
+        <p:txBody>
+          <a:bodyPr wrap="none" rtlCol="0">
             <a:spAutoFit/>
           </a:bodyPr>
           <a:lstStyle/>
           <a:p>
+            <a:pPr algn="r"/>
             <a:r>
               <a:rPr lang="en-US" sz="1200" dirty="0" smtClean="0">
                 <a:solidFill>
                   <a:srgbClr val="118EB0"/>
                 </a:solidFill>
               </a:rPr>
-              <a:t>Administrivia</a:t>
+              <a:t>1</a:t>
             </a:r>
             <a:endParaRPr lang="en-US" sz="1200" dirty="0">
               <a:solidFill>
@@ -4501,45 +4532,6 @@
       </p:sp>
       <p:sp>
         <p:nvSpPr>
-          <p:cNvPr id="7" name="TextBox 6"/>
-          <p:cNvSpPr txBox="1"/>
-          <p:nvPr/>
-        </p:nvSpPr>
-        <p:spPr>
-          <a:xfrm>
-            <a:off x="8869998" y="6453063"/>
-            <a:ext cx="262662" cy="276999"/>
-          </a:xfrm>
-          <a:prstGeom prst="rect">
-            <a:avLst/>
-          </a:prstGeom>
-          <a:noFill/>
-        </p:spPr>
-        <p:txBody>
-          <a:bodyPr wrap="none" rtlCol="0">
-            <a:spAutoFit/>
-          </a:bodyPr>
-          <a:lstStyle/>
-          <a:p>
-            <a:pPr algn="r"/>
-            <a:r>
-              <a:rPr lang="en-US" sz="1200" dirty="0" smtClean="0">
-                <a:solidFill>
-                  <a:srgbClr val="118EB0"/>
-                </a:solidFill>
-              </a:rPr>
-              <a:t>1</a:t>
-            </a:r>
-            <a:endParaRPr lang="en-US" sz="1200" dirty="0">
-              <a:solidFill>
-                <a:srgbClr val="118EB0"/>
-              </a:solidFill>
-            </a:endParaRPr>
-          </a:p>
-        </p:txBody>
-      </p:sp>
-      <p:sp>
-        <p:nvSpPr>
           <p:cNvPr id="2" name="TextBox 1"/>
           <p:cNvSpPr txBox="1"/>
           <p:nvPr/>
@@ -4593,7 +4585,23 @@
                 <a:latin typeface="Courier New" panose="02070309020205020404" pitchFamily="49" charset="0"/>
                 <a:cs typeface="Courier New" panose="02070309020205020404" pitchFamily="49" charset="0"/>
               </a:rPr>
-              <a:t># add </a:t>
+              <a:t># add a new key-value pair if key </a:t>
+            </a:r>
+          </a:p>
+          <a:p>
+            <a:r>
+              <a:rPr lang="en-US" altLang="zh-CN" dirty="0">
+                <a:latin typeface="Courier New" panose="02070309020205020404" pitchFamily="49" charset="0"/>
+                <a:cs typeface="Courier New" panose="02070309020205020404" pitchFamily="49" charset="0"/>
+              </a:rPr>
+              <a:t>	</a:t>
+            </a:r>
+            <a:r>
+              <a:rPr lang="en-US" altLang="zh-CN" dirty="0" smtClean="0">
+                <a:latin typeface="Courier New" panose="02070309020205020404" pitchFamily="49" charset="0"/>
+                <a:cs typeface="Courier New" panose="02070309020205020404" pitchFamily="49" charset="0"/>
+              </a:rPr>
+              <a:t>					</a:t>
             </a:r>
             <a:r>
               <a:rPr lang="en-US" altLang="zh-CN" dirty="0" smtClean="0">
@@ -4603,7 +4611,16 @@
                 <a:latin typeface="Courier New" panose="02070309020205020404" pitchFamily="49" charset="0"/>
                 <a:cs typeface="Courier New" panose="02070309020205020404" pitchFamily="49" charset="0"/>
               </a:rPr>
-              <a:t>a new key-value </a:t>
+              <a:t># doesn’t exist</a:t>
+            </a:r>
+          </a:p>
+          <a:p>
+            <a:r>
+              <a:rPr lang="en-US" altLang="zh-CN" dirty="0" smtClean="0">
+                <a:latin typeface="Courier New" panose="02070309020205020404" pitchFamily="49" charset="0"/>
+                <a:cs typeface="Courier New" panose="02070309020205020404" pitchFamily="49" charset="0"/>
+              </a:rPr>
+              <a:t>d[‘three’] = 3.0		</a:t>
             </a:r>
             <a:r>
               <a:rPr lang="en-US" altLang="zh-CN" dirty="0" smtClean="0">
@@ -4613,23 +4630,32 @@
                 <a:latin typeface="Courier New" panose="02070309020205020404" pitchFamily="49" charset="0"/>
                 <a:cs typeface="Courier New" panose="02070309020205020404" pitchFamily="49" charset="0"/>
               </a:rPr>
-              <a:t>pair if key </a:t>
-            </a:r>
-          </a:p>
-          <a:p>
-            <a:r>
-              <a:rPr lang="en-US" altLang="zh-CN" dirty="0">
-                <a:latin typeface="Courier New" panose="02070309020205020404" pitchFamily="49" charset="0"/>
-                <a:cs typeface="Courier New" panose="02070309020205020404" pitchFamily="49" charset="0"/>
-              </a:rPr>
-              <a:t>	</a:t>
-            </a:r>
-            <a:r>
-              <a:rPr lang="en-US" altLang="zh-CN" dirty="0" smtClean="0">
-                <a:latin typeface="Courier New" panose="02070309020205020404" pitchFamily="49" charset="0"/>
-                <a:cs typeface="Courier New" panose="02070309020205020404" pitchFamily="49" charset="0"/>
-              </a:rPr>
-              <a:t>					</a:t>
+              <a:t># modify an existing pair</a:t>
+            </a:r>
+          </a:p>
+          <a:p>
+            <a:r>
+              <a:rPr lang="en-US" altLang="zh-CN" dirty="0" smtClean="0">
+                <a:latin typeface="Courier New" panose="02070309020205020404" pitchFamily="49" charset="0"/>
+                <a:cs typeface="Courier New" panose="02070309020205020404" pitchFamily="49" charset="0"/>
+              </a:rPr>
+              <a:t>del d[‘four’]</a:t>
+            </a:r>
+          </a:p>
+          <a:p>
+            <a:r>
+              <a:rPr lang="en-US" altLang="zh-CN" dirty="0" smtClean="0">
+                <a:latin typeface="Courier New" panose="02070309020205020404" pitchFamily="49" charset="0"/>
+                <a:cs typeface="Courier New" panose="02070309020205020404" pitchFamily="49" charset="0"/>
+              </a:rPr>
+              <a:t>‘five’ in </a:t>
+            </a:r>
+            <a:r>
+              <a:rPr lang="en-US" altLang="zh-CN" dirty="0" smtClean="0">
+                <a:latin typeface="Courier New" panose="02070309020205020404" pitchFamily="49" charset="0"/>
+                <a:cs typeface="Courier New" panose="02070309020205020404" pitchFamily="49" charset="0"/>
+              </a:rPr>
+              <a:t>d			</a:t>
             </a:r>
             <a:r>
               <a:rPr lang="en-US" altLang="zh-CN" dirty="0" smtClean="0">
@@ -4639,17 +4665,7 @@
                 <a:latin typeface="Courier New" panose="02070309020205020404" pitchFamily="49" charset="0"/>
                 <a:cs typeface="Courier New" panose="02070309020205020404" pitchFamily="49" charset="0"/>
               </a:rPr>
-              <a:t># </a:t>
-            </a:r>
-            <a:r>
-              <a:rPr lang="en-US" altLang="zh-CN" dirty="0" smtClean="0">
-                <a:solidFill>
-                  <a:srgbClr val="00B0F0"/>
-                </a:solidFill>
-                <a:latin typeface="Courier New" panose="02070309020205020404" pitchFamily="49" charset="0"/>
-                <a:cs typeface="Courier New" panose="02070309020205020404" pitchFamily="49" charset="0"/>
-              </a:rPr>
-              <a:t>doesn’t exist</a:t>
+              <a:t># False</a:t>
             </a:r>
             <a:endParaRPr lang="en-US" altLang="zh-CN" dirty="0" smtClean="0">
               <a:solidFill>
@@ -4665,7 +4681,14 @@
                 <a:latin typeface="Courier New" panose="02070309020205020404" pitchFamily="49" charset="0"/>
                 <a:cs typeface="Courier New" panose="02070309020205020404" pitchFamily="49" charset="0"/>
               </a:rPr>
-              <a:t>d[‘three’] = 3.0		</a:t>
+              <a:t>for </a:t>
+            </a:r>
+            <a:r>
+              <a:rPr lang="en-US" altLang="zh-CN" dirty="0" smtClean="0">
+                <a:latin typeface="Courier New" panose="02070309020205020404" pitchFamily="49" charset="0"/>
+                <a:cs typeface="Courier New" panose="02070309020205020404" pitchFamily="49" charset="0"/>
+              </a:rPr>
+              <a:t>key in d:			</a:t>
             </a:r>
             <a:r>
               <a:rPr lang="en-US" altLang="zh-CN" dirty="0" smtClean="0">
@@ -4675,64 +4698,7 @@
                 <a:latin typeface="Courier New" panose="02070309020205020404" pitchFamily="49" charset="0"/>
                 <a:cs typeface="Courier New" panose="02070309020205020404" pitchFamily="49" charset="0"/>
               </a:rPr>
-              <a:t># modify </a:t>
-            </a:r>
-            <a:r>
-              <a:rPr lang="en-US" altLang="zh-CN" dirty="0" smtClean="0">
-                <a:solidFill>
-                  <a:srgbClr val="00B0F0"/>
-                </a:solidFill>
-                <a:latin typeface="Courier New" panose="02070309020205020404" pitchFamily="49" charset="0"/>
-                <a:cs typeface="Courier New" panose="02070309020205020404" pitchFamily="49" charset="0"/>
-              </a:rPr>
-              <a:t>an existing pair</a:t>
-            </a:r>
-          </a:p>
-          <a:p>
-            <a:r>
-              <a:rPr lang="en-US" altLang="zh-CN" dirty="0" smtClean="0">
-                <a:latin typeface="Courier New" panose="02070309020205020404" pitchFamily="49" charset="0"/>
-                <a:cs typeface="Courier New" panose="02070309020205020404" pitchFamily="49" charset="0"/>
-              </a:rPr>
-              <a:t>del d[‘four’]</a:t>
-            </a:r>
-          </a:p>
-          <a:p>
-            <a:r>
-              <a:rPr lang="en-US" altLang="zh-CN" dirty="0" smtClean="0">
-                <a:latin typeface="Courier New" panose="02070309020205020404" pitchFamily="49" charset="0"/>
-                <a:cs typeface="Courier New" panose="02070309020205020404" pitchFamily="49" charset="0"/>
-              </a:rPr>
-              <a:t>‘five’ in d</a:t>
-            </a:r>
-          </a:p>
-          <a:p>
-            <a:r>
-              <a:rPr lang="en-US" altLang="zh-CN" dirty="0" smtClean="0">
-                <a:latin typeface="Courier New" panose="02070309020205020404" pitchFamily="49" charset="0"/>
-                <a:cs typeface="Courier New" panose="02070309020205020404" pitchFamily="49" charset="0"/>
-              </a:rPr>
-              <a:t>for key in d:			</a:t>
-            </a:r>
-            <a:r>
-              <a:rPr lang="en-US" altLang="zh-CN" dirty="0" smtClean="0">
-                <a:solidFill>
-                  <a:srgbClr val="00B0F0"/>
-                </a:solidFill>
-                <a:latin typeface="Courier New" panose="02070309020205020404" pitchFamily="49" charset="0"/>
-                <a:cs typeface="Courier New" panose="02070309020205020404" pitchFamily="49" charset="0"/>
-              </a:rPr>
-              <a:t># no </a:t>
-            </a:r>
-            <a:r>
-              <a:rPr lang="en-US" altLang="zh-CN" dirty="0" smtClean="0">
-                <a:solidFill>
-                  <a:srgbClr val="00B0F0"/>
-                </a:solidFill>
-                <a:latin typeface="Courier New" panose="02070309020205020404" pitchFamily="49" charset="0"/>
-                <a:cs typeface="Courier New" panose="02070309020205020404" pitchFamily="49" charset="0"/>
-              </a:rPr>
-              <a:t>guarantee on order</a:t>
+              <a:t># no guarantee on order</a:t>
             </a:r>
           </a:p>
           <a:p>
@@ -4787,6 +4753,43 @@
             <a:endParaRPr lang="en-US" altLang="zh-CN" dirty="0">
               <a:latin typeface="Courier New" panose="02070309020205020404" pitchFamily="49" charset="0"/>
               <a:cs typeface="Courier New" panose="02070309020205020404" pitchFamily="49" charset="0"/>
+            </a:endParaRPr>
+          </a:p>
+        </p:txBody>
+      </p:sp>
+      <p:sp>
+        <p:nvSpPr>
+          <p:cNvPr id="8" name="Rectangle 7"/>
+          <p:cNvSpPr/>
+          <p:nvPr/>
+        </p:nvSpPr>
+        <p:spPr>
+          <a:xfrm>
+            <a:off x="0" y="6451738"/>
+            <a:ext cx="824906" cy="276999"/>
+          </a:xfrm>
+          <a:prstGeom prst="rect">
+            <a:avLst/>
+          </a:prstGeom>
+        </p:spPr>
+        <p:txBody>
+          <a:bodyPr wrap="none">
+            <a:spAutoFit/>
+          </a:bodyPr>
+          <a:lstStyle/>
+          <a:p>
+            <a:r>
+              <a:rPr lang="en-US" sz="1200" dirty="0" smtClean="0">
+                <a:solidFill>
+                  <a:srgbClr val="118EB0"/>
+                </a:solidFill>
+              </a:rPr>
+              <a:t>Dictionary</a:t>
+            </a:r>
+            <a:endParaRPr lang="en-US" sz="1200" dirty="0">
+              <a:solidFill>
+                <a:srgbClr val="118EB0"/>
+              </a:solidFill>
             </a:endParaRPr>
           </a:p>
         </p:txBody>
@@ -4922,32 +4925,34 @@
       </p:sp>
       <p:sp>
         <p:nvSpPr>
-          <p:cNvPr id="6" name="Rectangle 5"/>
-          <p:cNvSpPr/>
-          <p:nvPr/>
-        </p:nvSpPr>
-        <p:spPr>
-          <a:xfrm>
-            <a:off x="0" y="6451738"/>
-            <a:ext cx="1037664" cy="276999"/>
-          </a:xfrm>
-          <a:prstGeom prst="rect">
-            <a:avLst/>
-          </a:prstGeom>
-        </p:spPr>
-        <p:txBody>
-          <a:bodyPr wrap="none">
+          <p:cNvPr id="7" name="TextBox 6"/>
+          <p:cNvSpPr txBox="1"/>
+          <p:nvPr/>
+        </p:nvSpPr>
+        <p:spPr>
+          <a:xfrm>
+            <a:off x="8869998" y="6453063"/>
+            <a:ext cx="262662" cy="276999"/>
+          </a:xfrm>
+          <a:prstGeom prst="rect">
+            <a:avLst/>
+          </a:prstGeom>
+          <a:noFill/>
+        </p:spPr>
+        <p:txBody>
+          <a:bodyPr wrap="none" rtlCol="0">
             <a:spAutoFit/>
           </a:bodyPr>
           <a:lstStyle/>
           <a:p>
+            <a:pPr algn="r"/>
             <a:r>
               <a:rPr lang="en-US" sz="1200" dirty="0" smtClean="0">
                 <a:solidFill>
                   <a:srgbClr val="118EB0"/>
                 </a:solidFill>
               </a:rPr>
-              <a:t>Administrivia</a:t>
+              <a:t>1</a:t>
             </a:r>
             <a:endParaRPr lang="en-US" sz="1200" dirty="0">
               <a:solidFill>
@@ -4959,14 +4964,14 @@
       </p:sp>
       <p:sp>
         <p:nvSpPr>
-          <p:cNvPr id="7" name="TextBox 6"/>
+          <p:cNvPr id="2" name="TextBox 1"/>
           <p:cNvSpPr txBox="1"/>
           <p:nvPr/>
         </p:nvSpPr>
         <p:spPr>
           <a:xfrm>
-            <a:off x="8869998" y="6453063"/>
-            <a:ext cx="262662" cy="276999"/>
+            <a:off x="709190" y="1615736"/>
+            <a:ext cx="4596130" cy="2308324"/>
           </a:xfrm>
           <a:prstGeom prst="rect">
             <a:avLst/>
@@ -4979,164 +4984,162 @@
           </a:bodyPr>
           <a:lstStyle/>
           <a:p>
-            <a:pPr algn="r"/>
+            <a:r>
+              <a:rPr lang="en-US" altLang="zh-CN" dirty="0" smtClean="0">
+                <a:latin typeface="Courier New" panose="02070309020205020404" pitchFamily="49" charset="0"/>
+                <a:cs typeface="Courier New" panose="02070309020205020404" pitchFamily="49" charset="0"/>
+              </a:rPr>
+              <a:t>d = {1:’a’, 2:‘b’, 3:‘c’, 4:’d’}</a:t>
+            </a:r>
+          </a:p>
+          <a:p>
+            <a:r>
+              <a:rPr lang="en-US" altLang="zh-CN" dirty="0" smtClean="0">
+                <a:latin typeface="Courier New" panose="02070309020205020404" pitchFamily="49" charset="0"/>
+                <a:cs typeface="Courier New" panose="02070309020205020404" pitchFamily="49" charset="0"/>
+              </a:rPr>
+              <a:t>x = d[2] + d[3]</a:t>
+            </a:r>
+          </a:p>
+          <a:p>
+            <a:r>
+              <a:rPr lang="en-US" altLang="zh-CN" dirty="0" smtClean="0">
+                <a:latin typeface="Courier New" panose="02070309020205020404" pitchFamily="49" charset="0"/>
+                <a:cs typeface="Courier New" panose="02070309020205020404" pitchFamily="49" charset="0"/>
+              </a:rPr>
+              <a:t/>
+            </a:r>
+            <a:br>
+              <a:rPr lang="en-US" altLang="zh-CN" dirty="0" smtClean="0">
+                <a:latin typeface="Courier New" panose="02070309020205020404" pitchFamily="49" charset="0"/>
+                <a:cs typeface="Courier New" panose="02070309020205020404" pitchFamily="49" charset="0"/>
+              </a:rPr>
+            </a:br>
+            <a:r>
+              <a:rPr lang="en-US" altLang="zh-CN" dirty="0" smtClean="0">
+                <a:latin typeface="Courier New" panose="02070309020205020404" pitchFamily="49" charset="0"/>
+                <a:cs typeface="Courier New" panose="02070309020205020404" pitchFamily="49" charset="0"/>
+              </a:rPr>
+              <a:t>What is the value of x?</a:t>
+            </a:r>
+          </a:p>
+          <a:p>
+            <a:r>
+              <a:rPr lang="en-US" altLang="zh-CN" dirty="0">
+                <a:latin typeface="Courier New" panose="02070309020205020404" pitchFamily="49" charset="0"/>
+                <a:cs typeface="Courier New" panose="02070309020205020404" pitchFamily="49" charset="0"/>
+              </a:rPr>
+              <a:t> </a:t>
+            </a:r>
+            <a:r>
+              <a:rPr lang="en-US" altLang="zh-CN" dirty="0" smtClean="0">
+                <a:latin typeface="Courier New" panose="02070309020205020404" pitchFamily="49" charset="0"/>
+                <a:cs typeface="Courier New" panose="02070309020205020404" pitchFamily="49" charset="0"/>
+              </a:rPr>
+              <a:t>A 5</a:t>
+            </a:r>
+          </a:p>
+          <a:p>
+            <a:r>
+              <a:rPr lang="en-US" altLang="zh-CN" dirty="0">
+                <a:latin typeface="Courier New" panose="02070309020205020404" pitchFamily="49" charset="0"/>
+                <a:cs typeface="Courier New" panose="02070309020205020404" pitchFamily="49" charset="0"/>
+              </a:rPr>
+              <a:t> </a:t>
+            </a:r>
+            <a:r>
+              <a:rPr lang="en-US" altLang="zh-CN" dirty="0" smtClean="0">
+                <a:latin typeface="Courier New" panose="02070309020205020404" pitchFamily="49" charset="0"/>
+                <a:cs typeface="Courier New" panose="02070309020205020404" pitchFamily="49" charset="0"/>
+              </a:rPr>
+              <a:t>B 7</a:t>
+            </a:r>
+          </a:p>
+          <a:p>
+            <a:r>
+              <a:rPr lang="en-US" altLang="zh-CN" dirty="0">
+                <a:latin typeface="Courier New" panose="02070309020205020404" pitchFamily="49" charset="0"/>
+                <a:cs typeface="Courier New" panose="02070309020205020404" pitchFamily="49" charset="0"/>
+              </a:rPr>
+              <a:t> </a:t>
+            </a:r>
+            <a:r>
+              <a:rPr lang="en-US" altLang="zh-CN" dirty="0" smtClean="0">
+                <a:latin typeface="Courier New" panose="02070309020205020404" pitchFamily="49" charset="0"/>
+                <a:cs typeface="Courier New" panose="02070309020205020404" pitchFamily="49" charset="0"/>
+              </a:rPr>
+              <a:t>C ‘cd’</a:t>
+            </a:r>
+          </a:p>
+          <a:p>
+            <a:r>
+              <a:rPr lang="en-US" altLang="zh-CN" dirty="0">
+                <a:latin typeface="Courier New" panose="02070309020205020404" pitchFamily="49" charset="0"/>
+                <a:cs typeface="Courier New" panose="02070309020205020404" pitchFamily="49" charset="0"/>
+              </a:rPr>
+              <a:t> </a:t>
+            </a:r>
+            <a:r>
+              <a:rPr lang="en-US" altLang="zh-CN" dirty="0" smtClean="0">
+                <a:latin typeface="Courier New" panose="02070309020205020404" pitchFamily="49" charset="0"/>
+                <a:cs typeface="Courier New" panose="02070309020205020404" pitchFamily="49" charset="0"/>
+              </a:rPr>
+              <a:t>D ‘</a:t>
+            </a:r>
+            <a:r>
+              <a:rPr lang="en-US" altLang="zh-CN" dirty="0" err="1" smtClean="0">
+                <a:latin typeface="Courier New" panose="02070309020205020404" pitchFamily="49" charset="0"/>
+                <a:cs typeface="Courier New" panose="02070309020205020404" pitchFamily="49" charset="0"/>
+              </a:rPr>
+              <a:t>bc</a:t>
+            </a:r>
+            <a:r>
+              <a:rPr lang="en-US" altLang="zh-CN" dirty="0" smtClean="0">
+                <a:latin typeface="Courier New" panose="02070309020205020404" pitchFamily="49" charset="0"/>
+                <a:cs typeface="Courier New" panose="02070309020205020404" pitchFamily="49" charset="0"/>
+              </a:rPr>
+              <a:t>’</a:t>
+            </a:r>
+            <a:endParaRPr lang="en-US" altLang="zh-CN" dirty="0">
+              <a:latin typeface="Courier New" panose="02070309020205020404" pitchFamily="49" charset="0"/>
+              <a:cs typeface="Courier New" panose="02070309020205020404" pitchFamily="49" charset="0"/>
+            </a:endParaRPr>
+          </a:p>
+        </p:txBody>
+      </p:sp>
+      <p:sp>
+        <p:nvSpPr>
+          <p:cNvPr id="8" name="Rectangle 7"/>
+          <p:cNvSpPr/>
+          <p:nvPr/>
+        </p:nvSpPr>
+        <p:spPr>
+          <a:xfrm>
+            <a:off x="0" y="6451738"/>
+            <a:ext cx="824906" cy="276999"/>
+          </a:xfrm>
+          <a:prstGeom prst="rect">
+            <a:avLst/>
+          </a:prstGeom>
+        </p:spPr>
+        <p:txBody>
+          <a:bodyPr wrap="none">
+            <a:spAutoFit/>
+          </a:bodyPr>
+          <a:lstStyle/>
+          <a:p>
             <a:r>
               <a:rPr lang="en-US" sz="1200" dirty="0" smtClean="0">
                 <a:solidFill>
                   <a:srgbClr val="118EB0"/>
                 </a:solidFill>
               </a:rPr>
-              <a:t>1</a:t>
+              <a:t>Dictionary</a:t>
             </a:r>
             <a:endParaRPr lang="en-US" sz="1200" dirty="0">
               <a:solidFill>
                 <a:srgbClr val="118EB0"/>
               </a:solidFill>
-            </a:endParaRPr>
-          </a:p>
-        </p:txBody>
-      </p:sp>
-      <p:sp>
-        <p:nvSpPr>
-          <p:cNvPr id="2" name="TextBox 1"/>
-          <p:cNvSpPr txBox="1"/>
-          <p:nvPr/>
-        </p:nvSpPr>
-        <p:spPr>
-          <a:xfrm>
-            <a:off x="709190" y="1615736"/>
-            <a:ext cx="4596130" cy="2308324"/>
-          </a:xfrm>
-          <a:prstGeom prst="rect">
-            <a:avLst/>
-          </a:prstGeom>
-          <a:noFill/>
-        </p:spPr>
-        <p:txBody>
-          <a:bodyPr wrap="none" rtlCol="0">
-            <a:spAutoFit/>
-          </a:bodyPr>
-          <a:lstStyle/>
-          <a:p>
-            <a:r>
-              <a:rPr lang="en-US" altLang="zh-CN" dirty="0" smtClean="0">
-                <a:latin typeface="Courier New" panose="02070309020205020404" pitchFamily="49" charset="0"/>
-                <a:cs typeface="Courier New" panose="02070309020205020404" pitchFamily="49" charset="0"/>
-              </a:rPr>
-              <a:t>d = {1:’a’, 2:‘b’, 3:‘c’, 4:’d’}</a:t>
-            </a:r>
-          </a:p>
-          <a:p>
-            <a:r>
-              <a:rPr lang="en-US" altLang="zh-CN" dirty="0" smtClean="0">
-                <a:latin typeface="Courier New" panose="02070309020205020404" pitchFamily="49" charset="0"/>
-                <a:cs typeface="Courier New" panose="02070309020205020404" pitchFamily="49" charset="0"/>
-              </a:rPr>
-              <a:t>x = d[2] + d[3]</a:t>
-            </a:r>
-          </a:p>
-          <a:p>
-            <a:r>
-              <a:rPr lang="en-US" altLang="zh-CN" dirty="0" smtClean="0">
-                <a:latin typeface="Courier New" panose="02070309020205020404" pitchFamily="49" charset="0"/>
-                <a:cs typeface="Courier New" panose="02070309020205020404" pitchFamily="49" charset="0"/>
-              </a:rPr>
-              <a:t/>
-            </a:r>
-            <a:br>
-              <a:rPr lang="en-US" altLang="zh-CN" dirty="0" smtClean="0">
-                <a:latin typeface="Courier New" panose="02070309020205020404" pitchFamily="49" charset="0"/>
-                <a:cs typeface="Courier New" panose="02070309020205020404" pitchFamily="49" charset="0"/>
-              </a:rPr>
-            </a:br>
-            <a:r>
-              <a:rPr lang="en-US" altLang="zh-CN" dirty="0" smtClean="0">
-                <a:latin typeface="Courier New" panose="02070309020205020404" pitchFamily="49" charset="0"/>
-                <a:cs typeface="Courier New" panose="02070309020205020404" pitchFamily="49" charset="0"/>
-              </a:rPr>
-              <a:t>What is the value of x?</a:t>
-            </a:r>
-          </a:p>
-          <a:p>
-            <a:r>
-              <a:rPr lang="en-US" altLang="zh-CN" dirty="0">
-                <a:latin typeface="Courier New" panose="02070309020205020404" pitchFamily="49" charset="0"/>
-                <a:cs typeface="Courier New" panose="02070309020205020404" pitchFamily="49" charset="0"/>
-              </a:rPr>
-              <a:t> </a:t>
-            </a:r>
-            <a:r>
-              <a:rPr lang="en-US" altLang="zh-CN" dirty="0" smtClean="0">
-                <a:latin typeface="Courier New" panose="02070309020205020404" pitchFamily="49" charset="0"/>
-                <a:cs typeface="Courier New" panose="02070309020205020404" pitchFamily="49" charset="0"/>
-              </a:rPr>
-              <a:t>A 5</a:t>
-            </a:r>
-          </a:p>
-          <a:p>
-            <a:r>
-              <a:rPr lang="en-US" altLang="zh-CN" dirty="0">
-                <a:latin typeface="Courier New" panose="02070309020205020404" pitchFamily="49" charset="0"/>
-                <a:cs typeface="Courier New" panose="02070309020205020404" pitchFamily="49" charset="0"/>
-              </a:rPr>
-              <a:t> </a:t>
-            </a:r>
-            <a:r>
-              <a:rPr lang="en-US" altLang="zh-CN" dirty="0" smtClean="0">
-                <a:latin typeface="Courier New" panose="02070309020205020404" pitchFamily="49" charset="0"/>
-                <a:cs typeface="Courier New" panose="02070309020205020404" pitchFamily="49" charset="0"/>
-              </a:rPr>
-              <a:t>B 7</a:t>
-            </a:r>
-          </a:p>
-          <a:p>
-            <a:r>
-              <a:rPr lang="en-US" altLang="zh-CN" dirty="0">
-                <a:latin typeface="Courier New" panose="02070309020205020404" pitchFamily="49" charset="0"/>
-                <a:cs typeface="Courier New" panose="02070309020205020404" pitchFamily="49" charset="0"/>
-              </a:rPr>
-              <a:t> </a:t>
-            </a:r>
-            <a:r>
-              <a:rPr lang="en-US" altLang="zh-CN" dirty="0" smtClean="0">
-                <a:latin typeface="Courier New" panose="02070309020205020404" pitchFamily="49" charset="0"/>
-                <a:cs typeface="Courier New" panose="02070309020205020404" pitchFamily="49" charset="0"/>
-              </a:rPr>
-              <a:t>C ‘cd’</a:t>
-            </a:r>
-          </a:p>
-          <a:p>
-            <a:r>
-              <a:rPr lang="en-US" altLang="zh-CN" dirty="0">
-                <a:latin typeface="Courier New" panose="02070309020205020404" pitchFamily="49" charset="0"/>
-                <a:cs typeface="Courier New" panose="02070309020205020404" pitchFamily="49" charset="0"/>
-              </a:rPr>
-              <a:t> </a:t>
-            </a:r>
-            <a:r>
-              <a:rPr lang="en-US" altLang="zh-CN" dirty="0" smtClean="0">
-                <a:latin typeface="Courier New" panose="02070309020205020404" pitchFamily="49" charset="0"/>
-                <a:cs typeface="Courier New" panose="02070309020205020404" pitchFamily="49" charset="0"/>
-              </a:rPr>
-              <a:t>D ‘</a:t>
-            </a:r>
-            <a:r>
-              <a:rPr lang="en-US" altLang="zh-CN" dirty="0" err="1" smtClean="0">
-                <a:latin typeface="Courier New" panose="02070309020205020404" pitchFamily="49" charset="0"/>
-                <a:cs typeface="Courier New" panose="02070309020205020404" pitchFamily="49" charset="0"/>
-              </a:rPr>
-              <a:t>bc</a:t>
-            </a:r>
-            <a:r>
-              <a:rPr lang="en-US" altLang="zh-CN" dirty="0" smtClean="0">
-                <a:latin typeface="Courier New" panose="02070309020205020404" pitchFamily="49" charset="0"/>
-                <a:cs typeface="Courier New" panose="02070309020205020404" pitchFamily="49" charset="0"/>
-              </a:rPr>
-              <a:t>’</a:t>
-            </a:r>
-            <a:endParaRPr lang="en-US" altLang="zh-CN" dirty="0">
-              <a:latin typeface="Courier New" panose="02070309020205020404" pitchFamily="49" charset="0"/>
-              <a:cs typeface="Courier New" panose="02070309020205020404" pitchFamily="49" charset="0"/>
             </a:endParaRPr>
           </a:p>
         </p:txBody>
@@ -5272,32 +5275,34 @@
       </p:sp>
       <p:sp>
         <p:nvSpPr>
-          <p:cNvPr id="6" name="Rectangle 5"/>
-          <p:cNvSpPr/>
-          <p:nvPr/>
-        </p:nvSpPr>
-        <p:spPr>
-          <a:xfrm>
-            <a:off x="0" y="6451738"/>
-            <a:ext cx="1037664" cy="276999"/>
-          </a:xfrm>
-          <a:prstGeom prst="rect">
-            <a:avLst/>
-          </a:prstGeom>
-        </p:spPr>
-        <p:txBody>
-          <a:bodyPr wrap="none">
+          <p:cNvPr id="7" name="TextBox 6"/>
+          <p:cNvSpPr txBox="1"/>
+          <p:nvPr/>
+        </p:nvSpPr>
+        <p:spPr>
+          <a:xfrm>
+            <a:off x="8869998" y="6453063"/>
+            <a:ext cx="262662" cy="276999"/>
+          </a:xfrm>
+          <a:prstGeom prst="rect">
+            <a:avLst/>
+          </a:prstGeom>
+          <a:noFill/>
+        </p:spPr>
+        <p:txBody>
+          <a:bodyPr wrap="none" rtlCol="0">
             <a:spAutoFit/>
           </a:bodyPr>
           <a:lstStyle/>
           <a:p>
+            <a:pPr algn="r"/>
             <a:r>
               <a:rPr lang="en-US" sz="1200" dirty="0" smtClean="0">
                 <a:solidFill>
                   <a:srgbClr val="118EB0"/>
                 </a:solidFill>
               </a:rPr>
-              <a:t>Administrivia</a:t>
+              <a:t>1</a:t>
             </a:r>
             <a:endParaRPr lang="en-US" sz="1200" dirty="0">
               <a:solidFill>
@@ -5309,14 +5314,14 @@
       </p:sp>
       <p:sp>
         <p:nvSpPr>
-          <p:cNvPr id="7" name="TextBox 6"/>
+          <p:cNvPr id="2" name="TextBox 1"/>
           <p:cNvSpPr txBox="1"/>
           <p:nvPr/>
         </p:nvSpPr>
         <p:spPr>
           <a:xfrm>
-            <a:off x="8869998" y="6453063"/>
-            <a:ext cx="262662" cy="276999"/>
+            <a:off x="709190" y="1615736"/>
+            <a:ext cx="5009705" cy="1754326"/>
           </a:xfrm>
           <a:prstGeom prst="rect">
             <a:avLst/>
@@ -5329,127 +5334,122 @@
           </a:bodyPr>
           <a:lstStyle/>
           <a:p>
-            <a:pPr algn="r"/>
+            <a:r>
+              <a:rPr lang="en-US" altLang="zh-CN" dirty="0" smtClean="0">
+                <a:latin typeface="Courier New" panose="02070309020205020404" pitchFamily="49" charset="0"/>
+                <a:cs typeface="Courier New" panose="02070309020205020404" pitchFamily="49" charset="0"/>
+              </a:rPr>
+              <a:t>d = {}</a:t>
+            </a:r>
+          </a:p>
+          <a:p>
+            <a:r>
+              <a:rPr lang="en-US" altLang="zh-CN" dirty="0" smtClean="0">
+                <a:latin typeface="Courier New" panose="02070309020205020404" pitchFamily="49" charset="0"/>
+                <a:cs typeface="Courier New" panose="02070309020205020404" pitchFamily="49" charset="0"/>
+              </a:rPr>
+              <a:t>words = [‘red’, ‘orange’, ‘yellow’]</a:t>
+            </a:r>
+          </a:p>
+          <a:p>
+            <a:r>
+              <a:rPr lang="en-US" altLang="zh-CN" dirty="0" smtClean="0">
+                <a:latin typeface="Courier New" panose="02070309020205020404" pitchFamily="49" charset="0"/>
+                <a:cs typeface="Courier New" panose="02070309020205020404" pitchFamily="49" charset="0"/>
+              </a:rPr>
+              <a:t>for word in words:</a:t>
+            </a:r>
+          </a:p>
+          <a:p>
+            <a:r>
+              <a:rPr lang="en-US" altLang="zh-CN" dirty="0">
+                <a:latin typeface="Courier New" panose="02070309020205020404" pitchFamily="49" charset="0"/>
+                <a:cs typeface="Courier New" panose="02070309020205020404" pitchFamily="49" charset="0"/>
+              </a:rPr>
+              <a:t>	</a:t>
+            </a:r>
+            <a:r>
+              <a:rPr lang="en-US" altLang="zh-CN" dirty="0" smtClean="0">
+                <a:latin typeface="Courier New" panose="02070309020205020404" pitchFamily="49" charset="0"/>
+                <a:cs typeface="Courier New" panose="02070309020205020404" pitchFamily="49" charset="0"/>
+              </a:rPr>
+              <a:t>d[word] = </a:t>
+            </a:r>
+            <a:r>
+              <a:rPr lang="en-US" altLang="zh-CN" dirty="0" err="1" smtClean="0">
+                <a:latin typeface="Courier New" panose="02070309020205020404" pitchFamily="49" charset="0"/>
+                <a:cs typeface="Courier New" panose="02070309020205020404" pitchFamily="49" charset="0"/>
+              </a:rPr>
+              <a:t>words.index</a:t>
+            </a:r>
+            <a:r>
+              <a:rPr lang="en-US" altLang="zh-CN" dirty="0" smtClean="0">
+                <a:latin typeface="Courier New" panose="02070309020205020404" pitchFamily="49" charset="0"/>
+                <a:cs typeface="Courier New" panose="02070309020205020404" pitchFamily="49" charset="0"/>
+              </a:rPr>
+              <a:t>(word)</a:t>
+            </a:r>
+            <a:endParaRPr lang="en-US" altLang="zh-CN" dirty="0">
+              <a:latin typeface="Courier New" panose="02070309020205020404" pitchFamily="49" charset="0"/>
+              <a:cs typeface="Courier New" panose="02070309020205020404" pitchFamily="49" charset="0"/>
+            </a:endParaRPr>
+          </a:p>
+          <a:p>
+            <a:r>
+              <a:rPr lang="en-US" altLang="zh-CN" dirty="0" smtClean="0">
+                <a:latin typeface="Courier New" panose="02070309020205020404" pitchFamily="49" charset="0"/>
+                <a:cs typeface="Courier New" panose="02070309020205020404" pitchFamily="49" charset="0"/>
+              </a:rPr>
+              <a:t/>
+            </a:r>
+            <a:br>
+              <a:rPr lang="en-US" altLang="zh-CN" dirty="0" smtClean="0">
+                <a:latin typeface="Courier New" panose="02070309020205020404" pitchFamily="49" charset="0"/>
+                <a:cs typeface="Courier New" panose="02070309020205020404" pitchFamily="49" charset="0"/>
+              </a:rPr>
+            </a:br>
+            <a:r>
+              <a:rPr lang="en-US" altLang="zh-CN" dirty="0" smtClean="0">
+                <a:cs typeface="Courier New" panose="02070309020205020404" pitchFamily="49" charset="0"/>
+              </a:rPr>
+              <a:t>What is stored in d?</a:t>
+            </a:r>
+          </a:p>
+        </p:txBody>
+      </p:sp>
+      <p:sp>
+        <p:nvSpPr>
+          <p:cNvPr id="8" name="Rectangle 7"/>
+          <p:cNvSpPr/>
+          <p:nvPr/>
+        </p:nvSpPr>
+        <p:spPr>
+          <a:xfrm>
+            <a:off x="0" y="6451738"/>
+            <a:ext cx="824906" cy="276999"/>
+          </a:xfrm>
+          <a:prstGeom prst="rect">
+            <a:avLst/>
+          </a:prstGeom>
+        </p:spPr>
+        <p:txBody>
+          <a:bodyPr wrap="none">
+            <a:spAutoFit/>
+          </a:bodyPr>
+          <a:lstStyle/>
+          <a:p>
             <a:r>
               <a:rPr lang="en-US" sz="1200" dirty="0" smtClean="0">
                 <a:solidFill>
                   <a:srgbClr val="118EB0"/>
                 </a:solidFill>
               </a:rPr>
-              <a:t>1</a:t>
+              <a:t>Dictionary</a:t>
             </a:r>
             <a:endParaRPr lang="en-US" sz="1200" dirty="0">
               <a:solidFill>
                 <a:srgbClr val="118EB0"/>
               </a:solidFill>
-            </a:endParaRPr>
-          </a:p>
-        </p:txBody>
-      </p:sp>
-      <p:sp>
-        <p:nvSpPr>
-          <p:cNvPr id="2" name="TextBox 1"/>
-          <p:cNvSpPr txBox="1"/>
-          <p:nvPr/>
-        </p:nvSpPr>
-        <p:spPr>
-          <a:xfrm>
-            <a:off x="709190" y="1615736"/>
-            <a:ext cx="5009705" cy="1754326"/>
-          </a:xfrm>
-          <a:prstGeom prst="rect">
-            <a:avLst/>
-          </a:prstGeom>
-          <a:noFill/>
-        </p:spPr>
-        <p:txBody>
-          <a:bodyPr wrap="none" rtlCol="0">
-            <a:spAutoFit/>
-          </a:bodyPr>
-          <a:lstStyle/>
-          <a:p>
-            <a:r>
-              <a:rPr lang="en-US" altLang="zh-CN" dirty="0" smtClean="0">
-                <a:latin typeface="Courier New" panose="02070309020205020404" pitchFamily="49" charset="0"/>
-                <a:cs typeface="Courier New" panose="02070309020205020404" pitchFamily="49" charset="0"/>
-              </a:rPr>
-              <a:t>d = {}</a:t>
-            </a:r>
-          </a:p>
-          <a:p>
-            <a:r>
-              <a:rPr lang="en-US" altLang="zh-CN" dirty="0" smtClean="0">
-                <a:latin typeface="Courier New" panose="02070309020205020404" pitchFamily="49" charset="0"/>
-                <a:cs typeface="Courier New" panose="02070309020205020404" pitchFamily="49" charset="0"/>
-              </a:rPr>
-              <a:t>words = [‘red’, ‘orange’, ‘yellow’]</a:t>
-            </a:r>
-          </a:p>
-          <a:p>
-            <a:r>
-              <a:rPr lang="en-US" altLang="zh-CN" dirty="0" smtClean="0">
-                <a:latin typeface="Courier New" panose="02070309020205020404" pitchFamily="49" charset="0"/>
-                <a:cs typeface="Courier New" panose="02070309020205020404" pitchFamily="49" charset="0"/>
-              </a:rPr>
-              <a:t>for word in words:</a:t>
-            </a:r>
-          </a:p>
-          <a:p>
-            <a:r>
-              <a:rPr lang="en-US" altLang="zh-CN" dirty="0">
-                <a:latin typeface="Courier New" panose="02070309020205020404" pitchFamily="49" charset="0"/>
-                <a:cs typeface="Courier New" panose="02070309020205020404" pitchFamily="49" charset="0"/>
-              </a:rPr>
-              <a:t>	</a:t>
-            </a:r>
-            <a:r>
-              <a:rPr lang="en-US" altLang="zh-CN" dirty="0" smtClean="0">
-                <a:latin typeface="Courier New" panose="02070309020205020404" pitchFamily="49" charset="0"/>
-                <a:cs typeface="Courier New" panose="02070309020205020404" pitchFamily="49" charset="0"/>
-              </a:rPr>
-              <a:t>d[word] = </a:t>
-            </a:r>
-            <a:r>
-              <a:rPr lang="en-US" altLang="zh-CN" dirty="0" err="1" smtClean="0">
-                <a:latin typeface="Courier New" panose="02070309020205020404" pitchFamily="49" charset="0"/>
-                <a:cs typeface="Courier New" panose="02070309020205020404" pitchFamily="49" charset="0"/>
-              </a:rPr>
-              <a:t>words.index</a:t>
-            </a:r>
-            <a:r>
-              <a:rPr lang="en-US" altLang="zh-CN" dirty="0" smtClean="0">
-                <a:latin typeface="Courier New" panose="02070309020205020404" pitchFamily="49" charset="0"/>
-                <a:cs typeface="Courier New" panose="02070309020205020404" pitchFamily="49" charset="0"/>
-              </a:rPr>
-              <a:t>(word)</a:t>
-            </a:r>
-            <a:endParaRPr lang="en-US" altLang="zh-CN" dirty="0">
-              <a:latin typeface="Courier New" panose="02070309020205020404" pitchFamily="49" charset="0"/>
-              <a:cs typeface="Courier New" panose="02070309020205020404" pitchFamily="49" charset="0"/>
-            </a:endParaRPr>
-          </a:p>
-          <a:p>
-            <a:r>
-              <a:rPr lang="en-US" altLang="zh-CN" dirty="0" smtClean="0">
-                <a:latin typeface="Courier New" panose="02070309020205020404" pitchFamily="49" charset="0"/>
-                <a:cs typeface="Courier New" panose="02070309020205020404" pitchFamily="49" charset="0"/>
-              </a:rPr>
-              <a:t/>
-            </a:r>
-            <a:br>
-              <a:rPr lang="en-US" altLang="zh-CN" dirty="0" smtClean="0">
-                <a:latin typeface="Courier New" panose="02070309020205020404" pitchFamily="49" charset="0"/>
-                <a:cs typeface="Courier New" panose="02070309020205020404" pitchFamily="49" charset="0"/>
-              </a:rPr>
-            </a:br>
-            <a:r>
-              <a:rPr lang="en-US" altLang="zh-CN" dirty="0" smtClean="0">
-                <a:cs typeface="Courier New" panose="02070309020205020404" pitchFamily="49" charset="0"/>
-              </a:rPr>
-              <a:t>What is stored in d?</a:t>
-            </a:r>
-            <a:endParaRPr lang="en-US" altLang="zh-CN" dirty="0" smtClean="0">
-              <a:cs typeface="Courier New" panose="02070309020205020404" pitchFamily="49" charset="0"/>
             </a:endParaRPr>
           </a:p>
         </p:txBody>
@@ -5596,43 +5596,6 @@
       </p:sp>
       <p:sp>
         <p:nvSpPr>
-          <p:cNvPr id="6" name="Rectangle 5"/>
-          <p:cNvSpPr/>
-          <p:nvPr/>
-        </p:nvSpPr>
-        <p:spPr>
-          <a:xfrm>
-            <a:off x="0" y="6451738"/>
-            <a:ext cx="1037664" cy="276999"/>
-          </a:xfrm>
-          <a:prstGeom prst="rect">
-            <a:avLst/>
-          </a:prstGeom>
-        </p:spPr>
-        <p:txBody>
-          <a:bodyPr wrap="none">
-            <a:spAutoFit/>
-          </a:bodyPr>
-          <a:lstStyle/>
-          <a:p>
-            <a:r>
-              <a:rPr lang="en-US" sz="1200" dirty="0" smtClean="0">
-                <a:solidFill>
-                  <a:srgbClr val="118EB0"/>
-                </a:solidFill>
-              </a:rPr>
-              <a:t>Administrivia</a:t>
-            </a:r>
-            <a:endParaRPr lang="en-US" sz="1200" dirty="0">
-              <a:solidFill>
-                <a:srgbClr val="118EB0"/>
-              </a:solidFill>
-            </a:endParaRPr>
-          </a:p>
-        </p:txBody>
-      </p:sp>
-      <p:sp>
-        <p:nvSpPr>
           <p:cNvPr id="7" name="TextBox 6"/>
           <p:cNvSpPr txBox="1"/>
           <p:nvPr/>
@@ -5943,6 +5906,43 @@
               <a:buNone/>
             </a:pPr>
             <a:endParaRPr lang="en-US" sz="2800" dirty="0"/>
+          </a:p>
+        </p:txBody>
+      </p:sp>
+      <p:sp>
+        <p:nvSpPr>
+          <p:cNvPr id="9" name="Rectangle 8"/>
+          <p:cNvSpPr/>
+          <p:nvPr/>
+        </p:nvSpPr>
+        <p:spPr>
+          <a:xfrm>
+            <a:off x="0" y="6451738"/>
+            <a:ext cx="824906" cy="276999"/>
+          </a:xfrm>
+          <a:prstGeom prst="rect">
+            <a:avLst/>
+          </a:prstGeom>
+        </p:spPr>
+        <p:txBody>
+          <a:bodyPr wrap="none">
+            <a:spAutoFit/>
+          </a:bodyPr>
+          <a:lstStyle/>
+          <a:p>
+            <a:r>
+              <a:rPr lang="en-US" sz="1200" dirty="0" smtClean="0">
+                <a:solidFill>
+                  <a:srgbClr val="118EB0"/>
+                </a:solidFill>
+              </a:rPr>
+              <a:t>Dictionary</a:t>
+            </a:r>
+            <a:endParaRPr lang="en-US" sz="1200" dirty="0">
+              <a:solidFill>
+                <a:srgbClr val="118EB0"/>
+              </a:solidFill>
+            </a:endParaRPr>
           </a:p>
         </p:txBody>
       </p:sp>
@@ -6088,32 +6088,34 @@
       </p:sp>
       <p:sp>
         <p:nvSpPr>
-          <p:cNvPr id="6" name="Rectangle 5"/>
-          <p:cNvSpPr/>
-          <p:nvPr/>
-        </p:nvSpPr>
-        <p:spPr>
-          <a:xfrm>
-            <a:off x="0" y="6451738"/>
-            <a:ext cx="1037664" cy="276999"/>
-          </a:xfrm>
-          <a:prstGeom prst="rect">
-            <a:avLst/>
-          </a:prstGeom>
-        </p:spPr>
-        <p:txBody>
-          <a:bodyPr wrap="none">
+          <p:cNvPr id="7" name="TextBox 6"/>
+          <p:cNvSpPr txBox="1"/>
+          <p:nvPr/>
+        </p:nvSpPr>
+        <p:spPr>
+          <a:xfrm>
+            <a:off x="8869998" y="6453063"/>
+            <a:ext cx="262662" cy="276999"/>
+          </a:xfrm>
+          <a:prstGeom prst="rect">
+            <a:avLst/>
+          </a:prstGeom>
+          <a:noFill/>
+        </p:spPr>
+        <p:txBody>
+          <a:bodyPr wrap="none" rtlCol="0">
             <a:spAutoFit/>
           </a:bodyPr>
           <a:lstStyle/>
           <a:p>
+            <a:pPr algn="r"/>
             <a:r>
               <a:rPr lang="en-US" sz="1200" dirty="0" smtClean="0">
                 <a:solidFill>
                   <a:srgbClr val="118EB0"/>
                 </a:solidFill>
               </a:rPr>
-              <a:t>Administrivia</a:t>
+              <a:t>1</a:t>
             </a:r>
             <a:endParaRPr lang="en-US" sz="1200" dirty="0">
               <a:solidFill>
@@ -6125,45 +6127,6 @@
       </p:sp>
       <p:sp>
         <p:nvSpPr>
-          <p:cNvPr id="7" name="TextBox 6"/>
-          <p:cNvSpPr txBox="1"/>
-          <p:nvPr/>
-        </p:nvSpPr>
-        <p:spPr>
-          <a:xfrm>
-            <a:off x="8869998" y="6453063"/>
-            <a:ext cx="262662" cy="276999"/>
-          </a:xfrm>
-          <a:prstGeom prst="rect">
-            <a:avLst/>
-          </a:prstGeom>
-          <a:noFill/>
-        </p:spPr>
-        <p:txBody>
-          <a:bodyPr wrap="none" rtlCol="0">
-            <a:spAutoFit/>
-          </a:bodyPr>
-          <a:lstStyle/>
-          <a:p>
-            <a:pPr algn="r"/>
-            <a:r>
-              <a:rPr lang="en-US" sz="1200" dirty="0" smtClean="0">
-                <a:solidFill>
-                  <a:srgbClr val="118EB0"/>
-                </a:solidFill>
-              </a:rPr>
-              <a:t>1</a:t>
-            </a:r>
-            <a:endParaRPr lang="en-US" sz="1200" dirty="0">
-              <a:solidFill>
-                <a:srgbClr val="118EB0"/>
-              </a:solidFill>
-            </a:endParaRPr>
-          </a:p>
-        </p:txBody>
-      </p:sp>
-      <p:sp>
-        <p:nvSpPr>
           <p:cNvPr id="2" name="TextBox 1"/>
           <p:cNvSpPr txBox="1"/>
           <p:nvPr/>
@@ -6240,21 +6203,7 @@
                 <a:latin typeface="Courier New" panose="02070309020205020404" pitchFamily="49" charset="0"/>
                 <a:cs typeface="Courier New" panose="02070309020205020404" pitchFamily="49" charset="0"/>
               </a:rPr>
-              <a:t> </a:t>
-            </a:r>
-            <a:r>
-              <a:rPr lang="en-US" altLang="zh-CN" dirty="0" smtClean="0">
-                <a:latin typeface="Courier New" panose="02070309020205020404" pitchFamily="49" charset="0"/>
-                <a:cs typeface="Courier New" panose="02070309020205020404" pitchFamily="49" charset="0"/>
-              </a:rPr>
-              <a:t>in </a:t>
-            </a:r>
-            <a:r>
-              <a:rPr lang="en-US" altLang="zh-CN" dirty="0" smtClean="0">
-                <a:latin typeface="Courier New" panose="02070309020205020404" pitchFamily="49" charset="0"/>
-                <a:cs typeface="Courier New" panose="02070309020205020404" pitchFamily="49" charset="0"/>
-              </a:rPr>
-              <a:t>range(</a:t>
+              <a:t> in range(</a:t>
             </a:r>
             <a:r>
               <a:rPr lang="en-US" altLang="zh-CN" dirty="0" err="1" smtClean="0">
@@ -6270,10 +6219,6 @@
               </a:rPr>
               <a:t>(x)):</a:t>
             </a:r>
-            <a:endParaRPr lang="en-US" altLang="zh-CN" dirty="0" smtClean="0">
-              <a:latin typeface="Courier New" panose="02070309020205020404" pitchFamily="49" charset="0"/>
-              <a:cs typeface="Courier New" panose="02070309020205020404" pitchFamily="49" charset="0"/>
-            </a:endParaRPr>
           </a:p>
           <a:p>
             <a:r>
@@ -6302,14 +6247,7 @@
                 <a:latin typeface="Courier New" panose="02070309020205020404" pitchFamily="49" charset="0"/>
                 <a:cs typeface="Courier New" panose="02070309020205020404" pitchFamily="49" charset="0"/>
               </a:rPr>
-              <a:t>]] </a:t>
-            </a:r>
-            <a:r>
-              <a:rPr lang="en-US" altLang="zh-CN" dirty="0" smtClean="0">
-                <a:latin typeface="Courier New" panose="02070309020205020404" pitchFamily="49" charset="0"/>
-                <a:cs typeface="Courier New" panose="02070309020205020404" pitchFamily="49" charset="0"/>
-              </a:rPr>
-              <a:t>= y[</a:t>
+              <a:t>]] = y[</a:t>
             </a:r>
             <a:r>
               <a:rPr lang="en-US" altLang="zh-CN" dirty="0" err="1" smtClean="0">
@@ -6410,6 +6348,43 @@
           </a:p>
           <a:p>
             <a:endParaRPr lang="en-US" sz="2800" dirty="0" smtClean="0"/>
+          </a:p>
+        </p:txBody>
+      </p:sp>
+      <p:sp>
+        <p:nvSpPr>
+          <p:cNvPr id="9" name="Rectangle 8"/>
+          <p:cNvSpPr/>
+          <p:nvPr/>
+        </p:nvSpPr>
+        <p:spPr>
+          <a:xfrm>
+            <a:off x="0" y="6451738"/>
+            <a:ext cx="824906" cy="276999"/>
+          </a:xfrm>
+          <a:prstGeom prst="rect">
+            <a:avLst/>
+          </a:prstGeom>
+        </p:spPr>
+        <p:txBody>
+          <a:bodyPr wrap="none">
+            <a:spAutoFit/>
+          </a:bodyPr>
+          <a:lstStyle/>
+          <a:p>
+            <a:r>
+              <a:rPr lang="en-US" sz="1200" dirty="0" smtClean="0">
+                <a:solidFill>
+                  <a:srgbClr val="118EB0"/>
+                </a:solidFill>
+              </a:rPr>
+              <a:t>Dictionary</a:t>
+            </a:r>
+            <a:endParaRPr lang="en-US" sz="1200" dirty="0">
+              <a:solidFill>
+                <a:srgbClr val="118EB0"/>
+              </a:solidFill>
+            </a:endParaRPr>
           </a:p>
         </p:txBody>
       </p:sp>
@@ -6551,43 +6526,6 @@
       </p:sp>
       <p:sp>
         <p:nvSpPr>
-          <p:cNvPr id="6" name="Rectangle 5"/>
-          <p:cNvSpPr/>
-          <p:nvPr/>
-        </p:nvSpPr>
-        <p:spPr>
-          <a:xfrm>
-            <a:off x="0" y="6451738"/>
-            <a:ext cx="1037664" cy="276999"/>
-          </a:xfrm>
-          <a:prstGeom prst="rect">
-            <a:avLst/>
-          </a:prstGeom>
-        </p:spPr>
-        <p:txBody>
-          <a:bodyPr wrap="none">
-            <a:spAutoFit/>
-          </a:bodyPr>
-          <a:lstStyle/>
-          <a:p>
-            <a:r>
-              <a:rPr lang="en-US" sz="1200" dirty="0" smtClean="0">
-                <a:solidFill>
-                  <a:srgbClr val="118EB0"/>
-                </a:solidFill>
-              </a:rPr>
-              <a:t>Administrivia</a:t>
-            </a:r>
-            <a:endParaRPr lang="en-US" sz="1200" dirty="0">
-              <a:solidFill>
-                <a:srgbClr val="118EB0"/>
-              </a:solidFill>
-            </a:endParaRPr>
-          </a:p>
-        </p:txBody>
-      </p:sp>
-      <p:sp>
-        <p:nvSpPr>
           <p:cNvPr id="7" name="TextBox 6"/>
           <p:cNvSpPr txBox="1"/>
           <p:nvPr/>
@@ -6649,13 +6587,8 @@
           <a:p>
             <a:r>
               <a:rPr lang="en-US" sz="2800" dirty="0" smtClean="0"/>
-              <a:t>Encoder words in a file using a Caesar </a:t>
-            </a:r>
-            <a:r>
-              <a:rPr lang="en-US" sz="2800" dirty="0" smtClean="0"/>
-              <a:t>cipher</a:t>
-            </a:r>
-            <a:endParaRPr lang="en-US" sz="2800" dirty="0" smtClean="0"/>
+              <a:t>Encoder words in a file using a Caesar cipher</a:t>
+            </a:r>
           </a:p>
         </p:txBody>
       </p:sp>
@@ -6737,8 +6670,8 @@
           </a:p>
         </p:txBody>
       </p:sp>
-      <mc:AlternateContent xmlns:mc="http://schemas.openxmlformats.org/markup-compatibility/2006">
-        <mc:Choice xmlns:a14="http://schemas.microsoft.com/office/drawing/2010/main" Requires="a14">
+      <mc:AlternateContent xmlns:mc="http://schemas.openxmlformats.org/markup-compatibility/2006" xmlns:a14="http://schemas.microsoft.com/office/drawing/2010/main">
+        <mc:Choice Requires="a14">
           <p:sp>
             <p:nvSpPr>
               <p:cNvPr id="2" name="TextBox 1"/>
@@ -6761,6 +6694,7 @@
               </a:bodyPr>
               <a:lstStyle/>
               <a:p>
+                <a:pPr/>
                 <a14:m>
                   <m:oMathPara xmlns:m="http://schemas.openxmlformats.org/officeDocument/2006/math">
                     <m:oMathParaPr>
@@ -6771,7 +6705,7 @@
                         <m:sSubPr>
                           <m:ctrlPr>
                             <a:rPr lang="en-US" altLang="zh-CN" b="0" i="1" smtClean="0">
-                              <a:latin typeface="Cambria Math" panose="02040503050406030204" pitchFamily="18" charset="0"/>
+                              <a:latin typeface="Cambria Math" charset="0"/>
                             </a:rPr>
                           </m:ctrlPr>
                         </m:sSubPr>
@@ -6796,7 +6730,7 @@
                         <m:dPr>
                           <m:ctrlPr>
                             <a:rPr lang="en-US" altLang="zh-CN" b="0" i="1" smtClean="0">
-                              <a:latin typeface="Cambria Math" panose="02040503050406030204" pitchFamily="18" charset="0"/>
+                              <a:latin typeface="Cambria Math" charset="0"/>
                             </a:rPr>
                           </m:ctrlPr>
                         </m:dPr>
@@ -6819,7 +6753,7 @@
                         <m:dPr>
                           <m:ctrlPr>
                             <a:rPr lang="en-US" altLang="zh-CN" b="0" i="1" smtClean="0">
-                              <a:latin typeface="Cambria Math" panose="02040503050406030204" pitchFamily="18" charset="0"/>
+                              <a:latin typeface="Cambria Math" charset="0"/>
                             </a:rPr>
                           </m:ctrlPr>
                         </m:dPr>
@@ -6858,7 +6792,7 @@
             </p:txBody>
           </p:sp>
         </mc:Choice>
-        <mc:Fallback>
+        <mc:Fallback xmlns="">
           <p:sp>
             <p:nvSpPr>
               <p:cNvPr id="2" name="TextBox 1"/>
@@ -6897,6 +6831,43 @@
           </p:sp>
         </mc:Fallback>
       </mc:AlternateContent>
+      <p:sp>
+        <p:nvSpPr>
+          <p:cNvPr id="10" name="Rectangle 9"/>
+          <p:cNvSpPr/>
+          <p:nvPr/>
+        </p:nvSpPr>
+        <p:spPr>
+          <a:xfrm>
+            <a:off x="0" y="6451738"/>
+            <a:ext cx="824906" cy="276999"/>
+          </a:xfrm>
+          <a:prstGeom prst="rect">
+            <a:avLst/>
+          </a:prstGeom>
+        </p:spPr>
+        <p:txBody>
+          <a:bodyPr wrap="none">
+            <a:spAutoFit/>
+          </a:bodyPr>
+          <a:lstStyle/>
+          <a:p>
+            <a:r>
+              <a:rPr lang="en-US" sz="1200" dirty="0" smtClean="0">
+                <a:solidFill>
+                  <a:srgbClr val="118EB0"/>
+                </a:solidFill>
+              </a:rPr>
+              <a:t>Dictionary</a:t>
+            </a:r>
+            <a:endParaRPr lang="en-US" sz="1200" dirty="0">
+              <a:solidFill>
+                <a:srgbClr val="118EB0"/>
+              </a:solidFill>
+            </a:endParaRPr>
+          </a:p>
+        </p:txBody>
+      </p:sp>
     </p:spTree>
     <p:extLst>
       <p:ext uri="{BB962C8B-B14F-4D97-AF65-F5344CB8AC3E}">
@@ -7035,32 +7006,34 @@
       </p:sp>
       <p:sp>
         <p:nvSpPr>
-          <p:cNvPr id="6" name="Rectangle 5"/>
-          <p:cNvSpPr/>
-          <p:nvPr/>
-        </p:nvSpPr>
-        <p:spPr>
-          <a:xfrm>
-            <a:off x="0" y="6451738"/>
-            <a:ext cx="1037664" cy="276999"/>
-          </a:xfrm>
-          <a:prstGeom prst="rect">
-            <a:avLst/>
-          </a:prstGeom>
-        </p:spPr>
-        <p:txBody>
-          <a:bodyPr wrap="none">
+          <p:cNvPr id="7" name="TextBox 6"/>
+          <p:cNvSpPr txBox="1"/>
+          <p:nvPr/>
+        </p:nvSpPr>
+        <p:spPr>
+          <a:xfrm>
+            <a:off x="8869998" y="6453063"/>
+            <a:ext cx="262662" cy="276999"/>
+          </a:xfrm>
+          <a:prstGeom prst="rect">
+            <a:avLst/>
+          </a:prstGeom>
+          <a:noFill/>
+        </p:spPr>
+        <p:txBody>
+          <a:bodyPr wrap="none" rtlCol="0">
             <a:spAutoFit/>
           </a:bodyPr>
           <a:lstStyle/>
           <a:p>
+            <a:pPr algn="r"/>
             <a:r>
               <a:rPr lang="en-US" sz="1200" dirty="0" smtClean="0">
                 <a:solidFill>
                   <a:srgbClr val="118EB0"/>
                 </a:solidFill>
               </a:rPr>
-              <a:t>Administrivia</a:t>
+              <a:t>1</a:t>
             </a:r>
             <a:endParaRPr lang="en-US" sz="1200" dirty="0">
               <a:solidFill>
@@ -7072,14 +7045,14 @@
       </p:sp>
       <p:sp>
         <p:nvSpPr>
-          <p:cNvPr id="7" name="TextBox 6"/>
+          <p:cNvPr id="10" name="TextBox 9"/>
           <p:cNvSpPr txBox="1"/>
           <p:nvPr/>
         </p:nvSpPr>
         <p:spPr>
           <a:xfrm>
-            <a:off x="8869998" y="6453063"/>
-            <a:ext cx="262662" cy="276999"/>
+            <a:off x="591662" y="1435854"/>
+            <a:ext cx="6987810" cy="3970318"/>
           </a:xfrm>
           <a:prstGeom prst="rect">
             <a:avLst/>
@@ -7092,245 +7065,221 @@
           </a:bodyPr>
           <a:lstStyle/>
           <a:p>
-            <a:pPr algn="r"/>
+            <a:r>
+              <a:rPr lang="en-US" altLang="zh-CN" dirty="0" err="1" smtClean="0">
+                <a:latin typeface="Courier New" panose="02070309020205020404" pitchFamily="49" charset="0"/>
+                <a:cs typeface="Courier New" panose="02070309020205020404" pitchFamily="49" charset="0"/>
+              </a:rPr>
+              <a:t>def</a:t>
+            </a:r>
+            <a:r>
+              <a:rPr lang="en-US" altLang="zh-CN" dirty="0" smtClean="0">
+                <a:latin typeface="Courier New" panose="02070309020205020404" pitchFamily="49" charset="0"/>
+                <a:cs typeface="Courier New" panose="02070309020205020404" pitchFamily="49" charset="0"/>
+              </a:rPr>
+              <a:t> </a:t>
+            </a:r>
+            <a:r>
+              <a:rPr lang="en-US" altLang="zh-CN" dirty="0" err="1" smtClean="0">
+                <a:latin typeface="Courier New" panose="02070309020205020404" pitchFamily="49" charset="0"/>
+                <a:cs typeface="Courier New" panose="02070309020205020404" pitchFamily="49" charset="0"/>
+              </a:rPr>
+              <a:t>encode_caesar</a:t>
+            </a:r>
+            <a:r>
+              <a:rPr lang="en-US" altLang="zh-CN" dirty="0" smtClean="0">
+                <a:latin typeface="Courier New" panose="02070309020205020404" pitchFamily="49" charset="0"/>
+                <a:cs typeface="Courier New" panose="02070309020205020404" pitchFamily="49" charset="0"/>
+              </a:rPr>
+              <a:t>(message, n):</a:t>
+            </a:r>
+          </a:p>
+          <a:p>
+            <a:r>
+              <a:rPr lang="en-US" altLang="zh-CN" dirty="0" smtClean="0">
+                <a:latin typeface="Courier New" panose="02070309020205020404" pitchFamily="49" charset="0"/>
+                <a:cs typeface="Courier New" panose="02070309020205020404" pitchFamily="49" charset="0"/>
+              </a:rPr>
+              <a:t>	from string import </a:t>
+            </a:r>
+            <a:r>
+              <a:rPr lang="en-US" altLang="zh-CN" dirty="0" err="1" smtClean="0">
+                <a:latin typeface="Courier New" panose="02070309020205020404" pitchFamily="49" charset="0"/>
+                <a:cs typeface="Courier New" panose="02070309020205020404" pitchFamily="49" charset="0"/>
+              </a:rPr>
+              <a:t>ascii_uppercase</a:t>
+            </a:r>
+            <a:r>
+              <a:rPr lang="en-US" altLang="zh-CN" dirty="0" smtClean="0">
+                <a:latin typeface="Courier New" panose="02070309020205020404" pitchFamily="49" charset="0"/>
+                <a:cs typeface="Courier New" panose="02070309020205020404" pitchFamily="49" charset="0"/>
+              </a:rPr>
+              <a:t> as alphabet</a:t>
+            </a:r>
+          </a:p>
+          <a:p>
+            <a:r>
+              <a:rPr lang="en-US" altLang="zh-CN" dirty="0">
+                <a:latin typeface="Courier New" panose="02070309020205020404" pitchFamily="49" charset="0"/>
+                <a:cs typeface="Courier New" panose="02070309020205020404" pitchFamily="49" charset="0"/>
+              </a:rPr>
+              <a:t>	</a:t>
+            </a:r>
+            <a:r>
+              <a:rPr lang="en-US" altLang="zh-CN" dirty="0" smtClean="0">
+                <a:latin typeface="Courier New" panose="02070309020205020404" pitchFamily="49" charset="0"/>
+                <a:cs typeface="Courier New" panose="02070309020205020404" pitchFamily="49" charset="0"/>
+              </a:rPr>
+              <a:t>x = alphabet</a:t>
+            </a:r>
+          </a:p>
+          <a:p>
+            <a:r>
+              <a:rPr lang="en-US" altLang="zh-CN" dirty="0" smtClean="0">
+                <a:latin typeface="Courier New" panose="02070309020205020404" pitchFamily="49" charset="0"/>
+                <a:cs typeface="Courier New" panose="02070309020205020404" pitchFamily="49" charset="0"/>
+              </a:rPr>
+              <a:t>	e = {}</a:t>
+            </a:r>
+          </a:p>
+          <a:p>
+            <a:r>
+              <a:rPr lang="en-US" altLang="zh-CN" dirty="0" smtClean="0">
+                <a:latin typeface="Courier New" panose="02070309020205020404" pitchFamily="49" charset="0"/>
+                <a:cs typeface="Courier New" panose="02070309020205020404" pitchFamily="49" charset="0"/>
+              </a:rPr>
+              <a:t>	# initialize e (encoder)</a:t>
+            </a:r>
+          </a:p>
+          <a:p>
+            <a:r>
+              <a:rPr lang="en-US" altLang="zh-CN" dirty="0" smtClean="0">
+                <a:latin typeface="Courier New" panose="02070309020205020404" pitchFamily="49" charset="0"/>
+                <a:cs typeface="Courier New" panose="02070309020205020404" pitchFamily="49" charset="0"/>
+              </a:rPr>
+              <a:t>	…</a:t>
+            </a:r>
+          </a:p>
+          <a:p>
+            <a:endParaRPr lang="en-US" altLang="zh-CN" dirty="0" smtClean="0">
+              <a:latin typeface="Courier New" panose="02070309020205020404" pitchFamily="49" charset="0"/>
+              <a:cs typeface="Courier New" panose="02070309020205020404" pitchFamily="49" charset="0"/>
+            </a:endParaRPr>
+          </a:p>
+          <a:p>
+            <a:r>
+              <a:rPr lang="en-US" altLang="zh-CN" dirty="0" smtClean="0">
+                <a:latin typeface="Courier New" panose="02070309020205020404" pitchFamily="49" charset="0"/>
+                <a:cs typeface="Courier New" panose="02070309020205020404" pitchFamily="49" charset="0"/>
+              </a:rPr>
+              <a:t>	message = </a:t>
+            </a:r>
+            <a:r>
+              <a:rPr lang="en-US" altLang="zh-CN" dirty="0" err="1" smtClean="0">
+                <a:latin typeface="Courier New" panose="02070309020205020404" pitchFamily="49" charset="0"/>
+                <a:cs typeface="Courier New" panose="02070309020205020404" pitchFamily="49" charset="0"/>
+              </a:rPr>
+              <a:t>message.upper</a:t>
+            </a:r>
+            <a:r>
+              <a:rPr lang="en-US" altLang="zh-CN" dirty="0" smtClean="0">
+                <a:latin typeface="Courier New" panose="02070309020205020404" pitchFamily="49" charset="0"/>
+                <a:cs typeface="Courier New" panose="02070309020205020404" pitchFamily="49" charset="0"/>
+              </a:rPr>
+              <a:t>()</a:t>
+            </a:r>
+          </a:p>
+          <a:p>
+            <a:endParaRPr lang="en-US" altLang="zh-CN" dirty="0">
+              <a:latin typeface="Courier New" panose="02070309020205020404" pitchFamily="49" charset="0"/>
+              <a:cs typeface="Courier New" panose="02070309020205020404" pitchFamily="49" charset="0"/>
+            </a:endParaRPr>
+          </a:p>
+          <a:p>
+            <a:r>
+              <a:rPr lang="en-US" altLang="zh-CN" dirty="0" smtClean="0">
+                <a:latin typeface="Courier New" panose="02070309020205020404" pitchFamily="49" charset="0"/>
+                <a:cs typeface="Courier New" panose="02070309020205020404" pitchFamily="49" charset="0"/>
+              </a:rPr>
+              <a:t>	encoded = ‘’</a:t>
+            </a:r>
+          </a:p>
+          <a:p>
+            <a:r>
+              <a:rPr lang="en-US" altLang="zh-CN" dirty="0">
+                <a:latin typeface="Courier New" panose="02070309020205020404" pitchFamily="49" charset="0"/>
+                <a:cs typeface="Courier New" panose="02070309020205020404" pitchFamily="49" charset="0"/>
+              </a:rPr>
+              <a:t>	</a:t>
+            </a:r>
+            <a:r>
+              <a:rPr lang="en-US" altLang="zh-CN" dirty="0" smtClean="0">
+                <a:latin typeface="Courier New" panose="02070309020205020404" pitchFamily="49" charset="0"/>
+                <a:cs typeface="Courier New" panose="02070309020205020404" pitchFamily="49" charset="0"/>
+              </a:rPr>
+              <a:t># encode the message</a:t>
+            </a:r>
+          </a:p>
+          <a:p>
+            <a:r>
+              <a:rPr lang="en-US" altLang="zh-CN" dirty="0" smtClean="0">
+                <a:latin typeface="Courier New" panose="02070309020205020404" pitchFamily="49" charset="0"/>
+                <a:cs typeface="Courier New" panose="02070309020205020404" pitchFamily="49" charset="0"/>
+              </a:rPr>
+              <a:t>	…</a:t>
+            </a:r>
+          </a:p>
+          <a:p>
+            <a:endParaRPr lang="en-US" altLang="zh-CN" dirty="0">
+              <a:latin typeface="Courier New" panose="02070309020205020404" pitchFamily="49" charset="0"/>
+              <a:cs typeface="Courier New" panose="02070309020205020404" pitchFamily="49" charset="0"/>
+            </a:endParaRPr>
+          </a:p>
+          <a:p>
+            <a:r>
+              <a:rPr lang="en-US" altLang="zh-CN" dirty="0" smtClean="0">
+                <a:latin typeface="Courier New" panose="02070309020205020404" pitchFamily="49" charset="0"/>
+                <a:cs typeface="Courier New" panose="02070309020205020404" pitchFamily="49" charset="0"/>
+              </a:rPr>
+              <a:t>	return encoded</a:t>
+            </a:r>
+          </a:p>
+        </p:txBody>
+      </p:sp>
+      <p:sp>
+        <p:nvSpPr>
+          <p:cNvPr id="8" name="Rectangle 7"/>
+          <p:cNvSpPr/>
+          <p:nvPr/>
+        </p:nvSpPr>
+        <p:spPr>
+          <a:xfrm>
+            <a:off x="0" y="6451738"/>
+            <a:ext cx="824906" cy="276999"/>
+          </a:xfrm>
+          <a:prstGeom prst="rect">
+            <a:avLst/>
+          </a:prstGeom>
+        </p:spPr>
+        <p:txBody>
+          <a:bodyPr wrap="none">
+            <a:spAutoFit/>
+          </a:bodyPr>
+          <a:lstStyle/>
+          <a:p>
             <a:r>
               <a:rPr lang="en-US" sz="1200" dirty="0" smtClean="0">
                 <a:solidFill>
                   <a:srgbClr val="118EB0"/>
                 </a:solidFill>
               </a:rPr>
-              <a:t>1</a:t>
+              <a:t>Dictionary</a:t>
             </a:r>
             <a:endParaRPr lang="en-US" sz="1200" dirty="0">
               <a:solidFill>
                 <a:srgbClr val="118EB0"/>
               </a:solidFill>
             </a:endParaRPr>
-          </a:p>
-        </p:txBody>
-      </p:sp>
-      <p:sp>
-        <p:nvSpPr>
-          <p:cNvPr id="10" name="TextBox 9"/>
-          <p:cNvSpPr txBox="1"/>
-          <p:nvPr/>
-        </p:nvSpPr>
-        <p:spPr>
-          <a:xfrm>
-            <a:off x="591662" y="1435854"/>
-            <a:ext cx="6987810" cy="3970318"/>
-          </a:xfrm>
-          <a:prstGeom prst="rect">
-            <a:avLst/>
-          </a:prstGeom>
-          <a:noFill/>
-        </p:spPr>
-        <p:txBody>
-          <a:bodyPr wrap="none" rtlCol="0">
-            <a:spAutoFit/>
-          </a:bodyPr>
-          <a:lstStyle/>
-          <a:p>
-            <a:r>
-              <a:rPr lang="en-US" altLang="zh-CN" dirty="0" err="1" smtClean="0">
-                <a:latin typeface="Courier New" panose="02070309020205020404" pitchFamily="49" charset="0"/>
-                <a:cs typeface="Courier New" panose="02070309020205020404" pitchFamily="49" charset="0"/>
-              </a:rPr>
-              <a:t>def</a:t>
-            </a:r>
-            <a:r>
-              <a:rPr lang="en-US" altLang="zh-CN" dirty="0" smtClean="0">
-                <a:latin typeface="Courier New" panose="02070309020205020404" pitchFamily="49" charset="0"/>
-                <a:cs typeface="Courier New" panose="02070309020205020404" pitchFamily="49" charset="0"/>
-              </a:rPr>
-              <a:t> </a:t>
-            </a:r>
-            <a:r>
-              <a:rPr lang="en-US" altLang="zh-CN" dirty="0" err="1" smtClean="0">
-                <a:latin typeface="Courier New" panose="02070309020205020404" pitchFamily="49" charset="0"/>
-                <a:cs typeface="Courier New" panose="02070309020205020404" pitchFamily="49" charset="0"/>
-              </a:rPr>
-              <a:t>encode_caesar</a:t>
-            </a:r>
-            <a:r>
-              <a:rPr lang="en-US" altLang="zh-CN" dirty="0" smtClean="0">
-                <a:latin typeface="Courier New" panose="02070309020205020404" pitchFamily="49" charset="0"/>
-                <a:cs typeface="Courier New" panose="02070309020205020404" pitchFamily="49" charset="0"/>
-              </a:rPr>
-              <a:t>(message, n):</a:t>
-            </a:r>
-          </a:p>
-          <a:p>
-            <a:r>
-              <a:rPr lang="en-US" altLang="zh-CN" dirty="0" smtClean="0">
-                <a:latin typeface="Courier New" panose="02070309020205020404" pitchFamily="49" charset="0"/>
-                <a:cs typeface="Courier New" panose="02070309020205020404" pitchFamily="49" charset="0"/>
-              </a:rPr>
-              <a:t>	from string import </a:t>
-            </a:r>
-            <a:r>
-              <a:rPr lang="en-US" altLang="zh-CN" dirty="0" err="1" smtClean="0">
-                <a:latin typeface="Courier New" panose="02070309020205020404" pitchFamily="49" charset="0"/>
-                <a:cs typeface="Courier New" panose="02070309020205020404" pitchFamily="49" charset="0"/>
-              </a:rPr>
-              <a:t>ascii_uppercase</a:t>
-            </a:r>
-            <a:r>
-              <a:rPr lang="en-US" altLang="zh-CN" dirty="0" smtClean="0">
-                <a:latin typeface="Courier New" panose="02070309020205020404" pitchFamily="49" charset="0"/>
-                <a:cs typeface="Courier New" panose="02070309020205020404" pitchFamily="49" charset="0"/>
-              </a:rPr>
-              <a:t> as alphabet</a:t>
-            </a:r>
-          </a:p>
-          <a:p>
-            <a:r>
-              <a:rPr lang="en-US" altLang="zh-CN" dirty="0">
-                <a:latin typeface="Courier New" panose="02070309020205020404" pitchFamily="49" charset="0"/>
-                <a:cs typeface="Courier New" panose="02070309020205020404" pitchFamily="49" charset="0"/>
-              </a:rPr>
-              <a:t>	</a:t>
-            </a:r>
-            <a:r>
-              <a:rPr lang="en-US" altLang="zh-CN" dirty="0" smtClean="0">
-                <a:latin typeface="Courier New" panose="02070309020205020404" pitchFamily="49" charset="0"/>
-                <a:cs typeface="Courier New" panose="02070309020205020404" pitchFamily="49" charset="0"/>
-              </a:rPr>
-              <a:t>x </a:t>
-            </a:r>
-            <a:r>
-              <a:rPr lang="en-US" altLang="zh-CN" dirty="0" smtClean="0">
-                <a:latin typeface="Courier New" panose="02070309020205020404" pitchFamily="49" charset="0"/>
-                <a:cs typeface="Courier New" panose="02070309020205020404" pitchFamily="49" charset="0"/>
-              </a:rPr>
-              <a:t>= </a:t>
-            </a:r>
-            <a:r>
-              <a:rPr lang="en-US" altLang="zh-CN" dirty="0" smtClean="0">
-                <a:latin typeface="Courier New" panose="02070309020205020404" pitchFamily="49" charset="0"/>
-                <a:cs typeface="Courier New" panose="02070309020205020404" pitchFamily="49" charset="0"/>
-              </a:rPr>
-              <a:t>alphabet</a:t>
-            </a:r>
-            <a:endParaRPr lang="en-US" altLang="zh-CN" dirty="0" smtClean="0">
-              <a:latin typeface="Courier New" panose="02070309020205020404" pitchFamily="49" charset="0"/>
-              <a:cs typeface="Courier New" panose="02070309020205020404" pitchFamily="49" charset="0"/>
-            </a:endParaRPr>
-          </a:p>
-          <a:p>
-            <a:r>
-              <a:rPr lang="en-US" altLang="zh-CN" dirty="0" smtClean="0">
-                <a:latin typeface="Courier New" panose="02070309020205020404" pitchFamily="49" charset="0"/>
-                <a:cs typeface="Courier New" panose="02070309020205020404" pitchFamily="49" charset="0"/>
-              </a:rPr>
-              <a:t>	e = {}</a:t>
-            </a:r>
-          </a:p>
-          <a:p>
-            <a:r>
-              <a:rPr lang="en-US" altLang="zh-CN" dirty="0" smtClean="0">
-                <a:latin typeface="Courier New" panose="02070309020205020404" pitchFamily="49" charset="0"/>
-                <a:cs typeface="Courier New" panose="02070309020205020404" pitchFamily="49" charset="0"/>
-              </a:rPr>
-              <a:t>	# initialize e (encoder)</a:t>
-            </a:r>
-          </a:p>
-          <a:p>
-            <a:r>
-              <a:rPr lang="en-US" altLang="zh-CN" dirty="0" smtClean="0">
-                <a:latin typeface="Courier New" panose="02070309020205020404" pitchFamily="49" charset="0"/>
-                <a:cs typeface="Courier New" panose="02070309020205020404" pitchFamily="49" charset="0"/>
-              </a:rPr>
-              <a:t>	…</a:t>
-            </a:r>
-          </a:p>
-          <a:p>
-            <a:endParaRPr lang="en-US" altLang="zh-CN" dirty="0" smtClean="0">
-              <a:latin typeface="Courier New" panose="02070309020205020404" pitchFamily="49" charset="0"/>
-              <a:cs typeface="Courier New" panose="02070309020205020404" pitchFamily="49" charset="0"/>
-            </a:endParaRPr>
-          </a:p>
-          <a:p>
-            <a:r>
-              <a:rPr lang="en-US" altLang="zh-CN" dirty="0" smtClean="0">
-                <a:latin typeface="Courier New" panose="02070309020205020404" pitchFamily="49" charset="0"/>
-                <a:cs typeface="Courier New" panose="02070309020205020404" pitchFamily="49" charset="0"/>
-              </a:rPr>
-              <a:t>	message = </a:t>
-            </a:r>
-            <a:r>
-              <a:rPr lang="en-US" altLang="zh-CN" dirty="0" err="1" smtClean="0">
-                <a:latin typeface="Courier New" panose="02070309020205020404" pitchFamily="49" charset="0"/>
-                <a:cs typeface="Courier New" panose="02070309020205020404" pitchFamily="49" charset="0"/>
-              </a:rPr>
-              <a:t>message.upper</a:t>
-            </a:r>
-            <a:r>
-              <a:rPr lang="en-US" altLang="zh-CN" dirty="0" smtClean="0">
-                <a:latin typeface="Courier New" panose="02070309020205020404" pitchFamily="49" charset="0"/>
-                <a:cs typeface="Courier New" panose="02070309020205020404" pitchFamily="49" charset="0"/>
-              </a:rPr>
-              <a:t>()</a:t>
-            </a:r>
-          </a:p>
-          <a:p>
-            <a:endParaRPr lang="en-US" altLang="zh-CN" dirty="0">
-              <a:latin typeface="Courier New" panose="02070309020205020404" pitchFamily="49" charset="0"/>
-              <a:cs typeface="Courier New" panose="02070309020205020404" pitchFamily="49" charset="0"/>
-            </a:endParaRPr>
-          </a:p>
-          <a:p>
-            <a:r>
-              <a:rPr lang="en-US" altLang="zh-CN" dirty="0" smtClean="0">
-                <a:latin typeface="Courier New" panose="02070309020205020404" pitchFamily="49" charset="0"/>
-                <a:cs typeface="Courier New" panose="02070309020205020404" pitchFamily="49" charset="0"/>
-              </a:rPr>
-              <a:t>	encoded = ‘’</a:t>
-            </a:r>
-          </a:p>
-          <a:p>
-            <a:r>
-              <a:rPr lang="en-US" altLang="zh-CN" dirty="0">
-                <a:latin typeface="Courier New" panose="02070309020205020404" pitchFamily="49" charset="0"/>
-                <a:cs typeface="Courier New" panose="02070309020205020404" pitchFamily="49" charset="0"/>
-              </a:rPr>
-              <a:t>	</a:t>
-            </a:r>
-            <a:r>
-              <a:rPr lang="en-US" altLang="zh-CN" dirty="0" smtClean="0">
-                <a:latin typeface="Courier New" panose="02070309020205020404" pitchFamily="49" charset="0"/>
-                <a:cs typeface="Courier New" panose="02070309020205020404" pitchFamily="49" charset="0"/>
-              </a:rPr>
-              <a:t># encode the message</a:t>
-            </a:r>
-            <a:endParaRPr lang="en-US" altLang="zh-CN" dirty="0" smtClean="0">
-              <a:latin typeface="Courier New" panose="02070309020205020404" pitchFamily="49" charset="0"/>
-              <a:cs typeface="Courier New" panose="02070309020205020404" pitchFamily="49" charset="0"/>
-            </a:endParaRPr>
-          </a:p>
-          <a:p>
-            <a:r>
-              <a:rPr lang="en-US" altLang="zh-CN" dirty="0" smtClean="0">
-                <a:latin typeface="Courier New" panose="02070309020205020404" pitchFamily="49" charset="0"/>
-                <a:cs typeface="Courier New" panose="02070309020205020404" pitchFamily="49" charset="0"/>
-              </a:rPr>
-              <a:t>	…</a:t>
-            </a:r>
-          </a:p>
-          <a:p>
-            <a:endParaRPr lang="en-US" altLang="zh-CN" dirty="0">
-              <a:latin typeface="Courier New" panose="02070309020205020404" pitchFamily="49" charset="0"/>
-              <a:cs typeface="Courier New" panose="02070309020205020404" pitchFamily="49" charset="0"/>
-            </a:endParaRPr>
-          </a:p>
-          <a:p>
-            <a:r>
-              <a:rPr lang="en-US" altLang="zh-CN" dirty="0" smtClean="0">
-                <a:latin typeface="Courier New" panose="02070309020205020404" pitchFamily="49" charset="0"/>
-                <a:cs typeface="Courier New" panose="02070309020205020404" pitchFamily="49" charset="0"/>
-              </a:rPr>
-              <a:t>	return encoded</a:t>
-            </a:r>
           </a:p>
         </p:txBody>
       </p:sp>
@@ -7679,32 +7628,34 @@
       </p:sp>
       <p:sp>
         <p:nvSpPr>
-          <p:cNvPr id="6" name="Rectangle 5"/>
-          <p:cNvSpPr/>
-          <p:nvPr/>
-        </p:nvSpPr>
-        <p:spPr>
-          <a:xfrm>
-            <a:off x="0" y="6451738"/>
-            <a:ext cx="1037664" cy="276999"/>
-          </a:xfrm>
-          <a:prstGeom prst="rect">
-            <a:avLst/>
-          </a:prstGeom>
-        </p:spPr>
-        <p:txBody>
-          <a:bodyPr wrap="none">
+          <p:cNvPr id="7" name="TextBox 6"/>
+          <p:cNvSpPr txBox="1"/>
+          <p:nvPr/>
+        </p:nvSpPr>
+        <p:spPr>
+          <a:xfrm>
+            <a:off x="8869998" y="6453063"/>
+            <a:ext cx="262662" cy="276999"/>
+          </a:xfrm>
+          <a:prstGeom prst="rect">
+            <a:avLst/>
+          </a:prstGeom>
+          <a:noFill/>
+        </p:spPr>
+        <p:txBody>
+          <a:bodyPr wrap="none" rtlCol="0">
             <a:spAutoFit/>
           </a:bodyPr>
           <a:lstStyle/>
           <a:p>
+            <a:pPr algn="r"/>
             <a:r>
               <a:rPr lang="en-US" sz="1200" dirty="0" smtClean="0">
                 <a:solidFill>
                   <a:srgbClr val="118EB0"/>
                 </a:solidFill>
               </a:rPr>
-              <a:t>Administrivia</a:t>
+              <a:t>1</a:t>
             </a:r>
             <a:endParaRPr lang="en-US" sz="1200" dirty="0">
               <a:solidFill>
@@ -7716,14 +7667,14 @@
       </p:sp>
       <p:sp>
         <p:nvSpPr>
-          <p:cNvPr id="7" name="TextBox 6"/>
+          <p:cNvPr id="10" name="TextBox 9"/>
           <p:cNvSpPr txBox="1"/>
           <p:nvPr/>
         </p:nvSpPr>
         <p:spPr>
           <a:xfrm>
-            <a:off x="8869998" y="6453063"/>
-            <a:ext cx="262662" cy="276999"/>
+            <a:off x="591662" y="1435854"/>
+            <a:ext cx="8180445" cy="923330"/>
           </a:xfrm>
           <a:prstGeom prst="rect">
             <a:avLst/>
@@ -7736,133 +7687,135 @@
           </a:bodyPr>
           <a:lstStyle/>
           <a:p>
-            <a:pPr algn="r"/>
+            <a:r>
+              <a:rPr lang="en-US" altLang="zh-CN" dirty="0" smtClean="0">
+                <a:latin typeface="Courier New" panose="02070309020205020404" pitchFamily="49" charset="0"/>
+                <a:cs typeface="Courier New" panose="02070309020205020404" pitchFamily="49" charset="0"/>
+              </a:rPr>
+              <a:t>&gt;&gt;&gt; message = ‘the quick brown fox jump over the lazy dog’</a:t>
+            </a:r>
+          </a:p>
+          <a:p>
+            <a:r>
+              <a:rPr lang="en-US" altLang="zh-CN" dirty="0" smtClean="0">
+                <a:latin typeface="Courier New" panose="02070309020205020404" pitchFamily="49" charset="0"/>
+                <a:cs typeface="Courier New" panose="02070309020205020404" pitchFamily="49" charset="0"/>
+              </a:rPr>
+              <a:t>&gt;&gt;&gt; </a:t>
+            </a:r>
+            <a:r>
+              <a:rPr lang="en-US" altLang="zh-CN" dirty="0" err="1" smtClean="0">
+                <a:latin typeface="Courier New" panose="02070309020205020404" pitchFamily="49" charset="0"/>
+                <a:cs typeface="Courier New" panose="02070309020205020404" pitchFamily="49" charset="0"/>
+              </a:rPr>
+              <a:t>cipher.encode_caesar</a:t>
+            </a:r>
+            <a:r>
+              <a:rPr lang="en-US" altLang="zh-CN" dirty="0" smtClean="0">
+                <a:latin typeface="Courier New" panose="02070309020205020404" pitchFamily="49" charset="0"/>
+                <a:cs typeface="Courier New" panose="02070309020205020404" pitchFamily="49" charset="0"/>
+              </a:rPr>
+              <a:t>(message, 7)</a:t>
+            </a:r>
+          </a:p>
+          <a:p>
+            <a:r>
+              <a:rPr lang="en-US" altLang="zh-CN" dirty="0">
+                <a:latin typeface="Courier New" panose="02070309020205020404" pitchFamily="49" charset="0"/>
+                <a:cs typeface="Courier New" panose="02070309020205020404" pitchFamily="49" charset="0"/>
+              </a:rPr>
+              <a:t>“AOL XBPJR IYVDU MVE QBTWZ VCLY AOL SHGF KVF”</a:t>
+            </a:r>
+            <a:endParaRPr lang="en-US" altLang="zh-CN" dirty="0" smtClean="0">
+              <a:latin typeface="Courier New" panose="02070309020205020404" pitchFamily="49" charset="0"/>
+              <a:cs typeface="Courier New" panose="02070309020205020404" pitchFamily="49" charset="0"/>
+            </a:endParaRPr>
+          </a:p>
+        </p:txBody>
+      </p:sp>
+      <p:sp>
+        <p:nvSpPr>
+          <p:cNvPr id="2" name="Rectangle 1"/>
+          <p:cNvSpPr/>
+          <p:nvPr/>
+        </p:nvSpPr>
+        <p:spPr>
+          <a:xfrm>
+            <a:off x="591662" y="4636907"/>
+            <a:ext cx="4256422" cy="369332"/>
+          </a:xfrm>
+          <a:prstGeom prst="rect">
+            <a:avLst/>
+          </a:prstGeom>
+        </p:spPr>
+        <p:txBody>
+          <a:bodyPr wrap="none">
+            <a:spAutoFit/>
+          </a:bodyPr>
+          <a:lstStyle/>
+          <a:p>
+            <a:pPr marL="285750" indent="-285750">
+              <a:buFont typeface="Arial" panose="020B0604020202020204" pitchFamily="34" charset="0"/>
+              <a:buChar char="•"/>
+            </a:pPr>
+            <a:r>
+              <a:rPr lang="en-US" altLang="zh-CN" dirty="0"/>
+              <a:t>How </a:t>
+            </a:r>
+            <a:r>
+              <a:rPr lang="en-US" altLang="zh-CN" dirty="0" smtClean="0"/>
+              <a:t>would you write a </a:t>
+            </a:r>
+            <a:r>
+              <a:rPr lang="en-US" altLang="zh-CN" dirty="0"/>
+              <a:t>C</a:t>
+            </a:r>
+            <a:r>
+              <a:rPr lang="en-US" altLang="zh-CN" dirty="0" smtClean="0"/>
+              <a:t>aesar </a:t>
+            </a:r>
+            <a:r>
+              <a:rPr lang="en-US" altLang="zh-CN" dirty="0" smtClean="0"/>
+              <a:t>decoder?</a:t>
+            </a:r>
+            <a:endParaRPr lang="zh-CN" altLang="en-US" dirty="0"/>
+          </a:p>
+        </p:txBody>
+      </p:sp>
+      <p:sp>
+        <p:nvSpPr>
+          <p:cNvPr id="8" name="Rectangle 7"/>
+          <p:cNvSpPr/>
+          <p:nvPr/>
+        </p:nvSpPr>
+        <p:spPr>
+          <a:xfrm>
+            <a:off x="0" y="6451738"/>
+            <a:ext cx="824906" cy="276999"/>
+          </a:xfrm>
+          <a:prstGeom prst="rect">
+            <a:avLst/>
+          </a:prstGeom>
+        </p:spPr>
+        <p:txBody>
+          <a:bodyPr wrap="none">
+            <a:spAutoFit/>
+          </a:bodyPr>
+          <a:lstStyle/>
+          <a:p>
             <a:r>
               <a:rPr lang="en-US" sz="1200" dirty="0" smtClean="0">
                 <a:solidFill>
                   <a:srgbClr val="118EB0"/>
                 </a:solidFill>
               </a:rPr>
-              <a:t>1</a:t>
+              <a:t>Dictionary</a:t>
             </a:r>
             <a:endParaRPr lang="en-US" sz="1200" dirty="0">
               <a:solidFill>
                 <a:srgbClr val="118EB0"/>
               </a:solidFill>
             </a:endParaRPr>
-          </a:p>
-        </p:txBody>
-      </p:sp>
-      <p:sp>
-        <p:nvSpPr>
-          <p:cNvPr id="10" name="TextBox 9"/>
-          <p:cNvSpPr txBox="1"/>
-          <p:nvPr/>
-        </p:nvSpPr>
-        <p:spPr>
-          <a:xfrm>
-            <a:off x="591662" y="1435854"/>
-            <a:ext cx="8180445" cy="923330"/>
-          </a:xfrm>
-          <a:prstGeom prst="rect">
-            <a:avLst/>
-          </a:prstGeom>
-          <a:noFill/>
-        </p:spPr>
-        <p:txBody>
-          <a:bodyPr wrap="none" rtlCol="0">
-            <a:spAutoFit/>
-          </a:bodyPr>
-          <a:lstStyle/>
-          <a:p>
-            <a:r>
-              <a:rPr lang="en-US" altLang="zh-CN" dirty="0" smtClean="0">
-                <a:latin typeface="Courier New" panose="02070309020205020404" pitchFamily="49" charset="0"/>
-                <a:cs typeface="Courier New" panose="02070309020205020404" pitchFamily="49" charset="0"/>
-              </a:rPr>
-              <a:t>&gt;&gt;&gt; message = ‘the quick brown fox jump over the lazy dog’</a:t>
-            </a:r>
-          </a:p>
-          <a:p>
-            <a:r>
-              <a:rPr lang="en-US" altLang="zh-CN" dirty="0" smtClean="0">
-                <a:latin typeface="Courier New" panose="02070309020205020404" pitchFamily="49" charset="0"/>
-                <a:cs typeface="Courier New" panose="02070309020205020404" pitchFamily="49" charset="0"/>
-              </a:rPr>
-              <a:t>&gt;&gt;&gt; </a:t>
-            </a:r>
-            <a:r>
-              <a:rPr lang="en-US" altLang="zh-CN" dirty="0" err="1" smtClean="0">
-                <a:latin typeface="Courier New" panose="02070309020205020404" pitchFamily="49" charset="0"/>
-                <a:cs typeface="Courier New" panose="02070309020205020404" pitchFamily="49" charset="0"/>
-              </a:rPr>
-              <a:t>cipher.encode_caesar</a:t>
-            </a:r>
-            <a:r>
-              <a:rPr lang="en-US" altLang="zh-CN" dirty="0" smtClean="0">
-                <a:latin typeface="Courier New" panose="02070309020205020404" pitchFamily="49" charset="0"/>
-                <a:cs typeface="Courier New" panose="02070309020205020404" pitchFamily="49" charset="0"/>
-              </a:rPr>
-              <a:t>(message, 7)</a:t>
-            </a:r>
-          </a:p>
-          <a:p>
-            <a:r>
-              <a:rPr lang="en-US" altLang="zh-CN" dirty="0">
-                <a:latin typeface="Courier New" panose="02070309020205020404" pitchFamily="49" charset="0"/>
-                <a:cs typeface="Courier New" panose="02070309020205020404" pitchFamily="49" charset="0"/>
-              </a:rPr>
-              <a:t>“AOL XBPJR IYVDU MVE QBTWZ VCLY AOL SHGF KVF”</a:t>
-            </a:r>
-            <a:endParaRPr lang="en-US" altLang="zh-CN" dirty="0" smtClean="0">
-              <a:latin typeface="Courier New" panose="02070309020205020404" pitchFamily="49" charset="0"/>
-              <a:cs typeface="Courier New" panose="02070309020205020404" pitchFamily="49" charset="0"/>
-            </a:endParaRPr>
-          </a:p>
-        </p:txBody>
-      </p:sp>
-      <p:sp>
-        <p:nvSpPr>
-          <p:cNvPr id="2" name="Rectangle 1"/>
-          <p:cNvSpPr/>
-          <p:nvPr/>
-        </p:nvSpPr>
-        <p:spPr>
-          <a:xfrm>
-            <a:off x="591662" y="4636907"/>
-            <a:ext cx="4370877" cy="369332"/>
-          </a:xfrm>
-          <a:prstGeom prst="rect">
-            <a:avLst/>
-          </a:prstGeom>
-        </p:spPr>
-        <p:txBody>
-          <a:bodyPr wrap="none">
-            <a:spAutoFit/>
-          </a:bodyPr>
-          <a:lstStyle/>
-          <a:p>
-            <a:pPr marL="285750" indent="-285750">
-              <a:buFont typeface="Arial" panose="020B0604020202020204" pitchFamily="34" charset="0"/>
-              <a:buChar char="•"/>
-            </a:pPr>
-            <a:r>
-              <a:rPr lang="en-US" altLang="zh-CN" dirty="0"/>
-              <a:t>How </a:t>
-            </a:r>
-            <a:r>
-              <a:rPr lang="en-US" altLang="zh-CN" dirty="0" smtClean="0"/>
-              <a:t>would you write a </a:t>
-            </a:r>
-            <a:r>
-              <a:rPr lang="en-US" altLang="zh-CN" dirty="0" err="1" smtClean="0"/>
-              <a:t>caesar</a:t>
-            </a:r>
-            <a:r>
-              <a:rPr lang="en-US" altLang="zh-CN" dirty="0" smtClean="0"/>
-              <a:t> decoder?</a:t>
-            </a:r>
-            <a:endParaRPr lang="zh-CN" altLang="en-US" dirty="0"/>
           </a:p>
         </p:txBody>
       </p:sp>
@@ -8094,32 +8047,34 @@
       </p:sp>
       <p:sp>
         <p:nvSpPr>
-          <p:cNvPr id="6" name="Rectangle 5"/>
-          <p:cNvSpPr/>
-          <p:nvPr/>
-        </p:nvSpPr>
-        <p:spPr>
-          <a:xfrm>
-            <a:off x="0" y="6451738"/>
-            <a:ext cx="1037664" cy="276999"/>
-          </a:xfrm>
-          <a:prstGeom prst="rect">
-            <a:avLst/>
-          </a:prstGeom>
-        </p:spPr>
-        <p:txBody>
-          <a:bodyPr wrap="none">
+          <p:cNvPr id="7" name="TextBox 6"/>
+          <p:cNvSpPr txBox="1"/>
+          <p:nvPr/>
+        </p:nvSpPr>
+        <p:spPr>
+          <a:xfrm>
+            <a:off x="8869998" y="6453063"/>
+            <a:ext cx="262662" cy="276999"/>
+          </a:xfrm>
+          <a:prstGeom prst="rect">
+            <a:avLst/>
+          </a:prstGeom>
+          <a:noFill/>
+        </p:spPr>
+        <p:txBody>
+          <a:bodyPr wrap="none" rtlCol="0">
             <a:spAutoFit/>
           </a:bodyPr>
           <a:lstStyle/>
           <a:p>
+            <a:pPr algn="r"/>
             <a:r>
               <a:rPr lang="en-US" sz="1200" dirty="0" smtClean="0">
                 <a:solidFill>
                   <a:srgbClr val="118EB0"/>
                 </a:solidFill>
               </a:rPr>
-              <a:t>Administrivia</a:t>
+              <a:t>1</a:t>
             </a:r>
             <a:endParaRPr lang="en-US" sz="1200" dirty="0">
               <a:solidFill>
@@ -8131,45 +8086,6 @@
       </p:sp>
       <p:sp>
         <p:nvSpPr>
-          <p:cNvPr id="7" name="TextBox 6"/>
-          <p:cNvSpPr txBox="1"/>
-          <p:nvPr/>
-        </p:nvSpPr>
-        <p:spPr>
-          <a:xfrm>
-            <a:off x="8869998" y="6453063"/>
-            <a:ext cx="262662" cy="276999"/>
-          </a:xfrm>
-          <a:prstGeom prst="rect">
-            <a:avLst/>
-          </a:prstGeom>
-          <a:noFill/>
-        </p:spPr>
-        <p:txBody>
-          <a:bodyPr wrap="none" rtlCol="0">
-            <a:spAutoFit/>
-          </a:bodyPr>
-          <a:lstStyle/>
-          <a:p>
-            <a:pPr algn="r"/>
-            <a:r>
-              <a:rPr lang="en-US" sz="1200" dirty="0" smtClean="0">
-                <a:solidFill>
-                  <a:srgbClr val="118EB0"/>
-                </a:solidFill>
-              </a:rPr>
-              <a:t>1</a:t>
-            </a:r>
-            <a:endParaRPr lang="en-US" sz="1200" dirty="0">
-              <a:solidFill>
-                <a:srgbClr val="118EB0"/>
-              </a:solidFill>
-            </a:endParaRPr>
-          </a:p>
-        </p:txBody>
-      </p:sp>
-      <p:sp>
-        <p:nvSpPr>
           <p:cNvPr id="2" name="TextBox 1"/>
           <p:cNvSpPr txBox="1"/>
           <p:nvPr/>
@@ -8258,19 +8174,8 @@
                 <a:latin typeface="Courier New" panose="02070309020205020404" pitchFamily="49" charset="0"/>
                 <a:cs typeface="Courier New" panose="02070309020205020404" pitchFamily="49" charset="0"/>
               </a:rPr>
-              <a:t>	d[c] = </a:t>
-            </a:r>
-            <a:r>
-              <a:rPr lang="en-US" altLang="zh-CN" dirty="0" smtClean="0">
-                <a:latin typeface="Courier New" panose="02070309020205020404" pitchFamily="49" charset="0"/>
-                <a:cs typeface="Courier New" panose="02070309020205020404" pitchFamily="49" charset="0"/>
-              </a:rPr>
-              <a:t>1</a:t>
-            </a:r>
-            <a:endParaRPr lang="en-US" altLang="zh-CN" dirty="0" smtClean="0">
-              <a:latin typeface="Courier New" panose="02070309020205020404" pitchFamily="49" charset="0"/>
-              <a:cs typeface="Courier New" panose="02070309020205020404" pitchFamily="49" charset="0"/>
-            </a:endParaRPr>
+              <a:t>	d[c] = 1</a:t>
+            </a:r>
           </a:p>
           <a:p>
             <a:r>
@@ -8301,21 +8206,7 @@
                 <a:latin typeface="Courier New" panose="02070309020205020404" pitchFamily="49" charset="0"/>
                 <a:cs typeface="Courier New" panose="02070309020205020404" pitchFamily="49" charset="0"/>
               </a:rPr>
-              <a:t>	</a:t>
-            </a:r>
-            <a:r>
-              <a:rPr lang="en-US" altLang="zh-CN" dirty="0" smtClean="0">
-                <a:latin typeface="Courier New" panose="02070309020205020404" pitchFamily="49" charset="0"/>
-                <a:cs typeface="Courier New" panose="02070309020205020404" pitchFamily="49" charset="0"/>
-              </a:rPr>
-              <a:t>d[c</a:t>
-            </a:r>
-            <a:r>
-              <a:rPr lang="en-US" altLang="zh-CN" dirty="0" smtClean="0">
-                <a:latin typeface="Courier New" panose="02070309020205020404" pitchFamily="49" charset="0"/>
-                <a:cs typeface="Courier New" panose="02070309020205020404" pitchFamily="49" charset="0"/>
-              </a:rPr>
-              <a:t>] += 1</a:t>
+              <a:t>	d[c] += 1</a:t>
             </a:r>
             <a:endParaRPr lang="en-US" altLang="zh-CN" dirty="0">
               <a:latin typeface="Courier New" panose="02070309020205020404" pitchFamily="49" charset="0"/>
@@ -8380,6 +8271,43 @@
               <a:rPr lang="en-US" sz="2800" dirty="0" smtClean="0"/>
               <a:t>What is the output of d by the above code?</a:t>
             </a:r>
+          </a:p>
+        </p:txBody>
+      </p:sp>
+      <p:sp>
+        <p:nvSpPr>
+          <p:cNvPr id="9" name="Rectangle 8"/>
+          <p:cNvSpPr/>
+          <p:nvPr/>
+        </p:nvSpPr>
+        <p:spPr>
+          <a:xfrm>
+            <a:off x="0" y="6451738"/>
+            <a:ext cx="824906" cy="276999"/>
+          </a:xfrm>
+          <a:prstGeom prst="rect">
+            <a:avLst/>
+          </a:prstGeom>
+        </p:spPr>
+        <p:txBody>
+          <a:bodyPr wrap="none">
+            <a:spAutoFit/>
+          </a:bodyPr>
+          <a:lstStyle/>
+          <a:p>
+            <a:r>
+              <a:rPr lang="en-US" sz="1200" dirty="0" smtClean="0">
+                <a:solidFill>
+                  <a:srgbClr val="118EB0"/>
+                </a:solidFill>
+              </a:rPr>
+              <a:t>Dictionary</a:t>
+            </a:r>
+            <a:endParaRPr lang="en-US" sz="1200" dirty="0">
+              <a:solidFill>
+                <a:srgbClr val="118EB0"/>
+              </a:solidFill>
+            </a:endParaRPr>
           </a:p>
         </p:txBody>
       </p:sp>
@@ -8521,43 +8449,6 @@
       </p:sp>
       <p:sp>
         <p:nvSpPr>
-          <p:cNvPr id="6" name="Rectangle 5"/>
-          <p:cNvSpPr/>
-          <p:nvPr/>
-        </p:nvSpPr>
-        <p:spPr>
-          <a:xfrm>
-            <a:off x="0" y="6451738"/>
-            <a:ext cx="1037664" cy="276999"/>
-          </a:xfrm>
-          <a:prstGeom prst="rect">
-            <a:avLst/>
-          </a:prstGeom>
-        </p:spPr>
-        <p:txBody>
-          <a:bodyPr wrap="none">
-            <a:spAutoFit/>
-          </a:bodyPr>
-          <a:lstStyle/>
-          <a:p>
-            <a:r>
-              <a:rPr lang="en-US" sz="1200" dirty="0" smtClean="0">
-                <a:solidFill>
-                  <a:srgbClr val="118EB0"/>
-                </a:solidFill>
-              </a:rPr>
-              <a:t>Administrivia</a:t>
-            </a:r>
-            <a:endParaRPr lang="en-US" sz="1200" dirty="0">
-              <a:solidFill>
-                <a:srgbClr val="118EB0"/>
-              </a:solidFill>
-            </a:endParaRPr>
-          </a:p>
-        </p:txBody>
-      </p:sp>
-      <p:sp>
-        <p:nvSpPr>
           <p:cNvPr id="7" name="TextBox 6"/>
           <p:cNvSpPr txBox="1"/>
           <p:nvPr/>
@@ -8747,6 +8638,43 @@
               </a:rPr>
               <a:t>…</a:t>
             </a:r>
+          </a:p>
+        </p:txBody>
+      </p:sp>
+      <p:sp>
+        <p:nvSpPr>
+          <p:cNvPr id="10" name="Rectangle 9"/>
+          <p:cNvSpPr/>
+          <p:nvPr/>
+        </p:nvSpPr>
+        <p:spPr>
+          <a:xfrm>
+            <a:off x="0" y="6451738"/>
+            <a:ext cx="824906" cy="276999"/>
+          </a:xfrm>
+          <a:prstGeom prst="rect">
+            <a:avLst/>
+          </a:prstGeom>
+        </p:spPr>
+        <p:txBody>
+          <a:bodyPr wrap="none">
+            <a:spAutoFit/>
+          </a:bodyPr>
+          <a:lstStyle/>
+          <a:p>
+            <a:r>
+              <a:rPr lang="en-US" sz="1200" dirty="0" smtClean="0">
+                <a:solidFill>
+                  <a:srgbClr val="118EB0"/>
+                </a:solidFill>
+              </a:rPr>
+              <a:t>Dictionary</a:t>
+            </a:r>
+            <a:endParaRPr lang="en-US" sz="1200" dirty="0">
+              <a:solidFill>
+                <a:srgbClr val="118EB0"/>
+              </a:solidFill>
+            </a:endParaRPr>
           </a:p>
         </p:txBody>
       </p:sp>
@@ -8883,43 +8811,6 @@
       </p:sp>
       <p:sp>
         <p:nvSpPr>
-          <p:cNvPr id="6" name="Rectangle 5"/>
-          <p:cNvSpPr/>
-          <p:nvPr/>
-        </p:nvSpPr>
-        <p:spPr>
-          <a:xfrm>
-            <a:off x="0" y="6451738"/>
-            <a:ext cx="1037664" cy="276999"/>
-          </a:xfrm>
-          <a:prstGeom prst="rect">
-            <a:avLst/>
-          </a:prstGeom>
-        </p:spPr>
-        <p:txBody>
-          <a:bodyPr wrap="none">
-            <a:spAutoFit/>
-          </a:bodyPr>
-          <a:lstStyle/>
-          <a:p>
-            <a:r>
-              <a:rPr lang="en-US" sz="1200" dirty="0" smtClean="0">
-                <a:solidFill>
-                  <a:srgbClr val="118EB0"/>
-                </a:solidFill>
-              </a:rPr>
-              <a:t>Administrivia</a:t>
-            </a:r>
-            <a:endParaRPr lang="en-US" sz="1200" dirty="0">
-              <a:solidFill>
-                <a:srgbClr val="118EB0"/>
-              </a:solidFill>
-            </a:endParaRPr>
-          </a:p>
-        </p:txBody>
-      </p:sp>
-      <p:sp>
-        <p:nvSpPr>
           <p:cNvPr id="7" name="TextBox 6"/>
           <p:cNvSpPr txBox="1"/>
           <p:nvPr/>
@@ -9095,32 +8986,34 @@
       </p:sp>
       <p:sp>
         <p:nvSpPr>
-          <p:cNvPr id="6" name="Rectangle 5"/>
-          <p:cNvSpPr/>
-          <p:nvPr/>
-        </p:nvSpPr>
-        <p:spPr>
-          <a:xfrm>
-            <a:off x="0" y="6451738"/>
-            <a:ext cx="1037664" cy="276999"/>
-          </a:xfrm>
-          <a:prstGeom prst="rect">
-            <a:avLst/>
-          </a:prstGeom>
-        </p:spPr>
-        <p:txBody>
-          <a:bodyPr wrap="none">
+          <p:cNvPr id="7" name="TextBox 6"/>
+          <p:cNvSpPr txBox="1"/>
+          <p:nvPr/>
+        </p:nvSpPr>
+        <p:spPr>
+          <a:xfrm>
+            <a:off x="8869998" y="6453063"/>
+            <a:ext cx="262662" cy="276999"/>
+          </a:xfrm>
+          <a:prstGeom prst="rect">
+            <a:avLst/>
+          </a:prstGeom>
+          <a:noFill/>
+        </p:spPr>
+        <p:txBody>
+          <a:bodyPr wrap="none" rtlCol="0">
             <a:spAutoFit/>
           </a:bodyPr>
           <a:lstStyle/>
           <a:p>
+            <a:pPr algn="r"/>
             <a:r>
               <a:rPr lang="en-US" sz="1200" dirty="0" smtClean="0">
                 <a:solidFill>
                   <a:srgbClr val="118EB0"/>
                 </a:solidFill>
               </a:rPr>
-              <a:t>Administrivia</a:t>
+              <a:t>1</a:t>
             </a:r>
             <a:endParaRPr lang="en-US" sz="1200" dirty="0">
               <a:solidFill>
@@ -9132,14 +9025,14 @@
       </p:sp>
       <p:sp>
         <p:nvSpPr>
-          <p:cNvPr id="7" name="TextBox 6"/>
+          <p:cNvPr id="2" name="TextBox 1"/>
           <p:cNvSpPr txBox="1"/>
           <p:nvPr/>
         </p:nvSpPr>
         <p:spPr>
           <a:xfrm>
-            <a:off x="8869998" y="6453063"/>
-            <a:ext cx="262662" cy="276999"/>
+            <a:off x="709190" y="1615736"/>
+            <a:ext cx="4173528" cy="2308324"/>
           </a:xfrm>
           <a:prstGeom prst="rect">
             <a:avLst/>
@@ -9147,142 +9040,131 @@
           <a:noFill/>
         </p:spPr>
         <p:txBody>
-          <a:bodyPr wrap="none" rtlCol="0">
+          <a:bodyPr wrap="square" rtlCol="0">
             <a:spAutoFit/>
           </a:bodyPr>
           <a:lstStyle/>
           <a:p>
-            <a:pPr algn="r"/>
+            <a:r>
+              <a:rPr lang="en-US" altLang="zh-CN" dirty="0" err="1" smtClean="0">
+                <a:latin typeface="Courier New" panose="02070309020205020404" pitchFamily="49" charset="0"/>
+                <a:cs typeface="Courier New" panose="02070309020205020404" pitchFamily="49" charset="0"/>
+              </a:rPr>
+              <a:t>def</a:t>
+            </a:r>
+            <a:r>
+              <a:rPr lang="en-US" altLang="zh-CN" dirty="0" smtClean="0">
+                <a:latin typeface="Courier New" panose="02070309020205020404" pitchFamily="49" charset="0"/>
+                <a:cs typeface="Courier New" panose="02070309020205020404" pitchFamily="49" charset="0"/>
+              </a:rPr>
+              <a:t> fun(x):</a:t>
+            </a:r>
+          </a:p>
+          <a:p>
+            <a:r>
+              <a:rPr lang="en-US" altLang="zh-CN" dirty="0">
+                <a:latin typeface="Courier New" panose="02070309020205020404" pitchFamily="49" charset="0"/>
+                <a:cs typeface="Courier New" panose="02070309020205020404" pitchFamily="49" charset="0"/>
+              </a:rPr>
+              <a:t>	</a:t>
+            </a:r>
+            <a:r>
+              <a:rPr lang="en-US" altLang="zh-CN" dirty="0" smtClean="0">
+                <a:latin typeface="Courier New" panose="02070309020205020404" pitchFamily="49" charset="0"/>
+                <a:cs typeface="Courier New" panose="02070309020205020404" pitchFamily="49" charset="0"/>
+              </a:rPr>
+              <a:t>x = x + 1</a:t>
+            </a:r>
+          </a:p>
+          <a:p>
+            <a:r>
+              <a:rPr lang="en-US" altLang="zh-CN" dirty="0" smtClean="0">
+                <a:latin typeface="Courier New" panose="02070309020205020404" pitchFamily="49" charset="0"/>
+                <a:cs typeface="Courier New" panose="02070309020205020404" pitchFamily="49" charset="0"/>
+              </a:rPr>
+              <a:t>	return x</a:t>
+            </a:r>
+          </a:p>
+          <a:p>
+            <a:endParaRPr lang="en-US" altLang="zh-CN" dirty="0">
+              <a:latin typeface="Courier New" panose="02070309020205020404" pitchFamily="49" charset="0"/>
+              <a:cs typeface="Courier New" panose="02070309020205020404" pitchFamily="49" charset="0"/>
+            </a:endParaRPr>
+          </a:p>
+          <a:p>
+            <a:r>
+              <a:rPr lang="en-US" altLang="zh-CN" dirty="0" smtClean="0">
+                <a:latin typeface="Courier New" panose="02070309020205020404" pitchFamily="49" charset="0"/>
+                <a:cs typeface="Courier New" panose="02070309020205020404" pitchFamily="49" charset="0"/>
+              </a:rPr>
+              <a:t>x = 5</a:t>
+            </a:r>
+          </a:p>
+          <a:p>
+            <a:r>
+              <a:rPr lang="en-US" altLang="zh-CN" dirty="0" smtClean="0">
+                <a:latin typeface="Courier New" panose="02070309020205020404" pitchFamily="49" charset="0"/>
+                <a:cs typeface="Courier New" panose="02070309020205020404" pitchFamily="49" charset="0"/>
+              </a:rPr>
+              <a:t>fun(x)</a:t>
+            </a:r>
+          </a:p>
+          <a:p>
+            <a:r>
+              <a:rPr lang="en-US" altLang="zh-CN" dirty="0" smtClean="0">
+                <a:latin typeface="Courier New" panose="02070309020205020404" pitchFamily="49" charset="0"/>
+                <a:cs typeface="Courier New" panose="02070309020205020404" pitchFamily="49" charset="0"/>
+              </a:rPr>
+              <a:t/>
+            </a:r>
+            <a:br>
+              <a:rPr lang="en-US" altLang="zh-CN" dirty="0" smtClean="0">
+                <a:latin typeface="Courier New" panose="02070309020205020404" pitchFamily="49" charset="0"/>
+                <a:cs typeface="Courier New" panose="02070309020205020404" pitchFamily="49" charset="0"/>
+              </a:rPr>
+            </a:br>
+            <a:r>
+              <a:rPr lang="en-US" altLang="zh-CN" dirty="0" smtClean="0">
+                <a:cs typeface="Courier New" panose="02070309020205020404" pitchFamily="49" charset="0"/>
+              </a:rPr>
+              <a:t>What is the value of x in the end?</a:t>
+            </a:r>
+          </a:p>
+        </p:txBody>
+      </p:sp>
+      <p:sp>
+        <p:nvSpPr>
+          <p:cNvPr id="8" name="Rectangle 7"/>
+          <p:cNvSpPr/>
+          <p:nvPr/>
+        </p:nvSpPr>
+        <p:spPr>
+          <a:xfrm>
+            <a:off x="0" y="6451738"/>
+            <a:ext cx="711798" cy="276999"/>
+          </a:xfrm>
+          <a:prstGeom prst="rect">
+            <a:avLst/>
+          </a:prstGeom>
+        </p:spPr>
+        <p:txBody>
+          <a:bodyPr wrap="none">
+            <a:spAutoFit/>
+          </a:bodyPr>
+          <a:lstStyle/>
+          <a:p>
             <a:r>
               <a:rPr lang="en-US" sz="1200" dirty="0" smtClean="0">
                 <a:solidFill>
                   <a:srgbClr val="118EB0"/>
                 </a:solidFill>
               </a:rPr>
-              <a:t>1</a:t>
+              <a:t>Mutable</a:t>
             </a:r>
             <a:endParaRPr lang="en-US" sz="1200" dirty="0">
               <a:solidFill>
                 <a:srgbClr val="118EB0"/>
               </a:solidFill>
-            </a:endParaRPr>
-          </a:p>
-        </p:txBody>
-      </p:sp>
-      <p:sp>
-        <p:nvSpPr>
-          <p:cNvPr id="2" name="TextBox 1"/>
-          <p:cNvSpPr txBox="1"/>
-          <p:nvPr/>
-        </p:nvSpPr>
-        <p:spPr>
-          <a:xfrm>
-            <a:off x="709190" y="1615736"/>
-            <a:ext cx="4173528" cy="2308324"/>
-          </a:xfrm>
-          <a:prstGeom prst="rect">
-            <a:avLst/>
-          </a:prstGeom>
-          <a:noFill/>
-        </p:spPr>
-        <p:txBody>
-          <a:bodyPr wrap="square" rtlCol="0">
-            <a:spAutoFit/>
-          </a:bodyPr>
-          <a:lstStyle/>
-          <a:p>
-            <a:r>
-              <a:rPr lang="en-US" altLang="zh-CN" dirty="0" err="1" smtClean="0">
-                <a:latin typeface="Courier New" panose="02070309020205020404" pitchFamily="49" charset="0"/>
-                <a:cs typeface="Courier New" panose="02070309020205020404" pitchFamily="49" charset="0"/>
-              </a:rPr>
-              <a:t>def</a:t>
-            </a:r>
-            <a:r>
-              <a:rPr lang="en-US" altLang="zh-CN" dirty="0" smtClean="0">
-                <a:latin typeface="Courier New" panose="02070309020205020404" pitchFamily="49" charset="0"/>
-                <a:cs typeface="Courier New" panose="02070309020205020404" pitchFamily="49" charset="0"/>
-              </a:rPr>
-              <a:t> fun(x):</a:t>
-            </a:r>
-          </a:p>
-          <a:p>
-            <a:r>
-              <a:rPr lang="en-US" altLang="zh-CN" dirty="0">
-                <a:latin typeface="Courier New" panose="02070309020205020404" pitchFamily="49" charset="0"/>
-                <a:cs typeface="Courier New" panose="02070309020205020404" pitchFamily="49" charset="0"/>
-              </a:rPr>
-              <a:t>	</a:t>
-            </a:r>
-            <a:r>
-              <a:rPr lang="en-US" altLang="zh-CN" dirty="0" smtClean="0">
-                <a:latin typeface="Courier New" panose="02070309020205020404" pitchFamily="49" charset="0"/>
-                <a:cs typeface="Courier New" panose="02070309020205020404" pitchFamily="49" charset="0"/>
-              </a:rPr>
-              <a:t>x = x + 1</a:t>
-            </a:r>
-          </a:p>
-          <a:p>
-            <a:r>
-              <a:rPr lang="en-US" altLang="zh-CN" dirty="0" smtClean="0">
-                <a:latin typeface="Courier New" panose="02070309020205020404" pitchFamily="49" charset="0"/>
-                <a:cs typeface="Courier New" panose="02070309020205020404" pitchFamily="49" charset="0"/>
-              </a:rPr>
-              <a:t>	return x</a:t>
-            </a:r>
-          </a:p>
-          <a:p>
-            <a:endParaRPr lang="en-US" altLang="zh-CN" dirty="0">
-              <a:latin typeface="Courier New" panose="02070309020205020404" pitchFamily="49" charset="0"/>
-              <a:cs typeface="Courier New" panose="02070309020205020404" pitchFamily="49" charset="0"/>
-            </a:endParaRPr>
-          </a:p>
-          <a:p>
-            <a:r>
-              <a:rPr lang="en-US" altLang="zh-CN" dirty="0" smtClean="0">
-                <a:latin typeface="Courier New" panose="02070309020205020404" pitchFamily="49" charset="0"/>
-                <a:cs typeface="Courier New" panose="02070309020205020404" pitchFamily="49" charset="0"/>
-              </a:rPr>
-              <a:t>x = 5</a:t>
-            </a:r>
-          </a:p>
-          <a:p>
-            <a:r>
-              <a:rPr lang="en-US" altLang="zh-CN" dirty="0" smtClean="0">
-                <a:latin typeface="Courier New" panose="02070309020205020404" pitchFamily="49" charset="0"/>
-                <a:cs typeface="Courier New" panose="02070309020205020404" pitchFamily="49" charset="0"/>
-              </a:rPr>
-              <a:t>fun(x)</a:t>
-            </a:r>
-          </a:p>
-          <a:p>
-            <a:r>
-              <a:rPr lang="en-US" altLang="zh-CN" dirty="0" smtClean="0">
-                <a:latin typeface="Courier New" panose="02070309020205020404" pitchFamily="49" charset="0"/>
-                <a:cs typeface="Courier New" panose="02070309020205020404" pitchFamily="49" charset="0"/>
-              </a:rPr>
-              <a:t/>
-            </a:r>
-            <a:br>
-              <a:rPr lang="en-US" altLang="zh-CN" dirty="0" smtClean="0">
-                <a:latin typeface="Courier New" panose="02070309020205020404" pitchFamily="49" charset="0"/>
-                <a:cs typeface="Courier New" panose="02070309020205020404" pitchFamily="49" charset="0"/>
-              </a:rPr>
-            </a:br>
-            <a:r>
-              <a:rPr lang="en-US" altLang="zh-CN" dirty="0" smtClean="0">
-                <a:cs typeface="Courier New" panose="02070309020205020404" pitchFamily="49" charset="0"/>
-              </a:rPr>
-              <a:t>What is the value of </a:t>
-            </a:r>
-            <a:r>
-              <a:rPr lang="en-US" altLang="zh-CN" dirty="0" smtClean="0">
-                <a:cs typeface="Courier New" panose="02070309020205020404" pitchFamily="49" charset="0"/>
-              </a:rPr>
-              <a:t>x in the end?</a:t>
-            </a:r>
-            <a:endParaRPr lang="en-US" altLang="zh-CN" dirty="0" smtClean="0">
-              <a:cs typeface="Courier New" panose="02070309020205020404" pitchFamily="49" charset="0"/>
             </a:endParaRPr>
           </a:p>
         </p:txBody>
@@ -9425,43 +9307,6 @@
       </p:sp>
       <p:sp>
         <p:nvSpPr>
-          <p:cNvPr id="6" name="Rectangle 5"/>
-          <p:cNvSpPr/>
-          <p:nvPr/>
-        </p:nvSpPr>
-        <p:spPr>
-          <a:xfrm>
-            <a:off x="0" y="6451738"/>
-            <a:ext cx="1037664" cy="276999"/>
-          </a:xfrm>
-          <a:prstGeom prst="rect">
-            <a:avLst/>
-          </a:prstGeom>
-        </p:spPr>
-        <p:txBody>
-          <a:bodyPr wrap="none">
-            <a:spAutoFit/>
-          </a:bodyPr>
-          <a:lstStyle/>
-          <a:p>
-            <a:r>
-              <a:rPr lang="en-US" sz="1200" dirty="0" smtClean="0">
-                <a:solidFill>
-                  <a:srgbClr val="118EB0"/>
-                </a:solidFill>
-              </a:rPr>
-              <a:t>Administrivia</a:t>
-            </a:r>
-            <a:endParaRPr lang="en-US" sz="1200" dirty="0">
-              <a:solidFill>
-                <a:srgbClr val="118EB0"/>
-              </a:solidFill>
-            </a:endParaRPr>
-          </a:p>
-        </p:txBody>
-      </p:sp>
-      <p:sp>
-        <p:nvSpPr>
           <p:cNvPr id="7" name="TextBox 6"/>
           <p:cNvSpPr txBox="1"/>
           <p:nvPr/>
@@ -9719,6 +9564,43 @@
             </a:r>
             <a:endParaRPr lang="en-US" altLang="zh-CN" dirty="0" smtClean="0">
               <a:cs typeface="Courier New" panose="02070309020205020404" pitchFamily="49" charset="0"/>
+            </a:endParaRPr>
+          </a:p>
+        </p:txBody>
+      </p:sp>
+      <p:sp>
+        <p:nvSpPr>
+          <p:cNvPr id="10" name="Rectangle 9"/>
+          <p:cNvSpPr/>
+          <p:nvPr/>
+        </p:nvSpPr>
+        <p:spPr>
+          <a:xfrm>
+            <a:off x="0" y="6451738"/>
+            <a:ext cx="711798" cy="276999"/>
+          </a:xfrm>
+          <a:prstGeom prst="rect">
+            <a:avLst/>
+          </a:prstGeom>
+        </p:spPr>
+        <p:txBody>
+          <a:bodyPr wrap="none">
+            <a:spAutoFit/>
+          </a:bodyPr>
+          <a:lstStyle/>
+          <a:p>
+            <a:r>
+              <a:rPr lang="en-US" sz="1200" dirty="0" smtClean="0">
+                <a:solidFill>
+                  <a:srgbClr val="118EB0"/>
+                </a:solidFill>
+              </a:rPr>
+              <a:t>Mutable</a:t>
+            </a:r>
+            <a:endParaRPr lang="en-US" sz="1200" dirty="0">
+              <a:solidFill>
+                <a:srgbClr val="118EB0"/>
+              </a:solidFill>
             </a:endParaRPr>
           </a:p>
         </p:txBody>
@@ -9861,32 +9743,34 @@
       </p:sp>
       <p:sp>
         <p:nvSpPr>
-          <p:cNvPr id="6" name="Rectangle 5"/>
-          <p:cNvSpPr/>
-          <p:nvPr/>
-        </p:nvSpPr>
-        <p:spPr>
-          <a:xfrm>
-            <a:off x="0" y="6451738"/>
-            <a:ext cx="1037664" cy="276999"/>
-          </a:xfrm>
-          <a:prstGeom prst="rect">
-            <a:avLst/>
-          </a:prstGeom>
-        </p:spPr>
-        <p:txBody>
-          <a:bodyPr wrap="none">
+          <p:cNvPr id="7" name="TextBox 6"/>
+          <p:cNvSpPr txBox="1"/>
+          <p:nvPr/>
+        </p:nvSpPr>
+        <p:spPr>
+          <a:xfrm>
+            <a:off x="8869998" y="6453063"/>
+            <a:ext cx="262662" cy="276999"/>
+          </a:xfrm>
+          <a:prstGeom prst="rect">
+            <a:avLst/>
+          </a:prstGeom>
+          <a:noFill/>
+        </p:spPr>
+        <p:txBody>
+          <a:bodyPr wrap="none" rtlCol="0">
             <a:spAutoFit/>
           </a:bodyPr>
           <a:lstStyle/>
           <a:p>
+            <a:pPr algn="r"/>
             <a:r>
               <a:rPr lang="en-US" sz="1200" dirty="0" smtClean="0">
                 <a:solidFill>
                   <a:srgbClr val="118EB0"/>
                 </a:solidFill>
               </a:rPr>
-              <a:t>Administrivia</a:t>
+              <a:t>1</a:t>
             </a:r>
             <a:endParaRPr lang="en-US" sz="1200" dirty="0">
               <a:solidFill>
@@ -9898,14 +9782,14 @@
       </p:sp>
       <p:sp>
         <p:nvSpPr>
-          <p:cNvPr id="7" name="TextBox 6"/>
+          <p:cNvPr id="9" name="TextBox 8"/>
           <p:cNvSpPr txBox="1"/>
           <p:nvPr/>
         </p:nvSpPr>
         <p:spPr>
           <a:xfrm>
-            <a:off x="8869998" y="6453063"/>
-            <a:ext cx="262662" cy="276999"/>
+            <a:off x="646025" y="1662316"/>
+            <a:ext cx="5674876" cy="2308324"/>
           </a:xfrm>
           <a:prstGeom prst="rect">
             <a:avLst/>
@@ -9913,236 +9797,230 @@
           <a:noFill/>
         </p:spPr>
         <p:txBody>
-          <a:bodyPr wrap="none" rtlCol="0">
+          <a:bodyPr wrap="square" rtlCol="0">
             <a:spAutoFit/>
           </a:bodyPr>
           <a:lstStyle/>
           <a:p>
-            <a:pPr algn="r"/>
+            <a:r>
+              <a:rPr lang="en-US" altLang="zh-CN" dirty="0" err="1" smtClean="0">
+                <a:latin typeface="Courier New" panose="02070309020205020404" pitchFamily="49" charset="0"/>
+                <a:cs typeface="Courier New" panose="02070309020205020404" pitchFamily="49" charset="0"/>
+              </a:rPr>
+              <a:t>def</a:t>
+            </a:r>
+            <a:r>
+              <a:rPr lang="en-US" altLang="zh-CN" dirty="0" smtClean="0">
+                <a:latin typeface="Courier New" panose="02070309020205020404" pitchFamily="49" charset="0"/>
+                <a:cs typeface="Courier New" panose="02070309020205020404" pitchFamily="49" charset="0"/>
+              </a:rPr>
+              <a:t> </a:t>
+            </a:r>
+            <a:r>
+              <a:rPr lang="en-US" altLang="zh-CN" dirty="0" err="1" smtClean="0">
+                <a:latin typeface="Courier New" panose="02070309020205020404" pitchFamily="49" charset="0"/>
+                <a:cs typeface="Courier New" panose="02070309020205020404" pitchFamily="49" charset="0"/>
+              </a:rPr>
+              <a:t>readfile</a:t>
+            </a:r>
+            <a:r>
+              <a:rPr lang="en-US" altLang="zh-CN" dirty="0" smtClean="0">
+                <a:latin typeface="Courier New" panose="02070309020205020404" pitchFamily="49" charset="0"/>
+                <a:cs typeface="Courier New" panose="02070309020205020404" pitchFamily="49" charset="0"/>
+              </a:rPr>
+              <a:t>(filename, a)</a:t>
+            </a:r>
+          </a:p>
+          <a:p>
+            <a:r>
+              <a:rPr lang="en-US" altLang="zh-CN" dirty="0">
+                <a:latin typeface="Courier New" panose="02070309020205020404" pitchFamily="49" charset="0"/>
+                <a:cs typeface="Courier New" panose="02070309020205020404" pitchFamily="49" charset="0"/>
+              </a:rPr>
+              <a:t>	</a:t>
+            </a:r>
+            <a:r>
+              <a:rPr lang="en-US" altLang="zh-CN" dirty="0" smtClean="0">
+                <a:latin typeface="Courier New" panose="02070309020205020404" pitchFamily="49" charset="0"/>
+                <a:cs typeface="Courier New" panose="02070309020205020404" pitchFamily="49" charset="0"/>
+              </a:rPr>
+              <a:t>for line in open(filename):</a:t>
+            </a:r>
+          </a:p>
+          <a:p>
+            <a:r>
+              <a:rPr lang="en-US" altLang="zh-CN" dirty="0">
+                <a:latin typeface="Courier New" panose="02070309020205020404" pitchFamily="49" charset="0"/>
+                <a:cs typeface="Courier New" panose="02070309020205020404" pitchFamily="49" charset="0"/>
+              </a:rPr>
+              <a:t>	</a:t>
+            </a:r>
+            <a:r>
+              <a:rPr lang="en-US" altLang="zh-CN" dirty="0" smtClean="0">
+                <a:latin typeface="Courier New" panose="02070309020205020404" pitchFamily="49" charset="0"/>
+                <a:cs typeface="Courier New" panose="02070309020205020404" pitchFamily="49" charset="0"/>
+              </a:rPr>
+              <a:t>	</a:t>
+            </a:r>
+            <a:r>
+              <a:rPr lang="en-US" altLang="zh-CN" dirty="0" err="1" smtClean="0">
+                <a:latin typeface="Courier New" panose="02070309020205020404" pitchFamily="49" charset="0"/>
+                <a:cs typeface="Courier New" panose="02070309020205020404" pitchFamily="49" charset="0"/>
+              </a:rPr>
+              <a:t>a.append</a:t>
+            </a:r>
+            <a:r>
+              <a:rPr lang="en-US" altLang="zh-CN" dirty="0" smtClean="0">
+                <a:latin typeface="Courier New" panose="02070309020205020404" pitchFamily="49" charset="0"/>
+                <a:cs typeface="Courier New" panose="02070309020205020404" pitchFamily="49" charset="0"/>
+              </a:rPr>
+              <a:t>(</a:t>
+            </a:r>
+            <a:r>
+              <a:rPr lang="en-US" altLang="zh-CN" dirty="0" err="1" smtClean="0">
+                <a:latin typeface="Courier New" panose="02070309020205020404" pitchFamily="49" charset="0"/>
+                <a:cs typeface="Courier New" panose="02070309020205020404" pitchFamily="49" charset="0"/>
+              </a:rPr>
+              <a:t>line.strip</a:t>
+            </a:r>
+            <a:r>
+              <a:rPr lang="en-US" altLang="zh-CN" dirty="0" smtClean="0">
+                <a:latin typeface="Courier New" panose="02070309020205020404" pitchFamily="49" charset="0"/>
+                <a:cs typeface="Courier New" panose="02070309020205020404" pitchFamily="49" charset="0"/>
+              </a:rPr>
+              <a:t>())</a:t>
+            </a:r>
+          </a:p>
+          <a:p>
+            <a:endParaRPr lang="en-US" altLang="zh-CN" dirty="0">
+              <a:latin typeface="Courier New" panose="02070309020205020404" pitchFamily="49" charset="0"/>
+              <a:cs typeface="Courier New" panose="02070309020205020404" pitchFamily="49" charset="0"/>
+            </a:endParaRPr>
+          </a:p>
+          <a:p>
+            <a:r>
+              <a:rPr lang="en-US" altLang="zh-CN" dirty="0" err="1" smtClean="0">
+                <a:latin typeface="Courier New" panose="02070309020205020404" pitchFamily="49" charset="0"/>
+                <a:cs typeface="Courier New" panose="02070309020205020404" pitchFamily="49" charset="0"/>
+              </a:rPr>
+              <a:t>all_lines</a:t>
+            </a:r>
+            <a:r>
+              <a:rPr lang="en-US" altLang="zh-CN" dirty="0" smtClean="0">
+                <a:latin typeface="Courier New" panose="02070309020205020404" pitchFamily="49" charset="0"/>
+                <a:cs typeface="Courier New" panose="02070309020205020404" pitchFamily="49" charset="0"/>
+              </a:rPr>
+              <a:t> = []</a:t>
+            </a:r>
+          </a:p>
+          <a:p>
+            <a:r>
+              <a:rPr lang="en-US" altLang="zh-CN" dirty="0" err="1" smtClean="0">
+                <a:latin typeface="Courier New" panose="02070309020205020404" pitchFamily="49" charset="0"/>
+                <a:cs typeface="Courier New" panose="02070309020205020404" pitchFamily="49" charset="0"/>
+              </a:rPr>
+              <a:t>readfile</a:t>
+            </a:r>
+            <a:r>
+              <a:rPr lang="en-US" altLang="zh-CN" dirty="0" smtClean="0">
+                <a:latin typeface="Courier New" panose="02070309020205020404" pitchFamily="49" charset="0"/>
+                <a:cs typeface="Courier New" panose="02070309020205020404" pitchFamily="49" charset="0"/>
+              </a:rPr>
+              <a:t>(‘cipher.py’, </a:t>
+            </a:r>
+            <a:r>
+              <a:rPr lang="en-US" altLang="zh-CN" dirty="0" err="1" smtClean="0">
+                <a:latin typeface="Courier New" panose="02070309020205020404" pitchFamily="49" charset="0"/>
+                <a:cs typeface="Courier New" panose="02070309020205020404" pitchFamily="49" charset="0"/>
+              </a:rPr>
+              <a:t>all_lines</a:t>
+            </a:r>
+            <a:r>
+              <a:rPr lang="en-US" altLang="zh-CN" dirty="0" smtClean="0">
+                <a:latin typeface="Courier New" panose="02070309020205020404" pitchFamily="49" charset="0"/>
+                <a:cs typeface="Courier New" panose="02070309020205020404" pitchFamily="49" charset="0"/>
+              </a:rPr>
+              <a:t>)</a:t>
+            </a:r>
+          </a:p>
+          <a:p>
+            <a:r>
+              <a:rPr lang="en-US" altLang="zh-CN" dirty="0" err="1">
+                <a:latin typeface="Courier New" panose="02070309020205020404" pitchFamily="49" charset="0"/>
+                <a:cs typeface="Courier New" panose="02070309020205020404" pitchFamily="49" charset="0"/>
+              </a:rPr>
+              <a:t>readfile</a:t>
+            </a:r>
+            <a:r>
+              <a:rPr lang="en-US" altLang="zh-CN" dirty="0" smtClean="0">
+                <a:latin typeface="Courier New" panose="02070309020205020404" pitchFamily="49" charset="0"/>
+                <a:cs typeface="Courier New" panose="02070309020205020404" pitchFamily="49" charset="0"/>
+              </a:rPr>
+              <a:t>(‘jeopardy.py’, </a:t>
+            </a:r>
+            <a:r>
+              <a:rPr lang="en-US" altLang="zh-CN" dirty="0" err="1">
+                <a:latin typeface="Courier New" panose="02070309020205020404" pitchFamily="49" charset="0"/>
+                <a:cs typeface="Courier New" panose="02070309020205020404" pitchFamily="49" charset="0"/>
+              </a:rPr>
+              <a:t>all_lines</a:t>
+            </a:r>
+            <a:r>
+              <a:rPr lang="en-US" altLang="zh-CN" dirty="0" smtClean="0">
+                <a:latin typeface="Courier New" panose="02070309020205020404" pitchFamily="49" charset="0"/>
+                <a:cs typeface="Courier New" panose="02070309020205020404" pitchFamily="49" charset="0"/>
+              </a:rPr>
+              <a:t>)</a:t>
+            </a:r>
+          </a:p>
+          <a:p>
+            <a:r>
+              <a:rPr lang="en-US" altLang="zh-CN" dirty="0" smtClean="0">
+                <a:latin typeface="Courier New" panose="02070309020205020404" pitchFamily="49" charset="0"/>
+                <a:cs typeface="Courier New" panose="02070309020205020404" pitchFamily="49" charset="0"/>
+              </a:rPr>
+              <a:t>…</a:t>
+            </a:r>
+            <a:endParaRPr lang="en-US" altLang="zh-CN" dirty="0">
+              <a:latin typeface="Courier New" panose="02070309020205020404" pitchFamily="49" charset="0"/>
+              <a:cs typeface="Courier New" panose="02070309020205020404" pitchFamily="49" charset="0"/>
+            </a:endParaRPr>
+          </a:p>
+        </p:txBody>
+      </p:sp>
+      <p:sp>
+        <p:nvSpPr>
+          <p:cNvPr id="8" name="Rectangle 7"/>
+          <p:cNvSpPr/>
+          <p:nvPr/>
+        </p:nvSpPr>
+        <p:spPr>
+          <a:xfrm>
+            <a:off x="0" y="6451738"/>
+            <a:ext cx="711798" cy="276999"/>
+          </a:xfrm>
+          <a:prstGeom prst="rect">
+            <a:avLst/>
+          </a:prstGeom>
+        </p:spPr>
+        <p:txBody>
+          <a:bodyPr wrap="none">
+            <a:spAutoFit/>
+          </a:bodyPr>
+          <a:lstStyle/>
+          <a:p>
             <a:r>
               <a:rPr lang="en-US" sz="1200" dirty="0" smtClean="0">
                 <a:solidFill>
                   <a:srgbClr val="118EB0"/>
                 </a:solidFill>
               </a:rPr>
-              <a:t>1</a:t>
+              <a:t>Mutable</a:t>
             </a:r>
             <a:endParaRPr lang="en-US" sz="1200" dirty="0">
               <a:solidFill>
                 <a:srgbClr val="118EB0"/>
               </a:solidFill>
-            </a:endParaRPr>
-          </a:p>
-        </p:txBody>
-      </p:sp>
-      <p:sp>
-        <p:nvSpPr>
-          <p:cNvPr id="9" name="TextBox 8"/>
-          <p:cNvSpPr txBox="1"/>
-          <p:nvPr/>
-        </p:nvSpPr>
-        <p:spPr>
-          <a:xfrm>
-            <a:off x="646025" y="1662316"/>
-            <a:ext cx="5674876" cy="2308324"/>
-          </a:xfrm>
-          <a:prstGeom prst="rect">
-            <a:avLst/>
-          </a:prstGeom>
-          <a:noFill/>
-        </p:spPr>
-        <p:txBody>
-          <a:bodyPr wrap="square" rtlCol="0">
-            <a:spAutoFit/>
-          </a:bodyPr>
-          <a:lstStyle/>
-          <a:p>
-            <a:r>
-              <a:rPr lang="en-US" altLang="zh-CN" dirty="0" err="1" smtClean="0">
-                <a:latin typeface="Courier New" panose="02070309020205020404" pitchFamily="49" charset="0"/>
-                <a:cs typeface="Courier New" panose="02070309020205020404" pitchFamily="49" charset="0"/>
-              </a:rPr>
-              <a:t>def</a:t>
-            </a:r>
-            <a:r>
-              <a:rPr lang="en-US" altLang="zh-CN" dirty="0" smtClean="0">
-                <a:latin typeface="Courier New" panose="02070309020205020404" pitchFamily="49" charset="0"/>
-                <a:cs typeface="Courier New" panose="02070309020205020404" pitchFamily="49" charset="0"/>
-              </a:rPr>
-              <a:t> </a:t>
-            </a:r>
-            <a:r>
-              <a:rPr lang="en-US" altLang="zh-CN" dirty="0" err="1" smtClean="0">
-                <a:latin typeface="Courier New" panose="02070309020205020404" pitchFamily="49" charset="0"/>
-                <a:cs typeface="Courier New" panose="02070309020205020404" pitchFamily="49" charset="0"/>
-              </a:rPr>
-              <a:t>readfile</a:t>
-            </a:r>
-            <a:r>
-              <a:rPr lang="en-US" altLang="zh-CN" dirty="0" smtClean="0">
-                <a:latin typeface="Courier New" panose="02070309020205020404" pitchFamily="49" charset="0"/>
-                <a:cs typeface="Courier New" panose="02070309020205020404" pitchFamily="49" charset="0"/>
-              </a:rPr>
-              <a:t>(filename, a)</a:t>
-            </a:r>
-          </a:p>
-          <a:p>
-            <a:r>
-              <a:rPr lang="en-US" altLang="zh-CN" dirty="0">
-                <a:latin typeface="Courier New" panose="02070309020205020404" pitchFamily="49" charset="0"/>
-                <a:cs typeface="Courier New" panose="02070309020205020404" pitchFamily="49" charset="0"/>
-              </a:rPr>
-              <a:t>	</a:t>
-            </a:r>
-            <a:r>
-              <a:rPr lang="en-US" altLang="zh-CN" dirty="0" smtClean="0">
-                <a:latin typeface="Courier New" panose="02070309020205020404" pitchFamily="49" charset="0"/>
-                <a:cs typeface="Courier New" panose="02070309020205020404" pitchFamily="49" charset="0"/>
-              </a:rPr>
-              <a:t>for line in open(filename):</a:t>
-            </a:r>
-          </a:p>
-          <a:p>
-            <a:r>
-              <a:rPr lang="en-US" altLang="zh-CN" dirty="0">
-                <a:latin typeface="Courier New" panose="02070309020205020404" pitchFamily="49" charset="0"/>
-                <a:cs typeface="Courier New" panose="02070309020205020404" pitchFamily="49" charset="0"/>
-              </a:rPr>
-              <a:t>	</a:t>
-            </a:r>
-            <a:r>
-              <a:rPr lang="en-US" altLang="zh-CN" dirty="0" smtClean="0">
-                <a:latin typeface="Courier New" panose="02070309020205020404" pitchFamily="49" charset="0"/>
-                <a:cs typeface="Courier New" panose="02070309020205020404" pitchFamily="49" charset="0"/>
-              </a:rPr>
-              <a:t>	</a:t>
-            </a:r>
-            <a:r>
-              <a:rPr lang="en-US" altLang="zh-CN" dirty="0" err="1" smtClean="0">
-                <a:latin typeface="Courier New" panose="02070309020205020404" pitchFamily="49" charset="0"/>
-                <a:cs typeface="Courier New" panose="02070309020205020404" pitchFamily="49" charset="0"/>
-              </a:rPr>
-              <a:t>a.append</a:t>
-            </a:r>
-            <a:r>
-              <a:rPr lang="en-US" altLang="zh-CN" dirty="0" smtClean="0">
-                <a:latin typeface="Courier New" panose="02070309020205020404" pitchFamily="49" charset="0"/>
-                <a:cs typeface="Courier New" panose="02070309020205020404" pitchFamily="49" charset="0"/>
-              </a:rPr>
-              <a:t>(</a:t>
-            </a:r>
-            <a:r>
-              <a:rPr lang="en-US" altLang="zh-CN" dirty="0" err="1" smtClean="0">
-                <a:latin typeface="Courier New" panose="02070309020205020404" pitchFamily="49" charset="0"/>
-                <a:cs typeface="Courier New" panose="02070309020205020404" pitchFamily="49" charset="0"/>
-              </a:rPr>
-              <a:t>line.strip</a:t>
-            </a:r>
-            <a:r>
-              <a:rPr lang="en-US" altLang="zh-CN" dirty="0" smtClean="0">
-                <a:latin typeface="Courier New" panose="02070309020205020404" pitchFamily="49" charset="0"/>
-                <a:cs typeface="Courier New" panose="02070309020205020404" pitchFamily="49" charset="0"/>
-              </a:rPr>
-              <a:t>())</a:t>
-            </a:r>
-            <a:endParaRPr lang="en-US" altLang="zh-CN" dirty="0" smtClean="0">
-              <a:latin typeface="Courier New" panose="02070309020205020404" pitchFamily="49" charset="0"/>
-              <a:cs typeface="Courier New" panose="02070309020205020404" pitchFamily="49" charset="0"/>
-            </a:endParaRPr>
-          </a:p>
-          <a:p>
-            <a:endParaRPr lang="en-US" altLang="zh-CN" dirty="0">
-              <a:latin typeface="Courier New" panose="02070309020205020404" pitchFamily="49" charset="0"/>
-              <a:cs typeface="Courier New" panose="02070309020205020404" pitchFamily="49" charset="0"/>
-            </a:endParaRPr>
-          </a:p>
-          <a:p>
-            <a:r>
-              <a:rPr lang="en-US" altLang="zh-CN" dirty="0" err="1" smtClean="0">
-                <a:latin typeface="Courier New" panose="02070309020205020404" pitchFamily="49" charset="0"/>
-                <a:cs typeface="Courier New" panose="02070309020205020404" pitchFamily="49" charset="0"/>
-              </a:rPr>
-              <a:t>all_lines</a:t>
-            </a:r>
-            <a:r>
-              <a:rPr lang="en-US" altLang="zh-CN" dirty="0" smtClean="0">
-                <a:latin typeface="Courier New" panose="02070309020205020404" pitchFamily="49" charset="0"/>
-                <a:cs typeface="Courier New" panose="02070309020205020404" pitchFamily="49" charset="0"/>
-              </a:rPr>
-              <a:t> = []</a:t>
-            </a:r>
-          </a:p>
-          <a:p>
-            <a:r>
-              <a:rPr lang="en-US" altLang="zh-CN" dirty="0" err="1" smtClean="0">
-                <a:latin typeface="Courier New" panose="02070309020205020404" pitchFamily="49" charset="0"/>
-                <a:cs typeface="Courier New" panose="02070309020205020404" pitchFamily="49" charset="0"/>
-              </a:rPr>
-              <a:t>readfile</a:t>
-            </a:r>
-            <a:r>
-              <a:rPr lang="en-US" altLang="zh-CN" dirty="0" smtClean="0">
-                <a:latin typeface="Courier New" panose="02070309020205020404" pitchFamily="49" charset="0"/>
-                <a:cs typeface="Courier New" panose="02070309020205020404" pitchFamily="49" charset="0"/>
-              </a:rPr>
-              <a:t>(‘cipher.py’, </a:t>
-            </a:r>
-            <a:r>
-              <a:rPr lang="en-US" altLang="zh-CN" dirty="0" err="1" smtClean="0">
-                <a:latin typeface="Courier New" panose="02070309020205020404" pitchFamily="49" charset="0"/>
-                <a:cs typeface="Courier New" panose="02070309020205020404" pitchFamily="49" charset="0"/>
-              </a:rPr>
-              <a:t>all_lines</a:t>
-            </a:r>
-            <a:r>
-              <a:rPr lang="en-US" altLang="zh-CN" dirty="0" smtClean="0">
-                <a:latin typeface="Courier New" panose="02070309020205020404" pitchFamily="49" charset="0"/>
-                <a:cs typeface="Courier New" panose="02070309020205020404" pitchFamily="49" charset="0"/>
-              </a:rPr>
-              <a:t>)</a:t>
-            </a:r>
-          </a:p>
-          <a:p>
-            <a:r>
-              <a:rPr lang="en-US" altLang="zh-CN" dirty="0" err="1">
-                <a:latin typeface="Courier New" panose="02070309020205020404" pitchFamily="49" charset="0"/>
-                <a:cs typeface="Courier New" panose="02070309020205020404" pitchFamily="49" charset="0"/>
-              </a:rPr>
-              <a:t>readfile</a:t>
-            </a:r>
-            <a:r>
-              <a:rPr lang="en-US" altLang="zh-CN" dirty="0" smtClean="0">
-                <a:latin typeface="Courier New" panose="02070309020205020404" pitchFamily="49" charset="0"/>
-                <a:cs typeface="Courier New" panose="02070309020205020404" pitchFamily="49" charset="0"/>
-              </a:rPr>
-              <a:t>(‘jeopardy.py’, </a:t>
-            </a:r>
-            <a:r>
-              <a:rPr lang="en-US" altLang="zh-CN" dirty="0" err="1">
-                <a:latin typeface="Courier New" panose="02070309020205020404" pitchFamily="49" charset="0"/>
-                <a:cs typeface="Courier New" panose="02070309020205020404" pitchFamily="49" charset="0"/>
-              </a:rPr>
-              <a:t>all_lines</a:t>
-            </a:r>
-            <a:r>
-              <a:rPr lang="en-US" altLang="zh-CN" dirty="0" smtClean="0">
-                <a:latin typeface="Courier New" panose="02070309020205020404" pitchFamily="49" charset="0"/>
-                <a:cs typeface="Courier New" panose="02070309020205020404" pitchFamily="49" charset="0"/>
-              </a:rPr>
-              <a:t>)</a:t>
-            </a:r>
-          </a:p>
-          <a:p>
-            <a:r>
-              <a:rPr lang="en-US" altLang="zh-CN" dirty="0" smtClean="0">
-                <a:latin typeface="Courier New" panose="02070309020205020404" pitchFamily="49" charset="0"/>
-                <a:cs typeface="Courier New" panose="02070309020205020404" pitchFamily="49" charset="0"/>
-              </a:rPr>
-              <a:t>…</a:t>
-            </a:r>
-            <a:endParaRPr lang="en-US" altLang="zh-CN" dirty="0">
-              <a:latin typeface="Courier New" panose="02070309020205020404" pitchFamily="49" charset="0"/>
-              <a:cs typeface="Courier New" panose="02070309020205020404" pitchFamily="49" charset="0"/>
             </a:endParaRPr>
           </a:p>
         </p:txBody>
@@ -10285,32 +10163,34 @@
       </p:sp>
       <p:sp>
         <p:nvSpPr>
-          <p:cNvPr id="6" name="Rectangle 5"/>
-          <p:cNvSpPr/>
-          <p:nvPr/>
-        </p:nvSpPr>
-        <p:spPr>
-          <a:xfrm>
-            <a:off x="0" y="6451738"/>
-            <a:ext cx="1037664" cy="276999"/>
-          </a:xfrm>
-          <a:prstGeom prst="rect">
-            <a:avLst/>
-          </a:prstGeom>
-        </p:spPr>
-        <p:txBody>
-          <a:bodyPr wrap="none">
+          <p:cNvPr id="7" name="TextBox 6"/>
+          <p:cNvSpPr txBox="1"/>
+          <p:nvPr/>
+        </p:nvSpPr>
+        <p:spPr>
+          <a:xfrm>
+            <a:off x="8869998" y="6453063"/>
+            <a:ext cx="262662" cy="276999"/>
+          </a:xfrm>
+          <a:prstGeom prst="rect">
+            <a:avLst/>
+          </a:prstGeom>
+          <a:noFill/>
+        </p:spPr>
+        <p:txBody>
+          <a:bodyPr wrap="none" rtlCol="0">
             <a:spAutoFit/>
           </a:bodyPr>
           <a:lstStyle/>
           <a:p>
+            <a:pPr algn="r"/>
             <a:r>
               <a:rPr lang="en-US" sz="1200" dirty="0" smtClean="0">
                 <a:solidFill>
                   <a:srgbClr val="118EB0"/>
                 </a:solidFill>
               </a:rPr>
-              <a:t>Administrivia</a:t>
+              <a:t>1</a:t>
             </a:r>
             <a:endParaRPr lang="en-US" sz="1200" dirty="0">
               <a:solidFill>
@@ -10322,14 +10202,14 @@
       </p:sp>
       <p:sp>
         <p:nvSpPr>
-          <p:cNvPr id="7" name="TextBox 6"/>
+          <p:cNvPr id="9" name="TextBox 8"/>
           <p:cNvSpPr txBox="1"/>
           <p:nvPr/>
         </p:nvSpPr>
         <p:spPr>
           <a:xfrm>
-            <a:off x="8869998" y="6453063"/>
-            <a:ext cx="262662" cy="276999"/>
+            <a:off x="646025" y="1662316"/>
+            <a:ext cx="5674876" cy="2031325"/>
           </a:xfrm>
           <a:prstGeom prst="rect">
             <a:avLst/>
@@ -10337,227 +10217,225 @@
           <a:noFill/>
         </p:spPr>
         <p:txBody>
-          <a:bodyPr wrap="none" rtlCol="0">
+          <a:bodyPr wrap="square" rtlCol="0">
             <a:spAutoFit/>
           </a:bodyPr>
           <a:lstStyle/>
           <a:p>
-            <a:pPr algn="r"/>
+            <a:r>
+              <a:rPr lang="en-US" altLang="zh-CN" dirty="0" err="1" smtClean="0">
+                <a:latin typeface="Courier New" panose="02070309020205020404" pitchFamily="49" charset="0"/>
+                <a:cs typeface="Courier New" panose="02070309020205020404" pitchFamily="49" charset="0"/>
+              </a:rPr>
+              <a:t>def</a:t>
+            </a:r>
+            <a:r>
+              <a:rPr lang="en-US" altLang="zh-CN" dirty="0" smtClean="0">
+                <a:latin typeface="Courier New" panose="02070309020205020404" pitchFamily="49" charset="0"/>
+                <a:cs typeface="Courier New" panose="02070309020205020404" pitchFamily="49" charset="0"/>
+              </a:rPr>
+              <a:t> </a:t>
+            </a:r>
+            <a:r>
+              <a:rPr lang="en-US" altLang="zh-CN" dirty="0" err="1" smtClean="0">
+                <a:latin typeface="Courier New" panose="02070309020205020404" pitchFamily="49" charset="0"/>
+                <a:cs typeface="Courier New" panose="02070309020205020404" pitchFamily="49" charset="0"/>
+              </a:rPr>
+              <a:t>readfile</a:t>
+            </a:r>
+            <a:r>
+              <a:rPr lang="en-US" altLang="zh-CN" dirty="0" smtClean="0">
+                <a:latin typeface="Courier New" panose="02070309020205020404" pitchFamily="49" charset="0"/>
+                <a:cs typeface="Courier New" panose="02070309020205020404" pitchFamily="49" charset="0"/>
+              </a:rPr>
+              <a:t>(filename, a)</a:t>
+            </a:r>
+          </a:p>
+          <a:p>
+            <a:r>
+              <a:rPr lang="en-US" altLang="zh-CN" dirty="0">
+                <a:latin typeface="Courier New" panose="02070309020205020404" pitchFamily="49" charset="0"/>
+                <a:cs typeface="Courier New" panose="02070309020205020404" pitchFamily="49" charset="0"/>
+              </a:rPr>
+              <a:t>	</a:t>
+            </a:r>
+            <a:r>
+              <a:rPr lang="en-US" altLang="zh-CN" dirty="0" smtClean="0">
+                <a:latin typeface="Courier New" panose="02070309020205020404" pitchFamily="49" charset="0"/>
+                <a:cs typeface="Courier New" panose="02070309020205020404" pitchFamily="49" charset="0"/>
+              </a:rPr>
+              <a:t>for line in open(filename):</a:t>
+            </a:r>
+          </a:p>
+          <a:p>
+            <a:r>
+              <a:rPr lang="en-US" altLang="zh-CN" dirty="0">
+                <a:latin typeface="Courier New" panose="02070309020205020404" pitchFamily="49" charset="0"/>
+                <a:cs typeface="Courier New" panose="02070309020205020404" pitchFamily="49" charset="0"/>
+              </a:rPr>
+              <a:t>	</a:t>
+            </a:r>
+            <a:r>
+              <a:rPr lang="en-US" altLang="zh-CN" dirty="0" smtClean="0">
+                <a:latin typeface="Courier New" panose="02070309020205020404" pitchFamily="49" charset="0"/>
+                <a:cs typeface="Courier New" panose="02070309020205020404" pitchFamily="49" charset="0"/>
+              </a:rPr>
+              <a:t>	</a:t>
+            </a:r>
+            <a:r>
+              <a:rPr lang="en-US" altLang="zh-CN" dirty="0" err="1">
+                <a:latin typeface="Courier New" panose="02070309020205020404" pitchFamily="49" charset="0"/>
+                <a:cs typeface="Courier New" panose="02070309020205020404" pitchFamily="49" charset="0"/>
+              </a:rPr>
+              <a:t>a.append</a:t>
+            </a:r>
+            <a:r>
+              <a:rPr lang="en-US" altLang="zh-CN" dirty="0">
+                <a:latin typeface="Courier New" panose="02070309020205020404" pitchFamily="49" charset="0"/>
+                <a:cs typeface="Courier New" panose="02070309020205020404" pitchFamily="49" charset="0"/>
+              </a:rPr>
+              <a:t>(</a:t>
+            </a:r>
+            <a:r>
+              <a:rPr lang="en-US" altLang="zh-CN" dirty="0" err="1">
+                <a:latin typeface="Courier New" panose="02070309020205020404" pitchFamily="49" charset="0"/>
+                <a:cs typeface="Courier New" panose="02070309020205020404" pitchFamily="49" charset="0"/>
+              </a:rPr>
+              <a:t>line.strip</a:t>
+            </a:r>
+            <a:r>
+              <a:rPr lang="en-US" altLang="zh-CN" dirty="0">
+                <a:latin typeface="Courier New" panose="02070309020205020404" pitchFamily="49" charset="0"/>
+                <a:cs typeface="Courier New" panose="02070309020205020404" pitchFamily="49" charset="0"/>
+              </a:rPr>
+              <a:t>())</a:t>
+            </a:r>
+            <a:endParaRPr lang="en-US" altLang="zh-CN" dirty="0" smtClean="0">
+              <a:latin typeface="Courier New" panose="02070309020205020404" pitchFamily="49" charset="0"/>
+              <a:cs typeface="Courier New" panose="02070309020205020404" pitchFamily="49" charset="0"/>
+            </a:endParaRPr>
+          </a:p>
+          <a:p>
+            <a:endParaRPr lang="en-US" altLang="zh-CN" dirty="0">
+              <a:latin typeface="Courier New" panose="02070309020205020404" pitchFamily="49" charset="0"/>
+              <a:cs typeface="Courier New" panose="02070309020205020404" pitchFamily="49" charset="0"/>
+            </a:endParaRPr>
+          </a:p>
+          <a:p>
+            <a:r>
+              <a:rPr lang="en-US" altLang="zh-CN" dirty="0" err="1" smtClean="0">
+                <a:latin typeface="Courier New" panose="02070309020205020404" pitchFamily="49" charset="0"/>
+                <a:cs typeface="Courier New" panose="02070309020205020404" pitchFamily="49" charset="0"/>
+              </a:rPr>
+              <a:t>all_lines</a:t>
+            </a:r>
+            <a:r>
+              <a:rPr lang="en-US" altLang="zh-CN" dirty="0" smtClean="0">
+                <a:latin typeface="Courier New" panose="02070309020205020404" pitchFamily="49" charset="0"/>
+                <a:cs typeface="Courier New" panose="02070309020205020404" pitchFamily="49" charset="0"/>
+              </a:rPr>
+              <a:t> = []</a:t>
+            </a:r>
+          </a:p>
+          <a:p>
+            <a:r>
+              <a:rPr lang="en-US" altLang="zh-CN" dirty="0" smtClean="0">
+                <a:latin typeface="Courier New" panose="02070309020205020404" pitchFamily="49" charset="0"/>
+                <a:cs typeface="Courier New" panose="02070309020205020404" pitchFamily="49" charset="0"/>
+              </a:rPr>
+              <a:t>for f in open(‘filenames.txt’):</a:t>
+            </a:r>
+          </a:p>
+          <a:p>
+            <a:r>
+              <a:rPr lang="en-US" altLang="zh-CN" dirty="0">
+                <a:latin typeface="Courier New" panose="02070309020205020404" pitchFamily="49" charset="0"/>
+                <a:cs typeface="Courier New" panose="02070309020205020404" pitchFamily="49" charset="0"/>
+              </a:rPr>
+              <a:t>	</a:t>
+            </a:r>
+            <a:r>
+              <a:rPr lang="en-US" altLang="zh-CN" dirty="0" err="1" smtClean="0">
+                <a:latin typeface="Courier New" panose="02070309020205020404" pitchFamily="49" charset="0"/>
+                <a:cs typeface="Courier New" panose="02070309020205020404" pitchFamily="49" charset="0"/>
+              </a:rPr>
+              <a:t>readfile</a:t>
+            </a:r>
+            <a:r>
+              <a:rPr lang="en-US" altLang="zh-CN" dirty="0" smtClean="0">
+                <a:latin typeface="Courier New" panose="02070309020205020404" pitchFamily="49" charset="0"/>
+                <a:cs typeface="Courier New" panose="02070309020205020404" pitchFamily="49" charset="0"/>
+              </a:rPr>
+              <a:t>(</a:t>
+            </a:r>
+            <a:r>
+              <a:rPr lang="en-US" altLang="zh-CN" dirty="0" err="1" smtClean="0">
+                <a:latin typeface="Courier New" panose="02070309020205020404" pitchFamily="49" charset="0"/>
+                <a:cs typeface="Courier New" panose="02070309020205020404" pitchFamily="49" charset="0"/>
+              </a:rPr>
+              <a:t>f.strip</a:t>
+            </a:r>
+            <a:r>
+              <a:rPr lang="en-US" altLang="zh-CN" dirty="0" smtClean="0">
+                <a:latin typeface="Courier New" panose="02070309020205020404" pitchFamily="49" charset="0"/>
+                <a:cs typeface="Courier New" panose="02070309020205020404" pitchFamily="49" charset="0"/>
+              </a:rPr>
+              <a:t>(), </a:t>
+            </a:r>
+            <a:r>
+              <a:rPr lang="en-US" altLang="zh-CN" dirty="0" err="1" smtClean="0">
+                <a:latin typeface="Courier New" panose="02070309020205020404" pitchFamily="49" charset="0"/>
+                <a:cs typeface="Courier New" panose="02070309020205020404" pitchFamily="49" charset="0"/>
+              </a:rPr>
+              <a:t>all_lines</a:t>
+            </a:r>
+            <a:r>
+              <a:rPr lang="en-US" altLang="zh-CN" dirty="0" smtClean="0">
+                <a:latin typeface="Courier New" panose="02070309020205020404" pitchFamily="49" charset="0"/>
+                <a:cs typeface="Courier New" panose="02070309020205020404" pitchFamily="49" charset="0"/>
+              </a:rPr>
+              <a:t>)</a:t>
+            </a:r>
+            <a:endParaRPr lang="en-US" altLang="zh-CN" dirty="0">
+              <a:latin typeface="Courier New" panose="02070309020205020404" pitchFamily="49" charset="0"/>
+              <a:cs typeface="Courier New" panose="02070309020205020404" pitchFamily="49" charset="0"/>
+            </a:endParaRPr>
+          </a:p>
+        </p:txBody>
+      </p:sp>
+      <p:sp>
+        <p:nvSpPr>
+          <p:cNvPr id="8" name="Rectangle 7"/>
+          <p:cNvSpPr/>
+          <p:nvPr/>
+        </p:nvSpPr>
+        <p:spPr>
+          <a:xfrm>
+            <a:off x="0" y="6451738"/>
+            <a:ext cx="711798" cy="276999"/>
+          </a:xfrm>
+          <a:prstGeom prst="rect">
+            <a:avLst/>
+          </a:prstGeom>
+        </p:spPr>
+        <p:txBody>
+          <a:bodyPr wrap="none">
+            <a:spAutoFit/>
+          </a:bodyPr>
+          <a:lstStyle/>
+          <a:p>
             <a:r>
               <a:rPr lang="en-US" sz="1200" dirty="0" smtClean="0">
                 <a:solidFill>
                   <a:srgbClr val="118EB0"/>
                 </a:solidFill>
               </a:rPr>
-              <a:t>1</a:t>
+              <a:t>Mutable</a:t>
             </a:r>
             <a:endParaRPr lang="en-US" sz="1200" dirty="0">
               <a:solidFill>
                 <a:srgbClr val="118EB0"/>
               </a:solidFill>
-            </a:endParaRPr>
-          </a:p>
-        </p:txBody>
-      </p:sp>
-      <p:sp>
-        <p:nvSpPr>
-          <p:cNvPr id="9" name="TextBox 8"/>
-          <p:cNvSpPr txBox="1"/>
-          <p:nvPr/>
-        </p:nvSpPr>
-        <p:spPr>
-          <a:xfrm>
-            <a:off x="646025" y="1662316"/>
-            <a:ext cx="5674876" cy="2031325"/>
-          </a:xfrm>
-          <a:prstGeom prst="rect">
-            <a:avLst/>
-          </a:prstGeom>
-          <a:noFill/>
-        </p:spPr>
-        <p:txBody>
-          <a:bodyPr wrap="square" rtlCol="0">
-            <a:spAutoFit/>
-          </a:bodyPr>
-          <a:lstStyle/>
-          <a:p>
-            <a:r>
-              <a:rPr lang="en-US" altLang="zh-CN" dirty="0" err="1" smtClean="0">
-                <a:latin typeface="Courier New" panose="02070309020205020404" pitchFamily="49" charset="0"/>
-                <a:cs typeface="Courier New" panose="02070309020205020404" pitchFamily="49" charset="0"/>
-              </a:rPr>
-              <a:t>def</a:t>
-            </a:r>
-            <a:r>
-              <a:rPr lang="en-US" altLang="zh-CN" dirty="0" smtClean="0">
-                <a:latin typeface="Courier New" panose="02070309020205020404" pitchFamily="49" charset="0"/>
-                <a:cs typeface="Courier New" panose="02070309020205020404" pitchFamily="49" charset="0"/>
-              </a:rPr>
-              <a:t> </a:t>
-            </a:r>
-            <a:r>
-              <a:rPr lang="en-US" altLang="zh-CN" dirty="0" err="1" smtClean="0">
-                <a:latin typeface="Courier New" panose="02070309020205020404" pitchFamily="49" charset="0"/>
-                <a:cs typeface="Courier New" panose="02070309020205020404" pitchFamily="49" charset="0"/>
-              </a:rPr>
-              <a:t>readfile</a:t>
-            </a:r>
-            <a:r>
-              <a:rPr lang="en-US" altLang="zh-CN" dirty="0" smtClean="0">
-                <a:latin typeface="Courier New" panose="02070309020205020404" pitchFamily="49" charset="0"/>
-                <a:cs typeface="Courier New" panose="02070309020205020404" pitchFamily="49" charset="0"/>
-              </a:rPr>
-              <a:t>(filename, a)</a:t>
-            </a:r>
-          </a:p>
-          <a:p>
-            <a:r>
-              <a:rPr lang="en-US" altLang="zh-CN" dirty="0">
-                <a:latin typeface="Courier New" panose="02070309020205020404" pitchFamily="49" charset="0"/>
-                <a:cs typeface="Courier New" panose="02070309020205020404" pitchFamily="49" charset="0"/>
-              </a:rPr>
-              <a:t>	</a:t>
-            </a:r>
-            <a:r>
-              <a:rPr lang="en-US" altLang="zh-CN" dirty="0" smtClean="0">
-                <a:latin typeface="Courier New" panose="02070309020205020404" pitchFamily="49" charset="0"/>
-                <a:cs typeface="Courier New" panose="02070309020205020404" pitchFamily="49" charset="0"/>
-              </a:rPr>
-              <a:t>for line in open(filename):</a:t>
-            </a:r>
-          </a:p>
-          <a:p>
-            <a:r>
-              <a:rPr lang="en-US" altLang="zh-CN" dirty="0">
-                <a:latin typeface="Courier New" panose="02070309020205020404" pitchFamily="49" charset="0"/>
-                <a:cs typeface="Courier New" panose="02070309020205020404" pitchFamily="49" charset="0"/>
-              </a:rPr>
-              <a:t>	</a:t>
-            </a:r>
-            <a:r>
-              <a:rPr lang="en-US" altLang="zh-CN" dirty="0" smtClean="0">
-                <a:latin typeface="Courier New" panose="02070309020205020404" pitchFamily="49" charset="0"/>
-                <a:cs typeface="Courier New" panose="02070309020205020404" pitchFamily="49" charset="0"/>
-              </a:rPr>
-              <a:t>	</a:t>
-            </a:r>
-            <a:r>
-              <a:rPr lang="en-US" altLang="zh-CN" dirty="0" err="1">
-                <a:latin typeface="Courier New" panose="02070309020205020404" pitchFamily="49" charset="0"/>
-                <a:cs typeface="Courier New" panose="02070309020205020404" pitchFamily="49" charset="0"/>
-              </a:rPr>
-              <a:t>a.append</a:t>
-            </a:r>
-            <a:r>
-              <a:rPr lang="en-US" altLang="zh-CN" dirty="0">
-                <a:latin typeface="Courier New" panose="02070309020205020404" pitchFamily="49" charset="0"/>
-                <a:cs typeface="Courier New" panose="02070309020205020404" pitchFamily="49" charset="0"/>
-              </a:rPr>
-              <a:t>(</a:t>
-            </a:r>
-            <a:r>
-              <a:rPr lang="en-US" altLang="zh-CN" dirty="0" err="1">
-                <a:latin typeface="Courier New" panose="02070309020205020404" pitchFamily="49" charset="0"/>
-                <a:cs typeface="Courier New" panose="02070309020205020404" pitchFamily="49" charset="0"/>
-              </a:rPr>
-              <a:t>line.strip</a:t>
-            </a:r>
-            <a:r>
-              <a:rPr lang="en-US" altLang="zh-CN" dirty="0">
-                <a:latin typeface="Courier New" panose="02070309020205020404" pitchFamily="49" charset="0"/>
-                <a:cs typeface="Courier New" panose="02070309020205020404" pitchFamily="49" charset="0"/>
-              </a:rPr>
-              <a:t>())</a:t>
-            </a:r>
-            <a:endParaRPr lang="en-US" altLang="zh-CN" dirty="0" smtClean="0">
-              <a:latin typeface="Courier New" panose="02070309020205020404" pitchFamily="49" charset="0"/>
-              <a:cs typeface="Courier New" panose="02070309020205020404" pitchFamily="49" charset="0"/>
-            </a:endParaRPr>
-          </a:p>
-          <a:p>
-            <a:endParaRPr lang="en-US" altLang="zh-CN" dirty="0">
-              <a:latin typeface="Courier New" panose="02070309020205020404" pitchFamily="49" charset="0"/>
-              <a:cs typeface="Courier New" panose="02070309020205020404" pitchFamily="49" charset="0"/>
-            </a:endParaRPr>
-          </a:p>
-          <a:p>
-            <a:r>
-              <a:rPr lang="en-US" altLang="zh-CN" dirty="0" err="1" smtClean="0">
-                <a:latin typeface="Courier New" panose="02070309020205020404" pitchFamily="49" charset="0"/>
-                <a:cs typeface="Courier New" panose="02070309020205020404" pitchFamily="49" charset="0"/>
-              </a:rPr>
-              <a:t>all_lines</a:t>
-            </a:r>
-            <a:r>
-              <a:rPr lang="en-US" altLang="zh-CN" dirty="0" smtClean="0">
-                <a:latin typeface="Courier New" panose="02070309020205020404" pitchFamily="49" charset="0"/>
-                <a:cs typeface="Courier New" panose="02070309020205020404" pitchFamily="49" charset="0"/>
-              </a:rPr>
-              <a:t> = []</a:t>
-            </a:r>
-          </a:p>
-          <a:p>
-            <a:r>
-              <a:rPr lang="en-US" altLang="zh-CN" dirty="0" smtClean="0">
-                <a:latin typeface="Courier New" panose="02070309020205020404" pitchFamily="49" charset="0"/>
-                <a:cs typeface="Courier New" panose="02070309020205020404" pitchFamily="49" charset="0"/>
-              </a:rPr>
-              <a:t>for f in open(‘filenames.txt’):</a:t>
-            </a:r>
-          </a:p>
-          <a:p>
-            <a:r>
-              <a:rPr lang="en-US" altLang="zh-CN" dirty="0">
-                <a:latin typeface="Courier New" panose="02070309020205020404" pitchFamily="49" charset="0"/>
-                <a:cs typeface="Courier New" panose="02070309020205020404" pitchFamily="49" charset="0"/>
-              </a:rPr>
-              <a:t>	</a:t>
-            </a:r>
-            <a:r>
-              <a:rPr lang="en-US" altLang="zh-CN" dirty="0" err="1" smtClean="0">
-                <a:latin typeface="Courier New" panose="02070309020205020404" pitchFamily="49" charset="0"/>
-                <a:cs typeface="Courier New" panose="02070309020205020404" pitchFamily="49" charset="0"/>
-              </a:rPr>
-              <a:t>readfile</a:t>
-            </a:r>
-            <a:r>
-              <a:rPr lang="en-US" altLang="zh-CN" dirty="0" smtClean="0">
-                <a:latin typeface="Courier New" panose="02070309020205020404" pitchFamily="49" charset="0"/>
-                <a:cs typeface="Courier New" panose="02070309020205020404" pitchFamily="49" charset="0"/>
-              </a:rPr>
-              <a:t>(</a:t>
-            </a:r>
-            <a:r>
-              <a:rPr lang="en-US" altLang="zh-CN" dirty="0" err="1" smtClean="0">
-                <a:latin typeface="Courier New" panose="02070309020205020404" pitchFamily="49" charset="0"/>
-                <a:cs typeface="Courier New" panose="02070309020205020404" pitchFamily="49" charset="0"/>
-              </a:rPr>
-              <a:t>f.strip</a:t>
-            </a:r>
-            <a:r>
-              <a:rPr lang="en-US" altLang="zh-CN" dirty="0" smtClean="0">
-                <a:latin typeface="Courier New" panose="02070309020205020404" pitchFamily="49" charset="0"/>
-                <a:cs typeface="Courier New" panose="02070309020205020404" pitchFamily="49" charset="0"/>
-              </a:rPr>
-              <a:t>(), </a:t>
-            </a:r>
-            <a:r>
-              <a:rPr lang="en-US" altLang="zh-CN" dirty="0" err="1" smtClean="0">
-                <a:latin typeface="Courier New" panose="02070309020205020404" pitchFamily="49" charset="0"/>
-                <a:cs typeface="Courier New" panose="02070309020205020404" pitchFamily="49" charset="0"/>
-              </a:rPr>
-              <a:t>all_lines</a:t>
-            </a:r>
-            <a:r>
-              <a:rPr lang="en-US" altLang="zh-CN" dirty="0" smtClean="0">
-                <a:latin typeface="Courier New" panose="02070309020205020404" pitchFamily="49" charset="0"/>
-                <a:cs typeface="Courier New" panose="02070309020205020404" pitchFamily="49" charset="0"/>
-              </a:rPr>
-              <a:t>)</a:t>
-            </a:r>
-            <a:endParaRPr lang="en-US" altLang="zh-CN" dirty="0">
-              <a:latin typeface="Courier New" panose="02070309020205020404" pitchFamily="49" charset="0"/>
-              <a:cs typeface="Courier New" panose="02070309020205020404" pitchFamily="49" charset="0"/>
             </a:endParaRPr>
           </a:p>
         </p:txBody>
@@ -10694,43 +10572,6 @@
       </p:sp>
       <p:sp>
         <p:nvSpPr>
-          <p:cNvPr id="6" name="Rectangle 5"/>
-          <p:cNvSpPr/>
-          <p:nvPr/>
-        </p:nvSpPr>
-        <p:spPr>
-          <a:xfrm>
-            <a:off x="0" y="6451738"/>
-            <a:ext cx="1037664" cy="276999"/>
-          </a:xfrm>
-          <a:prstGeom prst="rect">
-            <a:avLst/>
-          </a:prstGeom>
-        </p:spPr>
-        <p:txBody>
-          <a:bodyPr wrap="none">
-            <a:spAutoFit/>
-          </a:bodyPr>
-          <a:lstStyle/>
-          <a:p>
-            <a:r>
-              <a:rPr lang="en-US" sz="1200" dirty="0" smtClean="0">
-                <a:solidFill>
-                  <a:srgbClr val="118EB0"/>
-                </a:solidFill>
-              </a:rPr>
-              <a:t>Administrivia</a:t>
-            </a:r>
-            <a:endParaRPr lang="en-US" sz="1200" dirty="0">
-              <a:solidFill>
-                <a:srgbClr val="118EB0"/>
-              </a:solidFill>
-            </a:endParaRPr>
-          </a:p>
-        </p:txBody>
-      </p:sp>
-      <p:sp>
-        <p:nvSpPr>
           <p:cNvPr id="7" name="TextBox 6"/>
           <p:cNvSpPr txBox="1"/>
           <p:nvPr/>
@@ -10871,6 +10712,43 @@
               <a:t>Use the slice operator</a:t>
             </a:r>
             <a:endParaRPr lang="en-US" sz="2800" dirty="0"/>
+          </a:p>
+        </p:txBody>
+      </p:sp>
+      <p:sp>
+        <p:nvSpPr>
+          <p:cNvPr id="10" name="Rectangle 9"/>
+          <p:cNvSpPr/>
+          <p:nvPr/>
+        </p:nvSpPr>
+        <p:spPr>
+          <a:xfrm>
+            <a:off x="0" y="6451738"/>
+            <a:ext cx="711798" cy="276999"/>
+          </a:xfrm>
+          <a:prstGeom prst="rect">
+            <a:avLst/>
+          </a:prstGeom>
+        </p:spPr>
+        <p:txBody>
+          <a:bodyPr wrap="none">
+            <a:spAutoFit/>
+          </a:bodyPr>
+          <a:lstStyle/>
+          <a:p>
+            <a:r>
+              <a:rPr lang="en-US" sz="1200" dirty="0" smtClean="0">
+                <a:solidFill>
+                  <a:srgbClr val="118EB0"/>
+                </a:solidFill>
+              </a:rPr>
+              <a:t>Mutable</a:t>
+            </a:r>
+            <a:endParaRPr lang="en-US" sz="1200" dirty="0">
+              <a:solidFill>
+                <a:srgbClr val="118EB0"/>
+              </a:solidFill>
+            </a:endParaRPr>
           </a:p>
         </p:txBody>
       </p:sp>
@@ -11006,32 +10884,34 @@
       </p:sp>
       <p:sp>
         <p:nvSpPr>
-          <p:cNvPr id="6" name="Rectangle 5"/>
-          <p:cNvSpPr/>
-          <p:nvPr/>
-        </p:nvSpPr>
-        <p:spPr>
-          <a:xfrm>
-            <a:off x="0" y="6451738"/>
-            <a:ext cx="1037664" cy="276999"/>
-          </a:xfrm>
-          <a:prstGeom prst="rect">
-            <a:avLst/>
-          </a:prstGeom>
-        </p:spPr>
-        <p:txBody>
-          <a:bodyPr wrap="none">
+          <p:cNvPr id="7" name="TextBox 6"/>
+          <p:cNvSpPr txBox="1"/>
+          <p:nvPr/>
+        </p:nvSpPr>
+        <p:spPr>
+          <a:xfrm>
+            <a:off x="8869998" y="6453063"/>
+            <a:ext cx="262662" cy="276999"/>
+          </a:xfrm>
+          <a:prstGeom prst="rect">
+            <a:avLst/>
+          </a:prstGeom>
+          <a:noFill/>
+        </p:spPr>
+        <p:txBody>
+          <a:bodyPr wrap="none" rtlCol="0">
             <a:spAutoFit/>
           </a:bodyPr>
           <a:lstStyle/>
           <a:p>
+            <a:pPr algn="r"/>
             <a:r>
               <a:rPr lang="en-US" sz="1200" dirty="0" smtClean="0">
                 <a:solidFill>
                   <a:srgbClr val="118EB0"/>
                 </a:solidFill>
               </a:rPr>
-              <a:t>Administrivia</a:t>
+              <a:t>1</a:t>
             </a:r>
             <a:endParaRPr lang="en-US" sz="1200" dirty="0">
               <a:solidFill>
@@ -11043,45 +10923,6 @@
       </p:sp>
       <p:sp>
         <p:nvSpPr>
-          <p:cNvPr id="7" name="TextBox 6"/>
-          <p:cNvSpPr txBox="1"/>
-          <p:nvPr/>
-        </p:nvSpPr>
-        <p:spPr>
-          <a:xfrm>
-            <a:off x="8869998" y="6453063"/>
-            <a:ext cx="262662" cy="276999"/>
-          </a:xfrm>
-          <a:prstGeom prst="rect">
-            <a:avLst/>
-          </a:prstGeom>
-          <a:noFill/>
-        </p:spPr>
-        <p:txBody>
-          <a:bodyPr wrap="none" rtlCol="0">
-            <a:spAutoFit/>
-          </a:bodyPr>
-          <a:lstStyle/>
-          <a:p>
-            <a:pPr algn="r"/>
-            <a:r>
-              <a:rPr lang="en-US" sz="1200" dirty="0" smtClean="0">
-                <a:solidFill>
-                  <a:srgbClr val="118EB0"/>
-                </a:solidFill>
-              </a:rPr>
-              <a:t>1</a:t>
-            </a:r>
-            <a:endParaRPr lang="en-US" sz="1200" dirty="0">
-              <a:solidFill>
-                <a:srgbClr val="118EB0"/>
-              </a:solidFill>
-            </a:endParaRPr>
-          </a:p>
-        </p:txBody>
-      </p:sp>
-      <p:sp>
-        <p:nvSpPr>
           <p:cNvPr id="9" name="TextBox 8"/>
           <p:cNvSpPr txBox="1"/>
           <p:nvPr/>
@@ -11116,21 +10957,7 @@
                 <a:latin typeface="Courier New" panose="02070309020205020404" pitchFamily="49" charset="0"/>
                 <a:cs typeface="Courier New" panose="02070309020205020404" pitchFamily="49" charset="0"/>
               </a:rPr>
-              <a:t>y = x[:]		</a:t>
-            </a:r>
-            <a:r>
-              <a:rPr lang="en-US" altLang="zh-CN" dirty="0" smtClean="0">
-                <a:latin typeface="Courier New" panose="02070309020205020404" pitchFamily="49" charset="0"/>
-                <a:cs typeface="Courier New" panose="02070309020205020404" pitchFamily="49" charset="0"/>
-              </a:rPr>
-              <a:t>	#</a:t>
-            </a:r>
-            <a:r>
-              <a:rPr lang="en-US" altLang="zh-CN" dirty="0" smtClean="0">
-                <a:latin typeface="Courier New" panose="02070309020205020404" pitchFamily="49" charset="0"/>
-                <a:cs typeface="Courier New" panose="02070309020205020404" pitchFamily="49" charset="0"/>
-              </a:rPr>
-              <a:t>slice everything</a:t>
+              <a:t>y = x[:]			#slice everything</a:t>
             </a:r>
           </a:p>
           <a:p>
@@ -11148,38 +10975,20 @@
               </a:rPr>
               <a:t> = x</a:t>
             </a:r>
+          </a:p>
+          <a:p>
             <a:endParaRPr lang="en-US" altLang="zh-CN" dirty="0" smtClean="0">
               <a:latin typeface="Courier New" panose="02070309020205020404" pitchFamily="49" charset="0"/>
               <a:cs typeface="Courier New" panose="02070309020205020404" pitchFamily="49" charset="0"/>
             </a:endParaRPr>
           </a:p>
           <a:p>
-            <a:endParaRPr lang="en-US" altLang="zh-CN" dirty="0" smtClean="0">
-              <a:latin typeface="Courier New" panose="02070309020205020404" pitchFamily="49" charset="0"/>
-              <a:cs typeface="Courier New" panose="02070309020205020404" pitchFamily="49" charset="0"/>
-            </a:endParaRPr>
-          </a:p>
-          <a:p>
-            <a:r>
-              <a:rPr lang="en-US" altLang="zh-CN" dirty="0" smtClean="0">
-                <a:latin typeface="Courier New" panose="02070309020205020404" pitchFamily="49" charset="0"/>
-                <a:cs typeface="Courier New" panose="02070309020205020404" pitchFamily="49" charset="0"/>
-              </a:rPr>
-              <a:t>y </a:t>
-            </a:r>
-            <a:r>
-              <a:rPr lang="en-US" altLang="zh-CN" dirty="0" smtClean="0">
-                <a:latin typeface="Courier New" panose="02070309020205020404" pitchFamily="49" charset="0"/>
-                <a:cs typeface="Courier New" panose="02070309020205020404" pitchFamily="49" charset="0"/>
-              </a:rPr>
-              <a:t>== </a:t>
-            </a:r>
-            <a:r>
-              <a:rPr lang="en-US" altLang="zh-CN" dirty="0" smtClean="0">
-                <a:latin typeface="Courier New" panose="02070309020205020404" pitchFamily="49" charset="0"/>
-                <a:cs typeface="Courier New" panose="02070309020205020404" pitchFamily="49" charset="0"/>
-              </a:rPr>
-              <a:t>x				#True</a:t>
+            <a:r>
+              <a:rPr lang="en-US" altLang="zh-CN" dirty="0" smtClean="0">
+                <a:latin typeface="Courier New" panose="02070309020205020404" pitchFamily="49" charset="0"/>
+                <a:cs typeface="Courier New" panose="02070309020205020404" pitchFamily="49" charset="0"/>
+              </a:rPr>
+              <a:t>y == x				#True</a:t>
             </a:r>
           </a:p>
           <a:p>
@@ -11230,6 +11039,43 @@
               <a:t>Use the slice operator</a:t>
             </a:r>
             <a:endParaRPr lang="en-US" sz="2800" dirty="0"/>
+          </a:p>
+        </p:txBody>
+      </p:sp>
+      <p:sp>
+        <p:nvSpPr>
+          <p:cNvPr id="10" name="Rectangle 9"/>
+          <p:cNvSpPr/>
+          <p:nvPr/>
+        </p:nvSpPr>
+        <p:spPr>
+          <a:xfrm>
+            <a:off x="0" y="6451738"/>
+            <a:ext cx="711798" cy="276999"/>
+          </a:xfrm>
+          <a:prstGeom prst="rect">
+            <a:avLst/>
+          </a:prstGeom>
+        </p:spPr>
+        <p:txBody>
+          <a:bodyPr wrap="none">
+            <a:spAutoFit/>
+          </a:bodyPr>
+          <a:lstStyle/>
+          <a:p>
+            <a:r>
+              <a:rPr lang="en-US" sz="1200" dirty="0" smtClean="0">
+                <a:solidFill>
+                  <a:srgbClr val="118EB0"/>
+                </a:solidFill>
+              </a:rPr>
+              <a:t>Mutable</a:t>
+            </a:r>
+            <a:endParaRPr lang="en-US" sz="1200" dirty="0">
+              <a:solidFill>
+                <a:srgbClr val="118EB0"/>
+              </a:solidFill>
+            </a:endParaRPr>
           </a:p>
         </p:txBody>
       </p:sp>
@@ -11288,7 +11134,9 @@
           <a:lstStyle/>
           <a:p>
             <a:r>
-              <a:rPr lang="en-US" sz="2800" u="sng" dirty="0" smtClean="0"/>
+              <a:rPr lang="en-US" sz="2800" u="sng" dirty="0" smtClean="0">
+                <a:hlinkClick r:id="rId2"/>
+              </a:rPr>
               <a:t>Practice midterm</a:t>
             </a:r>
             <a:r>
@@ -11345,11 +11193,7 @@
             </a:r>
             <a:r>
               <a:rPr lang="en-US" sz="4000" i="1" dirty="0" smtClean="0"/>
-              <a:t>Midterm </a:t>
-            </a:r>
-            <a:r>
-              <a:rPr lang="en-US" sz="4000" i="1" dirty="0" smtClean="0"/>
-              <a:t>instructions +</a:t>
+              <a:t>Midterm instructions +</a:t>
             </a:r>
             <a:endParaRPr lang="en-US" sz="4000" i="1" dirty="0"/>
           </a:p>
@@ -11486,6 +11330,13 @@
   <p:clrMapOvr>
     <a:masterClrMapping/>
   </p:clrMapOvr>
+  <p:timing>
+    <p:tnLst>
+      <p:par>
+        <p:cTn id="1" dur="indefinite" restart="never" nodeType="tmRoot"/>
+      </p:par>
+    </p:tnLst>
+  </p:timing>
 </p:sld>
 </file>
 
@@ -11611,32 +11462,34 @@
       </p:sp>
       <p:sp>
         <p:nvSpPr>
-          <p:cNvPr id="6" name="Rectangle 5"/>
-          <p:cNvSpPr/>
-          <p:nvPr/>
-        </p:nvSpPr>
-        <p:spPr>
-          <a:xfrm>
-            <a:off x="0" y="6451738"/>
-            <a:ext cx="1037664" cy="276999"/>
-          </a:xfrm>
-          <a:prstGeom prst="rect">
-            <a:avLst/>
-          </a:prstGeom>
-        </p:spPr>
-        <p:txBody>
-          <a:bodyPr wrap="none">
+          <p:cNvPr id="7" name="TextBox 6"/>
+          <p:cNvSpPr txBox="1"/>
+          <p:nvPr/>
+        </p:nvSpPr>
+        <p:spPr>
+          <a:xfrm>
+            <a:off x="8869998" y="6453063"/>
+            <a:ext cx="262662" cy="276999"/>
+          </a:xfrm>
+          <a:prstGeom prst="rect">
+            <a:avLst/>
+          </a:prstGeom>
+          <a:noFill/>
+        </p:spPr>
+        <p:txBody>
+          <a:bodyPr wrap="none" rtlCol="0">
             <a:spAutoFit/>
           </a:bodyPr>
           <a:lstStyle/>
           <a:p>
+            <a:pPr algn="r"/>
             <a:r>
               <a:rPr lang="en-US" sz="1200" dirty="0" smtClean="0">
                 <a:solidFill>
                   <a:srgbClr val="118EB0"/>
                 </a:solidFill>
               </a:rPr>
-              <a:t>Administrivia</a:t>
+              <a:t>1</a:t>
             </a:r>
             <a:endParaRPr lang="en-US" sz="1200" dirty="0">
               <a:solidFill>
@@ -11648,45 +11501,6 @@
       </p:sp>
       <p:sp>
         <p:nvSpPr>
-          <p:cNvPr id="7" name="TextBox 6"/>
-          <p:cNvSpPr txBox="1"/>
-          <p:nvPr/>
-        </p:nvSpPr>
-        <p:spPr>
-          <a:xfrm>
-            <a:off x="8869998" y="6453063"/>
-            <a:ext cx="262662" cy="276999"/>
-          </a:xfrm>
-          <a:prstGeom prst="rect">
-            <a:avLst/>
-          </a:prstGeom>
-          <a:noFill/>
-        </p:spPr>
-        <p:txBody>
-          <a:bodyPr wrap="none" rtlCol="0">
-            <a:spAutoFit/>
-          </a:bodyPr>
-          <a:lstStyle/>
-          <a:p>
-            <a:pPr algn="r"/>
-            <a:r>
-              <a:rPr lang="en-US" sz="1200" dirty="0" smtClean="0">
-                <a:solidFill>
-                  <a:srgbClr val="118EB0"/>
-                </a:solidFill>
-              </a:rPr>
-              <a:t>1</a:t>
-            </a:r>
-            <a:endParaRPr lang="en-US" sz="1200" dirty="0">
-              <a:solidFill>
-                <a:srgbClr val="118EB0"/>
-              </a:solidFill>
-            </a:endParaRPr>
-          </a:p>
-        </p:txBody>
-      </p:sp>
-      <p:sp>
-        <p:nvSpPr>
           <p:cNvPr id="8" name="TextBox 7"/>
           <p:cNvSpPr txBox="1"/>
           <p:nvPr/>
@@ -11721,28 +11535,7 @@
                 <a:latin typeface="Courier New" panose="02070309020205020404" pitchFamily="49" charset="0"/>
                 <a:cs typeface="Courier New" panose="02070309020205020404" pitchFamily="49" charset="0"/>
               </a:rPr>
-              <a:t>y = x[:]		</a:t>
-            </a:r>
-            <a:r>
-              <a:rPr lang="en-US" altLang="zh-CN" dirty="0" smtClean="0">
-                <a:latin typeface="Courier New" panose="02070309020205020404" pitchFamily="49" charset="0"/>
-                <a:cs typeface="Courier New" panose="02070309020205020404" pitchFamily="49" charset="0"/>
-              </a:rPr>
-              <a:t>	#</a:t>
-            </a:r>
-            <a:r>
-              <a:rPr lang="en-US" altLang="zh-CN" dirty="0" smtClean="0">
-                <a:latin typeface="Courier New" panose="02070309020205020404" pitchFamily="49" charset="0"/>
-                <a:cs typeface="Courier New" panose="02070309020205020404" pitchFamily="49" charset="0"/>
-              </a:rPr>
-              <a:t>slice </a:t>
-            </a:r>
-            <a:r>
-              <a:rPr lang="en-US" altLang="zh-CN" dirty="0" smtClean="0">
-                <a:latin typeface="Courier New" panose="02070309020205020404" pitchFamily="49" charset="0"/>
-                <a:cs typeface="Courier New" panose="02070309020205020404" pitchFamily="49" charset="0"/>
-              </a:rPr>
-              <a:t>everything</a:t>
+              <a:t>y = x[:]			#slice everything</a:t>
             </a:r>
           </a:p>
           <a:p>
@@ -11753,10 +11546,6 @@
               </a:rPr>
               <a:t>z = x</a:t>
             </a:r>
-            <a:endParaRPr lang="en-US" altLang="zh-CN" dirty="0" smtClean="0">
-              <a:latin typeface="Courier New" panose="02070309020205020404" pitchFamily="49" charset="0"/>
-              <a:cs typeface="Courier New" panose="02070309020205020404" pitchFamily="49" charset="0"/>
-            </a:endParaRPr>
           </a:p>
           <a:p>
             <a:endParaRPr lang="en-US" altLang="zh-CN" dirty="0" smtClean="0">
@@ -11848,13 +11637,46 @@
           <a:p>
             <a:r>
               <a:rPr lang="en-US" sz="2800" dirty="0" smtClean="0"/>
-              <a:t>Use the slice </a:t>
-            </a:r>
-            <a:r>
-              <a:rPr lang="en-US" sz="2800" dirty="0" smtClean="0"/>
-              <a:t>operator</a:t>
+              <a:t>Use the slice operator</a:t>
             </a:r>
             <a:endParaRPr lang="en-US" sz="2800" dirty="0"/>
+          </a:p>
+        </p:txBody>
+      </p:sp>
+      <p:sp>
+        <p:nvSpPr>
+          <p:cNvPr id="9" name="Rectangle 8"/>
+          <p:cNvSpPr/>
+          <p:nvPr/>
+        </p:nvSpPr>
+        <p:spPr>
+          <a:xfrm>
+            <a:off x="0" y="6451738"/>
+            <a:ext cx="711798" cy="276999"/>
+          </a:xfrm>
+          <a:prstGeom prst="rect">
+            <a:avLst/>
+          </a:prstGeom>
+        </p:spPr>
+        <p:txBody>
+          <a:bodyPr wrap="none">
+            <a:spAutoFit/>
+          </a:bodyPr>
+          <a:lstStyle/>
+          <a:p>
+            <a:r>
+              <a:rPr lang="en-US" sz="1200" dirty="0" smtClean="0">
+                <a:solidFill>
+                  <a:srgbClr val="118EB0"/>
+                </a:solidFill>
+              </a:rPr>
+              <a:t>Mutable</a:t>
+            </a:r>
+            <a:endParaRPr lang="en-US" sz="1200" dirty="0">
+              <a:solidFill>
+                <a:srgbClr val="118EB0"/>
+              </a:solidFill>
+            </a:endParaRPr>
           </a:p>
         </p:txBody>
       </p:sp>
@@ -11998,7 +11820,7 @@
         <p:spPr>
           <a:xfrm>
             <a:off x="0" y="6451738"/>
-            <a:ext cx="1037664" cy="276999"/>
+            <a:ext cx="791179" cy="276999"/>
           </a:xfrm>
           <a:prstGeom prst="rect">
             <a:avLst/>
@@ -12016,7 +11838,7 @@
                   <a:srgbClr val="118EB0"/>
                 </a:solidFill>
               </a:rPr>
-              <a:t>Administrivia</a:t>
+              <a:t>Reminder</a:t>
             </a:r>
             <a:endParaRPr lang="en-US" sz="1200" dirty="0">
               <a:solidFill>
@@ -12104,25 +11926,6 @@
       </p:grpSpPr>
       <p:sp>
         <p:nvSpPr>
-          <p:cNvPr id="3" name="Content Placeholder 2"/>
-          <p:cNvSpPr>
-            <a:spLocks noGrp="1"/>
-          </p:cNvSpPr>
-          <p:nvPr>
-            <p:ph idx="1"/>
-          </p:nvPr>
-        </p:nvSpPr>
-        <p:spPr/>
-        <p:txBody>
-          <a:bodyPr/>
-          <a:lstStyle/>
-          <a:p>
-            <a:endParaRPr lang="en-US"/>
-          </a:p>
-        </p:txBody>
-      </p:sp>
-      <p:sp>
-        <p:nvSpPr>
           <p:cNvPr id="4" name="Rectangle 3"/>
           <p:cNvSpPr/>
           <p:nvPr/>
@@ -12227,7 +12030,7 @@
         <p:spPr>
           <a:xfrm>
             <a:off x="0" y="6451738"/>
-            <a:ext cx="1037664" cy="276999"/>
+            <a:ext cx="791179" cy="276999"/>
           </a:xfrm>
           <a:prstGeom prst="rect">
             <a:avLst/>
@@ -12245,7 +12048,7 @@
                   <a:srgbClr val="118EB0"/>
                 </a:solidFill>
               </a:rPr>
-              <a:t>Administrivia</a:t>
+              <a:t>Reminder</a:t>
             </a:r>
             <a:endParaRPr lang="en-US" sz="1200" dirty="0">
               <a:solidFill>
@@ -12294,310 +12097,75 @@
           </a:p>
         </p:txBody>
       </p:sp>
+      <p:sp>
+        <p:nvSpPr>
+          <p:cNvPr id="8" name="Content Placeholder 2"/>
+          <p:cNvSpPr>
+            <a:spLocks noGrp="1"/>
+          </p:cNvSpPr>
+          <p:nvPr>
+            <p:ph idx="1"/>
+          </p:nvPr>
+        </p:nvSpPr>
+        <p:spPr>
+          <a:xfrm>
+            <a:off x="457200" y="1600201"/>
+            <a:ext cx="8229600" cy="4525963"/>
+          </a:xfrm>
+        </p:spPr>
+        <p:txBody>
+          <a:bodyPr>
+            <a:normAutofit/>
+          </a:bodyPr>
+          <a:lstStyle/>
+          <a:p>
+            <a:r>
+              <a:rPr lang="en-US" sz="2800" u="sng" dirty="0" smtClean="0">
+                <a:hlinkClick r:id="rId2"/>
+              </a:rPr>
+              <a:t>Practice midterm</a:t>
+            </a:r>
+            <a:r>
+              <a:rPr lang="en-US" sz="2800" dirty="0" smtClean="0"/>
+              <a:t> on blackboard</a:t>
+            </a:r>
+            <a:r>
+              <a:rPr lang="en-US" sz="2800" dirty="0" smtClean="0"/>
+              <a:t>.</a:t>
+            </a:r>
+          </a:p>
+          <a:p>
+            <a:endParaRPr lang="en-US" sz="2800" dirty="0"/>
+          </a:p>
+          <a:p>
+            <a:r>
+              <a:rPr lang="en-US" sz="2800" dirty="0" smtClean="0"/>
+              <a:t>Q&amp;A session on Tuesday (Oct 31</a:t>
+            </a:r>
+            <a:r>
+              <a:rPr lang="en-US" sz="2800" baseline="30000" dirty="0" smtClean="0"/>
+              <a:t>st</a:t>
+            </a:r>
+            <a:r>
+              <a:rPr lang="en-US" sz="2800" dirty="0" smtClean="0"/>
+              <a:t>) afternoon</a:t>
+            </a:r>
+            <a:endParaRPr lang="en-US" sz="2400" dirty="0" smtClean="0"/>
+          </a:p>
+          <a:p>
+            <a:pPr lvl="1"/>
+            <a:r>
+              <a:rPr lang="en-US" sz="2400" dirty="0" smtClean="0"/>
+              <a:t>(?)Tentative</a:t>
+            </a:r>
+            <a:endParaRPr lang="en-US" sz="2400" dirty="0"/>
+          </a:p>
+        </p:txBody>
+      </p:sp>
     </p:spTree>
     <p:extLst>
       <p:ext uri="{BB962C8B-B14F-4D97-AF65-F5344CB8AC3E}">
         <p14:creationId xmlns:p14="http://schemas.microsoft.com/office/powerpoint/2010/main" val="130868914"/>
-      </p:ext>
-    </p:extLst>
-  </p:cSld>
-  <p:clrMapOvr>
-    <a:masterClrMapping/>
-  </p:clrMapOvr>
-</p:sld>
-</file>
-
-<file path=ppt/slides/slide33.xml><?xml version="1.0" encoding="utf-8"?>
-<p:sld xmlns:a="http://schemas.openxmlformats.org/drawingml/2006/main" xmlns:r="http://schemas.openxmlformats.org/officeDocument/2006/relationships" xmlns:p="http://schemas.openxmlformats.org/presentationml/2006/main">
-  <p:cSld>
-    <p:spTree>
-      <p:nvGrpSpPr>
-        <p:cNvPr id="1" name=""/>
-        <p:cNvGrpSpPr/>
-        <p:nvPr/>
-      </p:nvGrpSpPr>
-      <p:grpSpPr>
-        <a:xfrm>
-          <a:off x="0" y="0"/>
-          <a:ext cx="0" cy="0"/>
-          <a:chOff x="0" y="0"/>
-          <a:chExt cx="0" cy="0"/>
-        </a:xfrm>
-      </p:grpSpPr>
-      <p:sp>
-        <p:nvSpPr>
-          <p:cNvPr id="4" name="Rectangle 3"/>
-          <p:cNvSpPr/>
-          <p:nvPr/>
-        </p:nvSpPr>
-        <p:spPr>
-          <a:xfrm>
-            <a:off x="0" y="-7550"/>
-            <a:ext cx="9144000" cy="1228835"/>
-          </a:xfrm>
-          <a:prstGeom prst="rect">
-            <a:avLst/>
-          </a:prstGeom>
-          <a:solidFill>
-            <a:srgbClr val="3DBFDB"/>
-          </a:solidFill>
-          <a:ln>
-            <a:noFill/>
-          </a:ln>
-          <a:effectLst/>
-        </p:spPr>
-        <p:style>
-          <a:lnRef idx="1">
-            <a:schemeClr val="accent1"/>
-          </a:lnRef>
-          <a:fillRef idx="3">
-            <a:schemeClr val="accent1"/>
-          </a:fillRef>
-          <a:effectRef idx="2">
-            <a:schemeClr val="accent1"/>
-          </a:effectRef>
-          <a:fontRef idx="minor">
-            <a:schemeClr val="lt1"/>
-          </a:fontRef>
-        </p:style>
-        <p:txBody>
-          <a:bodyPr rtlCol="0" anchor="ctr"/>
-          <a:lstStyle/>
-          <a:p>
-            <a:r>
-              <a:rPr lang="en-US" sz="4000" i="1" dirty="0" smtClean="0"/>
-              <a:t>	</a:t>
-            </a:r>
-            <a:r>
-              <a:rPr lang="en-US" sz="4000" i="1" dirty="0" err="1" smtClean="0">
-                <a:latin typeface="Courier New" panose="02070309020205020404" pitchFamily="49" charset="0"/>
-                <a:cs typeface="Courier New" panose="02070309020205020404" pitchFamily="49" charset="0"/>
-              </a:rPr>
-              <a:t>dict</a:t>
-            </a:r>
-            <a:r>
-              <a:rPr lang="en-US" sz="4000" i="1" dirty="0" smtClean="0"/>
-              <a:t> </a:t>
-            </a:r>
-            <a:r>
-              <a:rPr lang="en-US" sz="4000" i="1" dirty="0" smtClean="0">
-                <a:cs typeface="Courier New" panose="02070309020205020404" pitchFamily="49" charset="0"/>
-              </a:rPr>
-              <a:t>Applications</a:t>
-            </a:r>
-            <a:endParaRPr lang="en-US" sz="4000" i="1" dirty="0"/>
-          </a:p>
-        </p:txBody>
-      </p:sp>
-      <p:sp>
-        <p:nvSpPr>
-          <p:cNvPr id="5" name="Rectangle 4"/>
-          <p:cNvSpPr/>
-          <p:nvPr/>
-        </p:nvSpPr>
-        <p:spPr>
-          <a:xfrm>
-            <a:off x="0" y="6737478"/>
-            <a:ext cx="9144000" cy="120522"/>
-          </a:xfrm>
-          <a:prstGeom prst="rect">
-            <a:avLst/>
-          </a:prstGeom>
-          <a:solidFill>
-            <a:srgbClr val="3DBFDB"/>
-          </a:solidFill>
-          <a:ln>
-            <a:noFill/>
-          </a:ln>
-          <a:effectLst/>
-        </p:spPr>
-        <p:style>
-          <a:lnRef idx="1">
-            <a:schemeClr val="accent1"/>
-          </a:lnRef>
-          <a:fillRef idx="3">
-            <a:schemeClr val="accent1"/>
-          </a:fillRef>
-          <a:effectRef idx="2">
-            <a:schemeClr val="accent1"/>
-          </a:effectRef>
-          <a:fontRef idx="minor">
-            <a:schemeClr val="lt1"/>
-          </a:fontRef>
-        </p:style>
-        <p:txBody>
-          <a:bodyPr rtlCol="0" anchor="ctr"/>
-          <a:lstStyle/>
-          <a:p>
-            <a:pPr algn="ctr"/>
-            <a:endParaRPr lang="en-US"/>
-          </a:p>
-        </p:txBody>
-      </p:sp>
-      <p:sp>
-        <p:nvSpPr>
-          <p:cNvPr id="6" name="Rectangle 5"/>
-          <p:cNvSpPr/>
-          <p:nvPr/>
-        </p:nvSpPr>
-        <p:spPr>
-          <a:xfrm>
-            <a:off x="0" y="6451738"/>
-            <a:ext cx="1037664" cy="276999"/>
-          </a:xfrm>
-          <a:prstGeom prst="rect">
-            <a:avLst/>
-          </a:prstGeom>
-        </p:spPr>
-        <p:txBody>
-          <a:bodyPr wrap="none">
-            <a:spAutoFit/>
-          </a:bodyPr>
-          <a:lstStyle/>
-          <a:p>
-            <a:r>
-              <a:rPr lang="en-US" sz="1200" dirty="0" smtClean="0">
-                <a:solidFill>
-                  <a:srgbClr val="118EB0"/>
-                </a:solidFill>
-              </a:rPr>
-              <a:t>Administrivia</a:t>
-            </a:r>
-            <a:endParaRPr lang="en-US" sz="1200" dirty="0">
-              <a:solidFill>
-                <a:srgbClr val="118EB0"/>
-              </a:solidFill>
-            </a:endParaRPr>
-          </a:p>
-        </p:txBody>
-      </p:sp>
-      <p:sp>
-        <p:nvSpPr>
-          <p:cNvPr id="7" name="TextBox 6"/>
-          <p:cNvSpPr txBox="1"/>
-          <p:nvPr/>
-        </p:nvSpPr>
-        <p:spPr>
-          <a:xfrm>
-            <a:off x="8869998" y="6453063"/>
-            <a:ext cx="262662" cy="276999"/>
-          </a:xfrm>
-          <a:prstGeom prst="rect">
-            <a:avLst/>
-          </a:prstGeom>
-          <a:noFill/>
-        </p:spPr>
-        <p:txBody>
-          <a:bodyPr wrap="none" rtlCol="0">
-            <a:spAutoFit/>
-          </a:bodyPr>
-          <a:lstStyle/>
-          <a:p>
-            <a:pPr algn="r"/>
-            <a:r>
-              <a:rPr lang="en-US" sz="1200" dirty="0" smtClean="0">
-                <a:solidFill>
-                  <a:srgbClr val="118EB0"/>
-                </a:solidFill>
-              </a:rPr>
-              <a:t>1</a:t>
-            </a:r>
-            <a:endParaRPr lang="en-US" sz="1200" dirty="0">
-              <a:solidFill>
-                <a:srgbClr val="118EB0"/>
-              </a:solidFill>
-            </a:endParaRPr>
-          </a:p>
-        </p:txBody>
-      </p:sp>
-      <p:sp>
-        <p:nvSpPr>
-          <p:cNvPr id="2" name="TextBox 1"/>
-          <p:cNvSpPr txBox="1"/>
-          <p:nvPr/>
-        </p:nvSpPr>
-        <p:spPr>
-          <a:xfrm>
-            <a:off x="860110" y="1771530"/>
-            <a:ext cx="4596130" cy="2031325"/>
-          </a:xfrm>
-          <a:prstGeom prst="rect">
-            <a:avLst/>
-          </a:prstGeom>
-          <a:noFill/>
-        </p:spPr>
-        <p:txBody>
-          <a:bodyPr wrap="none" rtlCol="0">
-            <a:spAutoFit/>
-          </a:bodyPr>
-          <a:lstStyle/>
-          <a:p>
-            <a:r>
-              <a:rPr lang="en-US" altLang="zh-CN" dirty="0" smtClean="0">
-                <a:latin typeface="Courier New" panose="02070309020205020404" pitchFamily="49" charset="0"/>
-                <a:cs typeface="Courier New" panose="02070309020205020404" pitchFamily="49" charset="0"/>
-              </a:rPr>
-              <a:t>x = ‘ABCDEFGHIJKLMNOPQRSTUVWXYZ’</a:t>
-            </a:r>
-          </a:p>
-          <a:p>
-            <a:r>
-              <a:rPr lang="en-US" altLang="zh-CN" dirty="0" smtClean="0">
-                <a:latin typeface="Courier New" panose="02070309020205020404" pitchFamily="49" charset="0"/>
-                <a:cs typeface="Courier New" panose="02070309020205020404" pitchFamily="49" charset="0"/>
-              </a:rPr>
-              <a:t>y = ‘BCDEFGHIJKLMNOPQRSTUVWXYZA’</a:t>
-            </a:r>
-          </a:p>
-          <a:p>
-            <a:endParaRPr lang="en-US" altLang="zh-CN" dirty="0" smtClean="0">
-              <a:latin typeface="Courier New" panose="02070309020205020404" pitchFamily="49" charset="0"/>
-              <a:cs typeface="Courier New" panose="02070309020205020404" pitchFamily="49" charset="0"/>
-            </a:endParaRPr>
-          </a:p>
-          <a:p>
-            <a:r>
-              <a:rPr lang="en-US" altLang="zh-CN" dirty="0" smtClean="0">
-                <a:latin typeface="Courier New" panose="02070309020205020404" pitchFamily="49" charset="0"/>
-                <a:cs typeface="Courier New" panose="02070309020205020404" pitchFamily="49" charset="0"/>
-              </a:rPr>
-              <a:t>#encoded is given</a:t>
-            </a:r>
-          </a:p>
-          <a:p>
-            <a:r>
-              <a:rPr lang="en-US" altLang="zh-CN" dirty="0" smtClean="0">
-                <a:latin typeface="Courier New" panose="02070309020205020404" pitchFamily="49" charset="0"/>
-                <a:cs typeface="Courier New" panose="02070309020205020404" pitchFamily="49" charset="0"/>
-              </a:rPr>
-              <a:t>decoded = ‘’</a:t>
-            </a:r>
-          </a:p>
-          <a:p>
-            <a:r>
-              <a:rPr lang="en-US" altLang="zh-CN" dirty="0" smtClean="0">
-                <a:latin typeface="Courier New" panose="02070309020205020404" pitchFamily="49" charset="0"/>
-                <a:cs typeface="Courier New" panose="02070309020205020404" pitchFamily="49" charset="0"/>
-              </a:rPr>
-              <a:t>…</a:t>
-            </a:r>
-            <a:endParaRPr lang="en-US" altLang="zh-CN" dirty="0">
-              <a:latin typeface="Courier New" panose="02070309020205020404" pitchFamily="49" charset="0"/>
-              <a:cs typeface="Courier New" panose="02070309020205020404" pitchFamily="49" charset="0"/>
-            </a:endParaRPr>
-          </a:p>
-          <a:p>
-            <a:endParaRPr lang="en-US" altLang="zh-CN" dirty="0" smtClean="0">
-              <a:latin typeface="Courier New" panose="02070309020205020404" pitchFamily="49" charset="0"/>
-              <a:cs typeface="Courier New" panose="02070309020205020404" pitchFamily="49" charset="0"/>
-            </a:endParaRPr>
-          </a:p>
-        </p:txBody>
-      </p:sp>
-    </p:spTree>
-    <p:extLst>
-      <p:ext uri="{BB962C8B-B14F-4D97-AF65-F5344CB8AC3E}">
-        <p14:creationId xmlns:p14="http://schemas.microsoft.com/office/powerpoint/2010/main" val="3354192356"/>
       </p:ext>
     </p:extLst>
   </p:cSld>
@@ -12715,43 +12283,6 @@
           <a:p>
             <a:pPr algn="ctr"/>
             <a:endParaRPr lang="en-US" dirty="0"/>
-          </a:p>
-        </p:txBody>
-      </p:sp>
-      <p:sp>
-        <p:nvSpPr>
-          <p:cNvPr id="6" name="Rectangle 5"/>
-          <p:cNvSpPr/>
-          <p:nvPr/>
-        </p:nvSpPr>
-        <p:spPr>
-          <a:xfrm>
-            <a:off x="0" y="6451738"/>
-            <a:ext cx="1037664" cy="276999"/>
-          </a:xfrm>
-          <a:prstGeom prst="rect">
-            <a:avLst/>
-          </a:prstGeom>
-        </p:spPr>
-        <p:txBody>
-          <a:bodyPr wrap="none">
-            <a:spAutoFit/>
-          </a:bodyPr>
-          <a:lstStyle/>
-          <a:p>
-            <a:r>
-              <a:rPr lang="en-US" sz="1200" dirty="0" smtClean="0">
-                <a:solidFill>
-                  <a:srgbClr val="118EB0"/>
-                </a:solidFill>
-              </a:rPr>
-              <a:t>Administrivia</a:t>
-            </a:r>
-            <a:endParaRPr lang="en-US" sz="1200" dirty="0">
-              <a:solidFill>
-                <a:srgbClr val="118EB0"/>
-              </a:solidFill>
-            </a:endParaRPr>
           </a:p>
         </p:txBody>
       </p:sp>
@@ -13017,7 +12548,7 @@
         <p:spPr>
           <a:xfrm>
             <a:off x="0" y="6451738"/>
-            <a:ext cx="1037664" cy="276999"/>
+            <a:ext cx="610232" cy="276999"/>
           </a:xfrm>
           <a:prstGeom prst="rect">
             <a:avLst/>
@@ -13035,7 +12566,7 @@
                   <a:srgbClr val="118EB0"/>
                 </a:solidFill>
               </a:rPr>
-              <a:t>Administrivia</a:t>
+              <a:t>Library</a:t>
             </a:r>
             <a:endParaRPr lang="en-US" sz="1200" dirty="0">
               <a:solidFill>
@@ -13172,14 +12703,7 @@
                 <a:latin typeface="Courier New" panose="02070309020205020404" pitchFamily="49" charset="0"/>
                 <a:cs typeface="Courier New" panose="02070309020205020404" pitchFamily="49" charset="0"/>
               </a:rPr>
-              <a:t>in(2*pi</a:t>
-            </a:r>
-            <a:r>
-              <a:rPr lang="en-US" altLang="zh-CN" dirty="0" smtClean="0">
-                <a:latin typeface="Courier New" panose="02070309020205020404" pitchFamily="49" charset="0"/>
-                <a:cs typeface="Courier New" panose="02070309020205020404" pitchFamily="49" charset="0"/>
-              </a:rPr>
-              <a:t>)</a:t>
+              <a:t>in(2*pi)</a:t>
             </a:r>
             <a:endParaRPr lang="zh-CN" altLang="en-US" dirty="0">
               <a:latin typeface="Courier New" panose="02070309020205020404" pitchFamily="49" charset="0"/>
@@ -13397,32 +12921,34 @@
       </p:sp>
       <p:sp>
         <p:nvSpPr>
-          <p:cNvPr id="6" name="Rectangle 5"/>
-          <p:cNvSpPr/>
-          <p:nvPr/>
-        </p:nvSpPr>
-        <p:spPr>
-          <a:xfrm>
-            <a:off x="0" y="6451738"/>
-            <a:ext cx="1037664" cy="276999"/>
-          </a:xfrm>
-          <a:prstGeom prst="rect">
-            <a:avLst/>
-          </a:prstGeom>
-        </p:spPr>
-        <p:txBody>
-          <a:bodyPr wrap="none">
+          <p:cNvPr id="7" name="TextBox 6"/>
+          <p:cNvSpPr txBox="1"/>
+          <p:nvPr/>
+        </p:nvSpPr>
+        <p:spPr>
+          <a:xfrm>
+            <a:off x="8869998" y="6453063"/>
+            <a:ext cx="262662" cy="276999"/>
+          </a:xfrm>
+          <a:prstGeom prst="rect">
+            <a:avLst/>
+          </a:prstGeom>
+          <a:noFill/>
+        </p:spPr>
+        <p:txBody>
+          <a:bodyPr wrap="none" rtlCol="0">
             <a:spAutoFit/>
           </a:bodyPr>
           <a:lstStyle/>
           <a:p>
+            <a:pPr algn="r"/>
             <a:r>
               <a:rPr lang="en-US" sz="1200" dirty="0" smtClean="0">
                 <a:solidFill>
                   <a:srgbClr val="118EB0"/>
                 </a:solidFill>
               </a:rPr>
-              <a:t>Administrivia</a:t>
+              <a:t>1</a:t>
             </a:r>
             <a:endParaRPr lang="en-US" sz="1200" dirty="0">
               <a:solidFill>
@@ -13434,14 +12960,14 @@
       </p:sp>
       <p:sp>
         <p:nvSpPr>
-          <p:cNvPr id="7" name="TextBox 6"/>
+          <p:cNvPr id="2" name="TextBox 1"/>
           <p:cNvSpPr txBox="1"/>
           <p:nvPr/>
         </p:nvSpPr>
         <p:spPr>
           <a:xfrm>
-            <a:off x="8869998" y="6453063"/>
-            <a:ext cx="262662" cy="276999"/>
+            <a:off x="861134" y="4182359"/>
+            <a:ext cx="3355406" cy="923330"/>
           </a:xfrm>
           <a:prstGeom prst="rect">
             <a:avLst/>
@@ -13454,101 +12980,99 @@
           </a:bodyPr>
           <a:lstStyle/>
           <a:p>
-            <a:pPr algn="r"/>
+            <a:r>
+              <a:rPr lang="en-US" altLang="zh-CN" dirty="0" smtClean="0">
+                <a:latin typeface="Courier New" panose="02070309020205020404" pitchFamily="49" charset="0"/>
+                <a:cs typeface="Courier New" panose="02070309020205020404" pitchFamily="49" charset="0"/>
+              </a:rPr>
+              <a:t>import </a:t>
+            </a:r>
+            <a:r>
+              <a:rPr lang="en-US" altLang="zh-CN" dirty="0" err="1" smtClean="0">
+                <a:latin typeface="Courier New" panose="02070309020205020404" pitchFamily="49" charset="0"/>
+                <a:cs typeface="Courier New" panose="02070309020205020404" pitchFamily="49" charset="0"/>
+              </a:rPr>
+              <a:t>numpy</a:t>
+            </a:r>
+            <a:r>
+              <a:rPr lang="en-US" altLang="zh-CN" dirty="0" smtClean="0">
+                <a:latin typeface="Courier New" panose="02070309020205020404" pitchFamily="49" charset="0"/>
+                <a:cs typeface="Courier New" panose="02070309020205020404" pitchFamily="49" charset="0"/>
+              </a:rPr>
+              <a:t> as np</a:t>
+            </a:r>
+          </a:p>
+          <a:p>
+            <a:r>
+              <a:rPr lang="en-US" altLang="zh-CN" dirty="0" err="1" smtClean="0">
+                <a:latin typeface="Courier New" panose="02070309020205020404" pitchFamily="49" charset="0"/>
+                <a:cs typeface="Courier New" panose="02070309020205020404" pitchFamily="49" charset="0"/>
+              </a:rPr>
+              <a:t>np.random.rand</a:t>
+            </a:r>
+            <a:r>
+              <a:rPr lang="en-US" altLang="zh-CN" dirty="0" smtClean="0">
+                <a:latin typeface="Courier New" panose="02070309020205020404" pitchFamily="49" charset="0"/>
+                <a:cs typeface="Courier New" panose="02070309020205020404" pitchFamily="49" charset="0"/>
+              </a:rPr>
+              <a:t>(3,3)</a:t>
+            </a:r>
+          </a:p>
+          <a:p>
+            <a:r>
+              <a:rPr lang="en-US" altLang="zh-CN" dirty="0" err="1" smtClean="0">
+                <a:latin typeface="Courier New" panose="02070309020205020404" pitchFamily="49" charset="0"/>
+                <a:cs typeface="Courier New" panose="02070309020205020404" pitchFamily="49" charset="0"/>
+              </a:rPr>
+              <a:t>np.random.randint</a:t>
+            </a:r>
+            <a:r>
+              <a:rPr lang="en-US" altLang="zh-CN" dirty="0" smtClean="0">
+                <a:latin typeface="Courier New" panose="02070309020205020404" pitchFamily="49" charset="0"/>
+                <a:cs typeface="Courier New" panose="02070309020205020404" pitchFamily="49" charset="0"/>
+              </a:rPr>
+              <a:t>(0,10)</a:t>
+            </a:r>
+            <a:endParaRPr lang="zh-CN" altLang="en-US" dirty="0">
+              <a:latin typeface="Courier New" panose="02070309020205020404" pitchFamily="49" charset="0"/>
+              <a:cs typeface="Courier New" panose="02070309020205020404" pitchFamily="49" charset="0"/>
+            </a:endParaRPr>
+          </a:p>
+        </p:txBody>
+      </p:sp>
+      <p:sp>
+        <p:nvSpPr>
+          <p:cNvPr id="8" name="Rectangle 7"/>
+          <p:cNvSpPr/>
+          <p:nvPr/>
+        </p:nvSpPr>
+        <p:spPr>
+          <a:xfrm>
+            <a:off x="0" y="6451738"/>
+            <a:ext cx="610232" cy="276999"/>
+          </a:xfrm>
+          <a:prstGeom prst="rect">
+            <a:avLst/>
+          </a:prstGeom>
+        </p:spPr>
+        <p:txBody>
+          <a:bodyPr wrap="none">
+            <a:spAutoFit/>
+          </a:bodyPr>
+          <a:lstStyle/>
+          <a:p>
             <a:r>
               <a:rPr lang="en-US" sz="1200" dirty="0" smtClean="0">
                 <a:solidFill>
                   <a:srgbClr val="118EB0"/>
                 </a:solidFill>
               </a:rPr>
-              <a:t>1</a:t>
+              <a:t>Library</a:t>
             </a:r>
             <a:endParaRPr lang="en-US" sz="1200" dirty="0">
               <a:solidFill>
                 <a:srgbClr val="118EB0"/>
               </a:solidFill>
-            </a:endParaRPr>
-          </a:p>
-        </p:txBody>
-      </p:sp>
-      <p:sp>
-        <p:nvSpPr>
-          <p:cNvPr id="2" name="TextBox 1"/>
-          <p:cNvSpPr txBox="1"/>
-          <p:nvPr/>
-        </p:nvSpPr>
-        <p:spPr>
-          <a:xfrm>
-            <a:off x="861134" y="4182359"/>
-            <a:ext cx="3355406" cy="923330"/>
-          </a:xfrm>
-          <a:prstGeom prst="rect">
-            <a:avLst/>
-          </a:prstGeom>
-          <a:noFill/>
-        </p:spPr>
-        <p:txBody>
-          <a:bodyPr wrap="none" rtlCol="0">
-            <a:spAutoFit/>
-          </a:bodyPr>
-          <a:lstStyle/>
-          <a:p>
-            <a:r>
-              <a:rPr lang="en-US" altLang="zh-CN" dirty="0" smtClean="0">
-                <a:latin typeface="Courier New" panose="02070309020205020404" pitchFamily="49" charset="0"/>
-                <a:cs typeface="Courier New" panose="02070309020205020404" pitchFamily="49" charset="0"/>
-              </a:rPr>
-              <a:t>import </a:t>
-            </a:r>
-            <a:r>
-              <a:rPr lang="en-US" altLang="zh-CN" dirty="0" err="1" smtClean="0">
-                <a:latin typeface="Courier New" panose="02070309020205020404" pitchFamily="49" charset="0"/>
-                <a:cs typeface="Courier New" panose="02070309020205020404" pitchFamily="49" charset="0"/>
-              </a:rPr>
-              <a:t>numpy</a:t>
-            </a:r>
-            <a:r>
-              <a:rPr lang="en-US" altLang="zh-CN" dirty="0" smtClean="0">
-                <a:latin typeface="Courier New" panose="02070309020205020404" pitchFamily="49" charset="0"/>
-                <a:cs typeface="Courier New" panose="02070309020205020404" pitchFamily="49" charset="0"/>
-              </a:rPr>
-              <a:t> as np</a:t>
-            </a:r>
-          </a:p>
-          <a:p>
-            <a:r>
-              <a:rPr lang="en-US" altLang="zh-CN" dirty="0" err="1" smtClean="0">
-                <a:latin typeface="Courier New" panose="02070309020205020404" pitchFamily="49" charset="0"/>
-                <a:cs typeface="Courier New" panose="02070309020205020404" pitchFamily="49" charset="0"/>
-              </a:rPr>
-              <a:t>np.random.rand</a:t>
-            </a:r>
-            <a:r>
-              <a:rPr lang="en-US" altLang="zh-CN" dirty="0" smtClean="0">
-                <a:latin typeface="Courier New" panose="02070309020205020404" pitchFamily="49" charset="0"/>
-                <a:cs typeface="Courier New" panose="02070309020205020404" pitchFamily="49" charset="0"/>
-              </a:rPr>
-              <a:t>(3,3)</a:t>
-            </a:r>
-          </a:p>
-          <a:p>
-            <a:r>
-              <a:rPr lang="en-US" altLang="zh-CN" dirty="0" err="1" smtClean="0">
-                <a:latin typeface="Courier New" panose="02070309020205020404" pitchFamily="49" charset="0"/>
-                <a:cs typeface="Courier New" panose="02070309020205020404" pitchFamily="49" charset="0"/>
-              </a:rPr>
-              <a:t>np.random.randint</a:t>
-            </a:r>
-            <a:r>
-              <a:rPr lang="en-US" altLang="zh-CN" dirty="0" smtClean="0">
-                <a:latin typeface="Courier New" panose="02070309020205020404" pitchFamily="49" charset="0"/>
-                <a:cs typeface="Courier New" panose="02070309020205020404" pitchFamily="49" charset="0"/>
-              </a:rPr>
-              <a:t>(0,10)</a:t>
-            </a:r>
-            <a:endParaRPr lang="zh-CN" altLang="en-US" dirty="0">
-              <a:latin typeface="Courier New" panose="02070309020205020404" pitchFamily="49" charset="0"/>
-              <a:cs typeface="Courier New" panose="02070309020205020404" pitchFamily="49" charset="0"/>
             </a:endParaRPr>
           </a:p>
         </p:txBody>
@@ -13674,43 +13198,6 @@
           <a:p>
             <a:pPr algn="ctr"/>
             <a:endParaRPr lang="en-US"/>
-          </a:p>
-        </p:txBody>
-      </p:sp>
-      <p:sp>
-        <p:nvSpPr>
-          <p:cNvPr id="6" name="Rectangle 5"/>
-          <p:cNvSpPr/>
-          <p:nvPr/>
-        </p:nvSpPr>
-        <p:spPr>
-          <a:xfrm>
-            <a:off x="0" y="6451738"/>
-            <a:ext cx="1037664" cy="276999"/>
-          </a:xfrm>
-          <a:prstGeom prst="rect">
-            <a:avLst/>
-          </a:prstGeom>
-        </p:spPr>
-        <p:txBody>
-          <a:bodyPr wrap="none">
-            <a:spAutoFit/>
-          </a:bodyPr>
-          <a:lstStyle/>
-          <a:p>
-            <a:r>
-              <a:rPr lang="en-US" sz="1200" dirty="0" smtClean="0">
-                <a:solidFill>
-                  <a:srgbClr val="118EB0"/>
-                </a:solidFill>
-              </a:rPr>
-              <a:t>Administrivia</a:t>
-            </a:r>
-            <a:endParaRPr lang="en-US" sz="1200" dirty="0">
-              <a:solidFill>
-                <a:srgbClr val="118EB0"/>
-              </a:solidFill>
-            </a:endParaRPr>
           </a:p>
         </p:txBody>
       </p:sp>
@@ -13948,7 +13435,7 @@
         <p:spPr>
           <a:xfrm>
             <a:off x="0" y="6451738"/>
-            <a:ext cx="1037664" cy="276999"/>
+            <a:ext cx="824906" cy="276999"/>
           </a:xfrm>
           <a:prstGeom prst="rect">
             <a:avLst/>
@@ -13966,7 +13453,7 @@
                   <a:srgbClr val="118EB0"/>
                 </a:solidFill>
               </a:rPr>
-              <a:t>Administrivia</a:t>
+              <a:t>Dictionary</a:t>
             </a:r>
             <a:endParaRPr lang="en-US" sz="1200" dirty="0">
               <a:solidFill>
@@ -14140,43 +13627,6 @@
       </p:sp>
       <p:sp>
         <p:nvSpPr>
-          <p:cNvPr id="6" name="Rectangle 5"/>
-          <p:cNvSpPr/>
-          <p:nvPr/>
-        </p:nvSpPr>
-        <p:spPr>
-          <a:xfrm>
-            <a:off x="0" y="6451738"/>
-            <a:ext cx="1037664" cy="276999"/>
-          </a:xfrm>
-          <a:prstGeom prst="rect">
-            <a:avLst/>
-          </a:prstGeom>
-        </p:spPr>
-        <p:txBody>
-          <a:bodyPr wrap="none">
-            <a:spAutoFit/>
-          </a:bodyPr>
-          <a:lstStyle/>
-          <a:p>
-            <a:r>
-              <a:rPr lang="en-US" sz="1200" dirty="0" smtClean="0">
-                <a:solidFill>
-                  <a:srgbClr val="118EB0"/>
-                </a:solidFill>
-              </a:rPr>
-              <a:t>Administrivia</a:t>
-            </a:r>
-            <a:endParaRPr lang="en-US" sz="1200" dirty="0">
-              <a:solidFill>
-                <a:srgbClr val="118EB0"/>
-              </a:solidFill>
-            </a:endParaRPr>
-          </a:p>
-        </p:txBody>
-      </p:sp>
-      <p:sp>
-        <p:nvSpPr>
           <p:cNvPr id="7" name="TextBox 6"/>
           <p:cNvSpPr txBox="1"/>
           <p:nvPr/>
@@ -14222,7 +13672,7 @@
           </p:cNvPicPr>
           <p:nvPr/>
         </p:nvPicPr>
-        <p:blipFill>
+        <p:blipFill rotWithShape="1">
           <a:blip r:embed="rId2">
             <a:extLst>
               <a:ext uri="{28A0092B-C50C-407E-A947-70E740481C1C}">
@@ -14230,20 +13680,116 @@
               </a:ext>
             </a:extLst>
           </a:blip>
-          <a:stretch>
-            <a:fillRect/>
-          </a:stretch>
+          <a:srcRect b="12286"/>
+          <a:stretch/>
         </p:blipFill>
         <p:spPr>
           <a:xfrm>
-            <a:off x="793488" y="1366038"/>
-            <a:ext cx="7557025" cy="5087025"/>
+            <a:off x="793488" y="1366039"/>
+            <a:ext cx="7557025" cy="4462006"/>
           </a:xfrm>
           <a:prstGeom prst="rect">
             <a:avLst/>
           </a:prstGeom>
         </p:spPr>
       </p:pic>
+      <p:sp>
+        <p:nvSpPr>
+          <p:cNvPr id="8" name="Rectangle 7"/>
+          <p:cNvSpPr/>
+          <p:nvPr/>
+        </p:nvSpPr>
+        <p:spPr>
+          <a:xfrm>
+            <a:off x="0" y="6451738"/>
+            <a:ext cx="824906" cy="276999"/>
+          </a:xfrm>
+          <a:prstGeom prst="rect">
+            <a:avLst/>
+          </a:prstGeom>
+        </p:spPr>
+        <p:txBody>
+          <a:bodyPr wrap="none">
+            <a:spAutoFit/>
+          </a:bodyPr>
+          <a:lstStyle/>
+          <a:p>
+            <a:r>
+              <a:rPr lang="en-US" sz="1200" dirty="0" smtClean="0">
+                <a:solidFill>
+                  <a:srgbClr val="118EB0"/>
+                </a:solidFill>
+              </a:rPr>
+              <a:t>Dictionary</a:t>
+            </a:r>
+            <a:endParaRPr lang="en-US" sz="1200" dirty="0">
+              <a:solidFill>
+                <a:srgbClr val="118EB0"/>
+              </a:solidFill>
+            </a:endParaRPr>
+          </a:p>
+        </p:txBody>
+      </p:sp>
+      <p:sp>
+        <p:nvSpPr>
+          <p:cNvPr id="2" name="TextBox 1"/>
+          <p:cNvSpPr txBox="1"/>
+          <p:nvPr/>
+        </p:nvSpPr>
+        <p:spPr>
+          <a:xfrm>
+            <a:off x="2059912" y="5866549"/>
+            <a:ext cx="1116011" cy="461665"/>
+          </a:xfrm>
+          <a:prstGeom prst="rect">
+            <a:avLst/>
+          </a:prstGeom>
+          <a:noFill/>
+        </p:spPr>
+        <p:txBody>
+          <a:bodyPr wrap="none" rtlCol="0">
+            <a:spAutoFit/>
+          </a:bodyPr>
+          <a:lstStyle/>
+          <a:p>
+            <a:r>
+              <a:rPr lang="en-US" sz="2400" smtClean="0"/>
+              <a:t>Models</a:t>
+            </a:r>
+            <a:endParaRPr lang="en-US" sz="2400"/>
+          </a:p>
+        </p:txBody>
+      </p:sp>
+      <p:sp>
+        <p:nvSpPr>
+          <p:cNvPr id="9" name="TextBox 8"/>
+          <p:cNvSpPr txBox="1"/>
+          <p:nvPr/>
+        </p:nvSpPr>
+        <p:spPr>
+          <a:xfrm>
+            <a:off x="5518219" y="5889591"/>
+            <a:ext cx="1914114" cy="461665"/>
+          </a:xfrm>
+          <a:prstGeom prst="rect">
+            <a:avLst/>
+          </a:prstGeom>
+          <a:noFill/>
+        </p:spPr>
+        <p:txBody>
+          <a:bodyPr wrap="none" rtlCol="0">
+            <a:spAutoFit/>
+          </a:bodyPr>
+          <a:lstStyle/>
+          <a:p>
+            <a:r>
+              <a:rPr lang="en-US" sz="2400" dirty="0" smtClean="0"/>
+              <a:t>Manufacturer</a:t>
+            </a:r>
+            <a:endParaRPr lang="en-US" sz="2400" dirty="0"/>
+          </a:p>
+        </p:txBody>
+      </p:sp>
     </p:spTree>
     <p:extLst>
       <p:ext uri="{BB962C8B-B14F-4D97-AF65-F5344CB8AC3E}">
